--- a/The Litlle Fighting.pptx
+++ b/The Litlle Fighting.pptx
@@ -31257,6 +31257,69 @@
       </p:grpSpPr>
       <p:sp>
         <p:nvSpPr>
+          <p:cNvPr id="15" name="Rectangle 14">
+            <a:extLst>
+              <a:ext uri="{FF2B5EF4-FFF2-40B4-BE49-F238E27FC236}">
+                <a16:creationId xmlns:a16="http://schemas.microsoft.com/office/drawing/2014/main" id="{4845A0EE-C4C8-4AE1-B3C6-1261368AC036}"/>
+              </a:ext>
+              <a:ext uri="{C183D7F6-B498-43B3-948B-1728B52AA6E4}">
+                <adec:decorative xmlns:adec="http://schemas.microsoft.com/office/drawing/2017/decorative" val="1"/>
+              </a:ext>
+            </a:extLst>
+          </p:cNvPr>
+          <p:cNvSpPr>
+            <a:spLocks noGrp="1" noRot="1" noChangeAspect="1" noMove="1" noResize="1" noEditPoints="1" noAdjustHandles="1" noChangeArrowheads="1" noChangeShapeType="1" noTextEdit="1"/>
+          </p:cNvSpPr>
+          <p:nvPr>
+            <p:extLst>
+              <p:ext uri="{386F3935-93C4-4BCD-93E2-E3B085C9AB24}">
+                <p16:designElem xmlns:p16="http://schemas.microsoft.com/office/powerpoint/2015/main" val="1"/>
+              </p:ext>
+            </p:extLst>
+          </p:nvPr>
+        </p:nvSpPr>
+        <p:spPr>
+          <a:xfrm>
+            <a:off x="0" y="0"/>
+            <a:ext cx="5468548" cy="6858000"/>
+          </a:xfrm>
+          <a:prstGeom prst="rect">
+            <a:avLst/>
+          </a:prstGeom>
+          <a:solidFill>
+            <a:srgbClr val="50485E"/>
+          </a:solidFill>
+          <a:ln>
+            <a:noFill/>
+          </a:ln>
+        </p:spPr>
+        <p:style>
+          <a:lnRef idx="2">
+            <a:schemeClr val="accent1">
+              <a:shade val="50000"/>
+            </a:schemeClr>
+          </a:lnRef>
+          <a:fillRef idx="1">
+            <a:schemeClr val="accent1"/>
+          </a:fillRef>
+          <a:effectRef idx="0">
+            <a:schemeClr val="accent1"/>
+          </a:effectRef>
+          <a:fontRef idx="minor">
+            <a:schemeClr val="lt1"/>
+          </a:fontRef>
+        </p:style>
+        <p:txBody>
+          <a:bodyPr rtlCol="0" anchor="ctr"/>
+          <a:lstStyle/>
+          <a:p>
+            <a:pPr algn="ctr"/>
+            <a:endParaRPr lang="en-US"/>
+          </a:p>
+        </p:txBody>
+      </p:sp>
+      <p:sp>
+        <p:nvSpPr>
           <p:cNvPr id="2" name="Titre 1">
             <a:extLst>
               <a:ext uri="{FF2B5EF4-FFF2-40B4-BE49-F238E27FC236}">
@@ -31273,81 +31336,37 @@
         </p:nvSpPr>
         <p:spPr>
           <a:xfrm>
-            <a:off x="762001" y="1141711"/>
-            <a:ext cx="3234466" cy="3474364"/>
+            <a:off x="621629" y="640080"/>
+            <a:ext cx="4225290" cy="5578816"/>
           </a:xfrm>
         </p:spPr>
         <p:txBody>
-          <a:bodyPr vert="horz" lIns="91440" tIns="45720" rIns="91440" bIns="45720" rtlCol="0" anchor="t">
+          <a:bodyPr vert="horz" lIns="91440" tIns="45720" rIns="91440" bIns="45720" rtlCol="0" anchor="ctr">
             <a:normAutofit/>
           </a:bodyPr>
           <a:lstStyle/>
           <a:p>
+            <a:pPr algn="ctr"/>
             <a:r>
-              <a:rPr lang="en-US" sz="3600"/>
+              <a:rPr lang="en-US" kern="1200">
+                <a:solidFill>
+                  <a:srgbClr val="FFFFFF"/>
+                </a:solidFill>
+                <a:latin typeface="+mj-lt"/>
+                <a:ea typeface="+mj-ea"/>
+                <a:cs typeface="+mj-cs"/>
+              </a:rPr>
               <a:t>Injection SQL</a:t>
             </a:r>
           </a:p>
         </p:txBody>
       </p:sp>
-      <p:cxnSp>
-        <p:nvCxnSpPr>
-          <p:cNvPr id="10" name="Straight Connector 9">
+      <p:pic>
+        <p:nvPicPr>
+          <p:cNvPr id="4" name="Image 3">
             <a:extLst>
               <a:ext uri="{FF2B5EF4-FFF2-40B4-BE49-F238E27FC236}">
-                <a16:creationId xmlns:a16="http://schemas.microsoft.com/office/drawing/2014/main" id="{33193FD5-6A49-7562-EA76-F15D42E15804}"/>
-              </a:ext>
-              <a:ext uri="{C183D7F6-B498-43B3-948B-1728B52AA6E4}">
-                <adec:decorative xmlns:adec="http://schemas.microsoft.com/office/drawing/2017/decorative" val="1"/>
-              </a:ext>
-            </a:extLst>
-          </p:cNvPr>
-          <p:cNvCxnSpPr>
-            <a:cxnSpLocks noGrp="1" noRot="1" noChangeAspect="1" noMove="1" noResize="1" noEditPoints="1" noAdjustHandles="1" noChangeArrowheads="1" noChangeShapeType="1"/>
-          </p:cNvCxnSpPr>
-          <p:nvPr>
-            <p:extLst>
-              <p:ext uri="{386F3935-93C4-4BCD-93E2-E3B085C9AB24}">
-                <p16:designElem xmlns:p16="http://schemas.microsoft.com/office/powerpoint/2015/main" val="1"/>
-              </p:ext>
-            </p:extLst>
-          </p:nvPr>
-        </p:nvCxnSpPr>
-        <p:spPr>
-          <a:xfrm>
-            <a:off x="865140" y="871146"/>
-            <a:ext cx="736939" cy="0"/>
-          </a:xfrm>
-          <a:prstGeom prst="line">
-            <a:avLst/>
-          </a:prstGeom>
-          <a:ln w="57150">
-            <a:solidFill>
-              <a:schemeClr val="accent4"/>
-            </a:solidFill>
-          </a:ln>
-        </p:spPr>
-        <p:style>
-          <a:lnRef idx="1">
-            <a:schemeClr val="accent1"/>
-          </a:lnRef>
-          <a:fillRef idx="0">
-            <a:schemeClr val="accent1"/>
-          </a:fillRef>
-          <a:effectRef idx="0">
-            <a:schemeClr val="accent1"/>
-          </a:effectRef>
-          <a:fontRef idx="minor">
-            <a:schemeClr val="tx1"/>
-          </a:fontRef>
-        </p:style>
-      </p:cxnSp>
-      <p:pic>
-        <p:nvPicPr>
-          <p:cNvPr id="5" name="Image 4">
-            <a:extLst>
-              <a:ext uri="{FF2B5EF4-FFF2-40B4-BE49-F238E27FC236}">
-                <a16:creationId xmlns:a16="http://schemas.microsoft.com/office/drawing/2014/main" id="{EE8F6431-C6E5-0703-CE83-B4A2263F1A32}"/>
+                <a16:creationId xmlns:a16="http://schemas.microsoft.com/office/drawing/2014/main" id="{B0770539-C4C2-149E-4F98-C4A1FBF3695D}"/>
               </a:ext>
             </a:extLst>
           </p:cNvPr>
@@ -31356,15 +31375,16 @@
           </p:cNvPicPr>
           <p:nvPr/>
         </p:nvPicPr>
-        <p:blipFill rotWithShape="1">
+        <p:blipFill>
           <a:blip r:embed="rId2"/>
-          <a:srcRect r="12447"/>
-          <a:stretch/>
+          <a:stretch>
+            <a:fillRect/>
+          </a:stretch>
         </p:blipFill>
         <p:spPr>
           <a:xfrm>
-            <a:off x="4615543" y="10"/>
-            <a:ext cx="7576458" cy="6857990"/>
+            <a:off x="6096000" y="1356458"/>
+            <a:ext cx="5459470" cy="4146060"/>
           </a:xfrm>
           <a:prstGeom prst="rect">
             <a:avLst/>
@@ -31409,12 +31429,12 @@
           <a:chExt cx="0" cy="0"/>
         </a:xfrm>
       </p:grpSpPr>
-      <p:sp useBgFill="1">
+      <p:sp>
         <p:nvSpPr>
-          <p:cNvPr id="9" name="Rectangle 8">
+          <p:cNvPr id="16" name="Rectangle 15">
             <a:extLst>
               <a:ext uri="{FF2B5EF4-FFF2-40B4-BE49-F238E27FC236}">
-                <a16:creationId xmlns:a16="http://schemas.microsoft.com/office/drawing/2014/main" id="{665DBBEF-238B-476B-96AB-8AAC3224ECEA}"/>
+                <a16:creationId xmlns:a16="http://schemas.microsoft.com/office/drawing/2014/main" id="{4845A0EE-C4C8-4AE1-B3C6-1261368AC036}"/>
               </a:ext>
               <a:ext uri="{C183D7F6-B498-43B3-948B-1728B52AA6E4}">
                 <adec:decorative xmlns:adec="http://schemas.microsoft.com/office/drawing/2017/decorative" val="1"/>
@@ -31435,328 +31455,16 @@
         <p:spPr>
           <a:xfrm>
             <a:off x="0" y="0"/>
-            <a:ext cx="12192000" cy="6858000"/>
+            <a:ext cx="5468548" cy="6858000"/>
           </a:xfrm>
           <a:prstGeom prst="rect">
             <a:avLst/>
           </a:prstGeom>
+          <a:solidFill>
+            <a:srgbClr val="675843"/>
+          </a:solidFill>
           <a:ln>
             <a:noFill/>
-          </a:ln>
-        </p:spPr>
-        <p:style>
-          <a:lnRef idx="2">
-            <a:schemeClr val="accent1">
-              <a:shade val="50000"/>
-            </a:schemeClr>
-          </a:lnRef>
-          <a:fillRef idx="1">
-            <a:schemeClr val="accent1"/>
-          </a:fillRef>
-          <a:effectRef idx="0">
-            <a:schemeClr val="accent1"/>
-          </a:effectRef>
-          <a:fontRef idx="minor">
-            <a:schemeClr val="lt1"/>
-          </a:fontRef>
-        </p:style>
-        <p:txBody>
-          <a:bodyPr rtlCol="0" anchor="ctr"/>
-          <a:lstStyle/>
-          <a:p>
-            <a:pPr algn="ctr"/>
-            <a:endParaRPr lang="en-US"/>
-          </a:p>
-        </p:txBody>
-      </p:sp>
-      <p:sp>
-        <p:nvSpPr>
-          <p:cNvPr id="2" name="Titre 1">
-            <a:extLst>
-              <a:ext uri="{FF2B5EF4-FFF2-40B4-BE49-F238E27FC236}">
-                <a16:creationId xmlns:a16="http://schemas.microsoft.com/office/drawing/2014/main" id="{91DA1188-AECF-40D8-3BBB-B5FEAEBBFE2D}"/>
-              </a:ext>
-            </a:extLst>
-          </p:cNvPr>
-          <p:cNvSpPr>
-            <a:spLocks noGrp="1"/>
-          </p:cNvSpPr>
-          <p:nvPr>
-            <p:ph type="title"/>
-          </p:nvPr>
-        </p:nvSpPr>
-        <p:spPr>
-          <a:xfrm>
-            <a:off x="638882" y="639193"/>
-            <a:ext cx="3571810" cy="3573516"/>
-          </a:xfrm>
-        </p:spPr>
-        <p:txBody>
-          <a:bodyPr vert="horz" lIns="91440" tIns="45720" rIns="91440" bIns="45720" rtlCol="0" anchor="b">
-            <a:normAutofit/>
-          </a:bodyPr>
-          <a:lstStyle/>
-          <a:p>
-            <a:r>
-              <a:rPr lang="en-US" sz="6600" kern="1200">
-                <a:solidFill>
-                  <a:schemeClr val="tx1"/>
-                </a:solidFill>
-                <a:latin typeface="+mj-lt"/>
-                <a:ea typeface="+mj-ea"/>
-                <a:cs typeface="+mj-cs"/>
-              </a:rPr>
-              <a:t>Faille XSS</a:t>
-            </a:r>
-          </a:p>
-        </p:txBody>
-      </p:sp>
-      <p:sp>
-        <p:nvSpPr>
-          <p:cNvPr id="11" name="sketch line">
-            <a:extLst>
-              <a:ext uri="{FF2B5EF4-FFF2-40B4-BE49-F238E27FC236}">
-                <a16:creationId xmlns:a16="http://schemas.microsoft.com/office/drawing/2014/main" id="{3FCFB1DE-0B7E-48CC-BA90-B2AB0889F9D6}"/>
-              </a:ext>
-              <a:ext uri="{C183D7F6-B498-43B3-948B-1728B52AA6E4}">
-                <adec:decorative xmlns:adec="http://schemas.microsoft.com/office/drawing/2017/decorative" val="1"/>
-              </a:ext>
-            </a:extLst>
-          </p:cNvPr>
-          <p:cNvSpPr>
-            <a:spLocks noGrp="1" noRot="1" noChangeAspect="1" noMove="1" noResize="1" noEditPoints="1" noAdjustHandles="1" noChangeArrowheads="1" noChangeShapeType="1" noTextEdit="1"/>
-          </p:cNvSpPr>
-          <p:nvPr>
-            <p:extLst>
-              <p:ext uri="{386F3935-93C4-4BCD-93E2-E3B085C9AB24}">
-                <p16:designElem xmlns:p16="http://schemas.microsoft.com/office/powerpoint/2015/main" val="1"/>
-              </p:ext>
-            </p:extLst>
-          </p:nvPr>
-        </p:nvSpPr>
-        <p:spPr>
-          <a:xfrm>
-            <a:off x="643278" y="4409267"/>
-            <a:ext cx="3255095" cy="18288"/>
-          </a:xfrm>
-          <a:custGeom>
-            <a:avLst/>
-            <a:gdLst>
-              <a:gd name="connsiteX0" fmla="*/ 0 w 3255095"/>
-              <a:gd name="connsiteY0" fmla="*/ 0 h 18288"/>
-              <a:gd name="connsiteX1" fmla="*/ 618468 w 3255095"/>
-              <a:gd name="connsiteY1" fmla="*/ 0 h 18288"/>
-              <a:gd name="connsiteX2" fmla="*/ 1269487 w 3255095"/>
-              <a:gd name="connsiteY2" fmla="*/ 0 h 18288"/>
-              <a:gd name="connsiteX3" fmla="*/ 1953057 w 3255095"/>
-              <a:gd name="connsiteY3" fmla="*/ 0 h 18288"/>
-              <a:gd name="connsiteX4" fmla="*/ 2636627 w 3255095"/>
-              <a:gd name="connsiteY4" fmla="*/ 0 h 18288"/>
-              <a:gd name="connsiteX5" fmla="*/ 3255095 w 3255095"/>
-              <a:gd name="connsiteY5" fmla="*/ 0 h 18288"/>
-              <a:gd name="connsiteX6" fmla="*/ 3255095 w 3255095"/>
-              <a:gd name="connsiteY6" fmla="*/ 18288 h 18288"/>
-              <a:gd name="connsiteX7" fmla="*/ 2538974 w 3255095"/>
-              <a:gd name="connsiteY7" fmla="*/ 18288 h 18288"/>
-              <a:gd name="connsiteX8" fmla="*/ 1822853 w 3255095"/>
-              <a:gd name="connsiteY8" fmla="*/ 18288 h 18288"/>
-              <a:gd name="connsiteX9" fmla="*/ 1171834 w 3255095"/>
-              <a:gd name="connsiteY9" fmla="*/ 18288 h 18288"/>
-              <a:gd name="connsiteX10" fmla="*/ 0 w 3255095"/>
-              <a:gd name="connsiteY10" fmla="*/ 18288 h 18288"/>
-              <a:gd name="connsiteX11" fmla="*/ 0 w 3255095"/>
-              <a:gd name="connsiteY11" fmla="*/ 0 h 18288"/>
-            </a:gdLst>
-            <a:ahLst/>
-            <a:cxnLst>
-              <a:cxn ang="0">
-                <a:pos x="connsiteX0" y="connsiteY0"/>
-              </a:cxn>
-              <a:cxn ang="0">
-                <a:pos x="connsiteX1" y="connsiteY1"/>
-              </a:cxn>
-              <a:cxn ang="0">
-                <a:pos x="connsiteX2" y="connsiteY2"/>
-              </a:cxn>
-              <a:cxn ang="0">
-                <a:pos x="connsiteX3" y="connsiteY3"/>
-              </a:cxn>
-              <a:cxn ang="0">
-                <a:pos x="connsiteX4" y="connsiteY4"/>
-              </a:cxn>
-              <a:cxn ang="0">
-                <a:pos x="connsiteX5" y="connsiteY5"/>
-              </a:cxn>
-              <a:cxn ang="0">
-                <a:pos x="connsiteX6" y="connsiteY6"/>
-              </a:cxn>
-              <a:cxn ang="0">
-                <a:pos x="connsiteX7" y="connsiteY7"/>
-              </a:cxn>
-              <a:cxn ang="0">
-                <a:pos x="connsiteX8" y="connsiteY8"/>
-              </a:cxn>
-              <a:cxn ang="0">
-                <a:pos x="connsiteX9" y="connsiteY9"/>
-              </a:cxn>
-              <a:cxn ang="0">
-                <a:pos x="connsiteX10" y="connsiteY10"/>
-              </a:cxn>
-              <a:cxn ang="0">
-                <a:pos x="connsiteX11" y="connsiteY11"/>
-              </a:cxn>
-            </a:cxnLst>
-            <a:rect l="l" t="t" r="r" b="b"/>
-            <a:pathLst>
-              <a:path w="3255095" h="18288" fill="none" extrusionOk="0">
-                <a:moveTo>
-                  <a:pt x="0" y="0"/>
-                </a:moveTo>
-                <a:cubicBezTo>
-                  <a:pt x="240201" y="-22123"/>
-                  <a:pt x="462021" y="-19623"/>
-                  <a:pt x="618468" y="0"/>
-                </a:cubicBezTo>
-                <a:cubicBezTo>
-                  <a:pt x="774915" y="19623"/>
-                  <a:pt x="974734" y="2035"/>
-                  <a:pt x="1269487" y="0"/>
-                </a:cubicBezTo>
-                <a:cubicBezTo>
-                  <a:pt x="1564240" y="-2035"/>
-                  <a:pt x="1733579" y="10639"/>
-                  <a:pt x="1953057" y="0"/>
-                </a:cubicBezTo>
-                <a:cubicBezTo>
-                  <a:pt x="2172535" y="-10639"/>
-                  <a:pt x="2453962" y="14018"/>
-                  <a:pt x="2636627" y="0"/>
-                </a:cubicBezTo>
-                <a:cubicBezTo>
-                  <a:pt x="2819292" y="-14018"/>
-                  <a:pt x="3121375" y="5399"/>
-                  <a:pt x="3255095" y="0"/>
-                </a:cubicBezTo>
-                <a:cubicBezTo>
-                  <a:pt x="3254386" y="8157"/>
-                  <a:pt x="3254682" y="12125"/>
-                  <a:pt x="3255095" y="18288"/>
-                </a:cubicBezTo>
-                <a:cubicBezTo>
-                  <a:pt x="3088545" y="23203"/>
-                  <a:pt x="2687475" y="7419"/>
-                  <a:pt x="2538974" y="18288"/>
-                </a:cubicBezTo>
-                <a:cubicBezTo>
-                  <a:pt x="2390473" y="29157"/>
-                  <a:pt x="2137381" y="-8959"/>
-                  <a:pt x="1822853" y="18288"/>
-                </a:cubicBezTo>
-                <a:cubicBezTo>
-                  <a:pt x="1508325" y="45535"/>
-                  <a:pt x="1466437" y="20385"/>
-                  <a:pt x="1171834" y="18288"/>
-                </a:cubicBezTo>
-                <a:cubicBezTo>
-                  <a:pt x="877231" y="16191"/>
-                  <a:pt x="561097" y="37643"/>
-                  <a:pt x="0" y="18288"/>
-                </a:cubicBezTo>
-                <a:cubicBezTo>
-                  <a:pt x="-46" y="12483"/>
-                  <a:pt x="-203" y="6491"/>
-                  <a:pt x="0" y="0"/>
-                </a:cubicBezTo>
-                <a:close/>
-              </a:path>
-              <a:path w="3255095" h="18288" stroke="0" extrusionOk="0">
-                <a:moveTo>
-                  <a:pt x="0" y="0"/>
-                </a:moveTo>
-                <a:cubicBezTo>
-                  <a:pt x="291965" y="19429"/>
-                  <a:pt x="363155" y="8568"/>
-                  <a:pt x="618468" y="0"/>
-                </a:cubicBezTo>
-                <a:cubicBezTo>
-                  <a:pt x="873781" y="-8568"/>
-                  <a:pt x="904459" y="-19505"/>
-                  <a:pt x="1171834" y="0"/>
-                </a:cubicBezTo>
-                <a:cubicBezTo>
-                  <a:pt x="1439209" y="19505"/>
-                  <a:pt x="1744369" y="9790"/>
-                  <a:pt x="1887955" y="0"/>
-                </a:cubicBezTo>
-                <a:cubicBezTo>
-                  <a:pt x="2031541" y="-9790"/>
-                  <a:pt x="2346378" y="21240"/>
-                  <a:pt x="2506423" y="0"/>
-                </a:cubicBezTo>
-                <a:cubicBezTo>
-                  <a:pt x="2666468" y="-21240"/>
-                  <a:pt x="2990257" y="30414"/>
-                  <a:pt x="3255095" y="0"/>
-                </a:cubicBezTo>
-                <a:cubicBezTo>
-                  <a:pt x="3254831" y="4493"/>
-                  <a:pt x="3255479" y="9472"/>
-                  <a:pt x="3255095" y="18288"/>
-                </a:cubicBezTo>
-                <a:cubicBezTo>
-                  <a:pt x="3120743" y="16690"/>
-                  <a:pt x="2759628" y="42462"/>
-                  <a:pt x="2604076" y="18288"/>
-                </a:cubicBezTo>
-                <a:cubicBezTo>
-                  <a:pt x="2448524" y="-5886"/>
-                  <a:pt x="2184336" y="19599"/>
-                  <a:pt x="1887955" y="18288"/>
-                </a:cubicBezTo>
-                <a:cubicBezTo>
-                  <a:pt x="1591574" y="16977"/>
-                  <a:pt x="1548845" y="6870"/>
-                  <a:pt x="1334589" y="18288"/>
-                </a:cubicBezTo>
-                <a:cubicBezTo>
-                  <a:pt x="1120333" y="29706"/>
-                  <a:pt x="996014" y="9662"/>
-                  <a:pt x="683570" y="18288"/>
-                </a:cubicBezTo>
-                <a:cubicBezTo>
-                  <a:pt x="371126" y="26914"/>
-                  <a:pt x="198687" y="16167"/>
-                  <a:pt x="0" y="18288"/>
-                </a:cubicBezTo>
-                <a:cubicBezTo>
-                  <a:pt x="843" y="9577"/>
-                  <a:pt x="371" y="6900"/>
-                  <a:pt x="0" y="0"/>
-                </a:cubicBezTo>
-                <a:close/>
-              </a:path>
-            </a:pathLst>
-          </a:custGeom>
-          <a:solidFill>
-            <a:schemeClr val="accent2"/>
-          </a:solidFill>
-          <a:ln w="38100" cap="rnd">
-            <a:solidFill>
-              <a:schemeClr val="accent2"/>
-            </a:solidFill>
-            <a:round/>
-            <a:extLst>
-              <a:ext uri="{C807C97D-BFC1-408E-A445-0C87EB9F89A2}">
-                <ask:lineSketchStyleProps xmlns:ask="http://schemas.microsoft.com/office/drawing/2018/sketchyshapes" sd="1219033472">
-                  <a:prstGeom prst="rect">
-                    <a:avLst/>
-                  </a:prstGeom>
-                  <ask:type>
-                    <ask:lineSketchFreehand/>
-                  </ask:type>
-                </ask:lineSketchStyleProps>
-              </a:ext>
-            </a:extLst>
           </a:ln>
         </p:spPr>
         <p:style>
@@ -31806,14 +31514,86 @@
         </p:blipFill>
         <p:spPr>
           <a:xfrm>
-            <a:off x="4654296" y="1762634"/>
-            <a:ext cx="7214616" cy="3305300"/>
+            <a:off x="6789738" y="639763"/>
+            <a:ext cx="4073525" cy="1830388"/>
           </a:xfrm>
           <a:prstGeom prst="rect">
             <a:avLst/>
           </a:prstGeom>
         </p:spPr>
       </p:pic>
+      <p:pic>
+        <p:nvPicPr>
+          <p:cNvPr id="3" name="Image 2">
+            <a:extLst>
+              <a:ext uri="{FF2B5EF4-FFF2-40B4-BE49-F238E27FC236}">
+                <a16:creationId xmlns:a16="http://schemas.microsoft.com/office/drawing/2014/main" id="{A7397261-9C47-2BB5-5011-B6C6D7B56261}"/>
+              </a:ext>
+            </a:extLst>
+          </p:cNvPr>
+          <p:cNvPicPr>
+            <a:picLocks noChangeAspect="1"/>
+          </p:cNvPicPr>
+          <p:nvPr/>
+        </p:nvPicPr>
+        <p:blipFill rotWithShape="1">
+          <a:blip r:embed="rId3"/>
+          <a:srcRect r="12447"/>
+          <a:stretch/>
+        </p:blipFill>
+        <p:spPr>
+          <a:xfrm>
+            <a:off x="6789738" y="2540000"/>
+            <a:ext cx="4073525" cy="3679825"/>
+          </a:xfrm>
+          <a:prstGeom prst="rect">
+            <a:avLst/>
+          </a:prstGeom>
+        </p:spPr>
+      </p:pic>
+      <p:sp>
+        <p:nvSpPr>
+          <p:cNvPr id="2" name="Titre 1">
+            <a:extLst>
+              <a:ext uri="{FF2B5EF4-FFF2-40B4-BE49-F238E27FC236}">
+                <a16:creationId xmlns:a16="http://schemas.microsoft.com/office/drawing/2014/main" id="{91DA1188-AECF-40D8-3BBB-B5FEAEBBFE2D}"/>
+              </a:ext>
+            </a:extLst>
+          </p:cNvPr>
+          <p:cNvSpPr>
+            <a:spLocks noGrp="1"/>
+          </p:cNvSpPr>
+          <p:nvPr>
+            <p:ph type="title"/>
+          </p:nvPr>
+        </p:nvSpPr>
+        <p:spPr>
+          <a:xfrm>
+            <a:off x="621629" y="640080"/>
+            <a:ext cx="4225290" cy="5578816"/>
+          </a:xfrm>
+        </p:spPr>
+        <p:txBody>
+          <a:bodyPr vert="horz" lIns="91440" tIns="45720" rIns="91440" bIns="45720" rtlCol="0" anchor="ctr">
+            <a:normAutofit/>
+          </a:bodyPr>
+          <a:lstStyle/>
+          <a:p>
+            <a:pPr algn="ctr"/>
+            <a:r>
+              <a:rPr lang="en-US" kern="1200">
+                <a:solidFill>
+                  <a:srgbClr val="FFFFFF"/>
+                </a:solidFill>
+                <a:latin typeface="+mj-lt"/>
+                <a:ea typeface="+mj-ea"/>
+                <a:cs typeface="+mj-cs"/>
+              </a:rPr>
+              <a:t>Faille XSS</a:t>
+            </a:r>
+          </a:p>
+        </p:txBody>
+      </p:sp>
     </p:spTree>
     <p:extLst>
       <p:ext uri="{BB962C8B-B14F-4D97-AF65-F5344CB8AC3E}">
@@ -32076,7 +31856,7 @@
       </p:grpSpPr>
       <p:sp useBgFill="1">
         <p:nvSpPr>
-          <p:cNvPr id="28" name="Rectangle 27">
+          <p:cNvPr id="37" name="Rectangle 36">
             <a:extLst>
               <a:ext uri="{FF2B5EF4-FFF2-40B4-BE49-F238E27FC236}">
                 <a16:creationId xmlns:a16="http://schemas.microsoft.com/office/drawing/2014/main" id="{19D32F93-50AC-4C46-A5DB-291C60DDB7BD}"/>
@@ -32136,10 +31916,10 @@
       </p:sp>
       <p:pic>
         <p:nvPicPr>
-          <p:cNvPr id="5" name="Image 4">
+          <p:cNvPr id="4" name="Image 3">
             <a:extLst>
               <a:ext uri="{FF2B5EF4-FFF2-40B4-BE49-F238E27FC236}">
-                <a16:creationId xmlns:a16="http://schemas.microsoft.com/office/drawing/2014/main" id="{2BB0D06F-2734-11E0-9AEE-A6B21F7E61DD}"/>
+                <a16:creationId xmlns:a16="http://schemas.microsoft.com/office/drawing/2014/main" id="{756240D0-2540-2999-9540-FFCA92C5B341}"/>
               </a:ext>
             </a:extLst>
           </p:cNvPr>
@@ -32156,8 +31936,8 @@
         </p:blipFill>
         <p:spPr>
           <a:xfrm>
-            <a:off x="1289303" y="1661147"/>
-            <a:ext cx="9613397" cy="1129572"/>
+            <a:off x="1289303" y="1865431"/>
+            <a:ext cx="9613397" cy="721005"/>
           </a:xfrm>
           <a:prstGeom prst="rect">
             <a:avLst/>
@@ -32166,7 +31946,7 @@
       </p:pic>
       <p:sp>
         <p:nvSpPr>
-          <p:cNvPr id="30" name="Right Triangle 29">
+          <p:cNvPr id="39" name="Right Triangle 38">
             <a:extLst>
               <a:ext uri="{FF2B5EF4-FFF2-40B4-BE49-F238E27FC236}">
                 <a16:creationId xmlns:a16="http://schemas.microsoft.com/office/drawing/2014/main" id="{827DC2C4-B485-428A-BF4A-472D2967F47F}"/>
@@ -32229,7 +32009,7 @@
       </p:sp>
       <p:sp>
         <p:nvSpPr>
-          <p:cNvPr id="32" name="Rectangle 31">
+          <p:cNvPr id="41" name="Rectangle 40">
             <a:extLst>
               <a:ext uri="{FF2B5EF4-FFF2-40B4-BE49-F238E27FC236}">
                 <a16:creationId xmlns:a16="http://schemas.microsoft.com/office/drawing/2014/main" id="{EE04B5EB-F158-4507-90DD-BD23620C7CC9}"/>
@@ -34153,8 +33933,8 @@
           <a:p>
             <a:pPr algn="r"/>
             <a:r>
-              <a:rPr lang="fr-FR" sz="4600"/>
-              <a:t>Technologie</a:t>
+              <a:rPr lang="fr-FR" sz="4600" dirty="0"/>
+              <a:t>Outils</a:t>
             </a:r>
           </a:p>
         </p:txBody>

--- a/The Litlle Fighting.pptx
+++ b/The Litlle Fighting.pptx
@@ -8,30 +8,36 @@
     <p:sldId id="256" r:id="rId2"/>
     <p:sldId id="257" r:id="rId3"/>
     <p:sldId id="258" r:id="rId4"/>
-    <p:sldId id="262" r:id="rId5"/>
-    <p:sldId id="261" r:id="rId6"/>
-    <p:sldId id="285" r:id="rId7"/>
-    <p:sldId id="264" r:id="rId8"/>
-    <p:sldId id="265" r:id="rId9"/>
-    <p:sldId id="266" r:id="rId10"/>
-    <p:sldId id="286" r:id="rId11"/>
-    <p:sldId id="267" r:id="rId12"/>
-    <p:sldId id="263" r:id="rId13"/>
+    <p:sldId id="261" r:id="rId5"/>
+    <p:sldId id="285" r:id="rId6"/>
+    <p:sldId id="264" r:id="rId7"/>
+    <p:sldId id="265" r:id="rId8"/>
+    <p:sldId id="266" r:id="rId9"/>
+    <p:sldId id="286" r:id="rId10"/>
+    <p:sldId id="267" r:id="rId11"/>
+    <p:sldId id="263" r:id="rId12"/>
+    <p:sldId id="284" r:id="rId13"/>
     <p:sldId id="269" r:id="rId14"/>
     <p:sldId id="270" r:id="rId15"/>
     <p:sldId id="271" r:id="rId16"/>
-    <p:sldId id="272" r:id="rId17"/>
-    <p:sldId id="273" r:id="rId18"/>
-    <p:sldId id="275" r:id="rId19"/>
-    <p:sldId id="284" r:id="rId20"/>
-    <p:sldId id="276" r:id="rId21"/>
-    <p:sldId id="279" r:id="rId22"/>
-    <p:sldId id="280" r:id="rId23"/>
-    <p:sldId id="281" r:id="rId24"/>
-    <p:sldId id="282" r:id="rId25"/>
-    <p:sldId id="283" r:id="rId26"/>
-    <p:sldId id="277" r:id="rId27"/>
-    <p:sldId id="278" r:id="rId28"/>
+    <p:sldId id="287" r:id="rId17"/>
+    <p:sldId id="272" r:id="rId18"/>
+    <p:sldId id="288" r:id="rId19"/>
+    <p:sldId id="273" r:id="rId20"/>
+    <p:sldId id="275" r:id="rId21"/>
+    <p:sldId id="289" r:id="rId22"/>
+    <p:sldId id="292" r:id="rId23"/>
+    <p:sldId id="290" r:id="rId24"/>
+    <p:sldId id="291" r:id="rId25"/>
+    <p:sldId id="293" r:id="rId26"/>
+    <p:sldId id="276" r:id="rId27"/>
+    <p:sldId id="279" r:id="rId28"/>
+    <p:sldId id="280" r:id="rId29"/>
+    <p:sldId id="281" r:id="rId30"/>
+    <p:sldId id="282" r:id="rId31"/>
+    <p:sldId id="283" r:id="rId32"/>
+    <p:sldId id="277" r:id="rId33"/>
+    <p:sldId id="278" r:id="rId34"/>
   </p:sldIdLst>
   <p:sldSz cx="12192000" cy="6858000"/>
   <p:notesSz cx="6858000" cy="9144000"/>
@@ -4118,753 +4124,6 @@
 </file>
 
 <file path=ppt/diagrams/colors6.xml><?xml version="1.0" encoding="utf-8"?>
-<dgm:colorsDef xmlns:dgm="http://schemas.openxmlformats.org/drawingml/2006/diagram" xmlns:a="http://schemas.openxmlformats.org/drawingml/2006/main" uniqueId="urn:microsoft.com/office/officeart/2005/8/colors/accent1_2">
-  <dgm:title val=""/>
-  <dgm:desc val=""/>
-  <dgm:catLst>
-    <dgm:cat type="accent1" pri="11200"/>
-  </dgm:catLst>
-  <dgm:styleLbl name="node0">
-    <dgm:fillClrLst meth="repeat">
-      <a:schemeClr val="accent1"/>
-    </dgm:fillClrLst>
-    <dgm:linClrLst meth="repeat">
-      <a:schemeClr val="lt1"/>
-    </dgm:linClrLst>
-    <dgm:effectClrLst/>
-    <dgm:txLinClrLst/>
-    <dgm:txFillClrLst/>
-    <dgm:txEffectClrLst/>
-  </dgm:styleLbl>
-  <dgm:styleLbl name="alignNode1">
-    <dgm:fillClrLst meth="repeat">
-      <a:schemeClr val="accent1"/>
-    </dgm:fillClrLst>
-    <dgm:linClrLst meth="repeat">
-      <a:schemeClr val="accent1"/>
-    </dgm:linClrLst>
-    <dgm:effectClrLst/>
-    <dgm:txLinClrLst/>
-    <dgm:txFillClrLst/>
-    <dgm:txEffectClrLst/>
-  </dgm:styleLbl>
-  <dgm:styleLbl name="node1">
-    <dgm:fillClrLst meth="repeat">
-      <a:schemeClr val="accent1"/>
-    </dgm:fillClrLst>
-    <dgm:linClrLst meth="repeat">
-      <a:schemeClr val="lt1"/>
-    </dgm:linClrLst>
-    <dgm:effectClrLst/>
-    <dgm:txLinClrLst/>
-    <dgm:txFillClrLst/>
-    <dgm:txEffectClrLst/>
-  </dgm:styleLbl>
-  <dgm:styleLbl name="lnNode1">
-    <dgm:fillClrLst meth="repeat">
-      <a:schemeClr val="accent1"/>
-    </dgm:fillClrLst>
-    <dgm:linClrLst meth="repeat">
-      <a:schemeClr val="lt1"/>
-    </dgm:linClrLst>
-    <dgm:effectClrLst/>
-    <dgm:txLinClrLst/>
-    <dgm:txFillClrLst/>
-    <dgm:txEffectClrLst/>
-  </dgm:styleLbl>
-  <dgm:styleLbl name="vennNode1">
-    <dgm:fillClrLst meth="repeat">
-      <a:schemeClr val="accent1">
-        <a:alpha val="50000"/>
-      </a:schemeClr>
-    </dgm:fillClrLst>
-    <dgm:linClrLst meth="repeat">
-      <a:schemeClr val="lt1"/>
-    </dgm:linClrLst>
-    <dgm:effectClrLst/>
-    <dgm:txLinClrLst/>
-    <dgm:txFillClrLst/>
-    <dgm:txEffectClrLst/>
-  </dgm:styleLbl>
-  <dgm:styleLbl name="node2">
-    <dgm:fillClrLst meth="repeat">
-      <a:schemeClr val="accent1"/>
-    </dgm:fillClrLst>
-    <dgm:linClrLst meth="repeat">
-      <a:schemeClr val="lt1"/>
-    </dgm:linClrLst>
-    <dgm:effectClrLst/>
-    <dgm:txLinClrLst/>
-    <dgm:txFillClrLst/>
-    <dgm:txEffectClrLst/>
-  </dgm:styleLbl>
-  <dgm:styleLbl name="node3">
-    <dgm:fillClrLst meth="repeat">
-      <a:schemeClr val="accent1"/>
-    </dgm:fillClrLst>
-    <dgm:linClrLst meth="repeat">
-      <a:schemeClr val="lt1"/>
-    </dgm:linClrLst>
-    <dgm:effectClrLst/>
-    <dgm:txLinClrLst/>
-    <dgm:txFillClrLst/>
-    <dgm:txEffectClrLst/>
-  </dgm:styleLbl>
-  <dgm:styleLbl name="node4">
-    <dgm:fillClrLst meth="repeat">
-      <a:schemeClr val="accent1"/>
-    </dgm:fillClrLst>
-    <dgm:linClrLst meth="repeat">
-      <a:schemeClr val="lt1"/>
-    </dgm:linClrLst>
-    <dgm:effectClrLst/>
-    <dgm:txLinClrLst/>
-    <dgm:txFillClrLst/>
-    <dgm:txEffectClrLst/>
-  </dgm:styleLbl>
-  <dgm:styleLbl name="fgImgPlace1">
-    <dgm:fillClrLst meth="repeat">
-      <a:schemeClr val="accent1">
-        <a:tint val="50000"/>
-      </a:schemeClr>
-    </dgm:fillClrLst>
-    <dgm:linClrLst meth="repeat">
-      <a:schemeClr val="lt1"/>
-    </dgm:linClrLst>
-    <dgm:effectClrLst/>
-    <dgm:txLinClrLst/>
-    <dgm:txFillClrLst meth="repeat">
-      <a:schemeClr val="lt1"/>
-    </dgm:txFillClrLst>
-    <dgm:txEffectClrLst/>
-  </dgm:styleLbl>
-  <dgm:styleLbl name="alignImgPlace1">
-    <dgm:fillClrLst meth="repeat">
-      <a:schemeClr val="accent1">
-        <a:tint val="50000"/>
-      </a:schemeClr>
-    </dgm:fillClrLst>
-    <dgm:linClrLst meth="repeat">
-      <a:schemeClr val="lt1"/>
-    </dgm:linClrLst>
-    <dgm:effectClrLst/>
-    <dgm:txLinClrLst/>
-    <dgm:txFillClrLst meth="repeat">
-      <a:schemeClr val="lt1"/>
-    </dgm:txFillClrLst>
-    <dgm:txEffectClrLst/>
-  </dgm:styleLbl>
-  <dgm:styleLbl name="bgImgPlace1">
-    <dgm:fillClrLst meth="repeat">
-      <a:schemeClr val="accent1">
-        <a:tint val="50000"/>
-      </a:schemeClr>
-    </dgm:fillClrLst>
-    <dgm:linClrLst meth="repeat">
-      <a:schemeClr val="lt1"/>
-    </dgm:linClrLst>
-    <dgm:effectClrLst/>
-    <dgm:txLinClrLst/>
-    <dgm:txFillClrLst meth="repeat">
-      <a:schemeClr val="lt1"/>
-    </dgm:txFillClrLst>
-    <dgm:txEffectClrLst/>
-  </dgm:styleLbl>
-  <dgm:styleLbl name="sibTrans2D1">
-    <dgm:fillClrLst meth="repeat">
-      <a:schemeClr val="accent1">
-        <a:tint val="60000"/>
-      </a:schemeClr>
-    </dgm:fillClrLst>
-    <dgm:linClrLst meth="repeat">
-      <a:schemeClr val="accent1">
-        <a:tint val="60000"/>
-      </a:schemeClr>
-    </dgm:linClrLst>
-    <dgm:effectClrLst/>
-    <dgm:txLinClrLst/>
-    <dgm:txFillClrLst/>
-    <dgm:txEffectClrLst/>
-  </dgm:styleLbl>
-  <dgm:styleLbl name="fgSibTrans2D1">
-    <dgm:fillClrLst meth="repeat">
-      <a:schemeClr val="accent1">
-        <a:tint val="60000"/>
-      </a:schemeClr>
-    </dgm:fillClrLst>
-    <dgm:linClrLst meth="repeat">
-      <a:schemeClr val="accent1">
-        <a:tint val="60000"/>
-      </a:schemeClr>
-    </dgm:linClrLst>
-    <dgm:effectClrLst/>
-    <dgm:txLinClrLst/>
-    <dgm:txFillClrLst/>
-    <dgm:txEffectClrLst/>
-  </dgm:styleLbl>
-  <dgm:styleLbl name="bgSibTrans2D1">
-    <dgm:fillClrLst meth="repeat">
-      <a:schemeClr val="accent1">
-        <a:tint val="60000"/>
-      </a:schemeClr>
-    </dgm:fillClrLst>
-    <dgm:linClrLst meth="repeat">
-      <a:schemeClr val="accent1">
-        <a:tint val="60000"/>
-      </a:schemeClr>
-    </dgm:linClrLst>
-    <dgm:effectClrLst/>
-    <dgm:txLinClrLst/>
-    <dgm:txFillClrLst/>
-    <dgm:txEffectClrLst/>
-  </dgm:styleLbl>
-  <dgm:styleLbl name="sibTrans1D1">
-    <dgm:fillClrLst meth="repeat">
-      <a:schemeClr val="accent1"/>
-    </dgm:fillClrLst>
-    <dgm:linClrLst meth="repeat">
-      <a:schemeClr val="accent1"/>
-    </dgm:linClrLst>
-    <dgm:effectClrLst/>
-    <dgm:txLinClrLst/>
-    <dgm:txFillClrLst meth="repeat">
-      <a:schemeClr val="tx1"/>
-    </dgm:txFillClrLst>
-    <dgm:txEffectClrLst/>
-  </dgm:styleLbl>
-  <dgm:styleLbl name="callout">
-    <dgm:fillClrLst meth="repeat">
-      <a:schemeClr val="accent1"/>
-    </dgm:fillClrLst>
-    <dgm:linClrLst meth="repeat">
-      <a:schemeClr val="accent1">
-        <a:tint val="50000"/>
-      </a:schemeClr>
-    </dgm:linClrLst>
-    <dgm:effectClrLst/>
-    <dgm:txLinClrLst/>
-    <dgm:txFillClrLst meth="repeat">
-      <a:schemeClr val="tx1"/>
-    </dgm:txFillClrLst>
-    <dgm:txEffectClrLst/>
-  </dgm:styleLbl>
-  <dgm:styleLbl name="asst0">
-    <dgm:fillClrLst meth="repeat">
-      <a:schemeClr val="accent1"/>
-    </dgm:fillClrLst>
-    <dgm:linClrLst meth="repeat">
-      <a:schemeClr val="lt1"/>
-    </dgm:linClrLst>
-    <dgm:effectClrLst/>
-    <dgm:txLinClrLst/>
-    <dgm:txFillClrLst/>
-    <dgm:txEffectClrLst/>
-  </dgm:styleLbl>
-  <dgm:styleLbl name="asst1">
-    <dgm:fillClrLst meth="repeat">
-      <a:schemeClr val="accent1"/>
-    </dgm:fillClrLst>
-    <dgm:linClrLst meth="repeat">
-      <a:schemeClr val="lt1"/>
-    </dgm:linClrLst>
-    <dgm:effectClrLst/>
-    <dgm:txLinClrLst/>
-    <dgm:txFillClrLst/>
-    <dgm:txEffectClrLst/>
-  </dgm:styleLbl>
-  <dgm:styleLbl name="asst2">
-    <dgm:fillClrLst meth="repeat">
-      <a:schemeClr val="accent1"/>
-    </dgm:fillClrLst>
-    <dgm:linClrLst meth="repeat">
-      <a:schemeClr val="lt1"/>
-    </dgm:linClrLst>
-    <dgm:effectClrLst/>
-    <dgm:txLinClrLst/>
-    <dgm:txFillClrLst/>
-    <dgm:txEffectClrLst/>
-  </dgm:styleLbl>
-  <dgm:styleLbl name="asst3">
-    <dgm:fillClrLst meth="repeat">
-      <a:schemeClr val="accent1"/>
-    </dgm:fillClrLst>
-    <dgm:linClrLst meth="repeat">
-      <a:schemeClr val="lt1"/>
-    </dgm:linClrLst>
-    <dgm:effectClrLst/>
-    <dgm:txLinClrLst/>
-    <dgm:txFillClrLst/>
-    <dgm:txEffectClrLst/>
-  </dgm:styleLbl>
-  <dgm:styleLbl name="asst4">
-    <dgm:fillClrLst meth="repeat">
-      <a:schemeClr val="accent1"/>
-    </dgm:fillClrLst>
-    <dgm:linClrLst meth="repeat">
-      <a:schemeClr val="lt1"/>
-    </dgm:linClrLst>
-    <dgm:effectClrLst/>
-    <dgm:txLinClrLst/>
-    <dgm:txFillClrLst/>
-    <dgm:txEffectClrLst/>
-  </dgm:styleLbl>
-  <dgm:styleLbl name="parChTrans2D1">
-    <dgm:fillClrLst meth="repeat">
-      <a:schemeClr val="accent1">
-        <a:tint val="60000"/>
-      </a:schemeClr>
-    </dgm:fillClrLst>
-    <dgm:linClrLst meth="repeat">
-      <a:schemeClr val="accent1">
-        <a:tint val="60000"/>
-      </a:schemeClr>
-    </dgm:linClrLst>
-    <dgm:effectClrLst/>
-    <dgm:txLinClrLst/>
-    <dgm:txFillClrLst meth="repeat">
-      <a:schemeClr val="lt1"/>
-    </dgm:txFillClrLst>
-    <dgm:txEffectClrLst/>
-  </dgm:styleLbl>
-  <dgm:styleLbl name="parChTrans2D2">
-    <dgm:fillClrLst meth="repeat">
-      <a:schemeClr val="accent1"/>
-    </dgm:fillClrLst>
-    <dgm:linClrLst meth="repeat">
-      <a:schemeClr val="accent1"/>
-    </dgm:linClrLst>
-    <dgm:effectClrLst/>
-    <dgm:txLinClrLst/>
-    <dgm:txFillClrLst meth="repeat">
-      <a:schemeClr val="lt1"/>
-    </dgm:txFillClrLst>
-    <dgm:txEffectClrLst/>
-  </dgm:styleLbl>
-  <dgm:styleLbl name="parChTrans2D3">
-    <dgm:fillClrLst meth="repeat">
-      <a:schemeClr val="accent1"/>
-    </dgm:fillClrLst>
-    <dgm:linClrLst meth="repeat">
-      <a:schemeClr val="accent1"/>
-    </dgm:linClrLst>
-    <dgm:effectClrLst/>
-    <dgm:txLinClrLst/>
-    <dgm:txFillClrLst meth="repeat">
-      <a:schemeClr val="lt1"/>
-    </dgm:txFillClrLst>
-    <dgm:txEffectClrLst/>
-  </dgm:styleLbl>
-  <dgm:styleLbl name="parChTrans2D4">
-    <dgm:fillClrLst meth="repeat">
-      <a:schemeClr val="accent1"/>
-    </dgm:fillClrLst>
-    <dgm:linClrLst meth="repeat">
-      <a:schemeClr val="accent1"/>
-    </dgm:linClrLst>
-    <dgm:effectClrLst/>
-    <dgm:txLinClrLst/>
-    <dgm:txFillClrLst meth="repeat">
-      <a:schemeClr val="lt1"/>
-    </dgm:txFillClrLst>
-    <dgm:txEffectClrLst/>
-  </dgm:styleLbl>
-  <dgm:styleLbl name="parChTrans1D1">
-    <dgm:fillClrLst meth="repeat">
-      <a:schemeClr val="accent1"/>
-    </dgm:fillClrLst>
-    <dgm:linClrLst meth="repeat">
-      <a:schemeClr val="accent1">
-        <a:shade val="60000"/>
-      </a:schemeClr>
-    </dgm:linClrLst>
-    <dgm:effectClrLst/>
-    <dgm:txLinClrLst/>
-    <dgm:txFillClrLst meth="repeat">
-      <a:schemeClr val="tx1"/>
-    </dgm:txFillClrLst>
-    <dgm:txEffectClrLst/>
-  </dgm:styleLbl>
-  <dgm:styleLbl name="parChTrans1D2">
-    <dgm:fillClrLst meth="repeat">
-      <a:schemeClr val="accent1"/>
-    </dgm:fillClrLst>
-    <dgm:linClrLst meth="repeat">
-      <a:schemeClr val="accent1">
-        <a:shade val="60000"/>
-      </a:schemeClr>
-    </dgm:linClrLst>
-    <dgm:effectClrLst/>
-    <dgm:txLinClrLst/>
-    <dgm:txFillClrLst meth="repeat">
-      <a:schemeClr val="tx1"/>
-    </dgm:txFillClrLst>
-    <dgm:txEffectClrLst/>
-  </dgm:styleLbl>
-  <dgm:styleLbl name="parChTrans1D3">
-    <dgm:fillClrLst meth="repeat">
-      <a:schemeClr val="accent1"/>
-    </dgm:fillClrLst>
-    <dgm:linClrLst meth="repeat">
-      <a:schemeClr val="accent1">
-        <a:shade val="80000"/>
-      </a:schemeClr>
-    </dgm:linClrLst>
-    <dgm:effectClrLst/>
-    <dgm:txLinClrLst/>
-    <dgm:txFillClrLst meth="repeat">
-      <a:schemeClr val="tx1"/>
-    </dgm:txFillClrLst>
-    <dgm:txEffectClrLst/>
-  </dgm:styleLbl>
-  <dgm:styleLbl name="parChTrans1D4">
-    <dgm:fillClrLst meth="repeat">
-      <a:schemeClr val="accent1"/>
-    </dgm:fillClrLst>
-    <dgm:linClrLst meth="repeat">
-      <a:schemeClr val="accent1">
-        <a:shade val="80000"/>
-      </a:schemeClr>
-    </dgm:linClrLst>
-    <dgm:effectClrLst/>
-    <dgm:txLinClrLst/>
-    <dgm:txFillClrLst meth="repeat">
-      <a:schemeClr val="tx1"/>
-    </dgm:txFillClrLst>
-    <dgm:txEffectClrLst/>
-  </dgm:styleLbl>
-  <dgm:styleLbl name="fgAcc1">
-    <dgm:fillClrLst meth="repeat">
-      <a:schemeClr val="lt1">
-        <a:alpha val="90000"/>
-      </a:schemeClr>
-    </dgm:fillClrLst>
-    <dgm:linClrLst meth="repeat">
-      <a:schemeClr val="accent1"/>
-    </dgm:linClrLst>
-    <dgm:effectClrLst/>
-    <dgm:txLinClrLst/>
-    <dgm:txFillClrLst meth="repeat">
-      <a:schemeClr val="dk1"/>
-    </dgm:txFillClrLst>
-    <dgm:txEffectClrLst/>
-  </dgm:styleLbl>
-  <dgm:styleLbl name="conFgAcc1">
-    <dgm:fillClrLst meth="repeat">
-      <a:schemeClr val="lt1">
-        <a:alpha val="90000"/>
-      </a:schemeClr>
-    </dgm:fillClrLst>
-    <dgm:linClrLst meth="repeat">
-      <a:schemeClr val="accent1"/>
-    </dgm:linClrLst>
-    <dgm:effectClrLst/>
-    <dgm:txLinClrLst/>
-    <dgm:txFillClrLst meth="repeat">
-      <a:schemeClr val="dk1"/>
-    </dgm:txFillClrLst>
-    <dgm:txEffectClrLst/>
-  </dgm:styleLbl>
-  <dgm:styleLbl name="alignAcc1">
-    <dgm:fillClrLst meth="repeat">
-      <a:schemeClr val="lt1">
-        <a:alpha val="90000"/>
-      </a:schemeClr>
-    </dgm:fillClrLst>
-    <dgm:linClrLst meth="repeat">
-      <a:schemeClr val="accent1"/>
-    </dgm:linClrLst>
-    <dgm:effectClrLst/>
-    <dgm:txLinClrLst/>
-    <dgm:txFillClrLst meth="repeat">
-      <a:schemeClr val="dk1"/>
-    </dgm:txFillClrLst>
-    <dgm:txEffectClrLst/>
-  </dgm:styleLbl>
-  <dgm:styleLbl name="trAlignAcc1">
-    <dgm:fillClrLst meth="repeat">
-      <a:schemeClr val="lt1">
-        <a:alpha val="40000"/>
-      </a:schemeClr>
-    </dgm:fillClrLst>
-    <dgm:linClrLst meth="repeat">
-      <a:schemeClr val="accent1"/>
-    </dgm:linClrLst>
-    <dgm:effectClrLst/>
-    <dgm:txLinClrLst/>
-    <dgm:txFillClrLst meth="repeat">
-      <a:schemeClr val="dk1"/>
-    </dgm:txFillClrLst>
-    <dgm:txEffectClrLst/>
-  </dgm:styleLbl>
-  <dgm:styleLbl name="bgAcc1">
-    <dgm:fillClrLst meth="repeat">
-      <a:schemeClr val="lt1">
-        <a:alpha val="90000"/>
-      </a:schemeClr>
-    </dgm:fillClrLst>
-    <dgm:linClrLst meth="repeat">
-      <a:schemeClr val="accent1"/>
-    </dgm:linClrLst>
-    <dgm:effectClrLst/>
-    <dgm:txLinClrLst/>
-    <dgm:txFillClrLst meth="repeat">
-      <a:schemeClr val="dk1"/>
-    </dgm:txFillClrLst>
-    <dgm:txEffectClrLst/>
-  </dgm:styleLbl>
-  <dgm:styleLbl name="solidFgAcc1">
-    <dgm:fillClrLst meth="repeat">
-      <a:schemeClr val="lt1"/>
-    </dgm:fillClrLst>
-    <dgm:linClrLst meth="repeat">
-      <a:schemeClr val="accent1"/>
-    </dgm:linClrLst>
-    <dgm:effectClrLst/>
-    <dgm:txLinClrLst/>
-    <dgm:txFillClrLst meth="repeat">
-      <a:schemeClr val="dk1"/>
-    </dgm:txFillClrLst>
-    <dgm:txEffectClrLst/>
-  </dgm:styleLbl>
-  <dgm:styleLbl name="solidAlignAcc1">
-    <dgm:fillClrLst meth="repeat">
-      <a:schemeClr val="lt1"/>
-    </dgm:fillClrLst>
-    <dgm:linClrLst meth="repeat">
-      <a:schemeClr val="accent1"/>
-    </dgm:linClrLst>
-    <dgm:effectClrLst/>
-    <dgm:txLinClrLst/>
-    <dgm:txFillClrLst meth="repeat">
-      <a:schemeClr val="dk1"/>
-    </dgm:txFillClrLst>
-    <dgm:txEffectClrLst/>
-  </dgm:styleLbl>
-  <dgm:styleLbl name="solidBgAcc1">
-    <dgm:fillClrLst meth="repeat">
-      <a:schemeClr val="lt1"/>
-    </dgm:fillClrLst>
-    <dgm:linClrLst meth="repeat">
-      <a:schemeClr val="accent1"/>
-    </dgm:linClrLst>
-    <dgm:effectClrLst/>
-    <dgm:txLinClrLst/>
-    <dgm:txFillClrLst meth="repeat">
-      <a:schemeClr val="dk1"/>
-    </dgm:txFillClrLst>
-    <dgm:txEffectClrLst/>
-  </dgm:styleLbl>
-  <dgm:styleLbl name="fgAccFollowNode1">
-    <dgm:fillClrLst meth="repeat">
-      <a:schemeClr val="accent1">
-        <a:alpha val="90000"/>
-        <a:tint val="40000"/>
-      </a:schemeClr>
-    </dgm:fillClrLst>
-    <dgm:linClrLst meth="repeat">
-      <a:schemeClr val="accent1">
-        <a:alpha val="90000"/>
-        <a:tint val="40000"/>
-      </a:schemeClr>
-    </dgm:linClrLst>
-    <dgm:effectClrLst/>
-    <dgm:txLinClrLst/>
-    <dgm:txFillClrLst meth="repeat">
-      <a:schemeClr val="dk1"/>
-    </dgm:txFillClrLst>
-    <dgm:txEffectClrLst/>
-  </dgm:styleLbl>
-  <dgm:styleLbl name="alignAccFollowNode1">
-    <dgm:fillClrLst meth="repeat">
-      <a:schemeClr val="accent1">
-        <a:alpha val="90000"/>
-        <a:tint val="40000"/>
-      </a:schemeClr>
-    </dgm:fillClrLst>
-    <dgm:linClrLst meth="repeat">
-      <a:schemeClr val="accent1">
-        <a:alpha val="90000"/>
-        <a:tint val="40000"/>
-      </a:schemeClr>
-    </dgm:linClrLst>
-    <dgm:effectClrLst/>
-    <dgm:txLinClrLst/>
-    <dgm:txFillClrLst meth="repeat">
-      <a:schemeClr val="dk1"/>
-    </dgm:txFillClrLst>
-    <dgm:txEffectClrLst/>
-  </dgm:styleLbl>
-  <dgm:styleLbl name="bgAccFollowNode1">
-    <dgm:fillClrLst meth="repeat">
-      <a:schemeClr val="accent1">
-        <a:alpha val="90000"/>
-        <a:tint val="40000"/>
-      </a:schemeClr>
-    </dgm:fillClrLst>
-    <dgm:linClrLst meth="repeat">
-      <a:schemeClr val="accent1">
-        <a:alpha val="90000"/>
-        <a:tint val="40000"/>
-      </a:schemeClr>
-    </dgm:linClrLst>
-    <dgm:effectClrLst/>
-    <dgm:txLinClrLst/>
-    <dgm:txFillClrLst meth="repeat">
-      <a:schemeClr val="dk1"/>
-    </dgm:txFillClrLst>
-    <dgm:txEffectClrLst/>
-  </dgm:styleLbl>
-  <dgm:styleLbl name="fgAcc0">
-    <dgm:fillClrLst meth="repeat">
-      <a:schemeClr val="lt1">
-        <a:alpha val="90000"/>
-      </a:schemeClr>
-    </dgm:fillClrLst>
-    <dgm:linClrLst meth="repeat">
-      <a:schemeClr val="accent1"/>
-    </dgm:linClrLst>
-    <dgm:effectClrLst/>
-    <dgm:txLinClrLst/>
-    <dgm:txFillClrLst meth="repeat">
-      <a:schemeClr val="dk1"/>
-    </dgm:txFillClrLst>
-    <dgm:txEffectClrLst/>
-  </dgm:styleLbl>
-  <dgm:styleLbl name="fgAcc2">
-    <dgm:fillClrLst meth="repeat">
-      <a:schemeClr val="lt1">
-        <a:alpha val="90000"/>
-      </a:schemeClr>
-    </dgm:fillClrLst>
-    <dgm:linClrLst meth="repeat">
-      <a:schemeClr val="accent1"/>
-    </dgm:linClrLst>
-    <dgm:effectClrLst/>
-    <dgm:txLinClrLst/>
-    <dgm:txFillClrLst meth="repeat">
-      <a:schemeClr val="dk1"/>
-    </dgm:txFillClrLst>
-    <dgm:txEffectClrLst/>
-  </dgm:styleLbl>
-  <dgm:styleLbl name="fgAcc3">
-    <dgm:fillClrLst meth="repeat">
-      <a:schemeClr val="lt1">
-        <a:alpha val="90000"/>
-      </a:schemeClr>
-    </dgm:fillClrLst>
-    <dgm:linClrLst meth="repeat">
-      <a:schemeClr val="accent1"/>
-    </dgm:linClrLst>
-    <dgm:effectClrLst/>
-    <dgm:txLinClrLst/>
-    <dgm:txFillClrLst meth="repeat">
-      <a:schemeClr val="dk1"/>
-    </dgm:txFillClrLst>
-    <dgm:txEffectClrLst/>
-  </dgm:styleLbl>
-  <dgm:styleLbl name="fgAcc4">
-    <dgm:fillClrLst meth="repeat">
-      <a:schemeClr val="lt1">
-        <a:alpha val="90000"/>
-      </a:schemeClr>
-    </dgm:fillClrLst>
-    <dgm:linClrLst meth="repeat">
-      <a:schemeClr val="accent1"/>
-    </dgm:linClrLst>
-    <dgm:effectClrLst/>
-    <dgm:txLinClrLst/>
-    <dgm:txFillClrLst meth="repeat">
-      <a:schemeClr val="dk1"/>
-    </dgm:txFillClrLst>
-    <dgm:txEffectClrLst/>
-  </dgm:styleLbl>
-  <dgm:styleLbl name="bgShp">
-    <dgm:fillClrLst meth="repeat">
-      <a:schemeClr val="accent1">
-        <a:tint val="40000"/>
-      </a:schemeClr>
-    </dgm:fillClrLst>
-    <dgm:linClrLst meth="repeat">
-      <a:schemeClr val="accent1"/>
-    </dgm:linClrLst>
-    <dgm:effectClrLst/>
-    <dgm:txLinClrLst/>
-    <dgm:txFillClrLst meth="repeat">
-      <a:schemeClr val="dk1"/>
-    </dgm:txFillClrLst>
-    <dgm:txEffectClrLst/>
-  </dgm:styleLbl>
-  <dgm:styleLbl name="dkBgShp">
-    <dgm:fillClrLst meth="repeat">
-      <a:schemeClr val="accent1">
-        <a:shade val="80000"/>
-      </a:schemeClr>
-    </dgm:fillClrLst>
-    <dgm:linClrLst meth="repeat">
-      <a:schemeClr val="accent1"/>
-    </dgm:linClrLst>
-    <dgm:effectClrLst/>
-    <dgm:txLinClrLst/>
-    <dgm:txFillClrLst meth="repeat">
-      <a:schemeClr val="lt1"/>
-    </dgm:txFillClrLst>
-    <dgm:txEffectClrLst/>
-  </dgm:styleLbl>
-  <dgm:styleLbl name="trBgShp">
-    <dgm:fillClrLst meth="repeat">
-      <a:schemeClr val="accent1">
-        <a:tint val="50000"/>
-        <a:alpha val="40000"/>
-      </a:schemeClr>
-    </dgm:fillClrLst>
-    <dgm:linClrLst meth="repeat">
-      <a:schemeClr val="accent1"/>
-    </dgm:linClrLst>
-    <dgm:effectClrLst/>
-    <dgm:txLinClrLst/>
-    <dgm:txFillClrLst meth="repeat">
-      <a:schemeClr val="lt1"/>
-    </dgm:txFillClrLst>
-    <dgm:txEffectClrLst/>
-  </dgm:styleLbl>
-  <dgm:styleLbl name="fgShp">
-    <dgm:fillClrLst meth="repeat">
-      <a:schemeClr val="accent1">
-        <a:tint val="60000"/>
-      </a:schemeClr>
-    </dgm:fillClrLst>
-    <dgm:linClrLst meth="repeat">
-      <a:schemeClr val="lt1"/>
-    </dgm:linClrLst>
-    <dgm:effectClrLst/>
-    <dgm:txLinClrLst/>
-    <dgm:txFillClrLst meth="repeat">
-      <a:schemeClr val="dk1"/>
-    </dgm:txFillClrLst>
-    <dgm:txEffectClrLst/>
-  </dgm:styleLbl>
-  <dgm:styleLbl name="revTx">
-    <dgm:fillClrLst meth="repeat">
-      <a:schemeClr val="lt1">
-        <a:alpha val="0"/>
-      </a:schemeClr>
-    </dgm:fillClrLst>
-    <dgm:linClrLst meth="repeat">
-      <a:schemeClr val="dk1">
-        <a:alpha val="0"/>
-      </a:schemeClr>
-    </dgm:linClrLst>
-    <dgm:effectClrLst/>
-    <dgm:txLinClrLst/>
-    <dgm:txFillClrLst meth="repeat">
-      <a:schemeClr val="tx1"/>
-    </dgm:txFillClrLst>
-    <dgm:txEffectClrLst/>
-  </dgm:styleLbl>
-</dgm:colorsDef>
-</file>
-
-<file path=ppt/diagrams/colors7.xml><?xml version="1.0" encoding="utf-8"?>
 <dgm:colorsDef xmlns:dgm="http://schemas.openxmlformats.org/drawingml/2006/diagram" xmlns:a="http://schemas.openxmlformats.org/drawingml/2006/main" uniqueId="urn:microsoft.com/office/officeart/2005/8/colors/colorful1">
   <dgm:title val=""/>
   <dgm:desc val=""/>
@@ -5783,7 +5042,7 @@
 </dgm:colorsDef>
 </file>
 
-<file path=ppt/diagrams/colors8.xml><?xml version="1.0" encoding="utf-8"?>
+<file path=ppt/diagrams/colors7.xml><?xml version="1.0" encoding="utf-8"?>
 <dgm:colorsDef xmlns:dgm="http://schemas.openxmlformats.org/drawingml/2006/diagram" xmlns:a="http://schemas.openxmlformats.org/drawingml/2006/main" uniqueId="urn:microsoft.com/office/officeart/2005/8/colors/colorful5">
   <dgm:title val=""/>
   <dgm:desc val=""/>
@@ -7802,363 +7061,6 @@
 <file path=ppt/diagrams/data6.xml><?xml version="1.0" encoding="utf-8"?>
 <dgm:dataModel xmlns:dgm="http://schemas.openxmlformats.org/drawingml/2006/diagram" xmlns:a="http://schemas.openxmlformats.org/drawingml/2006/main">
   <dgm:ptLst>
-    <dgm:pt modelId="{7AE7DE6A-188B-4CDB-A6D4-827AE553C6EA}" type="doc">
-      <dgm:prSet loTypeId="urn:microsoft.com/office/officeart/2005/8/layout/cycle7" loCatId="cycle" qsTypeId="urn:microsoft.com/office/officeart/2005/8/quickstyle/simple1" qsCatId="simple" csTypeId="urn:microsoft.com/office/officeart/2005/8/colors/accent1_2" csCatId="accent1" phldr="1"/>
-      <dgm:spPr/>
-      <dgm:t>
-        <a:bodyPr/>
-        <a:lstStyle/>
-        <a:p>
-          <a:endParaRPr lang="fr-FR"/>
-        </a:p>
-      </dgm:t>
-    </dgm:pt>
-    <dgm:pt modelId="{C3292B4E-2804-473E-888B-65FF95744AEB}">
-      <dgm:prSet phldrT="[Texte]"/>
-      <dgm:spPr/>
-      <dgm:t>
-        <a:bodyPr/>
-        <a:lstStyle/>
-        <a:p>
-          <a:r>
-            <a:rPr lang="fr-FR" dirty="0" err="1"/>
-            <a:t>Presenter</a:t>
-          </a:r>
-          <a:endParaRPr lang="fr-FR" dirty="0"/>
-        </a:p>
-      </dgm:t>
-    </dgm:pt>
-    <dgm:pt modelId="{F506EBF6-AAB6-41C1-9B5D-0302B28ED15B}" type="parTrans" cxnId="{B8CDA349-B70B-428C-A3B1-E281E84074C3}">
-      <dgm:prSet/>
-      <dgm:spPr/>
-      <dgm:t>
-        <a:bodyPr/>
-        <a:lstStyle/>
-        <a:p>
-          <a:endParaRPr lang="fr-FR"/>
-        </a:p>
-      </dgm:t>
-    </dgm:pt>
-    <dgm:pt modelId="{BDCE1937-30C4-4090-96CE-61DEDE01E139}" type="sibTrans" cxnId="{B8CDA349-B70B-428C-A3B1-E281E84074C3}">
-      <dgm:prSet/>
-      <dgm:spPr/>
-      <dgm:t>
-        <a:bodyPr/>
-        <a:lstStyle/>
-        <a:p>
-          <a:endParaRPr lang="fr-FR"/>
-        </a:p>
-      </dgm:t>
-    </dgm:pt>
-    <dgm:pt modelId="{E57CED04-69DB-4394-9451-58FD32D7EBA7}">
-      <dgm:prSet/>
-      <dgm:spPr/>
-      <dgm:t>
-        <a:bodyPr/>
-        <a:lstStyle/>
-        <a:p>
-          <a:r>
-            <a:rPr lang="fr-FR" dirty="0"/>
-            <a:t>Base de donnée</a:t>
-          </a:r>
-        </a:p>
-      </dgm:t>
-    </dgm:pt>
-    <dgm:pt modelId="{290654F2-EB3B-40B7-A5B8-D3654408915B}" type="parTrans" cxnId="{8E1C32EE-AC7B-4E77-9F9A-ED017C6A90B4}">
-      <dgm:prSet/>
-      <dgm:spPr/>
-      <dgm:t>
-        <a:bodyPr/>
-        <a:lstStyle/>
-        <a:p>
-          <a:endParaRPr lang="fr-FR"/>
-        </a:p>
-      </dgm:t>
-    </dgm:pt>
-    <dgm:pt modelId="{2E58637A-F723-46E7-9264-C215D1DC4313}" type="sibTrans" cxnId="{8E1C32EE-AC7B-4E77-9F9A-ED017C6A90B4}">
-      <dgm:prSet/>
-      <dgm:spPr/>
-      <dgm:t>
-        <a:bodyPr/>
-        <a:lstStyle/>
-        <a:p>
-          <a:r>
-            <a:rPr lang="fr-FR" dirty="0"/>
-            <a:t>Doctrine</a:t>
-          </a:r>
-        </a:p>
-      </dgm:t>
-    </dgm:pt>
-    <dgm:pt modelId="{23A70B27-191D-4F0A-8E62-7DBF50FD60EC}">
-      <dgm:prSet phldrT="[Texte]"/>
-      <dgm:spPr/>
-      <dgm:t>
-        <a:bodyPr/>
-        <a:lstStyle/>
-        <a:p>
-          <a:r>
-            <a:rPr lang="fr-FR" dirty="0"/>
-            <a:t>Model</a:t>
-          </a:r>
-        </a:p>
-      </dgm:t>
-    </dgm:pt>
-    <dgm:pt modelId="{5F40635C-6292-46A8-B235-A68691E38547}" type="parTrans" cxnId="{F9100300-87E8-4E9B-9F5A-AF3A757AD27D}">
-      <dgm:prSet/>
-      <dgm:spPr/>
-      <dgm:t>
-        <a:bodyPr/>
-        <a:lstStyle/>
-        <a:p>
-          <a:endParaRPr lang="fr-FR"/>
-        </a:p>
-      </dgm:t>
-    </dgm:pt>
-    <dgm:pt modelId="{F7BE7BCA-74D6-421E-B491-AB6E07F542A8}" type="sibTrans" cxnId="{F9100300-87E8-4E9B-9F5A-AF3A757AD27D}">
-      <dgm:prSet/>
-      <dgm:spPr>
-        <a:solidFill>
-          <a:schemeClr val="bg1"/>
-        </a:solidFill>
-        <a:ln>
-          <a:solidFill>
-            <a:schemeClr val="bg1"/>
-          </a:solidFill>
-        </a:ln>
-      </dgm:spPr>
-      <dgm:t>
-        <a:bodyPr/>
-        <a:lstStyle/>
-        <a:p>
-          <a:endParaRPr lang="fr-FR"/>
-        </a:p>
-      </dgm:t>
-    </dgm:pt>
-    <dgm:pt modelId="{4EA26D84-BAE1-4719-8F3C-B6DAA9EAAD88}">
-      <dgm:prSet/>
-      <dgm:spPr/>
-      <dgm:t>
-        <a:bodyPr/>
-        <a:lstStyle/>
-        <a:p>
-          <a:r>
-            <a:rPr lang="fr-FR" dirty="0"/>
-            <a:t>Action de l’utilisateur</a:t>
-          </a:r>
-        </a:p>
-      </dgm:t>
-    </dgm:pt>
-    <dgm:pt modelId="{FFECDAC1-FE46-4AAC-B1AD-E3D39D874F24}" type="parTrans" cxnId="{2BBF7889-77B4-4AB6-8803-1DF8A30C0DE9}">
-      <dgm:prSet/>
-      <dgm:spPr/>
-      <dgm:t>
-        <a:bodyPr/>
-        <a:lstStyle/>
-        <a:p>
-          <a:endParaRPr lang="fr-FR"/>
-        </a:p>
-      </dgm:t>
-    </dgm:pt>
-    <dgm:pt modelId="{DBE17351-7AC6-489F-A497-1099EEA0FEA8}" type="sibTrans" cxnId="{2BBF7889-77B4-4AB6-8803-1DF8A30C0DE9}">
-      <dgm:prSet/>
-      <dgm:spPr/>
-      <dgm:t>
-        <a:bodyPr/>
-        <a:lstStyle/>
-        <a:p>
-          <a:endParaRPr lang="fr-FR"/>
-        </a:p>
-      </dgm:t>
-    </dgm:pt>
-    <dgm:pt modelId="{B65BA4AD-50B5-4597-A900-67D4AFDFF33B}">
-      <dgm:prSet phldrT="[Texte]"/>
-      <dgm:spPr/>
-      <dgm:t>
-        <a:bodyPr/>
-        <a:lstStyle/>
-        <a:p>
-          <a:r>
-            <a:rPr lang="fr-FR" dirty="0"/>
-            <a:t>View</a:t>
-          </a:r>
-        </a:p>
-      </dgm:t>
-    </dgm:pt>
-    <dgm:pt modelId="{863EB34D-274F-4F47-B054-B6A18682AD60}" type="parTrans" cxnId="{9C1CB188-489E-4256-8D9A-93B1852B1E31}">
-      <dgm:prSet/>
-      <dgm:spPr/>
-      <dgm:t>
-        <a:bodyPr/>
-        <a:lstStyle/>
-        <a:p>
-          <a:endParaRPr lang="fr-FR"/>
-        </a:p>
-      </dgm:t>
-    </dgm:pt>
-    <dgm:pt modelId="{1E6E673B-9342-4455-89CF-CDA7D143C60D}" type="sibTrans" cxnId="{9C1CB188-489E-4256-8D9A-93B1852B1E31}">
-      <dgm:prSet/>
-      <dgm:spPr/>
-      <dgm:t>
-        <a:bodyPr/>
-        <a:lstStyle/>
-        <a:p>
-          <a:endParaRPr lang="fr-FR"/>
-        </a:p>
-      </dgm:t>
-    </dgm:pt>
-    <dgm:pt modelId="{9EAD7219-D499-42C2-A0F0-81D4F729F5A7}" type="pres">
-      <dgm:prSet presAssocID="{7AE7DE6A-188B-4CDB-A6D4-827AE553C6EA}" presName="Name0" presStyleCnt="0">
-        <dgm:presLayoutVars>
-          <dgm:dir/>
-          <dgm:resizeHandles val="exact"/>
-        </dgm:presLayoutVars>
-      </dgm:prSet>
-      <dgm:spPr/>
-    </dgm:pt>
-    <dgm:pt modelId="{EFFDE217-EE55-4BA2-B98F-27F16A446846}" type="pres">
-      <dgm:prSet presAssocID="{C3292B4E-2804-473E-888B-65FF95744AEB}" presName="node" presStyleLbl="node1" presStyleIdx="0" presStyleCnt="5" custRadScaleRad="86991">
-        <dgm:presLayoutVars>
-          <dgm:bulletEnabled val="1"/>
-        </dgm:presLayoutVars>
-      </dgm:prSet>
-      <dgm:spPr/>
-    </dgm:pt>
-    <dgm:pt modelId="{257D4CC8-C926-465F-81DC-052AB8BD2E75}" type="pres">
-      <dgm:prSet presAssocID="{BDCE1937-30C4-4090-96CE-61DEDE01E139}" presName="sibTrans" presStyleLbl="sibTrans2D1" presStyleIdx="0" presStyleCnt="5" custAng="1872906" custLinFactX="-48364" custLinFactNeighborX="-100000" custLinFactNeighborY="16856"/>
-      <dgm:spPr>
-        <a:prstGeom prst="leftRightArrow">
-          <a:avLst/>
-        </a:prstGeom>
-      </dgm:spPr>
-    </dgm:pt>
-    <dgm:pt modelId="{463C75A7-C5A3-4F29-8D59-20D4994BEF49}" type="pres">
-      <dgm:prSet presAssocID="{BDCE1937-30C4-4090-96CE-61DEDE01E139}" presName="connectorText" presStyleLbl="sibTrans2D1" presStyleIdx="0" presStyleCnt="5"/>
-      <dgm:spPr/>
-    </dgm:pt>
-    <dgm:pt modelId="{CC7327FD-62F5-4CBC-A1EF-010BCC18A122}" type="pres">
-      <dgm:prSet presAssocID="{E57CED04-69DB-4394-9451-58FD32D7EBA7}" presName="node" presStyleLbl="node1" presStyleIdx="1" presStyleCnt="5" custRadScaleRad="226236" custRadScaleInc="51098">
-        <dgm:presLayoutVars>
-          <dgm:bulletEnabled val="1"/>
-        </dgm:presLayoutVars>
-      </dgm:prSet>
-      <dgm:spPr/>
-    </dgm:pt>
-    <dgm:pt modelId="{C028D409-13B1-46C4-9B22-0A595E611ADE}" type="pres">
-      <dgm:prSet presAssocID="{2E58637A-F723-46E7-9264-C215D1DC4313}" presName="sibTrans" presStyleLbl="sibTrans2D1" presStyleIdx="1" presStyleCnt="5"/>
-      <dgm:spPr/>
-    </dgm:pt>
-    <dgm:pt modelId="{AEF760F4-634A-4AAE-9B55-7E4FFD8F14DB}" type="pres">
-      <dgm:prSet presAssocID="{2E58637A-F723-46E7-9264-C215D1DC4313}" presName="connectorText" presStyleLbl="sibTrans2D1" presStyleIdx="1" presStyleCnt="5"/>
-      <dgm:spPr/>
-    </dgm:pt>
-    <dgm:pt modelId="{BECB6D11-CE25-422A-8820-3175E89F9551}" type="pres">
-      <dgm:prSet presAssocID="{23A70B27-191D-4F0A-8E62-7DBF50FD60EC}" presName="node" presStyleLbl="node1" presStyleIdx="2" presStyleCnt="5" custRadScaleRad="74735" custRadScaleInc="-146677">
-        <dgm:presLayoutVars>
-          <dgm:bulletEnabled val="1"/>
-        </dgm:presLayoutVars>
-      </dgm:prSet>
-      <dgm:spPr/>
-    </dgm:pt>
-    <dgm:pt modelId="{55F4E98F-8E69-4777-97D0-82905ABCAD7D}" type="pres">
-      <dgm:prSet presAssocID="{F7BE7BCA-74D6-421E-B491-AB6E07F542A8}" presName="sibTrans" presStyleLbl="sibTrans2D1" presStyleIdx="2" presStyleCnt="5" custLinFactX="35174" custLinFactNeighborX="100000" custLinFactNeighborY="-24157"/>
-      <dgm:spPr>
-        <a:prstGeom prst="leftArrow">
-          <a:avLst/>
-        </a:prstGeom>
-      </dgm:spPr>
-    </dgm:pt>
-    <dgm:pt modelId="{18C0DBB7-D9F0-4407-950A-72AF8C006683}" type="pres">
-      <dgm:prSet presAssocID="{F7BE7BCA-74D6-421E-B491-AB6E07F542A8}" presName="connectorText" presStyleLbl="sibTrans2D1" presStyleIdx="2" presStyleCnt="5"/>
-      <dgm:spPr/>
-    </dgm:pt>
-    <dgm:pt modelId="{768334D4-CDCE-4589-B888-5F0305D122A5}" type="pres">
-      <dgm:prSet presAssocID="{4EA26D84-BAE1-4719-8F3C-B6DAA9EAAD88}" presName="node" presStyleLbl="node1" presStyleIdx="3" presStyleCnt="5" custRadScaleRad="226235" custRadScaleInc="148902">
-        <dgm:presLayoutVars>
-          <dgm:bulletEnabled val="1"/>
-        </dgm:presLayoutVars>
-      </dgm:prSet>
-      <dgm:spPr/>
-    </dgm:pt>
-    <dgm:pt modelId="{81BD5BCD-B9C2-47A6-AAB0-F13F585D8CCF}" type="pres">
-      <dgm:prSet presAssocID="{DBE17351-7AC6-489F-A497-1099EEA0FEA8}" presName="sibTrans" presStyleLbl="sibTrans2D1" presStyleIdx="3" presStyleCnt="5"/>
-      <dgm:spPr>
-        <a:prstGeom prst="rightArrow">
-          <a:avLst/>
-        </a:prstGeom>
-      </dgm:spPr>
-    </dgm:pt>
-    <dgm:pt modelId="{472FAD96-D087-45CC-8E59-E730EDA3385E}" type="pres">
-      <dgm:prSet presAssocID="{DBE17351-7AC6-489F-A497-1099EEA0FEA8}" presName="connectorText" presStyleLbl="sibTrans2D1" presStyleIdx="3" presStyleCnt="5"/>
-      <dgm:spPr/>
-    </dgm:pt>
-    <dgm:pt modelId="{755910A8-BAF6-4852-83C6-5B4065D0FB3B}" type="pres">
-      <dgm:prSet presAssocID="{B65BA4AD-50B5-4597-A900-67D4AFDFF33B}" presName="node" presStyleLbl="node1" presStyleIdx="4" presStyleCnt="5" custRadScaleRad="84978" custRadScaleInc="-52922">
-        <dgm:presLayoutVars>
-          <dgm:bulletEnabled val="1"/>
-        </dgm:presLayoutVars>
-      </dgm:prSet>
-      <dgm:spPr/>
-    </dgm:pt>
-    <dgm:pt modelId="{7F1BC857-E57E-4043-8CF8-DE3C7669DCB9}" type="pres">
-      <dgm:prSet presAssocID="{1E6E673B-9342-4455-89CF-CDA7D143C60D}" presName="sibTrans" presStyleLbl="sibTrans2D1" presStyleIdx="4" presStyleCnt="5" custAng="21531614" custLinFactNeighborX="8011" custLinFactNeighborY="12866"/>
-      <dgm:spPr/>
-    </dgm:pt>
-    <dgm:pt modelId="{225B1C4D-BF4D-4F0D-9883-39A027EEB493}" type="pres">
-      <dgm:prSet presAssocID="{1E6E673B-9342-4455-89CF-CDA7D143C60D}" presName="connectorText" presStyleLbl="sibTrans2D1" presStyleIdx="4" presStyleCnt="5"/>
-      <dgm:spPr/>
-    </dgm:pt>
-  </dgm:ptLst>
-  <dgm:cxnLst>
-    <dgm:cxn modelId="{F9100300-87E8-4E9B-9F5A-AF3A757AD27D}" srcId="{7AE7DE6A-188B-4CDB-A6D4-827AE553C6EA}" destId="{23A70B27-191D-4F0A-8E62-7DBF50FD60EC}" srcOrd="2" destOrd="0" parTransId="{5F40635C-6292-46A8-B235-A68691E38547}" sibTransId="{F7BE7BCA-74D6-421E-B491-AB6E07F542A8}"/>
-    <dgm:cxn modelId="{03816C09-D486-4D83-8708-E73D00B021F9}" type="presOf" srcId="{DBE17351-7AC6-489F-A497-1099EEA0FEA8}" destId="{81BD5BCD-B9C2-47A6-AAB0-F13F585D8CCF}" srcOrd="0" destOrd="0" presId="urn:microsoft.com/office/officeart/2005/8/layout/cycle7"/>
-    <dgm:cxn modelId="{3BF9A618-C73E-4F75-80BB-FD13FD7F1B2D}" type="presOf" srcId="{1E6E673B-9342-4455-89CF-CDA7D143C60D}" destId="{225B1C4D-BF4D-4F0D-9883-39A027EEB493}" srcOrd="1" destOrd="0" presId="urn:microsoft.com/office/officeart/2005/8/layout/cycle7"/>
-    <dgm:cxn modelId="{1CB15D22-5B9F-444D-97EA-4279CFB908CD}" type="presOf" srcId="{23A70B27-191D-4F0A-8E62-7DBF50FD60EC}" destId="{BECB6D11-CE25-422A-8820-3175E89F9551}" srcOrd="0" destOrd="0" presId="urn:microsoft.com/office/officeart/2005/8/layout/cycle7"/>
-    <dgm:cxn modelId="{93E38D23-E141-4970-A8CD-AAA16BF97A67}" type="presOf" srcId="{1E6E673B-9342-4455-89CF-CDA7D143C60D}" destId="{7F1BC857-E57E-4043-8CF8-DE3C7669DCB9}" srcOrd="0" destOrd="0" presId="urn:microsoft.com/office/officeart/2005/8/layout/cycle7"/>
-    <dgm:cxn modelId="{CCE14525-A444-4EB6-ABF7-CA0CDF2B4A52}" type="presOf" srcId="{DBE17351-7AC6-489F-A497-1099EEA0FEA8}" destId="{472FAD96-D087-45CC-8E59-E730EDA3385E}" srcOrd="1" destOrd="0" presId="urn:microsoft.com/office/officeart/2005/8/layout/cycle7"/>
-    <dgm:cxn modelId="{45F75062-8197-4AC9-95EC-4FFD69D29021}" type="presOf" srcId="{7AE7DE6A-188B-4CDB-A6D4-827AE553C6EA}" destId="{9EAD7219-D499-42C2-A0F0-81D4F729F5A7}" srcOrd="0" destOrd="0" presId="urn:microsoft.com/office/officeart/2005/8/layout/cycle7"/>
-    <dgm:cxn modelId="{935DD442-72AA-4040-8BC0-37A5D1E94B1B}" type="presOf" srcId="{BDCE1937-30C4-4090-96CE-61DEDE01E139}" destId="{257D4CC8-C926-465F-81DC-052AB8BD2E75}" srcOrd="0" destOrd="0" presId="urn:microsoft.com/office/officeart/2005/8/layout/cycle7"/>
-    <dgm:cxn modelId="{388B2547-C33E-4CD2-91AA-7C3481A85967}" type="presOf" srcId="{F7BE7BCA-74D6-421E-B491-AB6E07F542A8}" destId="{18C0DBB7-D9F0-4407-950A-72AF8C006683}" srcOrd="1" destOrd="0" presId="urn:microsoft.com/office/officeart/2005/8/layout/cycle7"/>
-    <dgm:cxn modelId="{B8CDA349-B70B-428C-A3B1-E281E84074C3}" srcId="{7AE7DE6A-188B-4CDB-A6D4-827AE553C6EA}" destId="{C3292B4E-2804-473E-888B-65FF95744AEB}" srcOrd="0" destOrd="0" parTransId="{F506EBF6-AAB6-41C1-9B5D-0302B28ED15B}" sibTransId="{BDCE1937-30C4-4090-96CE-61DEDE01E139}"/>
-    <dgm:cxn modelId="{EC4A716A-2E75-4ACA-B479-29E6B85E271C}" type="presOf" srcId="{4EA26D84-BAE1-4719-8F3C-B6DAA9EAAD88}" destId="{768334D4-CDCE-4589-B888-5F0305D122A5}" srcOrd="0" destOrd="0" presId="urn:microsoft.com/office/officeart/2005/8/layout/cycle7"/>
-    <dgm:cxn modelId="{C6D13F4F-0F5F-4F43-B919-F9F2093F0A45}" type="presOf" srcId="{C3292B4E-2804-473E-888B-65FF95744AEB}" destId="{EFFDE217-EE55-4BA2-B98F-27F16A446846}" srcOrd="0" destOrd="0" presId="urn:microsoft.com/office/officeart/2005/8/layout/cycle7"/>
-    <dgm:cxn modelId="{84892475-F70A-4720-9179-F59624BEA7AA}" type="presOf" srcId="{B65BA4AD-50B5-4597-A900-67D4AFDFF33B}" destId="{755910A8-BAF6-4852-83C6-5B4065D0FB3B}" srcOrd="0" destOrd="0" presId="urn:microsoft.com/office/officeart/2005/8/layout/cycle7"/>
-    <dgm:cxn modelId="{0B72EF83-6A6A-4555-B61E-827E239A2D9C}" type="presOf" srcId="{F7BE7BCA-74D6-421E-B491-AB6E07F542A8}" destId="{55F4E98F-8E69-4777-97D0-82905ABCAD7D}" srcOrd="0" destOrd="0" presId="urn:microsoft.com/office/officeart/2005/8/layout/cycle7"/>
-    <dgm:cxn modelId="{9C1CB188-489E-4256-8D9A-93B1852B1E31}" srcId="{7AE7DE6A-188B-4CDB-A6D4-827AE553C6EA}" destId="{B65BA4AD-50B5-4597-A900-67D4AFDFF33B}" srcOrd="4" destOrd="0" parTransId="{863EB34D-274F-4F47-B054-B6A18682AD60}" sibTransId="{1E6E673B-9342-4455-89CF-CDA7D143C60D}"/>
-    <dgm:cxn modelId="{2BBF7889-77B4-4AB6-8803-1DF8A30C0DE9}" srcId="{7AE7DE6A-188B-4CDB-A6D4-827AE553C6EA}" destId="{4EA26D84-BAE1-4719-8F3C-B6DAA9EAAD88}" srcOrd="3" destOrd="0" parTransId="{FFECDAC1-FE46-4AAC-B1AD-E3D39D874F24}" sibTransId="{DBE17351-7AC6-489F-A497-1099EEA0FEA8}"/>
-    <dgm:cxn modelId="{9DCA8BA5-C6EB-4CB4-8485-A6296B249065}" type="presOf" srcId="{2E58637A-F723-46E7-9264-C215D1DC4313}" destId="{AEF760F4-634A-4AAE-9B55-7E4FFD8F14DB}" srcOrd="1" destOrd="0" presId="urn:microsoft.com/office/officeart/2005/8/layout/cycle7"/>
-    <dgm:cxn modelId="{C8E0CFA6-4C85-4F94-9F34-0CD674BBE3DA}" type="presOf" srcId="{E57CED04-69DB-4394-9451-58FD32D7EBA7}" destId="{CC7327FD-62F5-4CBC-A1EF-010BCC18A122}" srcOrd="0" destOrd="0" presId="urn:microsoft.com/office/officeart/2005/8/layout/cycle7"/>
-    <dgm:cxn modelId="{B0DD7DAA-2C62-4211-9BD2-A84CC709697D}" type="presOf" srcId="{BDCE1937-30C4-4090-96CE-61DEDE01E139}" destId="{463C75A7-C5A3-4F29-8D59-20D4994BEF49}" srcOrd="1" destOrd="0" presId="urn:microsoft.com/office/officeart/2005/8/layout/cycle7"/>
-    <dgm:cxn modelId="{152D5FCD-0C6B-48F8-8CE2-DACF88B74C60}" type="presOf" srcId="{2E58637A-F723-46E7-9264-C215D1DC4313}" destId="{C028D409-13B1-46C4-9B22-0A595E611ADE}" srcOrd="0" destOrd="0" presId="urn:microsoft.com/office/officeart/2005/8/layout/cycle7"/>
-    <dgm:cxn modelId="{8E1C32EE-AC7B-4E77-9F9A-ED017C6A90B4}" srcId="{7AE7DE6A-188B-4CDB-A6D4-827AE553C6EA}" destId="{E57CED04-69DB-4394-9451-58FD32D7EBA7}" srcOrd="1" destOrd="0" parTransId="{290654F2-EB3B-40B7-A5B8-D3654408915B}" sibTransId="{2E58637A-F723-46E7-9264-C215D1DC4313}"/>
-    <dgm:cxn modelId="{4EAB7521-D9C8-4937-A85F-5C09EAADA5DA}" type="presParOf" srcId="{9EAD7219-D499-42C2-A0F0-81D4F729F5A7}" destId="{EFFDE217-EE55-4BA2-B98F-27F16A446846}" srcOrd="0" destOrd="0" presId="urn:microsoft.com/office/officeart/2005/8/layout/cycle7"/>
-    <dgm:cxn modelId="{3775DD2B-542D-4358-9145-6F0335D48554}" type="presParOf" srcId="{9EAD7219-D499-42C2-A0F0-81D4F729F5A7}" destId="{257D4CC8-C926-465F-81DC-052AB8BD2E75}" srcOrd="1" destOrd="0" presId="urn:microsoft.com/office/officeart/2005/8/layout/cycle7"/>
-    <dgm:cxn modelId="{9D107A65-F27F-4E00-978B-9D239410D61E}" type="presParOf" srcId="{257D4CC8-C926-465F-81DC-052AB8BD2E75}" destId="{463C75A7-C5A3-4F29-8D59-20D4994BEF49}" srcOrd="0" destOrd="0" presId="urn:microsoft.com/office/officeart/2005/8/layout/cycle7"/>
-    <dgm:cxn modelId="{406A3283-CBB2-420F-9F91-AFC8D287DBF2}" type="presParOf" srcId="{9EAD7219-D499-42C2-A0F0-81D4F729F5A7}" destId="{CC7327FD-62F5-4CBC-A1EF-010BCC18A122}" srcOrd="2" destOrd="0" presId="urn:microsoft.com/office/officeart/2005/8/layout/cycle7"/>
-    <dgm:cxn modelId="{B39D8017-E164-49DC-8771-8D8D0C01A6AE}" type="presParOf" srcId="{9EAD7219-D499-42C2-A0F0-81D4F729F5A7}" destId="{C028D409-13B1-46C4-9B22-0A595E611ADE}" srcOrd="3" destOrd="0" presId="urn:microsoft.com/office/officeart/2005/8/layout/cycle7"/>
-    <dgm:cxn modelId="{90D6EF2C-C1B7-494E-B793-E10DFDEA69EE}" type="presParOf" srcId="{C028D409-13B1-46C4-9B22-0A595E611ADE}" destId="{AEF760F4-634A-4AAE-9B55-7E4FFD8F14DB}" srcOrd="0" destOrd="0" presId="urn:microsoft.com/office/officeart/2005/8/layout/cycle7"/>
-    <dgm:cxn modelId="{59E62661-57C9-4A9B-A086-F188E5CA092C}" type="presParOf" srcId="{9EAD7219-D499-42C2-A0F0-81D4F729F5A7}" destId="{BECB6D11-CE25-422A-8820-3175E89F9551}" srcOrd="4" destOrd="0" presId="urn:microsoft.com/office/officeart/2005/8/layout/cycle7"/>
-    <dgm:cxn modelId="{DCCA8E96-4FA1-4E55-9082-A6741E55AB24}" type="presParOf" srcId="{9EAD7219-D499-42C2-A0F0-81D4F729F5A7}" destId="{55F4E98F-8E69-4777-97D0-82905ABCAD7D}" srcOrd="5" destOrd="0" presId="urn:microsoft.com/office/officeart/2005/8/layout/cycle7"/>
-    <dgm:cxn modelId="{75565077-4887-4393-B2C0-DF6F45B08818}" type="presParOf" srcId="{55F4E98F-8E69-4777-97D0-82905ABCAD7D}" destId="{18C0DBB7-D9F0-4407-950A-72AF8C006683}" srcOrd="0" destOrd="0" presId="urn:microsoft.com/office/officeart/2005/8/layout/cycle7"/>
-    <dgm:cxn modelId="{314EFDF3-EDAC-4E5B-86B3-0760EAA0167C}" type="presParOf" srcId="{9EAD7219-D499-42C2-A0F0-81D4F729F5A7}" destId="{768334D4-CDCE-4589-B888-5F0305D122A5}" srcOrd="6" destOrd="0" presId="urn:microsoft.com/office/officeart/2005/8/layout/cycle7"/>
-    <dgm:cxn modelId="{1BD7116D-F89F-4A9C-9B5B-FF0ECBA6E3CB}" type="presParOf" srcId="{9EAD7219-D499-42C2-A0F0-81D4F729F5A7}" destId="{81BD5BCD-B9C2-47A6-AAB0-F13F585D8CCF}" srcOrd="7" destOrd="0" presId="urn:microsoft.com/office/officeart/2005/8/layout/cycle7"/>
-    <dgm:cxn modelId="{2CD0A291-EB63-4409-AD60-B5027A4C1BF8}" type="presParOf" srcId="{81BD5BCD-B9C2-47A6-AAB0-F13F585D8CCF}" destId="{472FAD96-D087-45CC-8E59-E730EDA3385E}" srcOrd="0" destOrd="0" presId="urn:microsoft.com/office/officeart/2005/8/layout/cycle7"/>
-    <dgm:cxn modelId="{0E3E454A-9251-4D44-A17A-5721345FD7F9}" type="presParOf" srcId="{9EAD7219-D499-42C2-A0F0-81D4F729F5A7}" destId="{755910A8-BAF6-4852-83C6-5B4065D0FB3B}" srcOrd="8" destOrd="0" presId="urn:microsoft.com/office/officeart/2005/8/layout/cycle7"/>
-    <dgm:cxn modelId="{E4B80A43-FAC8-4D15-B4C7-C735718EE959}" type="presParOf" srcId="{9EAD7219-D499-42C2-A0F0-81D4F729F5A7}" destId="{7F1BC857-E57E-4043-8CF8-DE3C7669DCB9}" srcOrd="9" destOrd="0" presId="urn:microsoft.com/office/officeart/2005/8/layout/cycle7"/>
-    <dgm:cxn modelId="{17928446-6B97-4DF8-9E76-A66E47E8A9D9}" type="presParOf" srcId="{7F1BC857-E57E-4043-8CF8-DE3C7669DCB9}" destId="{225B1C4D-BF4D-4F0D-9883-39A027EEB493}" srcOrd="0" destOrd="0" presId="urn:microsoft.com/office/officeart/2005/8/layout/cycle7"/>
-  </dgm:cxnLst>
-  <dgm:bg/>
-  <dgm:whole/>
-  <dgm:extLst>
-    <a:ext uri="http://schemas.microsoft.com/office/drawing/2008/diagram">
-      <dsp:dataModelExt xmlns:dsp="http://schemas.microsoft.com/office/drawing/2008/diagram" relId="rId6" minVer="http://schemas.openxmlformats.org/drawingml/2006/diagram"/>
-    </a:ext>
-  </dgm:extLst>
-</dgm:dataModel>
-</file>
-
-<file path=ppt/diagrams/data7.xml><?xml version="1.0" encoding="utf-8"?>
-<dgm:dataModel xmlns:dgm="http://schemas.openxmlformats.org/drawingml/2006/diagram" xmlns:a="http://schemas.openxmlformats.org/drawingml/2006/main">
-  <dgm:ptLst>
     <dgm:pt modelId="{EB9E0E5E-8DE7-47E9-9E2D-FE3F75D2D7A5}" type="doc">
       <dgm:prSet loTypeId="urn:microsoft.com/office/officeart/2008/layout/LinedList" loCatId="list" qsTypeId="urn:microsoft.com/office/officeart/2005/8/quickstyle/simple1" qsCatId="simple" csTypeId="urn:microsoft.com/office/officeart/2005/8/colors/colorful1" csCatId="colorful"/>
       <dgm:spPr/>
@@ -8430,7 +7332,7 @@
 </dgm:dataModel>
 </file>
 
-<file path=ppt/diagrams/data8.xml><?xml version="1.0" encoding="utf-8"?>
+<file path=ppt/diagrams/data7.xml><?xml version="1.0" encoding="utf-8"?>
 <dgm:dataModel xmlns:dgm="http://schemas.openxmlformats.org/drawingml/2006/diagram" xmlns:a="http://schemas.openxmlformats.org/drawingml/2006/main">
   <dgm:ptLst>
     <dgm:pt modelId="{D4B282E6-09A8-4EA8-9751-DFDE66C2E670}" type="doc">
@@ -8489,10 +7391,14 @@
         <a:lstStyle/>
         <a:p>
           <a:r>
+            <a:rPr lang="fr-FR" dirty="0"/>
+            <a:t>Terminer le système d’administration </a:t>
+          </a:r>
+          <a:r>
             <a:rPr lang="fr-FR"/>
-            <a:t>Faire que la création d’équipier prenne en compte le personnage sélectionner pour les objets à équiper</a:t>
+            <a:t>d’objet créer</a:t>
           </a:r>
-          <a:endParaRPr lang="en-US"/>
+          <a:endParaRPr lang="en-US" dirty="0"/>
         </a:p>
       </dgm:t>
     </dgm:pt>
@@ -10328,759 +9234,6 @@
       <dsp:cNvGrpSpPr/>
     </dsp:nvGrpSpPr>
     <dsp:grpSpPr/>
-    <dsp:sp modelId="{EFFDE217-EE55-4BA2-B98F-27F16A446846}">
-      <dsp:nvSpPr>
-        <dsp:cNvPr id="0" name=""/>
-        <dsp:cNvSpPr/>
-      </dsp:nvSpPr>
-      <dsp:spPr>
-        <a:xfrm>
-          <a:off x="4542811" y="263105"/>
-          <a:ext cx="1429977" cy="714988"/>
-        </a:xfrm>
-        <a:prstGeom prst="roundRect">
-          <a:avLst>
-            <a:gd name="adj" fmla="val 10000"/>
-          </a:avLst>
-        </a:prstGeom>
-        <a:solidFill>
-          <a:schemeClr val="accent1">
-            <a:hueOff val="0"/>
-            <a:satOff val="0"/>
-            <a:lumOff val="0"/>
-            <a:alphaOff val="0"/>
-          </a:schemeClr>
-        </a:solidFill>
-        <a:ln w="12700" cap="flat" cmpd="sng" algn="ctr">
-          <a:solidFill>
-            <a:schemeClr val="lt1">
-              <a:hueOff val="0"/>
-              <a:satOff val="0"/>
-              <a:lumOff val="0"/>
-              <a:alphaOff val="0"/>
-            </a:schemeClr>
-          </a:solidFill>
-          <a:prstDash val="solid"/>
-          <a:miter lim="800000"/>
-        </a:ln>
-        <a:effectLst/>
-      </dsp:spPr>
-      <dsp:style>
-        <a:lnRef idx="2">
-          <a:scrgbClr r="0" g="0" b="0"/>
-        </a:lnRef>
-        <a:fillRef idx="1">
-          <a:scrgbClr r="0" g="0" b="0"/>
-        </a:fillRef>
-        <a:effectRef idx="0">
-          <a:scrgbClr r="0" g="0" b="0"/>
-        </a:effectRef>
-        <a:fontRef idx="minor">
-          <a:schemeClr val="lt1"/>
-        </a:fontRef>
-      </dsp:style>
-      <dsp:txBody>
-        <a:bodyPr spcFirstLastPara="0" vert="horz" wrap="square" lIns="68580" tIns="68580" rIns="68580" bIns="68580" numCol="1" spcCol="1270" anchor="ctr" anchorCtr="0">
-          <a:noAutofit/>
-        </a:bodyPr>
-        <a:lstStyle/>
-        <a:p>
-          <a:pPr marL="0" lvl="0" indent="0" algn="ctr" defTabSz="800100">
-            <a:lnSpc>
-              <a:spcPct val="90000"/>
-            </a:lnSpc>
-            <a:spcBef>
-              <a:spcPct val="0"/>
-            </a:spcBef>
-            <a:spcAft>
-              <a:spcPct val="35000"/>
-            </a:spcAft>
-            <a:buNone/>
-          </a:pPr>
-          <a:r>
-            <a:rPr lang="fr-FR" sz="1800" kern="1200" dirty="0" err="1"/>
-            <a:t>Presenter</a:t>
-          </a:r>
-          <a:endParaRPr lang="fr-FR" sz="1800" kern="1200" dirty="0"/>
-        </a:p>
-      </dsp:txBody>
-      <dsp:txXfrm>
-        <a:off x="4563752" y="284046"/>
-        <a:ext cx="1388095" cy="673106"/>
-      </dsp:txXfrm>
-    </dsp:sp>
-    <dsp:sp modelId="{257D4CC8-C926-465F-81DC-052AB8BD2E75}">
-      <dsp:nvSpPr>
-        <dsp:cNvPr id="0" name=""/>
-        <dsp:cNvSpPr/>
-      </dsp:nvSpPr>
-      <dsp:spPr>
-        <a:xfrm rot="3155498">
-          <a:off x="5296882" y="1426739"/>
-          <a:ext cx="1125367" cy="250246"/>
-        </a:xfrm>
-        <a:prstGeom prst="leftRightArrow">
-          <a:avLst/>
-        </a:prstGeom>
-        <a:solidFill>
-          <a:schemeClr val="accent1">
-            <a:tint val="60000"/>
-            <a:hueOff val="0"/>
-            <a:satOff val="0"/>
-            <a:lumOff val="0"/>
-            <a:alphaOff val="0"/>
-          </a:schemeClr>
-        </a:solidFill>
-        <a:ln>
-          <a:noFill/>
-        </a:ln>
-        <a:effectLst/>
-      </dsp:spPr>
-      <dsp:style>
-        <a:lnRef idx="0">
-          <a:scrgbClr r="0" g="0" b="0"/>
-        </a:lnRef>
-        <a:fillRef idx="1">
-          <a:scrgbClr r="0" g="0" b="0"/>
-        </a:fillRef>
-        <a:effectRef idx="0">
-          <a:scrgbClr r="0" g="0" b="0"/>
-        </a:effectRef>
-        <a:fontRef idx="minor">
-          <a:schemeClr val="lt1"/>
-        </a:fontRef>
-      </dsp:style>
-      <dsp:txBody>
-        <a:bodyPr spcFirstLastPara="0" vert="horz" wrap="square" lIns="0" tIns="0" rIns="0" bIns="0" numCol="1" spcCol="1270" anchor="ctr" anchorCtr="0">
-          <a:noAutofit/>
-        </a:bodyPr>
-        <a:lstStyle/>
-        <a:p>
-          <a:pPr marL="0" lvl="0" indent="0" algn="ctr" defTabSz="444500">
-            <a:lnSpc>
-              <a:spcPct val="90000"/>
-            </a:lnSpc>
-            <a:spcBef>
-              <a:spcPct val="0"/>
-            </a:spcBef>
-            <a:spcAft>
-              <a:spcPct val="35000"/>
-            </a:spcAft>
-            <a:buNone/>
-          </a:pPr>
-          <a:endParaRPr lang="fr-FR" sz="1000" kern="1200"/>
-        </a:p>
-      </dsp:txBody>
-      <dsp:txXfrm>
-        <a:off x="5371956" y="1476788"/>
-        <a:ext cx="975219" cy="150148"/>
-      </dsp:txXfrm>
-    </dsp:sp>
-    <dsp:sp modelId="{CC7327FD-62F5-4CBC-A1EF-010BCC18A122}">
-      <dsp:nvSpPr>
-        <dsp:cNvPr id="0" name=""/>
-        <dsp:cNvSpPr/>
-      </dsp:nvSpPr>
-      <dsp:spPr>
-        <a:xfrm>
-          <a:off x="9085622" y="2041267"/>
-          <a:ext cx="1429977" cy="714988"/>
-        </a:xfrm>
-        <a:prstGeom prst="roundRect">
-          <a:avLst>
-            <a:gd name="adj" fmla="val 10000"/>
-          </a:avLst>
-        </a:prstGeom>
-        <a:solidFill>
-          <a:schemeClr val="accent1">
-            <a:hueOff val="0"/>
-            <a:satOff val="0"/>
-            <a:lumOff val="0"/>
-            <a:alphaOff val="0"/>
-          </a:schemeClr>
-        </a:solidFill>
-        <a:ln w="12700" cap="flat" cmpd="sng" algn="ctr">
-          <a:solidFill>
-            <a:schemeClr val="lt1">
-              <a:hueOff val="0"/>
-              <a:satOff val="0"/>
-              <a:lumOff val="0"/>
-              <a:alphaOff val="0"/>
-            </a:schemeClr>
-          </a:solidFill>
-          <a:prstDash val="solid"/>
-          <a:miter lim="800000"/>
-        </a:ln>
-        <a:effectLst/>
-      </dsp:spPr>
-      <dsp:style>
-        <a:lnRef idx="2">
-          <a:scrgbClr r="0" g="0" b="0"/>
-        </a:lnRef>
-        <a:fillRef idx="1">
-          <a:scrgbClr r="0" g="0" b="0"/>
-        </a:fillRef>
-        <a:effectRef idx="0">
-          <a:scrgbClr r="0" g="0" b="0"/>
-        </a:effectRef>
-        <a:fontRef idx="minor">
-          <a:schemeClr val="lt1"/>
-        </a:fontRef>
-      </dsp:style>
-      <dsp:txBody>
-        <a:bodyPr spcFirstLastPara="0" vert="horz" wrap="square" lIns="68580" tIns="68580" rIns="68580" bIns="68580" numCol="1" spcCol="1270" anchor="ctr" anchorCtr="0">
-          <a:noAutofit/>
-        </a:bodyPr>
-        <a:lstStyle/>
-        <a:p>
-          <a:pPr marL="0" lvl="0" indent="0" algn="ctr" defTabSz="800100">
-            <a:lnSpc>
-              <a:spcPct val="90000"/>
-            </a:lnSpc>
-            <a:spcBef>
-              <a:spcPct val="0"/>
-            </a:spcBef>
-            <a:spcAft>
-              <a:spcPct val="35000"/>
-            </a:spcAft>
-            <a:buNone/>
-          </a:pPr>
-          <a:r>
-            <a:rPr lang="fr-FR" sz="1800" kern="1200" dirty="0"/>
-            <a:t>Base de donnée</a:t>
-          </a:r>
-        </a:p>
-      </dsp:txBody>
-      <dsp:txXfrm>
-        <a:off x="9106563" y="2062208"/>
-        <a:ext cx="1388095" cy="673106"/>
-      </dsp:txXfrm>
-    </dsp:sp>
-    <dsp:sp modelId="{C028D409-13B1-46C4-9B22-0A595E611ADE}">
-      <dsp:nvSpPr>
-        <dsp:cNvPr id="0" name=""/>
-        <dsp:cNvSpPr/>
-      </dsp:nvSpPr>
-      <dsp:spPr>
-        <a:xfrm rot="10800011">
-          <a:off x="7716715" y="2273633"/>
-          <a:ext cx="1125367" cy="250246"/>
-        </a:xfrm>
-        <a:prstGeom prst="leftRightArrow">
-          <a:avLst>
-            <a:gd name="adj1" fmla="val 60000"/>
-            <a:gd name="adj2" fmla="val 50000"/>
-          </a:avLst>
-        </a:prstGeom>
-        <a:solidFill>
-          <a:schemeClr val="accent1">
-            <a:tint val="60000"/>
-            <a:hueOff val="0"/>
-            <a:satOff val="0"/>
-            <a:lumOff val="0"/>
-            <a:alphaOff val="0"/>
-          </a:schemeClr>
-        </a:solidFill>
-        <a:ln>
-          <a:noFill/>
-        </a:ln>
-        <a:effectLst/>
-      </dsp:spPr>
-      <dsp:style>
-        <a:lnRef idx="0">
-          <a:scrgbClr r="0" g="0" b="0"/>
-        </a:lnRef>
-        <a:fillRef idx="1">
-          <a:scrgbClr r="0" g="0" b="0"/>
-        </a:fillRef>
-        <a:effectRef idx="0">
-          <a:scrgbClr r="0" g="0" b="0"/>
-        </a:effectRef>
-        <a:fontRef idx="minor">
-          <a:schemeClr val="lt1"/>
-        </a:fontRef>
-      </dsp:style>
-      <dsp:txBody>
-        <a:bodyPr spcFirstLastPara="0" vert="horz" wrap="square" lIns="0" tIns="0" rIns="0" bIns="0" numCol="1" spcCol="1270" anchor="ctr" anchorCtr="0">
-          <a:noAutofit/>
-        </a:bodyPr>
-        <a:lstStyle/>
-        <a:p>
-          <a:pPr marL="0" lvl="0" indent="0" algn="ctr" defTabSz="444500">
-            <a:lnSpc>
-              <a:spcPct val="90000"/>
-            </a:lnSpc>
-            <a:spcBef>
-              <a:spcPct val="0"/>
-            </a:spcBef>
-            <a:spcAft>
-              <a:spcPct val="35000"/>
-            </a:spcAft>
-            <a:buNone/>
-          </a:pPr>
-          <a:r>
-            <a:rPr lang="fr-FR" sz="1000" kern="1200" dirty="0"/>
-            <a:t>Doctrine</a:t>
-          </a:r>
-        </a:p>
-      </dsp:txBody>
-      <dsp:txXfrm rot="10800000">
-        <a:off x="7791789" y="2323682"/>
-        <a:ext cx="975219" cy="150148"/>
-      </dsp:txXfrm>
-    </dsp:sp>
-    <dsp:sp modelId="{BECB6D11-CE25-422A-8820-3175E89F9551}">
-      <dsp:nvSpPr>
-        <dsp:cNvPr id="0" name=""/>
-        <dsp:cNvSpPr/>
-      </dsp:nvSpPr>
-      <dsp:spPr>
-        <a:xfrm>
-          <a:off x="6043198" y="2041257"/>
-          <a:ext cx="1429977" cy="714988"/>
-        </a:xfrm>
-        <a:prstGeom prst="roundRect">
-          <a:avLst>
-            <a:gd name="adj" fmla="val 10000"/>
-          </a:avLst>
-        </a:prstGeom>
-        <a:solidFill>
-          <a:schemeClr val="accent1">
-            <a:hueOff val="0"/>
-            <a:satOff val="0"/>
-            <a:lumOff val="0"/>
-            <a:alphaOff val="0"/>
-          </a:schemeClr>
-        </a:solidFill>
-        <a:ln w="12700" cap="flat" cmpd="sng" algn="ctr">
-          <a:solidFill>
-            <a:schemeClr val="lt1">
-              <a:hueOff val="0"/>
-              <a:satOff val="0"/>
-              <a:lumOff val="0"/>
-              <a:alphaOff val="0"/>
-            </a:schemeClr>
-          </a:solidFill>
-          <a:prstDash val="solid"/>
-          <a:miter lim="800000"/>
-        </a:ln>
-        <a:effectLst/>
-      </dsp:spPr>
-      <dsp:style>
-        <a:lnRef idx="2">
-          <a:scrgbClr r="0" g="0" b="0"/>
-        </a:lnRef>
-        <a:fillRef idx="1">
-          <a:scrgbClr r="0" g="0" b="0"/>
-        </a:fillRef>
-        <a:effectRef idx="0">
-          <a:scrgbClr r="0" g="0" b="0"/>
-        </a:effectRef>
-        <a:fontRef idx="minor">
-          <a:schemeClr val="lt1"/>
-        </a:fontRef>
-      </dsp:style>
-      <dsp:txBody>
-        <a:bodyPr spcFirstLastPara="0" vert="horz" wrap="square" lIns="68580" tIns="68580" rIns="68580" bIns="68580" numCol="1" spcCol="1270" anchor="ctr" anchorCtr="0">
-          <a:noAutofit/>
-        </a:bodyPr>
-        <a:lstStyle/>
-        <a:p>
-          <a:pPr marL="0" lvl="0" indent="0" algn="ctr" defTabSz="800100">
-            <a:lnSpc>
-              <a:spcPct val="90000"/>
-            </a:lnSpc>
-            <a:spcBef>
-              <a:spcPct val="0"/>
-            </a:spcBef>
-            <a:spcAft>
-              <a:spcPct val="35000"/>
-            </a:spcAft>
-            <a:buNone/>
-          </a:pPr>
-          <a:r>
-            <a:rPr lang="fr-FR" sz="1800" kern="1200" dirty="0"/>
-            <a:t>Model</a:t>
-          </a:r>
-        </a:p>
-      </dsp:txBody>
-      <dsp:txXfrm>
-        <a:off x="6064139" y="2062198"/>
-        <a:ext cx="1388095" cy="673106"/>
-      </dsp:txXfrm>
-    </dsp:sp>
-    <dsp:sp modelId="{55F4E98F-8E69-4777-97D0-82905ABCAD7D}">
-      <dsp:nvSpPr>
-        <dsp:cNvPr id="0" name=""/>
-        <dsp:cNvSpPr/>
-      </dsp:nvSpPr>
-      <dsp:spPr>
-        <a:xfrm rot="10799994">
-          <a:off x="4695114" y="2213181"/>
-          <a:ext cx="1125367" cy="250246"/>
-        </a:xfrm>
-        <a:prstGeom prst="leftArrow">
-          <a:avLst/>
-        </a:prstGeom>
-        <a:solidFill>
-          <a:schemeClr val="bg1"/>
-        </a:solidFill>
-        <a:ln>
-          <a:solidFill>
-            <a:schemeClr val="bg1"/>
-          </a:solidFill>
-        </a:ln>
-        <a:effectLst/>
-      </dsp:spPr>
-      <dsp:style>
-        <a:lnRef idx="0">
-          <a:scrgbClr r="0" g="0" b="0"/>
-        </a:lnRef>
-        <a:fillRef idx="1">
-          <a:scrgbClr r="0" g="0" b="0"/>
-        </a:fillRef>
-        <a:effectRef idx="0">
-          <a:scrgbClr r="0" g="0" b="0"/>
-        </a:effectRef>
-        <a:fontRef idx="minor">
-          <a:schemeClr val="lt1"/>
-        </a:fontRef>
-      </dsp:style>
-      <dsp:txBody>
-        <a:bodyPr spcFirstLastPara="0" vert="horz" wrap="square" lIns="0" tIns="0" rIns="0" bIns="0" numCol="1" spcCol="1270" anchor="ctr" anchorCtr="0">
-          <a:noAutofit/>
-        </a:bodyPr>
-        <a:lstStyle/>
-        <a:p>
-          <a:pPr marL="0" lvl="0" indent="0" algn="ctr" defTabSz="444500">
-            <a:lnSpc>
-              <a:spcPct val="90000"/>
-            </a:lnSpc>
-            <a:spcBef>
-              <a:spcPct val="0"/>
-            </a:spcBef>
-            <a:spcAft>
-              <a:spcPct val="35000"/>
-            </a:spcAft>
-            <a:buNone/>
-          </a:pPr>
-          <a:endParaRPr lang="fr-FR" sz="1000" kern="1200"/>
-        </a:p>
-      </dsp:txBody>
-      <dsp:txXfrm rot="10800000">
-        <a:off x="4770188" y="2263230"/>
-        <a:ext cx="975219" cy="150148"/>
-      </dsp:txXfrm>
-    </dsp:sp>
-    <dsp:sp modelId="{768334D4-CDCE-4589-B888-5F0305D122A5}">
-      <dsp:nvSpPr>
-        <dsp:cNvPr id="0" name=""/>
-        <dsp:cNvSpPr/>
-      </dsp:nvSpPr>
-      <dsp:spPr>
-        <a:xfrm>
-          <a:off x="13" y="2041266"/>
-          <a:ext cx="1429977" cy="714988"/>
-        </a:xfrm>
-        <a:prstGeom prst="roundRect">
-          <a:avLst>
-            <a:gd name="adj" fmla="val 10000"/>
-          </a:avLst>
-        </a:prstGeom>
-        <a:solidFill>
-          <a:schemeClr val="accent1">
-            <a:hueOff val="0"/>
-            <a:satOff val="0"/>
-            <a:lumOff val="0"/>
-            <a:alphaOff val="0"/>
-          </a:schemeClr>
-        </a:solidFill>
-        <a:ln w="12700" cap="flat" cmpd="sng" algn="ctr">
-          <a:solidFill>
-            <a:schemeClr val="lt1">
-              <a:hueOff val="0"/>
-              <a:satOff val="0"/>
-              <a:lumOff val="0"/>
-              <a:alphaOff val="0"/>
-            </a:schemeClr>
-          </a:solidFill>
-          <a:prstDash val="solid"/>
-          <a:miter lim="800000"/>
-        </a:ln>
-        <a:effectLst/>
-      </dsp:spPr>
-      <dsp:style>
-        <a:lnRef idx="2">
-          <a:scrgbClr r="0" g="0" b="0"/>
-        </a:lnRef>
-        <a:fillRef idx="1">
-          <a:scrgbClr r="0" g="0" b="0"/>
-        </a:fillRef>
-        <a:effectRef idx="0">
-          <a:scrgbClr r="0" g="0" b="0"/>
-        </a:effectRef>
-        <a:fontRef idx="minor">
-          <a:schemeClr val="lt1"/>
-        </a:fontRef>
-      </dsp:style>
-      <dsp:txBody>
-        <a:bodyPr spcFirstLastPara="0" vert="horz" wrap="square" lIns="68580" tIns="68580" rIns="68580" bIns="68580" numCol="1" spcCol="1270" anchor="ctr" anchorCtr="0">
-          <a:noAutofit/>
-        </a:bodyPr>
-        <a:lstStyle/>
-        <a:p>
-          <a:pPr marL="0" lvl="0" indent="0" algn="ctr" defTabSz="800100">
-            <a:lnSpc>
-              <a:spcPct val="90000"/>
-            </a:lnSpc>
-            <a:spcBef>
-              <a:spcPct val="0"/>
-            </a:spcBef>
-            <a:spcAft>
-              <a:spcPct val="35000"/>
-            </a:spcAft>
-            <a:buNone/>
-          </a:pPr>
-          <a:r>
-            <a:rPr lang="fr-FR" sz="1800" kern="1200" dirty="0"/>
-            <a:t>Action de l’utilisateur</a:t>
-          </a:r>
-        </a:p>
-      </dsp:txBody>
-      <dsp:txXfrm>
-        <a:off x="20954" y="2062207"/>
-        <a:ext cx="1388095" cy="673106"/>
-      </dsp:txXfrm>
-    </dsp:sp>
-    <dsp:sp modelId="{81BD5BCD-B9C2-47A6-AAB0-F13F585D8CCF}">
-      <dsp:nvSpPr>
-        <dsp:cNvPr id="0" name=""/>
-        <dsp:cNvSpPr/>
-      </dsp:nvSpPr>
-      <dsp:spPr>
-        <a:xfrm rot="21599983">
-          <a:off x="1570662" y="2273631"/>
-          <a:ext cx="1125367" cy="250246"/>
-        </a:xfrm>
-        <a:prstGeom prst="rightArrow">
-          <a:avLst/>
-        </a:prstGeom>
-        <a:solidFill>
-          <a:schemeClr val="accent1">
-            <a:tint val="60000"/>
-            <a:hueOff val="0"/>
-            <a:satOff val="0"/>
-            <a:lumOff val="0"/>
-            <a:alphaOff val="0"/>
-          </a:schemeClr>
-        </a:solidFill>
-        <a:ln>
-          <a:noFill/>
-        </a:ln>
-        <a:effectLst/>
-      </dsp:spPr>
-      <dsp:style>
-        <a:lnRef idx="0">
-          <a:scrgbClr r="0" g="0" b="0"/>
-        </a:lnRef>
-        <a:fillRef idx="1">
-          <a:scrgbClr r="0" g="0" b="0"/>
-        </a:fillRef>
-        <a:effectRef idx="0">
-          <a:scrgbClr r="0" g="0" b="0"/>
-        </a:effectRef>
-        <a:fontRef idx="minor">
-          <a:schemeClr val="lt1"/>
-        </a:fontRef>
-      </dsp:style>
-      <dsp:txBody>
-        <a:bodyPr spcFirstLastPara="0" vert="horz" wrap="square" lIns="0" tIns="0" rIns="0" bIns="0" numCol="1" spcCol="1270" anchor="ctr" anchorCtr="0">
-          <a:noAutofit/>
-        </a:bodyPr>
-        <a:lstStyle/>
-        <a:p>
-          <a:pPr marL="0" lvl="0" indent="0" algn="ctr" defTabSz="444500">
-            <a:lnSpc>
-              <a:spcPct val="90000"/>
-            </a:lnSpc>
-            <a:spcBef>
-              <a:spcPct val="0"/>
-            </a:spcBef>
-            <a:spcAft>
-              <a:spcPct val="35000"/>
-            </a:spcAft>
-            <a:buNone/>
-          </a:pPr>
-          <a:endParaRPr lang="fr-FR" sz="1000" kern="1200"/>
-        </a:p>
-      </dsp:txBody>
-      <dsp:txXfrm>
-        <a:off x="1645736" y="2323680"/>
-        <a:ext cx="975219" cy="150148"/>
-      </dsp:txXfrm>
-    </dsp:sp>
-    <dsp:sp modelId="{755910A8-BAF6-4852-83C6-5B4065D0FB3B}">
-      <dsp:nvSpPr>
-        <dsp:cNvPr id="0" name=""/>
-        <dsp:cNvSpPr/>
-      </dsp:nvSpPr>
-      <dsp:spPr>
-        <a:xfrm>
-          <a:off x="2836700" y="2041252"/>
-          <a:ext cx="1429977" cy="714988"/>
-        </a:xfrm>
-        <a:prstGeom prst="roundRect">
-          <a:avLst>
-            <a:gd name="adj" fmla="val 10000"/>
-          </a:avLst>
-        </a:prstGeom>
-        <a:solidFill>
-          <a:schemeClr val="accent1">
-            <a:hueOff val="0"/>
-            <a:satOff val="0"/>
-            <a:lumOff val="0"/>
-            <a:alphaOff val="0"/>
-          </a:schemeClr>
-        </a:solidFill>
-        <a:ln w="12700" cap="flat" cmpd="sng" algn="ctr">
-          <a:solidFill>
-            <a:schemeClr val="lt1">
-              <a:hueOff val="0"/>
-              <a:satOff val="0"/>
-              <a:lumOff val="0"/>
-              <a:alphaOff val="0"/>
-            </a:schemeClr>
-          </a:solidFill>
-          <a:prstDash val="solid"/>
-          <a:miter lim="800000"/>
-        </a:ln>
-        <a:effectLst/>
-      </dsp:spPr>
-      <dsp:style>
-        <a:lnRef idx="2">
-          <a:scrgbClr r="0" g="0" b="0"/>
-        </a:lnRef>
-        <a:fillRef idx="1">
-          <a:scrgbClr r="0" g="0" b="0"/>
-        </a:fillRef>
-        <a:effectRef idx="0">
-          <a:scrgbClr r="0" g="0" b="0"/>
-        </a:effectRef>
-        <a:fontRef idx="minor">
-          <a:schemeClr val="lt1"/>
-        </a:fontRef>
-      </dsp:style>
-      <dsp:txBody>
-        <a:bodyPr spcFirstLastPara="0" vert="horz" wrap="square" lIns="68580" tIns="68580" rIns="68580" bIns="68580" numCol="1" spcCol="1270" anchor="ctr" anchorCtr="0">
-          <a:noAutofit/>
-        </a:bodyPr>
-        <a:lstStyle/>
-        <a:p>
-          <a:pPr marL="0" lvl="0" indent="0" algn="ctr" defTabSz="800100">
-            <a:lnSpc>
-              <a:spcPct val="90000"/>
-            </a:lnSpc>
-            <a:spcBef>
-              <a:spcPct val="0"/>
-            </a:spcBef>
-            <a:spcAft>
-              <a:spcPct val="35000"/>
-            </a:spcAft>
-            <a:buNone/>
-          </a:pPr>
-          <a:r>
-            <a:rPr lang="fr-FR" sz="1800" kern="1200" dirty="0"/>
-            <a:t>View</a:t>
-          </a:r>
-        </a:p>
-      </dsp:txBody>
-      <dsp:txXfrm>
-        <a:off x="2857641" y="2062193"/>
-        <a:ext cx="1388095" cy="673106"/>
-      </dsp:txXfrm>
-    </dsp:sp>
-    <dsp:sp modelId="{7F1BC857-E57E-4043-8CF8-DE3C7669DCB9}">
-      <dsp:nvSpPr>
-        <dsp:cNvPr id="0" name=""/>
-        <dsp:cNvSpPr/>
-      </dsp:nvSpPr>
-      <dsp:spPr>
-        <a:xfrm rot="18760549">
-          <a:off x="3932214" y="1416747"/>
-          <a:ext cx="1125367" cy="250246"/>
-        </a:xfrm>
-        <a:prstGeom prst="leftRightArrow">
-          <a:avLst>
-            <a:gd name="adj1" fmla="val 60000"/>
-            <a:gd name="adj2" fmla="val 50000"/>
-          </a:avLst>
-        </a:prstGeom>
-        <a:solidFill>
-          <a:schemeClr val="accent1">
-            <a:tint val="60000"/>
-            <a:hueOff val="0"/>
-            <a:satOff val="0"/>
-            <a:lumOff val="0"/>
-            <a:alphaOff val="0"/>
-          </a:schemeClr>
-        </a:solidFill>
-        <a:ln>
-          <a:noFill/>
-        </a:ln>
-        <a:effectLst/>
-      </dsp:spPr>
-      <dsp:style>
-        <a:lnRef idx="0">
-          <a:scrgbClr r="0" g="0" b="0"/>
-        </a:lnRef>
-        <a:fillRef idx="1">
-          <a:scrgbClr r="0" g="0" b="0"/>
-        </a:fillRef>
-        <a:effectRef idx="0">
-          <a:scrgbClr r="0" g="0" b="0"/>
-        </a:effectRef>
-        <a:fontRef idx="minor">
-          <a:schemeClr val="lt1"/>
-        </a:fontRef>
-      </dsp:style>
-      <dsp:txBody>
-        <a:bodyPr spcFirstLastPara="0" vert="horz" wrap="square" lIns="0" tIns="0" rIns="0" bIns="0" numCol="1" spcCol="1270" anchor="ctr" anchorCtr="0">
-          <a:noAutofit/>
-        </a:bodyPr>
-        <a:lstStyle/>
-        <a:p>
-          <a:pPr marL="0" lvl="0" indent="0" algn="ctr" defTabSz="444500">
-            <a:lnSpc>
-              <a:spcPct val="90000"/>
-            </a:lnSpc>
-            <a:spcBef>
-              <a:spcPct val="0"/>
-            </a:spcBef>
-            <a:spcAft>
-              <a:spcPct val="35000"/>
-            </a:spcAft>
-            <a:buNone/>
-          </a:pPr>
-          <a:endParaRPr lang="fr-FR" sz="1000" kern="1200"/>
-        </a:p>
-      </dsp:txBody>
-      <dsp:txXfrm>
-        <a:off x="4007288" y="1466796"/>
-        <a:ext cx="975219" cy="150148"/>
-      </dsp:txXfrm>
-    </dsp:sp>
-  </dsp:spTree>
-</dsp:drawing>
-</file>
-
-<file path=ppt/diagrams/drawing7.xml><?xml version="1.0" encoding="utf-8"?>
-<dsp:drawing xmlns:dgm="http://schemas.openxmlformats.org/drawingml/2006/diagram" xmlns:dsp="http://schemas.microsoft.com/office/drawing/2008/diagram" xmlns:a="http://schemas.openxmlformats.org/drawingml/2006/main">
-  <dsp:spTree>
-    <dsp:nvGrpSpPr>
-      <dsp:cNvPr id="0" name=""/>
-      <dsp:cNvGrpSpPr/>
-    </dsp:nvGrpSpPr>
-    <dsp:grpSpPr/>
     <dsp:sp modelId="{3B5CC6A9-3052-4CE2-A7EA-9943C3A11ACD}">
       <dsp:nvSpPr>
         <dsp:cNvPr id="0" name=""/>
@@ -11529,7 +9682,7 @@
 </dsp:drawing>
 </file>
 
-<file path=ppt/diagrams/drawing8.xml><?xml version="1.0" encoding="utf-8"?>
+<file path=ppt/diagrams/drawing7.xml><?xml version="1.0" encoding="utf-8"?>
 <dsp:drawing xmlns:dgm="http://schemas.openxmlformats.org/drawingml/2006/diagram" xmlns:dsp="http://schemas.microsoft.com/office/drawing/2008/diagram" xmlns:a="http://schemas.openxmlformats.org/drawingml/2006/main">
   <dsp:spTree>
     <dsp:nvGrpSpPr>
@@ -11684,10 +9837,14 @@
             <a:buNone/>
           </a:pPr>
           <a:r>
+            <a:rPr lang="fr-FR" sz="3100" kern="1200" dirty="0"/>
+            <a:t>Terminer le système d’administration </a:t>
+          </a:r>
+          <a:r>
             <a:rPr lang="fr-FR" sz="3100" kern="1200"/>
-            <a:t>Faire que la création d’équipier prenne en compte le personnage sélectionner pour les objets à équiper</a:t>
+            <a:t>d’objet créer</a:t>
           </a:r>
-          <a:endParaRPr lang="en-US" sz="3100" kern="1200"/>
+          <a:endParaRPr lang="en-US" sz="3100" kern="1200" dirty="0"/>
         </a:p>
       </dsp:txBody>
       <dsp:txXfrm>
@@ -13468,194 +11625,6 @@
 </file>
 
 <file path=ppt/diagrams/layout6.xml><?xml version="1.0" encoding="utf-8"?>
-<dgm:layoutDef xmlns:dgm="http://schemas.openxmlformats.org/drawingml/2006/diagram" xmlns:a="http://schemas.openxmlformats.org/drawingml/2006/main" uniqueId="urn:microsoft.com/office/officeart/2005/8/layout/cycle7">
-  <dgm:title val=""/>
-  <dgm:desc val=""/>
-  <dgm:catLst>
-    <dgm:cat type="cycle" pri="6000"/>
-  </dgm:catLst>
-  <dgm:sampData>
-    <dgm:dataModel>
-      <dgm:ptLst>
-        <dgm:pt modelId="0" type="doc"/>
-        <dgm:pt modelId="1">
-          <dgm:prSet phldr="1"/>
-        </dgm:pt>
-        <dgm:pt modelId="2">
-          <dgm:prSet phldr="1"/>
-        </dgm:pt>
-        <dgm:pt modelId="3">
-          <dgm:prSet phldr="1"/>
-        </dgm:pt>
-      </dgm:ptLst>
-      <dgm:cxnLst>
-        <dgm:cxn modelId="6" srcId="0" destId="1" srcOrd="0" destOrd="0"/>
-        <dgm:cxn modelId="7" srcId="0" destId="2" srcOrd="1" destOrd="0"/>
-        <dgm:cxn modelId="8" srcId="0" destId="3" srcOrd="2" destOrd="0"/>
-      </dgm:cxnLst>
-      <dgm:bg/>
-      <dgm:whole/>
-    </dgm:dataModel>
-  </dgm:sampData>
-  <dgm:styleData>
-    <dgm:dataModel>
-      <dgm:ptLst>
-        <dgm:pt modelId="0" type="doc"/>
-        <dgm:pt modelId="1"/>
-        <dgm:pt modelId="2"/>
-        <dgm:pt modelId="3"/>
-      </dgm:ptLst>
-      <dgm:cxnLst>
-        <dgm:cxn modelId="4" srcId="0" destId="1" srcOrd="0" destOrd="0"/>
-        <dgm:cxn modelId="5" srcId="0" destId="2" srcOrd="1" destOrd="0"/>
-        <dgm:cxn modelId="6" srcId="0" destId="3" srcOrd="2" destOrd="0"/>
-      </dgm:cxnLst>
-      <dgm:bg/>
-      <dgm:whole/>
-    </dgm:dataModel>
-  </dgm:styleData>
-  <dgm:clrData>
-    <dgm:dataModel>
-      <dgm:ptLst>
-        <dgm:pt modelId="0" type="doc"/>
-        <dgm:pt modelId="1"/>
-        <dgm:pt modelId="2"/>
-        <dgm:pt modelId="3"/>
-        <dgm:pt modelId="4"/>
-        <dgm:pt modelId="5"/>
-        <dgm:pt modelId="6"/>
-      </dgm:ptLst>
-      <dgm:cxnLst>
-        <dgm:cxn modelId="7" srcId="0" destId="1" srcOrd="0" destOrd="0"/>
-        <dgm:cxn modelId="8" srcId="0" destId="2" srcOrd="1" destOrd="0"/>
-        <dgm:cxn modelId="9" srcId="0" destId="3" srcOrd="2" destOrd="0"/>
-        <dgm:cxn modelId="10" srcId="0" destId="4" srcOrd="3" destOrd="0"/>
-        <dgm:cxn modelId="11" srcId="0" destId="5" srcOrd="4" destOrd="0"/>
-        <dgm:cxn modelId="12" srcId="0" destId="6" srcOrd="5" destOrd="0"/>
-      </dgm:cxnLst>
-      <dgm:bg/>
-      <dgm:whole/>
-    </dgm:dataModel>
-  </dgm:clrData>
-  <dgm:layoutNode name="Name0">
-    <dgm:varLst>
-      <dgm:dir/>
-      <dgm:resizeHandles val="exact"/>
-    </dgm:varLst>
-    <dgm:choose name="Name1">
-      <dgm:if name="Name2" func="var" arg="dir" op="equ" val="norm">
-        <dgm:alg type="cycle">
-          <dgm:param type="stAng" val="0"/>
-          <dgm:param type="spanAng" val="360"/>
-        </dgm:alg>
-      </dgm:if>
-      <dgm:else name="Name3">
-        <dgm:alg type="cycle">
-          <dgm:param type="stAng" val="0"/>
-          <dgm:param type="spanAng" val="-360"/>
-        </dgm:alg>
-      </dgm:else>
-    </dgm:choose>
-    <dgm:shape xmlns:r="http://schemas.openxmlformats.org/officeDocument/2006/relationships" r:blip="">
-      <dgm:adjLst/>
-    </dgm:shape>
-    <dgm:presOf/>
-    <dgm:constrLst>
-      <dgm:constr type="diam" refType="w"/>
-      <dgm:constr type="w" for="ch" ptType="node" refType="w"/>
-      <dgm:constr type="primFontSz" for="ch" ptType="node" op="equ" val="65"/>
-      <dgm:constr type="w" for="ch" forName="sibTrans" refType="w" refFor="ch" refPtType="node" op="equ" fact="0.35"/>
-      <dgm:constr type="connDist" for="ch" forName="sibTrans" op="equ"/>
-      <dgm:constr type="primFontSz" for="des" forName="connectorText" op="equ" val="55"/>
-      <dgm:constr type="primFontSz" for="des" forName="connectorText" refType="primFontSz" refFor="ch" refPtType="node" op="lte" fact="0.8"/>
-      <dgm:constr type="sibSp" refType="w" refFor="ch" refPtType="node" op="equ" fact="0.65"/>
-    </dgm:constrLst>
-    <dgm:ruleLst/>
-    <dgm:forEach name="nodesForEach" axis="ch" ptType="node">
-      <dgm:layoutNode name="node">
-        <dgm:varLst>
-          <dgm:bulletEnabled val="1"/>
-        </dgm:varLst>
-        <dgm:alg type="tx"/>
-        <dgm:shape xmlns:r="http://schemas.openxmlformats.org/officeDocument/2006/relationships" type="roundRect" r:blip="">
-          <dgm:adjLst>
-            <dgm:adj idx="1" val="0.1"/>
-          </dgm:adjLst>
-        </dgm:shape>
-        <dgm:presOf axis="desOrSelf" ptType="node"/>
-        <dgm:constrLst>
-          <dgm:constr type="h" refType="w" fact="0.5"/>
-          <dgm:constr type="tMarg" refType="primFontSz" fact="0.3"/>
-          <dgm:constr type="bMarg" refType="primFontSz" fact="0.3"/>
-          <dgm:constr type="lMarg" refType="primFontSz" fact="0.3"/>
-          <dgm:constr type="rMarg" refType="primFontSz" fact="0.3"/>
-        </dgm:constrLst>
-        <dgm:ruleLst>
-          <dgm:rule type="primFontSz" val="5" fact="NaN" max="NaN"/>
-        </dgm:ruleLst>
-      </dgm:layoutNode>
-      <dgm:choose name="Name4">
-        <dgm:if name="Name5" axis="par ch" ptType="doc node" func="cnt" op="gt" val="1">
-          <dgm:forEach name="sibTransForEach" axis="followSib" ptType="sibTrans" hideLastTrans="0" cnt="1">
-            <dgm:layoutNode name="sibTrans">
-              <dgm:choose name="Name6">
-                <dgm:if name="Name7" axis="par ch" ptType="doc node" func="posEven" op="equ" val="1">
-                  <dgm:alg type="conn">
-                    <dgm:param type="begPts" val="radial"/>
-                    <dgm:param type="endPts" val="radial"/>
-                    <dgm:param type="begSty" val="arr"/>
-                    <dgm:param type="endSty" val="arr"/>
-                  </dgm:alg>
-                </dgm:if>
-                <dgm:else name="Name8">
-                  <dgm:alg type="conn">
-                    <dgm:param type="begPts" val="auto"/>
-                    <dgm:param type="endPts" val="auto"/>
-                    <dgm:param type="begSty" val="arr"/>
-                    <dgm:param type="endSty" val="arr"/>
-                  </dgm:alg>
-                </dgm:else>
-              </dgm:choose>
-              <dgm:shape xmlns:r="http://schemas.openxmlformats.org/officeDocument/2006/relationships" type="conn" r:blip="">
-                <dgm:adjLst/>
-              </dgm:shape>
-              <dgm:presOf axis="self"/>
-              <dgm:constrLst>
-                <dgm:constr type="h" refType="w" fact="0.5"/>
-                <dgm:constr type="connDist"/>
-                <dgm:constr type="begPad" refType="connDist" fact="0.1"/>
-                <dgm:constr type="endPad" refType="connDist" fact="0.1"/>
-              </dgm:constrLst>
-              <dgm:ruleLst/>
-              <dgm:layoutNode name="connectorText">
-                <dgm:alg type="tx">
-                  <dgm:param type="autoTxRot" val="grav"/>
-                </dgm:alg>
-                <dgm:shape xmlns:r="http://schemas.openxmlformats.org/officeDocument/2006/relationships" type="conn" r:blip="" hideGeom="1">
-                  <dgm:adjLst/>
-                </dgm:shape>
-                <dgm:presOf axis="self"/>
-                <dgm:constrLst>
-                  <dgm:constr type="lMarg"/>
-                  <dgm:constr type="rMarg"/>
-                  <dgm:constr type="tMarg"/>
-                  <dgm:constr type="bMarg"/>
-                </dgm:constrLst>
-                <dgm:ruleLst>
-                  <dgm:rule type="primFontSz" val="5" fact="NaN" max="NaN"/>
-                </dgm:ruleLst>
-              </dgm:layoutNode>
-            </dgm:layoutNode>
-          </dgm:forEach>
-        </dgm:if>
-        <dgm:else name="Name9"/>
-      </dgm:choose>
-    </dgm:forEach>
-  </dgm:layoutNode>
-</dgm:layoutDef>
-</file>
-
-<file path=ppt/diagrams/layout7.xml><?xml version="1.0" encoding="utf-8"?>
 <dgm:layoutDef xmlns:dgm="http://schemas.openxmlformats.org/drawingml/2006/diagram" xmlns:a="http://schemas.openxmlformats.org/drawingml/2006/main" uniqueId="urn:microsoft.com/office/officeart/2008/layout/LinedList">
   <dgm:title val=""/>
   <dgm:desc val=""/>
@@ -14121,7 +12090,7 @@
 </dgm:layoutDef>
 </file>
 
-<file path=ppt/diagrams/layout8.xml><?xml version="1.0" encoding="utf-8"?>
+<file path=ppt/diagrams/layout7.xml><?xml version="1.0" encoding="utf-8"?>
 <dgm:layoutDef xmlns:dgm="http://schemas.openxmlformats.org/drawingml/2006/diagram" xmlns:a="http://schemas.openxmlformats.org/drawingml/2006/main" uniqueId="urn:microsoft.com/office/officeart/2005/8/layout/vList2">
   <dgm:title val=""/>
   <dgm:desc val=""/>
@@ -21526,1040 +19495,6 @@
 </dgm:styleDef>
 </file>
 
-<file path=ppt/diagrams/quickStyle8.xml><?xml version="1.0" encoding="utf-8"?>
-<dgm:styleDef xmlns:dgm="http://schemas.openxmlformats.org/drawingml/2006/diagram" xmlns:a="http://schemas.openxmlformats.org/drawingml/2006/main" uniqueId="urn:microsoft.com/office/officeart/2005/8/quickstyle/simple1">
-  <dgm:title val=""/>
-  <dgm:desc val=""/>
-  <dgm:catLst>
-    <dgm:cat type="simple" pri="10100"/>
-  </dgm:catLst>
-  <dgm:scene3d>
-    <a:camera prst="orthographicFront"/>
-    <a:lightRig rig="threePt" dir="t"/>
-  </dgm:scene3d>
-  <dgm:styleLbl name="node0">
-    <dgm:scene3d>
-      <a:camera prst="orthographicFront"/>
-      <a:lightRig rig="threePt" dir="t"/>
-    </dgm:scene3d>
-    <dgm:sp3d/>
-    <dgm:txPr/>
-    <dgm:style>
-      <a:lnRef idx="2">
-        <a:scrgbClr r="0" g="0" b="0"/>
-      </a:lnRef>
-      <a:fillRef idx="1">
-        <a:scrgbClr r="0" g="0" b="0"/>
-      </a:fillRef>
-      <a:effectRef idx="0">
-        <a:scrgbClr r="0" g="0" b="0"/>
-      </a:effectRef>
-      <a:fontRef idx="minor">
-        <a:schemeClr val="lt1"/>
-      </a:fontRef>
-    </dgm:style>
-  </dgm:styleLbl>
-  <dgm:styleLbl name="lnNode1">
-    <dgm:scene3d>
-      <a:camera prst="orthographicFront"/>
-      <a:lightRig rig="threePt" dir="t"/>
-    </dgm:scene3d>
-    <dgm:sp3d/>
-    <dgm:txPr/>
-    <dgm:style>
-      <a:lnRef idx="2">
-        <a:scrgbClr r="0" g="0" b="0"/>
-      </a:lnRef>
-      <a:fillRef idx="1">
-        <a:scrgbClr r="0" g="0" b="0"/>
-      </a:fillRef>
-      <a:effectRef idx="0">
-        <a:scrgbClr r="0" g="0" b="0"/>
-      </a:effectRef>
-      <a:fontRef idx="minor">
-        <a:schemeClr val="lt1"/>
-      </a:fontRef>
-    </dgm:style>
-  </dgm:styleLbl>
-  <dgm:styleLbl name="vennNode1">
-    <dgm:scene3d>
-      <a:camera prst="orthographicFront"/>
-      <a:lightRig rig="threePt" dir="t"/>
-    </dgm:scene3d>
-    <dgm:sp3d/>
-    <dgm:txPr/>
-    <dgm:style>
-      <a:lnRef idx="2">
-        <a:scrgbClr r="0" g="0" b="0"/>
-      </a:lnRef>
-      <a:fillRef idx="1">
-        <a:scrgbClr r="0" g="0" b="0"/>
-      </a:fillRef>
-      <a:effectRef idx="0">
-        <a:scrgbClr r="0" g="0" b="0"/>
-      </a:effectRef>
-      <a:fontRef idx="minor">
-        <a:schemeClr val="tx1"/>
-      </a:fontRef>
-    </dgm:style>
-  </dgm:styleLbl>
-  <dgm:styleLbl name="alignNode1">
-    <dgm:scene3d>
-      <a:camera prst="orthographicFront"/>
-      <a:lightRig rig="threePt" dir="t"/>
-    </dgm:scene3d>
-    <dgm:sp3d/>
-    <dgm:txPr/>
-    <dgm:style>
-      <a:lnRef idx="2">
-        <a:scrgbClr r="0" g="0" b="0"/>
-      </a:lnRef>
-      <a:fillRef idx="1">
-        <a:scrgbClr r="0" g="0" b="0"/>
-      </a:fillRef>
-      <a:effectRef idx="0">
-        <a:scrgbClr r="0" g="0" b="0"/>
-      </a:effectRef>
-      <a:fontRef idx="minor">
-        <a:schemeClr val="lt1"/>
-      </a:fontRef>
-    </dgm:style>
-  </dgm:styleLbl>
-  <dgm:styleLbl name="node1">
-    <dgm:scene3d>
-      <a:camera prst="orthographicFront"/>
-      <a:lightRig rig="threePt" dir="t"/>
-    </dgm:scene3d>
-    <dgm:sp3d/>
-    <dgm:txPr/>
-    <dgm:style>
-      <a:lnRef idx="2">
-        <a:scrgbClr r="0" g="0" b="0"/>
-      </a:lnRef>
-      <a:fillRef idx="1">
-        <a:scrgbClr r="0" g="0" b="0"/>
-      </a:fillRef>
-      <a:effectRef idx="0">
-        <a:scrgbClr r="0" g="0" b="0"/>
-      </a:effectRef>
-      <a:fontRef idx="minor">
-        <a:schemeClr val="lt1"/>
-      </a:fontRef>
-    </dgm:style>
-  </dgm:styleLbl>
-  <dgm:styleLbl name="node2">
-    <dgm:scene3d>
-      <a:camera prst="orthographicFront"/>
-      <a:lightRig rig="threePt" dir="t"/>
-    </dgm:scene3d>
-    <dgm:sp3d/>
-    <dgm:txPr/>
-    <dgm:style>
-      <a:lnRef idx="2">
-        <a:scrgbClr r="0" g="0" b="0"/>
-      </a:lnRef>
-      <a:fillRef idx="1">
-        <a:scrgbClr r="0" g="0" b="0"/>
-      </a:fillRef>
-      <a:effectRef idx="0">
-        <a:scrgbClr r="0" g="0" b="0"/>
-      </a:effectRef>
-      <a:fontRef idx="minor">
-        <a:schemeClr val="lt1"/>
-      </a:fontRef>
-    </dgm:style>
-  </dgm:styleLbl>
-  <dgm:styleLbl name="node3">
-    <dgm:scene3d>
-      <a:camera prst="orthographicFront"/>
-      <a:lightRig rig="threePt" dir="t"/>
-    </dgm:scene3d>
-    <dgm:sp3d/>
-    <dgm:txPr/>
-    <dgm:style>
-      <a:lnRef idx="2">
-        <a:scrgbClr r="0" g="0" b="0"/>
-      </a:lnRef>
-      <a:fillRef idx="1">
-        <a:scrgbClr r="0" g="0" b="0"/>
-      </a:fillRef>
-      <a:effectRef idx="0">
-        <a:scrgbClr r="0" g="0" b="0"/>
-      </a:effectRef>
-      <a:fontRef idx="minor">
-        <a:schemeClr val="lt1"/>
-      </a:fontRef>
-    </dgm:style>
-  </dgm:styleLbl>
-  <dgm:styleLbl name="node4">
-    <dgm:scene3d>
-      <a:camera prst="orthographicFront"/>
-      <a:lightRig rig="threePt" dir="t"/>
-    </dgm:scene3d>
-    <dgm:sp3d/>
-    <dgm:txPr/>
-    <dgm:style>
-      <a:lnRef idx="2">
-        <a:scrgbClr r="0" g="0" b="0"/>
-      </a:lnRef>
-      <a:fillRef idx="1">
-        <a:scrgbClr r="0" g="0" b="0"/>
-      </a:fillRef>
-      <a:effectRef idx="0">
-        <a:scrgbClr r="0" g="0" b="0"/>
-      </a:effectRef>
-      <a:fontRef idx="minor">
-        <a:schemeClr val="lt1"/>
-      </a:fontRef>
-    </dgm:style>
-  </dgm:styleLbl>
-  <dgm:styleLbl name="fgImgPlace1">
-    <dgm:scene3d>
-      <a:camera prst="orthographicFront"/>
-      <a:lightRig rig="threePt" dir="t"/>
-    </dgm:scene3d>
-    <dgm:sp3d/>
-    <dgm:txPr/>
-    <dgm:style>
-      <a:lnRef idx="2">
-        <a:scrgbClr r="0" g="0" b="0"/>
-      </a:lnRef>
-      <a:fillRef idx="1">
-        <a:scrgbClr r="0" g="0" b="0"/>
-      </a:fillRef>
-      <a:effectRef idx="0">
-        <a:scrgbClr r="0" g="0" b="0"/>
-      </a:effectRef>
-      <a:fontRef idx="minor"/>
-    </dgm:style>
-  </dgm:styleLbl>
-  <dgm:styleLbl name="alignImgPlace1">
-    <dgm:scene3d>
-      <a:camera prst="orthographicFront"/>
-      <a:lightRig rig="threePt" dir="t"/>
-    </dgm:scene3d>
-    <dgm:sp3d/>
-    <dgm:txPr/>
-    <dgm:style>
-      <a:lnRef idx="2">
-        <a:scrgbClr r="0" g="0" b="0"/>
-      </a:lnRef>
-      <a:fillRef idx="1">
-        <a:scrgbClr r="0" g="0" b="0"/>
-      </a:fillRef>
-      <a:effectRef idx="0">
-        <a:scrgbClr r="0" g="0" b="0"/>
-      </a:effectRef>
-      <a:fontRef idx="minor"/>
-    </dgm:style>
-  </dgm:styleLbl>
-  <dgm:styleLbl name="bgImgPlace1">
-    <dgm:scene3d>
-      <a:camera prst="orthographicFront"/>
-      <a:lightRig rig="threePt" dir="t"/>
-    </dgm:scene3d>
-    <dgm:sp3d/>
-    <dgm:txPr/>
-    <dgm:style>
-      <a:lnRef idx="2">
-        <a:scrgbClr r="0" g="0" b="0"/>
-      </a:lnRef>
-      <a:fillRef idx="1">
-        <a:scrgbClr r="0" g="0" b="0"/>
-      </a:fillRef>
-      <a:effectRef idx="0">
-        <a:scrgbClr r="0" g="0" b="0"/>
-      </a:effectRef>
-      <a:fontRef idx="minor"/>
-    </dgm:style>
-  </dgm:styleLbl>
-  <dgm:styleLbl name="sibTrans2D1">
-    <dgm:scene3d>
-      <a:camera prst="orthographicFront"/>
-      <a:lightRig rig="threePt" dir="t"/>
-    </dgm:scene3d>
-    <dgm:sp3d/>
-    <dgm:txPr/>
-    <dgm:style>
-      <a:lnRef idx="0">
-        <a:scrgbClr r="0" g="0" b="0"/>
-      </a:lnRef>
-      <a:fillRef idx="1">
-        <a:scrgbClr r="0" g="0" b="0"/>
-      </a:fillRef>
-      <a:effectRef idx="0">
-        <a:scrgbClr r="0" g="0" b="0"/>
-      </a:effectRef>
-      <a:fontRef idx="minor">
-        <a:schemeClr val="lt1"/>
-      </a:fontRef>
-    </dgm:style>
-  </dgm:styleLbl>
-  <dgm:styleLbl name="fgSibTrans2D1">
-    <dgm:scene3d>
-      <a:camera prst="orthographicFront"/>
-      <a:lightRig rig="threePt" dir="t"/>
-    </dgm:scene3d>
-    <dgm:sp3d/>
-    <dgm:txPr/>
-    <dgm:style>
-      <a:lnRef idx="0">
-        <a:scrgbClr r="0" g="0" b="0"/>
-      </a:lnRef>
-      <a:fillRef idx="1">
-        <a:scrgbClr r="0" g="0" b="0"/>
-      </a:fillRef>
-      <a:effectRef idx="0">
-        <a:scrgbClr r="0" g="0" b="0"/>
-      </a:effectRef>
-      <a:fontRef idx="minor">
-        <a:schemeClr val="lt1"/>
-      </a:fontRef>
-    </dgm:style>
-  </dgm:styleLbl>
-  <dgm:styleLbl name="bgSibTrans2D1">
-    <dgm:scene3d>
-      <a:camera prst="orthographicFront"/>
-      <a:lightRig rig="threePt" dir="t"/>
-    </dgm:scene3d>
-    <dgm:sp3d/>
-    <dgm:txPr/>
-    <dgm:style>
-      <a:lnRef idx="0">
-        <a:scrgbClr r="0" g="0" b="0"/>
-      </a:lnRef>
-      <a:fillRef idx="1">
-        <a:scrgbClr r="0" g="0" b="0"/>
-      </a:fillRef>
-      <a:effectRef idx="0">
-        <a:scrgbClr r="0" g="0" b="0"/>
-      </a:effectRef>
-      <a:fontRef idx="minor">
-        <a:schemeClr val="lt1"/>
-      </a:fontRef>
-    </dgm:style>
-  </dgm:styleLbl>
-  <dgm:styleLbl name="sibTrans1D1">
-    <dgm:scene3d>
-      <a:camera prst="orthographicFront"/>
-      <a:lightRig rig="threePt" dir="t"/>
-    </dgm:scene3d>
-    <dgm:sp3d/>
-    <dgm:txPr/>
-    <dgm:style>
-      <a:lnRef idx="1">
-        <a:scrgbClr r="0" g="0" b="0"/>
-      </a:lnRef>
-      <a:fillRef idx="0">
-        <a:scrgbClr r="0" g="0" b="0"/>
-      </a:fillRef>
-      <a:effectRef idx="0">
-        <a:scrgbClr r="0" g="0" b="0"/>
-      </a:effectRef>
-      <a:fontRef idx="minor"/>
-    </dgm:style>
-  </dgm:styleLbl>
-  <dgm:styleLbl name="callout">
-    <dgm:scene3d>
-      <a:camera prst="orthographicFront"/>
-      <a:lightRig rig="threePt" dir="t"/>
-    </dgm:scene3d>
-    <dgm:sp3d/>
-    <dgm:txPr/>
-    <dgm:style>
-      <a:lnRef idx="2">
-        <a:scrgbClr r="0" g="0" b="0"/>
-      </a:lnRef>
-      <a:fillRef idx="1">
-        <a:scrgbClr r="0" g="0" b="0"/>
-      </a:fillRef>
-      <a:effectRef idx="0">
-        <a:scrgbClr r="0" g="0" b="0"/>
-      </a:effectRef>
-      <a:fontRef idx="minor"/>
-    </dgm:style>
-  </dgm:styleLbl>
-  <dgm:styleLbl name="asst0">
-    <dgm:scene3d>
-      <a:camera prst="orthographicFront"/>
-      <a:lightRig rig="threePt" dir="t"/>
-    </dgm:scene3d>
-    <dgm:sp3d/>
-    <dgm:txPr/>
-    <dgm:style>
-      <a:lnRef idx="2">
-        <a:scrgbClr r="0" g="0" b="0"/>
-      </a:lnRef>
-      <a:fillRef idx="1">
-        <a:scrgbClr r="0" g="0" b="0"/>
-      </a:fillRef>
-      <a:effectRef idx="0">
-        <a:scrgbClr r="0" g="0" b="0"/>
-      </a:effectRef>
-      <a:fontRef idx="minor">
-        <a:schemeClr val="lt1"/>
-      </a:fontRef>
-    </dgm:style>
-  </dgm:styleLbl>
-  <dgm:styleLbl name="asst1">
-    <dgm:scene3d>
-      <a:camera prst="orthographicFront"/>
-      <a:lightRig rig="threePt" dir="t"/>
-    </dgm:scene3d>
-    <dgm:sp3d/>
-    <dgm:txPr/>
-    <dgm:style>
-      <a:lnRef idx="2">
-        <a:scrgbClr r="0" g="0" b="0"/>
-      </a:lnRef>
-      <a:fillRef idx="1">
-        <a:scrgbClr r="0" g="0" b="0"/>
-      </a:fillRef>
-      <a:effectRef idx="0">
-        <a:scrgbClr r="0" g="0" b="0"/>
-      </a:effectRef>
-      <a:fontRef idx="minor">
-        <a:schemeClr val="lt1"/>
-      </a:fontRef>
-    </dgm:style>
-  </dgm:styleLbl>
-  <dgm:styleLbl name="asst2">
-    <dgm:scene3d>
-      <a:camera prst="orthographicFront"/>
-      <a:lightRig rig="threePt" dir="t"/>
-    </dgm:scene3d>
-    <dgm:sp3d/>
-    <dgm:txPr/>
-    <dgm:style>
-      <a:lnRef idx="2">
-        <a:scrgbClr r="0" g="0" b="0"/>
-      </a:lnRef>
-      <a:fillRef idx="1">
-        <a:scrgbClr r="0" g="0" b="0"/>
-      </a:fillRef>
-      <a:effectRef idx="0">
-        <a:scrgbClr r="0" g="0" b="0"/>
-      </a:effectRef>
-      <a:fontRef idx="minor">
-        <a:schemeClr val="lt1"/>
-      </a:fontRef>
-    </dgm:style>
-  </dgm:styleLbl>
-  <dgm:styleLbl name="asst3">
-    <dgm:scene3d>
-      <a:camera prst="orthographicFront"/>
-      <a:lightRig rig="threePt" dir="t"/>
-    </dgm:scene3d>
-    <dgm:sp3d/>
-    <dgm:txPr/>
-    <dgm:style>
-      <a:lnRef idx="2">
-        <a:scrgbClr r="0" g="0" b="0"/>
-      </a:lnRef>
-      <a:fillRef idx="1">
-        <a:scrgbClr r="0" g="0" b="0"/>
-      </a:fillRef>
-      <a:effectRef idx="0">
-        <a:scrgbClr r="0" g="0" b="0"/>
-      </a:effectRef>
-      <a:fontRef idx="minor">
-        <a:schemeClr val="lt1"/>
-      </a:fontRef>
-    </dgm:style>
-  </dgm:styleLbl>
-  <dgm:styleLbl name="asst4">
-    <dgm:scene3d>
-      <a:camera prst="orthographicFront"/>
-      <a:lightRig rig="threePt" dir="t"/>
-    </dgm:scene3d>
-    <dgm:sp3d/>
-    <dgm:txPr/>
-    <dgm:style>
-      <a:lnRef idx="2">
-        <a:scrgbClr r="0" g="0" b="0"/>
-      </a:lnRef>
-      <a:fillRef idx="1">
-        <a:scrgbClr r="0" g="0" b="0"/>
-      </a:fillRef>
-      <a:effectRef idx="0">
-        <a:scrgbClr r="0" g="0" b="0"/>
-      </a:effectRef>
-      <a:fontRef idx="minor">
-        <a:schemeClr val="lt1"/>
-      </a:fontRef>
-    </dgm:style>
-  </dgm:styleLbl>
-  <dgm:styleLbl name="parChTrans2D1">
-    <dgm:scene3d>
-      <a:camera prst="orthographicFront"/>
-      <a:lightRig rig="threePt" dir="t"/>
-    </dgm:scene3d>
-    <dgm:sp3d/>
-    <dgm:txPr/>
-    <dgm:style>
-      <a:lnRef idx="2">
-        <a:scrgbClr r="0" g="0" b="0"/>
-      </a:lnRef>
-      <a:fillRef idx="1">
-        <a:scrgbClr r="0" g="0" b="0"/>
-      </a:fillRef>
-      <a:effectRef idx="0">
-        <a:scrgbClr r="0" g="0" b="0"/>
-      </a:effectRef>
-      <a:fontRef idx="minor">
-        <a:schemeClr val="lt1"/>
-      </a:fontRef>
-    </dgm:style>
-  </dgm:styleLbl>
-  <dgm:styleLbl name="parChTrans2D2">
-    <dgm:scene3d>
-      <a:camera prst="orthographicFront"/>
-      <a:lightRig rig="threePt" dir="t"/>
-    </dgm:scene3d>
-    <dgm:sp3d/>
-    <dgm:txPr/>
-    <dgm:style>
-      <a:lnRef idx="2">
-        <a:scrgbClr r="0" g="0" b="0"/>
-      </a:lnRef>
-      <a:fillRef idx="1">
-        <a:scrgbClr r="0" g="0" b="0"/>
-      </a:fillRef>
-      <a:effectRef idx="0">
-        <a:scrgbClr r="0" g="0" b="0"/>
-      </a:effectRef>
-      <a:fontRef idx="minor">
-        <a:schemeClr val="lt1"/>
-      </a:fontRef>
-    </dgm:style>
-  </dgm:styleLbl>
-  <dgm:styleLbl name="parChTrans2D3">
-    <dgm:scene3d>
-      <a:camera prst="orthographicFront"/>
-      <a:lightRig rig="threePt" dir="t"/>
-    </dgm:scene3d>
-    <dgm:sp3d/>
-    <dgm:txPr/>
-    <dgm:style>
-      <a:lnRef idx="2">
-        <a:scrgbClr r="0" g="0" b="0"/>
-      </a:lnRef>
-      <a:fillRef idx="1">
-        <a:scrgbClr r="0" g="0" b="0"/>
-      </a:fillRef>
-      <a:effectRef idx="0">
-        <a:scrgbClr r="0" g="0" b="0"/>
-      </a:effectRef>
-      <a:fontRef idx="minor">
-        <a:schemeClr val="lt1"/>
-      </a:fontRef>
-    </dgm:style>
-  </dgm:styleLbl>
-  <dgm:styleLbl name="parChTrans2D4">
-    <dgm:scene3d>
-      <a:camera prst="orthographicFront"/>
-      <a:lightRig rig="threePt" dir="t"/>
-    </dgm:scene3d>
-    <dgm:sp3d/>
-    <dgm:txPr/>
-    <dgm:style>
-      <a:lnRef idx="2">
-        <a:scrgbClr r="0" g="0" b="0"/>
-      </a:lnRef>
-      <a:fillRef idx="1">
-        <a:scrgbClr r="0" g="0" b="0"/>
-      </a:fillRef>
-      <a:effectRef idx="0">
-        <a:scrgbClr r="0" g="0" b="0"/>
-      </a:effectRef>
-      <a:fontRef idx="minor">
-        <a:schemeClr val="lt1"/>
-      </a:fontRef>
-    </dgm:style>
-  </dgm:styleLbl>
-  <dgm:styleLbl name="parChTrans1D1">
-    <dgm:scene3d>
-      <a:camera prst="orthographicFront"/>
-      <a:lightRig rig="threePt" dir="t"/>
-    </dgm:scene3d>
-    <dgm:sp3d/>
-    <dgm:txPr/>
-    <dgm:style>
-      <a:lnRef idx="2">
-        <a:scrgbClr r="0" g="0" b="0"/>
-      </a:lnRef>
-      <a:fillRef idx="0">
-        <a:scrgbClr r="0" g="0" b="0"/>
-      </a:fillRef>
-      <a:effectRef idx="0">
-        <a:scrgbClr r="0" g="0" b="0"/>
-      </a:effectRef>
-      <a:fontRef idx="minor"/>
-    </dgm:style>
-  </dgm:styleLbl>
-  <dgm:styleLbl name="parChTrans1D2">
-    <dgm:scene3d>
-      <a:camera prst="orthographicFront"/>
-      <a:lightRig rig="threePt" dir="t"/>
-    </dgm:scene3d>
-    <dgm:sp3d/>
-    <dgm:txPr/>
-    <dgm:style>
-      <a:lnRef idx="2">
-        <a:scrgbClr r="0" g="0" b="0"/>
-      </a:lnRef>
-      <a:fillRef idx="0">
-        <a:scrgbClr r="0" g="0" b="0"/>
-      </a:fillRef>
-      <a:effectRef idx="0">
-        <a:scrgbClr r="0" g="0" b="0"/>
-      </a:effectRef>
-      <a:fontRef idx="minor"/>
-    </dgm:style>
-  </dgm:styleLbl>
-  <dgm:styleLbl name="parChTrans1D3">
-    <dgm:scene3d>
-      <a:camera prst="orthographicFront"/>
-      <a:lightRig rig="threePt" dir="t"/>
-    </dgm:scene3d>
-    <dgm:sp3d/>
-    <dgm:txPr/>
-    <dgm:style>
-      <a:lnRef idx="2">
-        <a:scrgbClr r="0" g="0" b="0"/>
-      </a:lnRef>
-      <a:fillRef idx="0">
-        <a:scrgbClr r="0" g="0" b="0"/>
-      </a:fillRef>
-      <a:effectRef idx="0">
-        <a:scrgbClr r="0" g="0" b="0"/>
-      </a:effectRef>
-      <a:fontRef idx="minor"/>
-    </dgm:style>
-  </dgm:styleLbl>
-  <dgm:styleLbl name="parChTrans1D4">
-    <dgm:scene3d>
-      <a:camera prst="orthographicFront"/>
-      <a:lightRig rig="threePt" dir="t"/>
-    </dgm:scene3d>
-    <dgm:sp3d/>
-    <dgm:txPr/>
-    <dgm:style>
-      <a:lnRef idx="2">
-        <a:scrgbClr r="0" g="0" b="0"/>
-      </a:lnRef>
-      <a:fillRef idx="0">
-        <a:scrgbClr r="0" g="0" b="0"/>
-      </a:fillRef>
-      <a:effectRef idx="0">
-        <a:scrgbClr r="0" g="0" b="0"/>
-      </a:effectRef>
-      <a:fontRef idx="minor"/>
-    </dgm:style>
-  </dgm:styleLbl>
-  <dgm:styleLbl name="fgAcc1">
-    <dgm:scene3d>
-      <a:camera prst="orthographicFront"/>
-      <a:lightRig rig="threePt" dir="t"/>
-    </dgm:scene3d>
-    <dgm:sp3d/>
-    <dgm:txPr/>
-    <dgm:style>
-      <a:lnRef idx="2">
-        <a:scrgbClr r="0" g="0" b="0"/>
-      </a:lnRef>
-      <a:fillRef idx="1">
-        <a:scrgbClr r="0" g="0" b="0"/>
-      </a:fillRef>
-      <a:effectRef idx="0">
-        <a:scrgbClr r="0" g="0" b="0"/>
-      </a:effectRef>
-      <a:fontRef idx="minor"/>
-    </dgm:style>
-  </dgm:styleLbl>
-  <dgm:styleLbl name="conFgAcc1">
-    <dgm:scene3d>
-      <a:camera prst="orthographicFront"/>
-      <a:lightRig rig="threePt" dir="t"/>
-    </dgm:scene3d>
-    <dgm:sp3d/>
-    <dgm:txPr/>
-    <dgm:style>
-      <a:lnRef idx="2">
-        <a:scrgbClr r="0" g="0" b="0"/>
-      </a:lnRef>
-      <a:fillRef idx="1">
-        <a:scrgbClr r="0" g="0" b="0"/>
-      </a:fillRef>
-      <a:effectRef idx="0">
-        <a:scrgbClr r="0" g="0" b="0"/>
-      </a:effectRef>
-      <a:fontRef idx="minor"/>
-    </dgm:style>
-  </dgm:styleLbl>
-  <dgm:styleLbl name="alignAcc1">
-    <dgm:scene3d>
-      <a:camera prst="orthographicFront"/>
-      <a:lightRig rig="threePt" dir="t"/>
-    </dgm:scene3d>
-    <dgm:sp3d/>
-    <dgm:txPr/>
-    <dgm:style>
-      <a:lnRef idx="2">
-        <a:scrgbClr r="0" g="0" b="0"/>
-      </a:lnRef>
-      <a:fillRef idx="1">
-        <a:scrgbClr r="0" g="0" b="0"/>
-      </a:fillRef>
-      <a:effectRef idx="0">
-        <a:scrgbClr r="0" g="0" b="0"/>
-      </a:effectRef>
-      <a:fontRef idx="minor"/>
-    </dgm:style>
-  </dgm:styleLbl>
-  <dgm:styleLbl name="trAlignAcc1">
-    <dgm:scene3d>
-      <a:camera prst="orthographicFront"/>
-      <a:lightRig rig="threePt" dir="t"/>
-    </dgm:scene3d>
-    <dgm:sp3d/>
-    <dgm:txPr/>
-    <dgm:style>
-      <a:lnRef idx="1">
-        <a:scrgbClr r="0" g="0" b="0"/>
-      </a:lnRef>
-      <a:fillRef idx="1">
-        <a:scrgbClr r="0" g="0" b="0"/>
-      </a:fillRef>
-      <a:effectRef idx="0">
-        <a:scrgbClr r="0" g="0" b="0"/>
-      </a:effectRef>
-      <a:fontRef idx="minor"/>
-    </dgm:style>
-  </dgm:styleLbl>
-  <dgm:styleLbl name="bgAcc1">
-    <dgm:scene3d>
-      <a:camera prst="orthographicFront"/>
-      <a:lightRig rig="threePt" dir="t"/>
-    </dgm:scene3d>
-    <dgm:sp3d/>
-    <dgm:txPr/>
-    <dgm:style>
-      <a:lnRef idx="2">
-        <a:scrgbClr r="0" g="0" b="0"/>
-      </a:lnRef>
-      <a:fillRef idx="1">
-        <a:scrgbClr r="0" g="0" b="0"/>
-      </a:fillRef>
-      <a:effectRef idx="0">
-        <a:scrgbClr r="0" g="0" b="0"/>
-      </a:effectRef>
-      <a:fontRef idx="minor"/>
-    </dgm:style>
-  </dgm:styleLbl>
-  <dgm:styleLbl name="solidFgAcc1">
-    <dgm:scene3d>
-      <a:camera prst="orthographicFront"/>
-      <a:lightRig rig="threePt" dir="t"/>
-    </dgm:scene3d>
-    <dgm:sp3d/>
-    <dgm:txPr/>
-    <dgm:style>
-      <a:lnRef idx="2">
-        <a:scrgbClr r="0" g="0" b="0"/>
-      </a:lnRef>
-      <a:fillRef idx="1">
-        <a:scrgbClr r="0" g="0" b="0"/>
-      </a:fillRef>
-      <a:effectRef idx="0">
-        <a:scrgbClr r="0" g="0" b="0"/>
-      </a:effectRef>
-      <a:fontRef idx="minor"/>
-    </dgm:style>
-  </dgm:styleLbl>
-  <dgm:styleLbl name="solidAlignAcc1">
-    <dgm:scene3d>
-      <a:camera prst="orthographicFront"/>
-      <a:lightRig rig="threePt" dir="t"/>
-    </dgm:scene3d>
-    <dgm:sp3d/>
-    <dgm:txPr/>
-    <dgm:style>
-      <a:lnRef idx="2">
-        <a:scrgbClr r="0" g="0" b="0"/>
-      </a:lnRef>
-      <a:fillRef idx="1">
-        <a:scrgbClr r="0" g="0" b="0"/>
-      </a:fillRef>
-      <a:effectRef idx="0">
-        <a:scrgbClr r="0" g="0" b="0"/>
-      </a:effectRef>
-      <a:fontRef idx="minor"/>
-    </dgm:style>
-  </dgm:styleLbl>
-  <dgm:styleLbl name="solidBgAcc1">
-    <dgm:scene3d>
-      <a:camera prst="orthographicFront"/>
-      <a:lightRig rig="threePt" dir="t"/>
-    </dgm:scene3d>
-    <dgm:sp3d/>
-    <dgm:txPr/>
-    <dgm:style>
-      <a:lnRef idx="2">
-        <a:scrgbClr r="0" g="0" b="0"/>
-      </a:lnRef>
-      <a:fillRef idx="1">
-        <a:scrgbClr r="0" g="0" b="0"/>
-      </a:fillRef>
-      <a:effectRef idx="0">
-        <a:scrgbClr r="0" g="0" b="0"/>
-      </a:effectRef>
-      <a:fontRef idx="minor"/>
-    </dgm:style>
-  </dgm:styleLbl>
-  <dgm:styleLbl name="fgAccFollowNode1">
-    <dgm:scene3d>
-      <a:camera prst="orthographicFront"/>
-      <a:lightRig rig="threePt" dir="t"/>
-    </dgm:scene3d>
-    <dgm:sp3d/>
-    <dgm:txPr/>
-    <dgm:style>
-      <a:lnRef idx="2">
-        <a:scrgbClr r="0" g="0" b="0"/>
-      </a:lnRef>
-      <a:fillRef idx="1">
-        <a:scrgbClr r="0" g="0" b="0"/>
-      </a:fillRef>
-      <a:effectRef idx="0">
-        <a:scrgbClr r="0" g="0" b="0"/>
-      </a:effectRef>
-      <a:fontRef idx="minor"/>
-    </dgm:style>
-  </dgm:styleLbl>
-  <dgm:styleLbl name="alignAccFollowNode1">
-    <dgm:scene3d>
-      <a:camera prst="orthographicFront"/>
-      <a:lightRig rig="threePt" dir="t"/>
-    </dgm:scene3d>
-    <dgm:sp3d/>
-    <dgm:txPr/>
-    <dgm:style>
-      <a:lnRef idx="2">
-        <a:scrgbClr r="0" g="0" b="0"/>
-      </a:lnRef>
-      <a:fillRef idx="1">
-        <a:scrgbClr r="0" g="0" b="0"/>
-      </a:fillRef>
-      <a:effectRef idx="0">
-        <a:scrgbClr r="0" g="0" b="0"/>
-      </a:effectRef>
-      <a:fontRef idx="minor"/>
-    </dgm:style>
-  </dgm:styleLbl>
-  <dgm:styleLbl name="bgAccFollowNode1">
-    <dgm:scene3d>
-      <a:camera prst="orthographicFront"/>
-      <a:lightRig rig="threePt" dir="t"/>
-    </dgm:scene3d>
-    <dgm:sp3d/>
-    <dgm:txPr/>
-    <dgm:style>
-      <a:lnRef idx="2">
-        <a:scrgbClr r="0" g="0" b="0"/>
-      </a:lnRef>
-      <a:fillRef idx="1">
-        <a:scrgbClr r="0" g="0" b="0"/>
-      </a:fillRef>
-      <a:effectRef idx="0">
-        <a:scrgbClr r="0" g="0" b="0"/>
-      </a:effectRef>
-      <a:fontRef idx="minor"/>
-    </dgm:style>
-  </dgm:styleLbl>
-  <dgm:styleLbl name="fgAcc0">
-    <dgm:scene3d>
-      <a:camera prst="orthographicFront"/>
-      <a:lightRig rig="threePt" dir="t"/>
-    </dgm:scene3d>
-    <dgm:sp3d/>
-    <dgm:txPr/>
-    <dgm:style>
-      <a:lnRef idx="2">
-        <a:scrgbClr r="0" g="0" b="0"/>
-      </a:lnRef>
-      <a:fillRef idx="1">
-        <a:scrgbClr r="0" g="0" b="0"/>
-      </a:fillRef>
-      <a:effectRef idx="0">
-        <a:scrgbClr r="0" g="0" b="0"/>
-      </a:effectRef>
-      <a:fontRef idx="minor"/>
-    </dgm:style>
-  </dgm:styleLbl>
-  <dgm:styleLbl name="fgAcc2">
-    <dgm:scene3d>
-      <a:camera prst="orthographicFront"/>
-      <a:lightRig rig="threePt" dir="t"/>
-    </dgm:scene3d>
-    <dgm:sp3d/>
-    <dgm:txPr/>
-    <dgm:style>
-      <a:lnRef idx="2">
-        <a:scrgbClr r="0" g="0" b="0"/>
-      </a:lnRef>
-      <a:fillRef idx="1">
-        <a:scrgbClr r="0" g="0" b="0"/>
-      </a:fillRef>
-      <a:effectRef idx="0">
-        <a:scrgbClr r="0" g="0" b="0"/>
-      </a:effectRef>
-      <a:fontRef idx="minor"/>
-    </dgm:style>
-  </dgm:styleLbl>
-  <dgm:styleLbl name="fgAcc3">
-    <dgm:scene3d>
-      <a:camera prst="orthographicFront"/>
-      <a:lightRig rig="threePt" dir="t"/>
-    </dgm:scene3d>
-    <dgm:sp3d/>
-    <dgm:txPr/>
-    <dgm:style>
-      <a:lnRef idx="2">
-        <a:scrgbClr r="0" g="0" b="0"/>
-      </a:lnRef>
-      <a:fillRef idx="1">
-        <a:scrgbClr r="0" g="0" b="0"/>
-      </a:fillRef>
-      <a:effectRef idx="0">
-        <a:scrgbClr r="0" g="0" b="0"/>
-      </a:effectRef>
-      <a:fontRef idx="minor"/>
-    </dgm:style>
-  </dgm:styleLbl>
-  <dgm:styleLbl name="fgAcc4">
-    <dgm:scene3d>
-      <a:camera prst="orthographicFront"/>
-      <a:lightRig rig="threePt" dir="t"/>
-    </dgm:scene3d>
-    <dgm:sp3d/>
-    <dgm:txPr/>
-    <dgm:style>
-      <a:lnRef idx="2">
-        <a:scrgbClr r="0" g="0" b="0"/>
-      </a:lnRef>
-      <a:fillRef idx="1">
-        <a:scrgbClr r="0" g="0" b="0"/>
-      </a:fillRef>
-      <a:effectRef idx="0">
-        <a:scrgbClr r="0" g="0" b="0"/>
-      </a:effectRef>
-      <a:fontRef idx="minor"/>
-    </dgm:style>
-  </dgm:styleLbl>
-  <dgm:styleLbl name="bgShp">
-    <dgm:scene3d>
-      <a:camera prst="orthographicFront"/>
-      <a:lightRig rig="threePt" dir="t"/>
-    </dgm:scene3d>
-    <dgm:sp3d/>
-    <dgm:txPr/>
-    <dgm:style>
-      <a:lnRef idx="0">
-        <a:scrgbClr r="0" g="0" b="0"/>
-      </a:lnRef>
-      <a:fillRef idx="1">
-        <a:scrgbClr r="0" g="0" b="0"/>
-      </a:fillRef>
-      <a:effectRef idx="0">
-        <a:scrgbClr r="0" g="0" b="0"/>
-      </a:effectRef>
-      <a:fontRef idx="minor"/>
-    </dgm:style>
-  </dgm:styleLbl>
-  <dgm:styleLbl name="dkBgShp">
-    <dgm:scene3d>
-      <a:camera prst="orthographicFront"/>
-      <a:lightRig rig="threePt" dir="t"/>
-    </dgm:scene3d>
-    <dgm:sp3d/>
-    <dgm:txPr/>
-    <dgm:style>
-      <a:lnRef idx="0">
-        <a:scrgbClr r="0" g="0" b="0"/>
-      </a:lnRef>
-      <a:fillRef idx="1">
-        <a:scrgbClr r="0" g="0" b="0"/>
-      </a:fillRef>
-      <a:effectRef idx="0">
-        <a:scrgbClr r="0" g="0" b="0"/>
-      </a:effectRef>
-      <a:fontRef idx="minor"/>
-    </dgm:style>
-  </dgm:styleLbl>
-  <dgm:styleLbl name="trBgShp">
-    <dgm:scene3d>
-      <a:camera prst="orthographicFront"/>
-      <a:lightRig rig="threePt" dir="t"/>
-    </dgm:scene3d>
-    <dgm:sp3d/>
-    <dgm:txPr/>
-    <dgm:style>
-      <a:lnRef idx="0">
-        <a:scrgbClr r="0" g="0" b="0"/>
-      </a:lnRef>
-      <a:fillRef idx="1">
-        <a:scrgbClr r="0" g="0" b="0"/>
-      </a:fillRef>
-      <a:effectRef idx="0">
-        <a:scrgbClr r="0" g="0" b="0"/>
-      </a:effectRef>
-      <a:fontRef idx="minor"/>
-    </dgm:style>
-  </dgm:styleLbl>
-  <dgm:styleLbl name="fgShp">
-    <dgm:scene3d>
-      <a:camera prst="orthographicFront"/>
-      <a:lightRig rig="threePt" dir="t"/>
-    </dgm:scene3d>
-    <dgm:sp3d/>
-    <dgm:txPr/>
-    <dgm:style>
-      <a:lnRef idx="2">
-        <a:scrgbClr r="0" g="0" b="0"/>
-      </a:lnRef>
-      <a:fillRef idx="1">
-        <a:scrgbClr r="0" g="0" b="0"/>
-      </a:fillRef>
-      <a:effectRef idx="0">
-        <a:scrgbClr r="0" g="0" b="0"/>
-      </a:effectRef>
-      <a:fontRef idx="minor"/>
-    </dgm:style>
-  </dgm:styleLbl>
-  <dgm:styleLbl name="revTx">
-    <dgm:scene3d>
-      <a:camera prst="orthographicFront"/>
-      <a:lightRig rig="threePt" dir="t"/>
-    </dgm:scene3d>
-    <dgm:sp3d/>
-    <dgm:txPr/>
-    <dgm:style>
-      <a:lnRef idx="0">
-        <a:scrgbClr r="0" g="0" b="0"/>
-      </a:lnRef>
-      <a:fillRef idx="0">
-        <a:scrgbClr r="0" g="0" b="0"/>
-      </a:fillRef>
-      <a:effectRef idx="0">
-        <a:scrgbClr r="0" g="0" b="0"/>
-      </a:effectRef>
-      <a:fontRef idx="minor"/>
-    </dgm:style>
-  </dgm:styleLbl>
-</dgm:styleDef>
-</file>
-
 <file path=ppt/slideLayouts/slideLayout1.xml><?xml version="1.0" encoding="utf-8"?>
 <p:sldLayout xmlns:a="http://schemas.openxmlformats.org/drawingml/2006/main" xmlns:r="http://schemas.openxmlformats.org/officeDocument/2006/relationships" xmlns:p="http://schemas.openxmlformats.org/presentationml/2006/main" type="title" preserve="1">
   <p:cSld name="Diapositive de titre">
@@ -22707,7 +19642,7 @@
           <a:p>
             <a:fld id="{0BA45479-0B4A-47EA-9BD8-6B292CBD34D3}" type="datetimeFigureOut">
               <a:rPr lang="fr-FR" smtClean="0"/>
-              <a:t>06/12/2023</a:t>
+              <a:t>13/12/2023</a:t>
             </a:fld>
             <a:endParaRPr lang="fr-FR"/>
           </a:p>
@@ -22905,7 +19840,7 @@
           <a:p>
             <a:fld id="{0BA45479-0B4A-47EA-9BD8-6B292CBD34D3}" type="datetimeFigureOut">
               <a:rPr lang="fr-FR" smtClean="0"/>
-              <a:t>06/12/2023</a:t>
+              <a:t>13/12/2023</a:t>
             </a:fld>
             <a:endParaRPr lang="fr-FR"/>
           </a:p>
@@ -23113,7 +20048,7 @@
           <a:p>
             <a:fld id="{0BA45479-0B4A-47EA-9BD8-6B292CBD34D3}" type="datetimeFigureOut">
               <a:rPr lang="fr-FR" smtClean="0"/>
-              <a:t>06/12/2023</a:t>
+              <a:t>13/12/2023</a:t>
             </a:fld>
             <a:endParaRPr lang="fr-FR"/>
           </a:p>
@@ -23311,7 +20246,7 @@
           <a:p>
             <a:fld id="{0BA45479-0B4A-47EA-9BD8-6B292CBD34D3}" type="datetimeFigureOut">
               <a:rPr lang="fr-FR" smtClean="0"/>
-              <a:t>06/12/2023</a:t>
+              <a:t>13/12/2023</a:t>
             </a:fld>
             <a:endParaRPr lang="fr-FR"/>
           </a:p>
@@ -23586,7 +20521,7 @@
           <a:p>
             <a:fld id="{0BA45479-0B4A-47EA-9BD8-6B292CBD34D3}" type="datetimeFigureOut">
               <a:rPr lang="fr-FR" smtClean="0"/>
-              <a:t>06/12/2023</a:t>
+              <a:t>13/12/2023</a:t>
             </a:fld>
             <a:endParaRPr lang="fr-FR"/>
           </a:p>
@@ -23851,7 +20786,7 @@
           <a:p>
             <a:fld id="{0BA45479-0B4A-47EA-9BD8-6B292CBD34D3}" type="datetimeFigureOut">
               <a:rPr lang="fr-FR" smtClean="0"/>
-              <a:t>06/12/2023</a:t>
+              <a:t>13/12/2023</a:t>
             </a:fld>
             <a:endParaRPr lang="fr-FR"/>
           </a:p>
@@ -24263,7 +21198,7 @@
           <a:p>
             <a:fld id="{0BA45479-0B4A-47EA-9BD8-6B292CBD34D3}" type="datetimeFigureOut">
               <a:rPr lang="fr-FR" smtClean="0"/>
-              <a:t>06/12/2023</a:t>
+              <a:t>13/12/2023</a:t>
             </a:fld>
             <a:endParaRPr lang="fr-FR"/>
           </a:p>
@@ -24404,7 +21339,7 @@
           <a:p>
             <a:fld id="{0BA45479-0B4A-47EA-9BD8-6B292CBD34D3}" type="datetimeFigureOut">
               <a:rPr lang="fr-FR" smtClean="0"/>
-              <a:t>06/12/2023</a:t>
+              <a:t>13/12/2023</a:t>
             </a:fld>
             <a:endParaRPr lang="fr-FR"/>
           </a:p>
@@ -24517,7 +21452,7 @@
           <a:p>
             <a:fld id="{0BA45479-0B4A-47EA-9BD8-6B292CBD34D3}" type="datetimeFigureOut">
               <a:rPr lang="fr-FR" smtClean="0"/>
-              <a:t>06/12/2023</a:t>
+              <a:t>13/12/2023</a:t>
             </a:fld>
             <a:endParaRPr lang="fr-FR"/>
           </a:p>
@@ -24828,7 +21763,7 @@
           <a:p>
             <a:fld id="{0BA45479-0B4A-47EA-9BD8-6B292CBD34D3}" type="datetimeFigureOut">
               <a:rPr lang="fr-FR" smtClean="0"/>
-              <a:t>06/12/2023</a:t>
+              <a:t>13/12/2023</a:t>
             </a:fld>
             <a:endParaRPr lang="fr-FR"/>
           </a:p>
@@ -25116,7 +22051,7 @@
           <a:p>
             <a:fld id="{0BA45479-0B4A-47EA-9BD8-6B292CBD34D3}" type="datetimeFigureOut">
               <a:rPr lang="fr-FR" smtClean="0"/>
-              <a:t>06/12/2023</a:t>
+              <a:t>13/12/2023</a:t>
             </a:fld>
             <a:endParaRPr lang="fr-FR"/>
           </a:p>
@@ -25357,7 +22292,7 @@
           <a:p>
             <a:fld id="{0BA45479-0B4A-47EA-9BD8-6B292CBD34D3}" type="datetimeFigureOut">
               <a:rPr lang="fr-FR" smtClean="0"/>
-              <a:t>06/12/2023</a:t>
+              <a:t>13/12/2023</a:t>
             </a:fld>
             <a:endParaRPr lang="fr-FR"/>
           </a:p>
@@ -25891,520 +22826,6 @@
 </file>
 
 <file path=ppt/slides/slide10.xml><?xml version="1.0" encoding="utf-8"?>
-<p:sld xmlns:a="http://schemas.openxmlformats.org/drawingml/2006/main" xmlns:r="http://schemas.openxmlformats.org/officeDocument/2006/relationships" xmlns:p="http://schemas.openxmlformats.org/presentationml/2006/main">
-  <p:cSld>
-    <p:bg>
-      <p:bgPr>
-        <a:solidFill>
-          <a:schemeClr val="bg1"/>
-        </a:solidFill>
-        <a:effectLst/>
-      </p:bgPr>
-    </p:bg>
-    <p:spTree>
-      <p:nvGrpSpPr>
-        <p:cNvPr id="1" name=""/>
-        <p:cNvGrpSpPr/>
-        <p:nvPr/>
-      </p:nvGrpSpPr>
-      <p:grpSpPr>
-        <a:xfrm>
-          <a:off x="0" y="0"/>
-          <a:ext cx="0" cy="0"/>
-          <a:chOff x="0" y="0"/>
-          <a:chExt cx="0" cy="0"/>
-        </a:xfrm>
-      </p:grpSpPr>
-      <p:sp useBgFill="1">
-        <p:nvSpPr>
-          <p:cNvPr id="11" name="Rectangle 10">
-            <a:extLst>
-              <a:ext uri="{FF2B5EF4-FFF2-40B4-BE49-F238E27FC236}">
-                <a16:creationId xmlns:a16="http://schemas.microsoft.com/office/drawing/2014/main" id="{C59AB4C8-9178-4F7A-8404-6890510B5917}"/>
-              </a:ext>
-              <a:ext uri="{C183D7F6-B498-43B3-948B-1728B52AA6E4}">
-                <adec:decorative xmlns:adec="http://schemas.microsoft.com/office/drawing/2017/decorative" val="1"/>
-              </a:ext>
-            </a:extLst>
-          </p:cNvPr>
-          <p:cNvSpPr>
-            <a:spLocks noGrp="1" noRot="1" noChangeAspect="1" noMove="1" noResize="1" noEditPoints="1" noAdjustHandles="1" noChangeArrowheads="1" noChangeShapeType="1" noTextEdit="1"/>
-          </p:cNvSpPr>
-          <p:nvPr>
-            <p:extLst>
-              <p:ext uri="{386F3935-93C4-4BCD-93E2-E3B085C9AB24}">
-                <p16:designElem xmlns:p16="http://schemas.microsoft.com/office/powerpoint/2015/main" val="1"/>
-              </p:ext>
-            </p:extLst>
-          </p:nvPr>
-        </p:nvSpPr>
-        <p:spPr>
-          <a:xfrm>
-            <a:off x="0" y="0"/>
-            <a:ext cx="12192000" cy="6858000"/>
-          </a:xfrm>
-          <a:prstGeom prst="rect">
-            <a:avLst/>
-          </a:prstGeom>
-          <a:ln>
-            <a:noFill/>
-          </a:ln>
-        </p:spPr>
-        <p:style>
-          <a:lnRef idx="2">
-            <a:schemeClr val="accent1">
-              <a:shade val="50000"/>
-            </a:schemeClr>
-          </a:lnRef>
-          <a:fillRef idx="1">
-            <a:schemeClr val="accent1"/>
-          </a:fillRef>
-          <a:effectRef idx="0">
-            <a:schemeClr val="accent1"/>
-          </a:effectRef>
-          <a:fontRef idx="minor">
-            <a:schemeClr val="lt1"/>
-          </a:fontRef>
-        </p:style>
-        <p:txBody>
-          <a:bodyPr rtlCol="0" anchor="ctr"/>
-          <a:lstStyle/>
-          <a:p>
-            <a:pPr algn="ctr"/>
-            <a:endParaRPr lang="en-US" dirty="0"/>
-          </a:p>
-        </p:txBody>
-      </p:sp>
-      <p:sp>
-        <p:nvSpPr>
-          <p:cNvPr id="2" name="Titre 1">
-            <a:extLst>
-              <a:ext uri="{FF2B5EF4-FFF2-40B4-BE49-F238E27FC236}">
-                <a16:creationId xmlns:a16="http://schemas.microsoft.com/office/drawing/2014/main" id="{B562D7E7-C1A9-D630-C8E2-2F3CA8213045}"/>
-              </a:ext>
-            </a:extLst>
-          </p:cNvPr>
-          <p:cNvSpPr>
-            <a:spLocks noGrp="1"/>
-          </p:cNvSpPr>
-          <p:nvPr>
-            <p:ph type="title"/>
-          </p:nvPr>
-        </p:nvSpPr>
-        <p:spPr>
-          <a:xfrm>
-            <a:off x="638881" y="457201"/>
-            <a:ext cx="10909640" cy="1832654"/>
-          </a:xfrm>
-        </p:spPr>
-        <p:txBody>
-          <a:bodyPr vert="horz" lIns="91440" tIns="45720" rIns="91440" bIns="45720" rtlCol="0" anchor="b">
-            <a:normAutofit/>
-          </a:bodyPr>
-          <a:lstStyle/>
-          <a:p>
-            <a:pPr algn="ctr"/>
-            <a:r>
-              <a:rPr lang="en-US" sz="6600" kern="1200">
-                <a:solidFill>
-                  <a:schemeClr val="tx1"/>
-                </a:solidFill>
-                <a:latin typeface="+mj-lt"/>
-                <a:ea typeface="+mj-ea"/>
-                <a:cs typeface="+mj-cs"/>
-              </a:rPr>
-              <a:t>Trello</a:t>
-            </a:r>
-          </a:p>
-        </p:txBody>
-      </p:sp>
-      <p:sp>
-        <p:nvSpPr>
-          <p:cNvPr id="13" name="sketch line">
-            <a:extLst>
-              <a:ext uri="{FF2B5EF4-FFF2-40B4-BE49-F238E27FC236}">
-                <a16:creationId xmlns:a16="http://schemas.microsoft.com/office/drawing/2014/main" id="{4CFDFB37-4BC7-42C6-915D-A6609139BFE7}"/>
-              </a:ext>
-              <a:ext uri="{C183D7F6-B498-43B3-948B-1728B52AA6E4}">
-                <adec:decorative xmlns:adec="http://schemas.microsoft.com/office/drawing/2017/decorative" val="1"/>
-              </a:ext>
-            </a:extLst>
-          </p:cNvPr>
-          <p:cNvSpPr>
-            <a:spLocks noGrp="1" noRot="1" noChangeAspect="1" noMove="1" noResize="1" noEditPoints="1" noAdjustHandles="1" noChangeArrowheads="1" noChangeShapeType="1" noTextEdit="1"/>
-          </p:cNvSpPr>
-          <p:nvPr>
-            <p:extLst>
-              <p:ext uri="{386F3935-93C4-4BCD-93E2-E3B085C9AB24}">
-                <p16:designElem xmlns:p16="http://schemas.microsoft.com/office/powerpoint/2015/main" val="1"/>
-              </p:ext>
-            </p:extLst>
-          </p:nvPr>
-        </p:nvSpPr>
-        <p:spPr>
-          <a:xfrm>
-            <a:off x="3807702" y="2343912"/>
-            <a:ext cx="4572000" cy="18288"/>
-          </a:xfrm>
-          <a:custGeom>
-            <a:avLst/>
-            <a:gdLst>
-              <a:gd name="connsiteX0" fmla="*/ 0 w 4572000"/>
-              <a:gd name="connsiteY0" fmla="*/ 0 h 18288"/>
-              <a:gd name="connsiteX1" fmla="*/ 515983 w 4572000"/>
-              <a:gd name="connsiteY1" fmla="*/ 0 h 18288"/>
-              <a:gd name="connsiteX2" fmla="*/ 1031966 w 4572000"/>
-              <a:gd name="connsiteY2" fmla="*/ 0 h 18288"/>
-              <a:gd name="connsiteX3" fmla="*/ 1639389 w 4572000"/>
-              <a:gd name="connsiteY3" fmla="*/ 0 h 18288"/>
-              <a:gd name="connsiteX4" fmla="*/ 2383971 w 4572000"/>
-              <a:gd name="connsiteY4" fmla="*/ 0 h 18288"/>
-              <a:gd name="connsiteX5" fmla="*/ 2945674 w 4572000"/>
-              <a:gd name="connsiteY5" fmla="*/ 0 h 18288"/>
-              <a:gd name="connsiteX6" fmla="*/ 3507377 w 4572000"/>
-              <a:gd name="connsiteY6" fmla="*/ 0 h 18288"/>
-              <a:gd name="connsiteX7" fmla="*/ 4572000 w 4572000"/>
-              <a:gd name="connsiteY7" fmla="*/ 0 h 18288"/>
-              <a:gd name="connsiteX8" fmla="*/ 4572000 w 4572000"/>
-              <a:gd name="connsiteY8" fmla="*/ 18288 h 18288"/>
-              <a:gd name="connsiteX9" fmla="*/ 3873137 w 4572000"/>
-              <a:gd name="connsiteY9" fmla="*/ 18288 h 18288"/>
-              <a:gd name="connsiteX10" fmla="*/ 3311434 w 4572000"/>
-              <a:gd name="connsiteY10" fmla="*/ 18288 h 18288"/>
-              <a:gd name="connsiteX11" fmla="*/ 2749731 w 4572000"/>
-              <a:gd name="connsiteY11" fmla="*/ 18288 h 18288"/>
-              <a:gd name="connsiteX12" fmla="*/ 2050869 w 4572000"/>
-              <a:gd name="connsiteY12" fmla="*/ 18288 h 18288"/>
-              <a:gd name="connsiteX13" fmla="*/ 1306286 w 4572000"/>
-              <a:gd name="connsiteY13" fmla="*/ 18288 h 18288"/>
-              <a:gd name="connsiteX14" fmla="*/ 790303 w 4572000"/>
-              <a:gd name="connsiteY14" fmla="*/ 18288 h 18288"/>
-              <a:gd name="connsiteX15" fmla="*/ 0 w 4572000"/>
-              <a:gd name="connsiteY15" fmla="*/ 18288 h 18288"/>
-              <a:gd name="connsiteX16" fmla="*/ 0 w 4572000"/>
-              <a:gd name="connsiteY16" fmla="*/ 0 h 18288"/>
-            </a:gdLst>
-            <a:ahLst/>
-            <a:cxnLst>
-              <a:cxn ang="0">
-                <a:pos x="connsiteX0" y="connsiteY0"/>
-              </a:cxn>
-              <a:cxn ang="0">
-                <a:pos x="connsiteX1" y="connsiteY1"/>
-              </a:cxn>
-              <a:cxn ang="0">
-                <a:pos x="connsiteX2" y="connsiteY2"/>
-              </a:cxn>
-              <a:cxn ang="0">
-                <a:pos x="connsiteX3" y="connsiteY3"/>
-              </a:cxn>
-              <a:cxn ang="0">
-                <a:pos x="connsiteX4" y="connsiteY4"/>
-              </a:cxn>
-              <a:cxn ang="0">
-                <a:pos x="connsiteX5" y="connsiteY5"/>
-              </a:cxn>
-              <a:cxn ang="0">
-                <a:pos x="connsiteX6" y="connsiteY6"/>
-              </a:cxn>
-              <a:cxn ang="0">
-                <a:pos x="connsiteX7" y="connsiteY7"/>
-              </a:cxn>
-              <a:cxn ang="0">
-                <a:pos x="connsiteX8" y="connsiteY8"/>
-              </a:cxn>
-              <a:cxn ang="0">
-                <a:pos x="connsiteX9" y="connsiteY9"/>
-              </a:cxn>
-              <a:cxn ang="0">
-                <a:pos x="connsiteX10" y="connsiteY10"/>
-              </a:cxn>
-              <a:cxn ang="0">
-                <a:pos x="connsiteX11" y="connsiteY11"/>
-              </a:cxn>
-              <a:cxn ang="0">
-                <a:pos x="connsiteX12" y="connsiteY12"/>
-              </a:cxn>
-              <a:cxn ang="0">
-                <a:pos x="connsiteX13" y="connsiteY13"/>
-              </a:cxn>
-              <a:cxn ang="0">
-                <a:pos x="connsiteX14" y="connsiteY14"/>
-              </a:cxn>
-              <a:cxn ang="0">
-                <a:pos x="connsiteX15" y="connsiteY15"/>
-              </a:cxn>
-              <a:cxn ang="0">
-                <a:pos x="connsiteX16" y="connsiteY16"/>
-              </a:cxn>
-            </a:cxnLst>
-            <a:rect l="l" t="t" r="r" b="b"/>
-            <a:pathLst>
-              <a:path w="4572000" h="18288" fill="none" extrusionOk="0">
-                <a:moveTo>
-                  <a:pt x="0" y="0"/>
-                </a:moveTo>
-                <a:cubicBezTo>
-                  <a:pt x="105156" y="-20963"/>
-                  <a:pt x="340432" y="822"/>
-                  <a:pt x="515983" y="0"/>
-                </a:cubicBezTo>
-                <a:cubicBezTo>
-                  <a:pt x="691534" y="-822"/>
-                  <a:pt x="850679" y="16479"/>
-                  <a:pt x="1031966" y="0"/>
-                </a:cubicBezTo>
-                <a:cubicBezTo>
-                  <a:pt x="1213253" y="-16479"/>
-                  <a:pt x="1443646" y="-18730"/>
-                  <a:pt x="1639389" y="0"/>
-                </a:cubicBezTo>
-                <a:cubicBezTo>
-                  <a:pt x="1835132" y="18730"/>
-                  <a:pt x="2159975" y="18531"/>
-                  <a:pt x="2383971" y="0"/>
-                </a:cubicBezTo>
-                <a:cubicBezTo>
-                  <a:pt x="2607967" y="-18531"/>
-                  <a:pt x="2719096" y="-12030"/>
-                  <a:pt x="2945674" y="0"/>
-                </a:cubicBezTo>
-                <a:cubicBezTo>
-                  <a:pt x="3172252" y="12030"/>
-                  <a:pt x="3269167" y="27666"/>
-                  <a:pt x="3507377" y="0"/>
-                </a:cubicBezTo>
-                <a:cubicBezTo>
-                  <a:pt x="3745587" y="-27666"/>
-                  <a:pt x="4116741" y="18705"/>
-                  <a:pt x="4572000" y="0"/>
-                </a:cubicBezTo>
-                <a:cubicBezTo>
-                  <a:pt x="4572895" y="8974"/>
-                  <a:pt x="4571454" y="9359"/>
-                  <a:pt x="4572000" y="18288"/>
-                </a:cubicBezTo>
-                <a:cubicBezTo>
-                  <a:pt x="4374698" y="3942"/>
-                  <a:pt x="4098874" y="-11042"/>
-                  <a:pt x="3873137" y="18288"/>
-                </a:cubicBezTo>
-                <a:cubicBezTo>
-                  <a:pt x="3647400" y="47618"/>
-                  <a:pt x="3517055" y="5421"/>
-                  <a:pt x="3311434" y="18288"/>
-                </a:cubicBezTo>
-                <a:cubicBezTo>
-                  <a:pt x="3105813" y="31155"/>
-                  <a:pt x="3025168" y="17856"/>
-                  <a:pt x="2749731" y="18288"/>
-                </a:cubicBezTo>
-                <a:cubicBezTo>
-                  <a:pt x="2474294" y="18720"/>
-                  <a:pt x="2291766" y="-14168"/>
-                  <a:pt x="2050869" y="18288"/>
-                </a:cubicBezTo>
-                <a:cubicBezTo>
-                  <a:pt x="1809972" y="50744"/>
-                  <a:pt x="1540276" y="46798"/>
-                  <a:pt x="1306286" y="18288"/>
-                </a:cubicBezTo>
-                <a:cubicBezTo>
-                  <a:pt x="1072296" y="-10222"/>
-                  <a:pt x="972445" y="19645"/>
-                  <a:pt x="790303" y="18288"/>
-                </a:cubicBezTo>
-                <a:cubicBezTo>
-                  <a:pt x="608161" y="16931"/>
-                  <a:pt x="200981" y="8241"/>
-                  <a:pt x="0" y="18288"/>
-                </a:cubicBezTo>
-                <a:cubicBezTo>
-                  <a:pt x="-229" y="14222"/>
-                  <a:pt x="509" y="5816"/>
-                  <a:pt x="0" y="0"/>
-                </a:cubicBezTo>
-                <a:close/>
-              </a:path>
-              <a:path w="4572000" h="18288" stroke="0" extrusionOk="0">
-                <a:moveTo>
-                  <a:pt x="0" y="0"/>
-                </a:moveTo>
-                <a:cubicBezTo>
-                  <a:pt x="143285" y="-9565"/>
-                  <a:pt x="327959" y="-11498"/>
-                  <a:pt x="561703" y="0"/>
-                </a:cubicBezTo>
-                <a:cubicBezTo>
-                  <a:pt x="795447" y="11498"/>
-                  <a:pt x="838260" y="18255"/>
-                  <a:pt x="1077686" y="0"/>
-                </a:cubicBezTo>
-                <a:cubicBezTo>
-                  <a:pt x="1317112" y="-18255"/>
-                  <a:pt x="1437472" y="23514"/>
-                  <a:pt x="1639389" y="0"/>
-                </a:cubicBezTo>
-                <a:cubicBezTo>
-                  <a:pt x="1841306" y="-23514"/>
-                  <a:pt x="2037142" y="-12551"/>
-                  <a:pt x="2292531" y="0"/>
-                </a:cubicBezTo>
-                <a:cubicBezTo>
-                  <a:pt x="2547920" y="12551"/>
-                  <a:pt x="2810436" y="-20352"/>
-                  <a:pt x="2991394" y="0"/>
-                </a:cubicBezTo>
-                <a:cubicBezTo>
-                  <a:pt x="3172352" y="20352"/>
-                  <a:pt x="3530025" y="-13347"/>
-                  <a:pt x="3735977" y="0"/>
-                </a:cubicBezTo>
-                <a:cubicBezTo>
-                  <a:pt x="3941929" y="13347"/>
-                  <a:pt x="4161497" y="34086"/>
-                  <a:pt x="4572000" y="0"/>
-                </a:cubicBezTo>
-                <a:cubicBezTo>
-                  <a:pt x="4571545" y="6162"/>
-                  <a:pt x="4571903" y="11775"/>
-                  <a:pt x="4572000" y="18288"/>
-                </a:cubicBezTo>
-                <a:cubicBezTo>
-                  <a:pt x="4228040" y="36490"/>
-                  <a:pt x="4199736" y="42557"/>
-                  <a:pt x="3873137" y="18288"/>
-                </a:cubicBezTo>
-                <a:cubicBezTo>
-                  <a:pt x="3546538" y="-5981"/>
-                  <a:pt x="3472124" y="16809"/>
-                  <a:pt x="3128554" y="18288"/>
-                </a:cubicBezTo>
-                <a:cubicBezTo>
-                  <a:pt x="2784984" y="19767"/>
-                  <a:pt x="2735896" y="-17781"/>
-                  <a:pt x="2383971" y="18288"/>
-                </a:cubicBezTo>
-                <a:cubicBezTo>
-                  <a:pt x="2032046" y="54357"/>
-                  <a:pt x="2019324" y="2920"/>
-                  <a:pt x="1867989" y="18288"/>
-                </a:cubicBezTo>
-                <a:cubicBezTo>
-                  <a:pt x="1716654" y="33656"/>
-                  <a:pt x="1418675" y="32575"/>
-                  <a:pt x="1169126" y="18288"/>
-                </a:cubicBezTo>
-                <a:cubicBezTo>
-                  <a:pt x="919577" y="4001"/>
-                  <a:pt x="798537" y="16165"/>
-                  <a:pt x="561703" y="18288"/>
-                </a:cubicBezTo>
-                <a:cubicBezTo>
-                  <a:pt x="324869" y="20411"/>
-                  <a:pt x="221395" y="-912"/>
-                  <a:pt x="0" y="18288"/>
-                </a:cubicBezTo>
-                <a:cubicBezTo>
-                  <a:pt x="766" y="10800"/>
-                  <a:pt x="-457" y="8180"/>
-                  <a:pt x="0" y="0"/>
-                </a:cubicBezTo>
-                <a:close/>
-              </a:path>
-            </a:pathLst>
-          </a:custGeom>
-          <a:solidFill>
-            <a:schemeClr val="accent2"/>
-          </a:solidFill>
-          <a:ln w="41275" cap="rnd">
-            <a:solidFill>
-              <a:schemeClr val="accent2"/>
-            </a:solidFill>
-            <a:round/>
-            <a:extLst>
-              <a:ext uri="{C807C97D-BFC1-408E-A445-0C87EB9F89A2}">
-                <ask:lineSketchStyleProps xmlns:ask="http://schemas.microsoft.com/office/drawing/2018/sketchyshapes" sd="2727557108">
-                  <a:prstGeom prst="rect">
-                    <a:avLst/>
-                  </a:prstGeom>
-                  <ask:type>
-                    <ask:lineSketchFreehand/>
-                  </ask:type>
-                </ask:lineSketchStyleProps>
-              </a:ext>
-            </a:extLst>
-          </a:ln>
-        </p:spPr>
-        <p:style>
-          <a:lnRef idx="2">
-            <a:schemeClr val="accent1">
-              <a:shade val="50000"/>
-            </a:schemeClr>
-          </a:lnRef>
-          <a:fillRef idx="1">
-            <a:schemeClr val="accent1"/>
-          </a:fillRef>
-          <a:effectRef idx="0">
-            <a:schemeClr val="accent1"/>
-          </a:effectRef>
-          <a:fontRef idx="minor">
-            <a:schemeClr val="lt1"/>
-          </a:fontRef>
-        </p:style>
-        <p:txBody>
-          <a:bodyPr rtlCol="0" anchor="ctr"/>
-          <a:lstStyle/>
-          <a:p>
-            <a:pPr algn="ctr"/>
-            <a:endParaRPr lang="en-US"/>
-          </a:p>
-        </p:txBody>
-      </p:sp>
-      <p:pic>
-        <p:nvPicPr>
-          <p:cNvPr id="6" name="Image 5">
-            <a:extLst>
-              <a:ext uri="{FF2B5EF4-FFF2-40B4-BE49-F238E27FC236}">
-                <a16:creationId xmlns:a16="http://schemas.microsoft.com/office/drawing/2014/main" id="{C3B6DE3E-34C9-B8FA-2207-A1FD966AECC8}"/>
-              </a:ext>
-            </a:extLst>
-          </p:cNvPr>
-          <p:cNvPicPr>
-            <a:picLocks noChangeAspect="1"/>
-          </p:cNvPicPr>
-          <p:nvPr/>
-        </p:nvPicPr>
-        <p:blipFill>
-          <a:blip r:embed="rId2"/>
-          <a:stretch>
-            <a:fillRect/>
-          </a:stretch>
-        </p:blipFill>
-        <p:spPr>
-          <a:xfrm>
-            <a:off x="2166800" y="3124200"/>
-            <a:ext cx="7855352" cy="3102864"/>
-          </a:xfrm>
-          <a:prstGeom prst="rect">
-            <a:avLst/>
-          </a:prstGeom>
-        </p:spPr>
-      </p:pic>
-    </p:spTree>
-    <p:extLst>
-      <p:ext uri="{BB962C8B-B14F-4D97-AF65-F5344CB8AC3E}">
-        <p14:creationId xmlns:p14="http://schemas.microsoft.com/office/powerpoint/2010/main" val="3128204202"/>
-      </p:ext>
-    </p:extLst>
-  </p:cSld>
-  <p:clrMapOvr>
-    <a:masterClrMapping/>
-  </p:clrMapOvr>
-</p:sld>
-</file>
-
-<file path=ppt/slides/slide11.xml><?xml version="1.0" encoding="utf-8"?>
 <p:sld xmlns:a="http://schemas.openxmlformats.org/drawingml/2006/main" xmlns:r="http://schemas.openxmlformats.org/officeDocument/2006/relationships" xmlns:p="http://schemas.openxmlformats.org/presentationml/2006/main">
   <p:cSld>
     <p:bg>
@@ -27475,7 +23896,7 @@
 </p:sld>
 </file>
 
-<file path=ppt/slides/slide12.xml><?xml version="1.0" encoding="utf-8"?>
+<file path=ppt/slides/slide11.xml><?xml version="1.0" encoding="utf-8"?>
 <p:sld xmlns:a="http://schemas.openxmlformats.org/drawingml/2006/main" xmlns:r="http://schemas.openxmlformats.org/officeDocument/2006/relationships" xmlns:p="http://schemas.openxmlformats.org/presentationml/2006/main">
   <p:cSld>
     <p:bg>
@@ -27920,6 +24341,316 @@
     <p:extLst>
       <p:ext uri="{BB962C8B-B14F-4D97-AF65-F5344CB8AC3E}">
         <p14:creationId xmlns:p14="http://schemas.microsoft.com/office/powerpoint/2010/main" val="624663914"/>
+      </p:ext>
+    </p:extLst>
+  </p:cSld>
+  <p:clrMapOvr>
+    <a:masterClrMapping/>
+  </p:clrMapOvr>
+</p:sld>
+</file>
+
+<file path=ppt/slides/slide12.xml><?xml version="1.0" encoding="utf-8"?>
+<p:sld xmlns:a="http://schemas.openxmlformats.org/drawingml/2006/main" xmlns:r="http://schemas.openxmlformats.org/officeDocument/2006/relationships" xmlns:p="http://schemas.openxmlformats.org/presentationml/2006/main">
+  <p:cSld>
+    <p:bg>
+      <p:bgPr>
+        <a:solidFill>
+          <a:schemeClr val="bg1"/>
+        </a:solidFill>
+        <a:effectLst/>
+      </p:bgPr>
+    </p:bg>
+    <p:spTree>
+      <p:nvGrpSpPr>
+        <p:cNvPr id="1" name=""/>
+        <p:cNvGrpSpPr/>
+        <p:nvPr/>
+      </p:nvGrpSpPr>
+      <p:grpSpPr>
+        <a:xfrm>
+          <a:off x="0" y="0"/>
+          <a:ext cx="0" cy="0"/>
+          <a:chOff x="0" y="0"/>
+          <a:chExt cx="0" cy="0"/>
+        </a:xfrm>
+      </p:grpSpPr>
+      <p:sp>
+        <p:nvSpPr>
+          <p:cNvPr id="25" name="Rectangle 24">
+            <a:extLst>
+              <a:ext uri="{FF2B5EF4-FFF2-40B4-BE49-F238E27FC236}">
+                <a16:creationId xmlns:a16="http://schemas.microsoft.com/office/drawing/2014/main" id="{E8D41CF8-5232-42BC-8D05-AFEDE215398E}"/>
+              </a:ext>
+              <a:ext uri="{C183D7F6-B498-43B3-948B-1728B52AA6E4}">
+                <adec:decorative xmlns:adec="http://schemas.microsoft.com/office/drawing/2017/decorative" val="1"/>
+              </a:ext>
+            </a:extLst>
+          </p:cNvPr>
+          <p:cNvSpPr>
+            <a:spLocks noGrp="1" noRot="1" noChangeAspect="1" noMove="1" noResize="1" noEditPoints="1" noAdjustHandles="1" noChangeArrowheads="1" noChangeShapeType="1" noTextEdit="1"/>
+          </p:cNvSpPr>
+          <p:nvPr>
+            <p:extLst>
+              <p:ext uri="{386F3935-93C4-4BCD-93E2-E3B085C9AB24}">
+                <p16:designElem xmlns:p16="http://schemas.microsoft.com/office/powerpoint/2015/main" val="1"/>
+              </p:ext>
+            </p:extLst>
+          </p:nvPr>
+        </p:nvSpPr>
+        <p:spPr>
+          <a:xfrm>
+            <a:off x="0" y="-11256"/>
+            <a:ext cx="12192000" cy="6869256"/>
+          </a:xfrm>
+          <a:prstGeom prst="rect">
+            <a:avLst/>
+          </a:prstGeom>
+          <a:solidFill>
+            <a:schemeClr val="bg1">
+              <a:lumMod val="85000"/>
+              <a:alpha val="70000"/>
+            </a:schemeClr>
+          </a:solidFill>
+          <a:ln>
+            <a:noFill/>
+          </a:ln>
+        </p:spPr>
+        <p:style>
+          <a:lnRef idx="2">
+            <a:schemeClr val="accent1">
+              <a:shade val="50000"/>
+            </a:schemeClr>
+          </a:lnRef>
+          <a:fillRef idx="1">
+            <a:schemeClr val="accent1"/>
+          </a:fillRef>
+          <a:effectRef idx="0">
+            <a:schemeClr val="accent1"/>
+          </a:effectRef>
+          <a:fontRef idx="minor">
+            <a:schemeClr val="lt1"/>
+          </a:fontRef>
+        </p:style>
+        <p:txBody>
+          <a:bodyPr rtlCol="0" anchor="ctr"/>
+          <a:lstStyle/>
+          <a:p>
+            <a:pPr algn="ctr"/>
+            <a:endParaRPr lang="en-US" dirty="0"/>
+          </a:p>
+        </p:txBody>
+      </p:sp>
+      <p:sp>
+        <p:nvSpPr>
+          <p:cNvPr id="27" name="Rounded Rectangle 5">
+            <a:extLst>
+              <a:ext uri="{FF2B5EF4-FFF2-40B4-BE49-F238E27FC236}">
+                <a16:creationId xmlns:a16="http://schemas.microsoft.com/office/drawing/2014/main" id="{49237091-E62C-4878-AA4C-0B9995ADB28F}"/>
+              </a:ext>
+              <a:ext uri="{C183D7F6-B498-43B3-948B-1728B52AA6E4}">
+                <adec:decorative xmlns:adec="http://schemas.microsoft.com/office/drawing/2017/decorative" val="1"/>
+              </a:ext>
+            </a:extLst>
+          </p:cNvPr>
+          <p:cNvSpPr>
+            <a:spLocks noGrp="1" noRot="1" noChangeAspect="1" noMove="1" noResize="1" noEditPoints="1" noAdjustHandles="1" noChangeArrowheads="1" noChangeShapeType="1" noTextEdit="1"/>
+          </p:cNvSpPr>
+          <p:nvPr>
+            <p:extLst>
+              <p:ext uri="{386F3935-93C4-4BCD-93E2-E3B085C9AB24}">
+                <p16:designElem xmlns:p16="http://schemas.microsoft.com/office/powerpoint/2015/main" val="1"/>
+              </p:ext>
+            </p:extLst>
+          </p:nvPr>
+        </p:nvSpPr>
+        <p:spPr>
+          <a:xfrm>
+            <a:off x="838200" y="1828801"/>
+            <a:ext cx="10515600" cy="4362450"/>
+          </a:xfrm>
+          <a:prstGeom prst="roundRect">
+            <a:avLst>
+              <a:gd name="adj" fmla="val 0"/>
+            </a:avLst>
+          </a:prstGeom>
+          <a:solidFill>
+            <a:srgbClr val="FFFFFF"/>
+          </a:solidFill>
+          <a:ln w="9525">
+            <a:solidFill>
+              <a:srgbClr val="C8CACA"/>
+            </a:solidFill>
+          </a:ln>
+          <a:effectLst>
+            <a:outerShdw blurRad="57150" dist="19050" dir="5400000" algn="t" rotWithShape="0">
+              <a:prstClr val="black">
+                <a:alpha val="63000"/>
+              </a:prstClr>
+            </a:outerShdw>
+          </a:effectLst>
+        </p:spPr>
+        <p:style>
+          <a:lnRef idx="2">
+            <a:schemeClr val="accent1">
+              <a:shade val="50000"/>
+            </a:schemeClr>
+          </a:lnRef>
+          <a:fillRef idx="1">
+            <a:schemeClr val="accent1"/>
+          </a:fillRef>
+          <a:effectRef idx="0">
+            <a:schemeClr val="accent1"/>
+          </a:effectRef>
+          <a:fontRef idx="minor">
+            <a:schemeClr val="lt1"/>
+          </a:fontRef>
+        </p:style>
+        <p:txBody>
+          <a:bodyPr rtlCol="0" anchor="ctr"/>
+          <a:lstStyle/>
+          <a:p>
+            <a:pPr algn="ctr"/>
+            <a:endParaRPr lang="en-US"/>
+          </a:p>
+        </p:txBody>
+      </p:sp>
+      <p:pic>
+        <p:nvPicPr>
+          <p:cNvPr id="9" name="Image 8">
+            <a:extLst>
+              <a:ext uri="{FF2B5EF4-FFF2-40B4-BE49-F238E27FC236}">
+                <a16:creationId xmlns:a16="http://schemas.microsoft.com/office/drawing/2014/main" id="{29911FA0-D31E-FEBE-7EC2-B92933A883A0}"/>
+              </a:ext>
+            </a:extLst>
+          </p:cNvPr>
+          <p:cNvPicPr>
+            <a:picLocks noChangeAspect="1"/>
+          </p:cNvPicPr>
+          <p:nvPr/>
+        </p:nvPicPr>
+        <p:blipFill>
+          <a:blip r:embed="rId2"/>
+          <a:stretch>
+            <a:fillRect/>
+          </a:stretch>
+        </p:blipFill>
+        <p:spPr>
+          <a:xfrm>
+            <a:off x="1157288" y="2290763"/>
+            <a:ext cx="3667125" cy="3433763"/>
+          </a:xfrm>
+          <a:prstGeom prst="rect">
+            <a:avLst/>
+          </a:prstGeom>
+        </p:spPr>
+      </p:pic>
+      <p:pic>
+        <p:nvPicPr>
+          <p:cNvPr id="4" name="Image 3">
+            <a:extLst>
+              <a:ext uri="{FF2B5EF4-FFF2-40B4-BE49-F238E27FC236}">
+                <a16:creationId xmlns:a16="http://schemas.microsoft.com/office/drawing/2014/main" id="{08DBC53A-D76E-43BB-3DC9-D9B6D65E79DA}"/>
+              </a:ext>
+            </a:extLst>
+          </p:cNvPr>
+          <p:cNvPicPr>
+            <a:picLocks noChangeAspect="1"/>
+          </p:cNvPicPr>
+          <p:nvPr/>
+        </p:nvPicPr>
+        <p:blipFill>
+          <a:blip r:embed="rId3"/>
+          <a:stretch>
+            <a:fillRect/>
+          </a:stretch>
+        </p:blipFill>
+        <p:spPr>
+          <a:xfrm>
+            <a:off x="4892675" y="2290763"/>
+            <a:ext cx="1614488" cy="3433763"/>
+          </a:xfrm>
+          <a:prstGeom prst="rect">
+            <a:avLst/>
+          </a:prstGeom>
+        </p:spPr>
+      </p:pic>
+      <p:pic>
+        <p:nvPicPr>
+          <p:cNvPr id="5" name="Image 4">
+            <a:extLst>
+              <a:ext uri="{FF2B5EF4-FFF2-40B4-BE49-F238E27FC236}">
+                <a16:creationId xmlns:a16="http://schemas.microsoft.com/office/drawing/2014/main" id="{58B79614-CB7F-00D7-A8AE-71C7A7A274D4}"/>
+              </a:ext>
+            </a:extLst>
+          </p:cNvPr>
+          <p:cNvPicPr>
+            <a:picLocks noChangeAspect="1"/>
+          </p:cNvPicPr>
+          <p:nvPr/>
+        </p:nvPicPr>
+        <p:blipFill>
+          <a:blip r:embed="rId4"/>
+          <a:stretch>
+            <a:fillRect/>
+          </a:stretch>
+        </p:blipFill>
+        <p:spPr>
+          <a:xfrm>
+            <a:off x="6572250" y="2290763"/>
+            <a:ext cx="4459288" cy="3433763"/>
+          </a:xfrm>
+          <a:prstGeom prst="rect">
+            <a:avLst/>
+          </a:prstGeom>
+        </p:spPr>
+      </p:pic>
+      <p:sp>
+        <p:nvSpPr>
+          <p:cNvPr id="2" name="Titre 1">
+            <a:extLst>
+              <a:ext uri="{FF2B5EF4-FFF2-40B4-BE49-F238E27FC236}">
+                <a16:creationId xmlns:a16="http://schemas.microsoft.com/office/drawing/2014/main" id="{4978126B-22DE-BED9-170E-68D595ACA798}"/>
+              </a:ext>
+            </a:extLst>
+          </p:cNvPr>
+          <p:cNvSpPr>
+            <a:spLocks noGrp="1"/>
+          </p:cNvSpPr>
+          <p:nvPr>
+            <p:ph type="title"/>
+          </p:nvPr>
+        </p:nvSpPr>
+        <p:spPr>
+          <a:xfrm>
+            <a:off x="838200" y="365125"/>
+            <a:ext cx="10515600" cy="1325563"/>
+          </a:xfrm>
+        </p:spPr>
+        <p:txBody>
+          <a:bodyPr vert="horz" lIns="91440" tIns="45720" rIns="91440" bIns="45720" rtlCol="0" anchor="ctr">
+            <a:normAutofit/>
+          </a:bodyPr>
+          <a:lstStyle/>
+          <a:p>
+            <a:r>
+              <a:rPr lang="en-US" kern="1200">
+                <a:solidFill>
+                  <a:schemeClr val="tx1"/>
+                </a:solidFill>
+                <a:latin typeface="+mj-lt"/>
+                <a:ea typeface="+mj-ea"/>
+                <a:cs typeface="+mj-cs"/>
+              </a:rPr>
+              <a:t>Maquettage</a:t>
+            </a:r>
+          </a:p>
+        </p:txBody>
+      </p:sp>
+    </p:spTree>
+    <p:extLst>
+      <p:ext uri="{BB962C8B-B14F-4D97-AF65-F5344CB8AC3E}">
+        <p14:creationId xmlns:p14="http://schemas.microsoft.com/office/powerpoint/2010/main" val="3714856750"/>
       </p:ext>
     </p:extLst>
   </p:cSld>
@@ -28921,6 +25652,228 @@
           <a:chExt cx="0" cy="0"/>
         </a:xfrm>
       </p:grpSpPr>
+      <p:sp>
+        <p:nvSpPr>
+          <p:cNvPr id="34" name="Down Arrow 7">
+            <a:extLst>
+              <a:ext uri="{FF2B5EF4-FFF2-40B4-BE49-F238E27FC236}">
+                <a16:creationId xmlns:a16="http://schemas.microsoft.com/office/drawing/2014/main" id="{D4771268-CB57-404A-9271-370EB28F6090}"/>
+              </a:ext>
+              <a:ext uri="{C183D7F6-B498-43B3-948B-1728B52AA6E4}">
+                <adec:decorative xmlns:adec="http://schemas.microsoft.com/office/drawing/2017/decorative" val="1"/>
+              </a:ext>
+            </a:extLst>
+          </p:cNvPr>
+          <p:cNvSpPr>
+            <a:spLocks noGrp="1" noRot="1" noChangeAspect="1" noMove="1" noResize="1" noEditPoints="1" noAdjustHandles="1" noChangeArrowheads="1" noChangeShapeType="1" noTextEdit="1"/>
+          </p:cNvSpPr>
+          <p:nvPr>
+            <p:extLst>
+              <p:ext uri="{386F3935-93C4-4BCD-93E2-E3B085C9AB24}">
+                <p16:designElem xmlns:p16="http://schemas.microsoft.com/office/powerpoint/2015/main" val="1"/>
+              </p:ext>
+            </p:extLst>
+          </p:nvPr>
+        </p:nvSpPr>
+        <p:spPr>
+          <a:xfrm rot="16200000">
+            <a:off x="800100" y="1491343"/>
+            <a:ext cx="3333749" cy="3499103"/>
+          </a:xfrm>
+          <a:prstGeom prst="downArrow">
+            <a:avLst>
+              <a:gd name="adj1" fmla="val 100000"/>
+              <a:gd name="adj2" fmla="val 15788"/>
+            </a:avLst>
+          </a:prstGeom>
+          <a:solidFill>
+            <a:srgbClr val="404040"/>
+          </a:solidFill>
+          <a:ln w="53975">
+            <a:noFill/>
+          </a:ln>
+        </p:spPr>
+        <p:style>
+          <a:lnRef idx="2">
+            <a:schemeClr val="accent1">
+              <a:shade val="50000"/>
+            </a:schemeClr>
+          </a:lnRef>
+          <a:fillRef idx="1">
+            <a:schemeClr val="accent1"/>
+          </a:fillRef>
+          <a:effectRef idx="0">
+            <a:schemeClr val="accent1"/>
+          </a:effectRef>
+          <a:fontRef idx="minor">
+            <a:schemeClr val="lt1"/>
+          </a:fontRef>
+        </p:style>
+        <p:txBody>
+          <a:bodyPr rtlCol="0" anchor="ctr"/>
+          <a:lstStyle/>
+          <a:p>
+            <a:pPr algn="ctr"/>
+            <a:endParaRPr lang="en-US"/>
+          </a:p>
+        </p:txBody>
+      </p:sp>
+      <p:sp>
+        <p:nvSpPr>
+          <p:cNvPr id="2" name="Titre 1">
+            <a:extLst>
+              <a:ext uri="{FF2B5EF4-FFF2-40B4-BE49-F238E27FC236}">
+                <a16:creationId xmlns:a16="http://schemas.microsoft.com/office/drawing/2014/main" id="{30E1EDD0-89E8-1D90-FFF8-58D49AE33F67}"/>
+              </a:ext>
+            </a:extLst>
+          </p:cNvPr>
+          <p:cNvSpPr>
+            <a:spLocks noGrp="1"/>
+          </p:cNvSpPr>
+          <p:nvPr>
+            <p:ph type="title"/>
+          </p:nvPr>
+        </p:nvSpPr>
+        <p:spPr>
+          <a:xfrm>
+            <a:off x="1028700" y="1967266"/>
+            <a:ext cx="2628900" cy="2547257"/>
+          </a:xfrm>
+          <a:noFill/>
+        </p:spPr>
+        <p:txBody>
+          <a:bodyPr vert="horz" lIns="91440" tIns="45720" rIns="91440" bIns="45720" rtlCol="0" anchor="ctr">
+            <a:normAutofit/>
+          </a:bodyPr>
+          <a:lstStyle/>
+          <a:p>
+            <a:pPr algn="ctr"/>
+            <a:r>
+              <a:rPr lang="en-US" sz="3600" kern="1200" dirty="0">
+                <a:solidFill>
+                  <a:srgbClr val="FFFFFF"/>
+                </a:solidFill>
+                <a:latin typeface="+mj-lt"/>
+                <a:ea typeface="+mj-ea"/>
+                <a:cs typeface="+mj-cs"/>
+              </a:rPr>
+              <a:t>Relation </a:t>
+            </a:r>
+            <a:r>
+              <a:rPr lang="en-US" sz="3600" kern="1200" dirty="0" err="1">
+                <a:solidFill>
+                  <a:srgbClr val="FFFFFF"/>
+                </a:solidFill>
+                <a:latin typeface="+mj-lt"/>
+                <a:ea typeface="+mj-ea"/>
+                <a:cs typeface="+mj-cs"/>
+              </a:rPr>
+              <a:t>Compte</a:t>
+            </a:r>
+            <a:r>
+              <a:rPr lang="en-US" sz="3600" kern="1200" dirty="0">
+                <a:solidFill>
+                  <a:srgbClr val="FFFFFF"/>
+                </a:solidFill>
+                <a:latin typeface="+mj-lt"/>
+                <a:ea typeface="+mj-ea"/>
+                <a:cs typeface="+mj-cs"/>
+              </a:rPr>
+              <a:t> – </a:t>
+            </a:r>
+            <a:r>
+              <a:rPr lang="en-US" sz="3600" kern="1200" dirty="0" err="1">
+                <a:solidFill>
+                  <a:srgbClr val="FFFFFF"/>
+                </a:solidFill>
+                <a:latin typeface="+mj-lt"/>
+                <a:ea typeface="+mj-ea"/>
+                <a:cs typeface="+mj-cs"/>
+              </a:rPr>
+              <a:t>Personnage</a:t>
+            </a:r>
+            <a:r>
+              <a:rPr lang="en-US" sz="3600" kern="1200" dirty="0">
+                <a:solidFill>
+                  <a:srgbClr val="FFFFFF"/>
+                </a:solidFill>
+                <a:latin typeface="+mj-lt"/>
+                <a:ea typeface="+mj-ea"/>
+                <a:cs typeface="+mj-cs"/>
+              </a:rPr>
+              <a:t> MCD</a:t>
+            </a:r>
+          </a:p>
+        </p:txBody>
+      </p:sp>
+      <p:pic>
+        <p:nvPicPr>
+          <p:cNvPr id="5" name="Image 4">
+            <a:extLst>
+              <a:ext uri="{FF2B5EF4-FFF2-40B4-BE49-F238E27FC236}">
+                <a16:creationId xmlns:a16="http://schemas.microsoft.com/office/drawing/2014/main" id="{4EB8F31A-4BE9-8EF3-C006-F0FF4CE0B16D}"/>
+              </a:ext>
+            </a:extLst>
+          </p:cNvPr>
+          <p:cNvPicPr>
+            <a:picLocks noChangeAspect="1"/>
+          </p:cNvPicPr>
+          <p:nvPr/>
+        </p:nvPicPr>
+        <p:blipFill>
+          <a:blip r:embed="rId2"/>
+          <a:stretch>
+            <a:fillRect/>
+          </a:stretch>
+        </p:blipFill>
+        <p:spPr>
+          <a:xfrm>
+            <a:off x="6430052" y="643466"/>
+            <a:ext cx="3475228" cy="5568739"/>
+          </a:xfrm>
+          <a:prstGeom prst="rect">
+            <a:avLst/>
+          </a:prstGeom>
+        </p:spPr>
+      </p:pic>
+    </p:spTree>
+    <p:extLst>
+      <p:ext uri="{BB962C8B-B14F-4D97-AF65-F5344CB8AC3E}">
+        <p14:creationId xmlns:p14="http://schemas.microsoft.com/office/powerpoint/2010/main" val="3810079580"/>
+      </p:ext>
+    </p:extLst>
+  </p:cSld>
+  <p:clrMapOvr>
+    <a:masterClrMapping/>
+  </p:clrMapOvr>
+</p:sld>
+</file>
+
+<file path=ppt/slides/slide17.xml><?xml version="1.0" encoding="utf-8"?>
+<p:sld xmlns:a="http://schemas.openxmlformats.org/drawingml/2006/main" xmlns:r="http://schemas.openxmlformats.org/officeDocument/2006/relationships" xmlns:p="http://schemas.openxmlformats.org/presentationml/2006/main">
+  <p:cSld>
+    <p:bg>
+      <p:bgPr>
+        <a:solidFill>
+          <a:schemeClr val="bg1"/>
+        </a:solidFill>
+        <a:effectLst/>
+      </p:bgPr>
+    </p:bg>
+    <p:spTree>
+      <p:nvGrpSpPr>
+        <p:cNvPr id="1" name=""/>
+        <p:cNvGrpSpPr/>
+        <p:nvPr/>
+      </p:nvGrpSpPr>
+      <p:grpSpPr>
+        <a:xfrm>
+          <a:off x="0" y="0"/>
+          <a:ext cx="0" cy="0"/>
+          <a:chOff x="0" y="0"/>
+          <a:chExt cx="0" cy="0"/>
+        </a:xfrm>
+      </p:grpSpPr>
       <p:sp useBgFill="1">
         <p:nvSpPr>
           <p:cNvPr id="18" name="Rectangle 17">
@@ -29309,7 +26262,185 @@
 </p:sld>
 </file>
 
-<file path=ppt/slides/slide17.xml><?xml version="1.0" encoding="utf-8"?>
+<file path=ppt/slides/slide18.xml><?xml version="1.0" encoding="utf-8"?>
+<p:sld xmlns:a="http://schemas.openxmlformats.org/drawingml/2006/main" xmlns:r="http://schemas.openxmlformats.org/officeDocument/2006/relationships" xmlns:p="http://schemas.openxmlformats.org/presentationml/2006/main">
+  <p:cSld>
+    <p:bg>
+      <p:bgPr>
+        <a:solidFill>
+          <a:schemeClr val="bg1"/>
+        </a:solidFill>
+        <a:effectLst/>
+      </p:bgPr>
+    </p:bg>
+    <p:spTree>
+      <p:nvGrpSpPr>
+        <p:cNvPr id="1" name=""/>
+        <p:cNvGrpSpPr/>
+        <p:nvPr/>
+      </p:nvGrpSpPr>
+      <p:grpSpPr>
+        <a:xfrm>
+          <a:off x="0" y="0"/>
+          <a:ext cx="0" cy="0"/>
+          <a:chOff x="0" y="0"/>
+          <a:chExt cx="0" cy="0"/>
+        </a:xfrm>
+      </p:grpSpPr>
+      <p:sp>
+        <p:nvSpPr>
+          <p:cNvPr id="29" name="Down Arrow 7">
+            <a:extLst>
+              <a:ext uri="{FF2B5EF4-FFF2-40B4-BE49-F238E27FC236}">
+                <a16:creationId xmlns:a16="http://schemas.microsoft.com/office/drawing/2014/main" id="{D4771268-CB57-404A-9271-370EB28F6090}"/>
+              </a:ext>
+              <a:ext uri="{C183D7F6-B498-43B3-948B-1728B52AA6E4}">
+                <adec:decorative xmlns:adec="http://schemas.microsoft.com/office/drawing/2017/decorative" val="1"/>
+              </a:ext>
+            </a:extLst>
+          </p:cNvPr>
+          <p:cNvSpPr>
+            <a:spLocks noGrp="1" noRot="1" noChangeAspect="1" noMove="1" noResize="1" noEditPoints="1" noAdjustHandles="1" noChangeArrowheads="1" noChangeShapeType="1" noTextEdit="1"/>
+          </p:cNvSpPr>
+          <p:nvPr>
+            <p:extLst>
+              <p:ext uri="{386F3935-93C4-4BCD-93E2-E3B085C9AB24}">
+                <p16:designElem xmlns:p16="http://schemas.microsoft.com/office/powerpoint/2015/main" val="1"/>
+              </p:ext>
+            </p:extLst>
+          </p:nvPr>
+        </p:nvSpPr>
+        <p:spPr>
+          <a:xfrm rot="16200000">
+            <a:off x="800100" y="1491343"/>
+            <a:ext cx="3333749" cy="3499103"/>
+          </a:xfrm>
+          <a:prstGeom prst="downArrow">
+            <a:avLst>
+              <a:gd name="adj1" fmla="val 100000"/>
+              <a:gd name="adj2" fmla="val 15788"/>
+            </a:avLst>
+          </a:prstGeom>
+          <a:solidFill>
+            <a:srgbClr val="404040"/>
+          </a:solidFill>
+          <a:ln w="53975">
+            <a:noFill/>
+          </a:ln>
+        </p:spPr>
+        <p:style>
+          <a:lnRef idx="2">
+            <a:schemeClr val="accent1">
+              <a:shade val="50000"/>
+            </a:schemeClr>
+          </a:lnRef>
+          <a:fillRef idx="1">
+            <a:schemeClr val="accent1"/>
+          </a:fillRef>
+          <a:effectRef idx="0">
+            <a:schemeClr val="accent1"/>
+          </a:effectRef>
+          <a:fontRef idx="minor">
+            <a:schemeClr val="lt1"/>
+          </a:fontRef>
+        </p:style>
+        <p:txBody>
+          <a:bodyPr rtlCol="0" anchor="ctr"/>
+          <a:lstStyle/>
+          <a:p>
+            <a:pPr algn="ctr"/>
+            <a:endParaRPr lang="en-US"/>
+          </a:p>
+        </p:txBody>
+      </p:sp>
+      <p:sp>
+        <p:nvSpPr>
+          <p:cNvPr id="2" name="Titre 1">
+            <a:extLst>
+              <a:ext uri="{FF2B5EF4-FFF2-40B4-BE49-F238E27FC236}">
+                <a16:creationId xmlns:a16="http://schemas.microsoft.com/office/drawing/2014/main" id="{F926A7B0-20B7-F864-7AAD-A2BCEBD65AC1}"/>
+              </a:ext>
+            </a:extLst>
+          </p:cNvPr>
+          <p:cNvSpPr>
+            <a:spLocks noGrp="1"/>
+          </p:cNvSpPr>
+          <p:nvPr>
+            <p:ph type="title"/>
+          </p:nvPr>
+        </p:nvSpPr>
+        <p:spPr>
+          <a:xfrm>
+            <a:off x="1028700" y="1967266"/>
+            <a:ext cx="2628900" cy="2547257"/>
+          </a:xfrm>
+          <a:noFill/>
+        </p:spPr>
+        <p:txBody>
+          <a:bodyPr vert="horz" lIns="91440" tIns="45720" rIns="91440" bIns="45720" rtlCol="0" anchor="ctr">
+            <a:normAutofit/>
+          </a:bodyPr>
+          <a:lstStyle/>
+          <a:p>
+            <a:pPr algn="ctr"/>
+            <a:r>
+              <a:rPr lang="en-US" sz="3600" kern="1200">
+                <a:solidFill>
+                  <a:srgbClr val="FFFFFF"/>
+                </a:solidFill>
+                <a:latin typeface="+mj-lt"/>
+                <a:ea typeface="+mj-ea"/>
+                <a:cs typeface="+mj-cs"/>
+              </a:rPr>
+              <a:t>Relation Compte – Personnage MLD</a:t>
+            </a:r>
+          </a:p>
+        </p:txBody>
+      </p:sp>
+      <p:pic>
+        <p:nvPicPr>
+          <p:cNvPr id="4" name="Image 3">
+            <a:extLst>
+              <a:ext uri="{FF2B5EF4-FFF2-40B4-BE49-F238E27FC236}">
+                <a16:creationId xmlns:a16="http://schemas.microsoft.com/office/drawing/2014/main" id="{F7AE8BAB-D368-790A-5D63-E07CE2472F17}"/>
+              </a:ext>
+            </a:extLst>
+          </p:cNvPr>
+          <p:cNvPicPr>
+            <a:picLocks noChangeAspect="1"/>
+          </p:cNvPicPr>
+          <p:nvPr/>
+        </p:nvPicPr>
+        <p:blipFill>
+          <a:blip r:embed="rId2"/>
+          <a:stretch>
+            <a:fillRect/>
+          </a:stretch>
+        </p:blipFill>
+        <p:spPr>
+          <a:xfrm>
+            <a:off x="6622341" y="643466"/>
+            <a:ext cx="3090649" cy="5568739"/>
+          </a:xfrm>
+          <a:prstGeom prst="rect">
+            <a:avLst/>
+          </a:prstGeom>
+        </p:spPr>
+      </p:pic>
+    </p:spTree>
+    <p:extLst>
+      <p:ext uri="{BB962C8B-B14F-4D97-AF65-F5344CB8AC3E}">
+        <p14:creationId xmlns:p14="http://schemas.microsoft.com/office/powerpoint/2010/main" val="1141910826"/>
+      </p:ext>
+    </p:extLst>
+  </p:cSld>
+  <p:clrMapOvr>
+    <a:masterClrMapping/>
+  </p:clrMapOvr>
+</p:sld>
+</file>
+
+<file path=ppt/slides/slide19.xml><?xml version="1.0" encoding="utf-8"?>
 <p:sld xmlns:a="http://schemas.openxmlformats.org/drawingml/2006/main" xmlns:r="http://schemas.openxmlformats.org/officeDocument/2006/relationships" xmlns:p="http://schemas.openxmlformats.org/presentationml/2006/main">
   <p:cSld>
     <p:bg>
@@ -29836,572 +26967,6 @@
     <p:extLst>
       <p:ext uri="{BB962C8B-B14F-4D97-AF65-F5344CB8AC3E}">
         <p14:creationId xmlns:p14="http://schemas.microsoft.com/office/powerpoint/2010/main" val="283662951"/>
-      </p:ext>
-    </p:extLst>
-  </p:cSld>
-  <p:clrMapOvr>
-    <a:masterClrMapping/>
-  </p:clrMapOvr>
-</p:sld>
-</file>
-
-<file path=ppt/slides/slide18.xml><?xml version="1.0" encoding="utf-8"?>
-<p:sld xmlns:a="http://schemas.openxmlformats.org/drawingml/2006/main" xmlns:r="http://schemas.openxmlformats.org/officeDocument/2006/relationships" xmlns:p="http://schemas.openxmlformats.org/presentationml/2006/main">
-  <p:cSld>
-    <p:spTree>
-      <p:nvGrpSpPr>
-        <p:cNvPr id="1" name=""/>
-        <p:cNvGrpSpPr/>
-        <p:nvPr/>
-      </p:nvGrpSpPr>
-      <p:grpSpPr>
-        <a:xfrm>
-          <a:off x="0" y="0"/>
-          <a:ext cx="0" cy="0"/>
-          <a:chOff x="0" y="0"/>
-          <a:chExt cx="0" cy="0"/>
-        </a:xfrm>
-      </p:grpSpPr>
-      <p:sp>
-        <p:nvSpPr>
-          <p:cNvPr id="2" name="Titre 1">
-            <a:extLst>
-              <a:ext uri="{FF2B5EF4-FFF2-40B4-BE49-F238E27FC236}">
-                <a16:creationId xmlns:a16="http://schemas.microsoft.com/office/drawing/2014/main" id="{CE3AA862-41FF-6C9A-4694-0882A302F983}"/>
-              </a:ext>
-            </a:extLst>
-          </p:cNvPr>
-          <p:cNvSpPr>
-            <a:spLocks noGrp="1"/>
-          </p:cNvSpPr>
-          <p:nvPr>
-            <p:ph type="title"/>
-          </p:nvPr>
-        </p:nvSpPr>
-        <p:spPr/>
-        <p:txBody>
-          <a:bodyPr/>
-          <a:lstStyle/>
-          <a:p>
-            <a:r>
-              <a:rPr lang="fr-FR" dirty="0"/>
-              <a:t>MVP</a:t>
-            </a:r>
-          </a:p>
-        </p:txBody>
-      </p:sp>
-      <p:graphicFrame>
-        <p:nvGraphicFramePr>
-          <p:cNvPr id="4" name="Espace réservé du contenu 3">
-            <a:extLst>
-              <a:ext uri="{FF2B5EF4-FFF2-40B4-BE49-F238E27FC236}">
-                <a16:creationId xmlns:a16="http://schemas.microsoft.com/office/drawing/2014/main" id="{88FEF829-8088-CEC9-01ED-B8B2211310D8}"/>
-              </a:ext>
-            </a:extLst>
-          </p:cNvPr>
-          <p:cNvGraphicFramePr>
-            <a:graphicFrameLocks noGrp="1"/>
-          </p:cNvGraphicFramePr>
-          <p:nvPr>
-            <p:ph idx="1"/>
-            <p:extLst>
-              <p:ext uri="{D42A27DB-BD31-4B8C-83A1-F6EECF244321}">
-                <p14:modId xmlns:p14="http://schemas.microsoft.com/office/powerpoint/2010/main" val="608242022"/>
-              </p:ext>
-            </p:extLst>
-          </p:nvPr>
-        </p:nvGraphicFramePr>
-        <p:xfrm>
-          <a:off x="838200" y="1825625"/>
-          <a:ext cx="10515600" cy="4351338"/>
-        </p:xfrm>
-        <a:graphic>
-          <a:graphicData uri="http://schemas.openxmlformats.org/drawingml/2006/diagram">
-            <dgm:relIds xmlns:dgm="http://schemas.openxmlformats.org/drawingml/2006/diagram" xmlns:r="http://schemas.openxmlformats.org/officeDocument/2006/relationships" r:dm="rId2" r:lo="rId3" r:qs="rId4" r:cs="rId5"/>
-          </a:graphicData>
-        </a:graphic>
-      </p:graphicFrame>
-    </p:spTree>
-    <p:extLst>
-      <p:ext uri="{BB962C8B-B14F-4D97-AF65-F5344CB8AC3E}">
-        <p14:creationId xmlns:p14="http://schemas.microsoft.com/office/powerpoint/2010/main" val="3367905340"/>
-      </p:ext>
-    </p:extLst>
-  </p:cSld>
-  <p:clrMapOvr>
-    <a:masterClrMapping/>
-  </p:clrMapOvr>
-</p:sld>
-</file>
-
-<file path=ppt/slides/slide19.xml><?xml version="1.0" encoding="utf-8"?>
-<p:sld xmlns:a="http://schemas.openxmlformats.org/drawingml/2006/main" xmlns:r="http://schemas.openxmlformats.org/officeDocument/2006/relationships" xmlns:p="http://schemas.openxmlformats.org/presentationml/2006/main">
-  <p:cSld>
-    <p:bg>
-      <p:bgPr>
-        <a:solidFill>
-          <a:schemeClr val="bg1"/>
-        </a:solidFill>
-        <a:effectLst/>
-      </p:bgPr>
-    </p:bg>
-    <p:spTree>
-      <p:nvGrpSpPr>
-        <p:cNvPr id="1" name=""/>
-        <p:cNvGrpSpPr/>
-        <p:nvPr/>
-      </p:nvGrpSpPr>
-      <p:grpSpPr>
-        <a:xfrm>
-          <a:off x="0" y="0"/>
-          <a:ext cx="0" cy="0"/>
-          <a:chOff x="0" y="0"/>
-          <a:chExt cx="0" cy="0"/>
-        </a:xfrm>
-      </p:grpSpPr>
-      <p:sp useBgFill="1">
-        <p:nvSpPr>
-          <p:cNvPr id="14" name="Rectangle 13">
-            <a:extLst>
-              <a:ext uri="{FF2B5EF4-FFF2-40B4-BE49-F238E27FC236}">
-                <a16:creationId xmlns:a16="http://schemas.microsoft.com/office/drawing/2014/main" id="{88263A24-0C1F-4677-B43C-4AE14E276B27}"/>
-              </a:ext>
-              <a:ext uri="{C183D7F6-B498-43B3-948B-1728B52AA6E4}">
-                <adec:decorative xmlns:adec="http://schemas.microsoft.com/office/drawing/2017/decorative" val="1"/>
-              </a:ext>
-            </a:extLst>
-          </p:cNvPr>
-          <p:cNvSpPr>
-            <a:spLocks noGrp="1" noRot="1" noChangeAspect="1" noMove="1" noResize="1" noEditPoints="1" noAdjustHandles="1" noChangeArrowheads="1" noChangeShapeType="1" noTextEdit="1"/>
-          </p:cNvSpPr>
-          <p:nvPr>
-            <p:extLst>
-              <p:ext uri="{386F3935-93C4-4BCD-93E2-E3B085C9AB24}">
-                <p16:designElem xmlns:p16="http://schemas.microsoft.com/office/powerpoint/2015/main" val="1"/>
-              </p:ext>
-            </p:extLst>
-          </p:nvPr>
-        </p:nvSpPr>
-        <p:spPr>
-          <a:xfrm>
-            <a:off x="0" y="0"/>
-            <a:ext cx="12192000" cy="6858000"/>
-          </a:xfrm>
-          <a:prstGeom prst="rect">
-            <a:avLst/>
-          </a:prstGeom>
-          <a:ln>
-            <a:noFill/>
-          </a:ln>
-        </p:spPr>
-        <p:style>
-          <a:lnRef idx="2">
-            <a:schemeClr val="accent1">
-              <a:shade val="50000"/>
-            </a:schemeClr>
-          </a:lnRef>
-          <a:fillRef idx="1">
-            <a:schemeClr val="accent1"/>
-          </a:fillRef>
-          <a:effectRef idx="0">
-            <a:schemeClr val="accent1"/>
-          </a:effectRef>
-          <a:fontRef idx="minor">
-            <a:schemeClr val="lt1"/>
-          </a:fontRef>
-        </p:style>
-        <p:txBody>
-          <a:bodyPr rtlCol="0" anchor="ctr"/>
-          <a:lstStyle/>
-          <a:p>
-            <a:pPr algn="ctr"/>
-            <a:endParaRPr lang="en-US"/>
-          </a:p>
-        </p:txBody>
-      </p:sp>
-      <p:sp useBgFill="1">
-        <p:nvSpPr>
-          <p:cNvPr id="16" name="Rectangle 15">
-            <a:extLst>
-              <a:ext uri="{FF2B5EF4-FFF2-40B4-BE49-F238E27FC236}">
-                <a16:creationId xmlns:a16="http://schemas.microsoft.com/office/drawing/2014/main" id="{0ADDB668-2CA4-4D2B-9C34-3487CA330BA8}"/>
-              </a:ext>
-              <a:ext uri="{C183D7F6-B498-43B3-948B-1728B52AA6E4}">
-                <adec:decorative xmlns:adec="http://schemas.microsoft.com/office/drawing/2017/decorative" val="1"/>
-              </a:ext>
-            </a:extLst>
-          </p:cNvPr>
-          <p:cNvSpPr>
-            <a:spLocks noGrp="1" noRot="1" noChangeAspect="1" noMove="1" noResize="1" noEditPoints="1" noAdjustHandles="1" noChangeArrowheads="1" noChangeShapeType="1" noTextEdit="1"/>
-          </p:cNvSpPr>
-          <p:nvPr>
-            <p:extLst>
-              <p:ext uri="{386F3935-93C4-4BCD-93E2-E3B085C9AB24}">
-                <p16:designElem xmlns:p16="http://schemas.microsoft.com/office/powerpoint/2015/main" val="1"/>
-              </p:ext>
-            </p:extLst>
-          </p:nvPr>
-        </p:nvSpPr>
-        <p:spPr>
-          <a:xfrm>
-            <a:off x="551553" y="304802"/>
-            <a:ext cx="11097349" cy="1573149"/>
-          </a:xfrm>
-          <a:prstGeom prst="rect">
-            <a:avLst/>
-          </a:prstGeom>
-          <a:ln w="12700">
-            <a:solidFill>
-              <a:srgbClr val="DEDEDE"/>
-            </a:solidFill>
-          </a:ln>
-          <a:effectLst>
-            <a:outerShdw blurRad="50800" dist="38100" dir="2700000" algn="tl" rotWithShape="0">
-              <a:schemeClr val="bg2">
-                <a:lumMod val="85000"/>
-                <a:alpha val="50000"/>
-              </a:schemeClr>
-            </a:outerShdw>
-          </a:effectLst>
-        </p:spPr>
-        <p:style>
-          <a:lnRef idx="2">
-            <a:schemeClr val="accent1">
-              <a:shade val="50000"/>
-            </a:schemeClr>
-          </a:lnRef>
-          <a:fillRef idx="1">
-            <a:schemeClr val="accent1"/>
-          </a:fillRef>
-          <a:effectRef idx="0">
-            <a:schemeClr val="accent1"/>
-          </a:effectRef>
-          <a:fontRef idx="minor">
-            <a:schemeClr val="lt1"/>
-          </a:fontRef>
-        </p:style>
-        <p:txBody>
-          <a:bodyPr rtlCol="0" anchor="ctr"/>
-          <a:lstStyle/>
-          <a:p>
-            <a:pPr marL="0" marR="0" lvl="0" indent="0" algn="ctr" defTabSz="914400" rtl="0" eaLnBrk="1" fontAlgn="auto" latinLnBrk="0" hangingPunct="1">
-              <a:lnSpc>
-                <a:spcPct val="100000"/>
-              </a:lnSpc>
-              <a:spcBef>
-                <a:spcPts val="0"/>
-              </a:spcBef>
-              <a:spcAft>
-                <a:spcPts val="0"/>
-              </a:spcAft>
-              <a:buClrTx/>
-              <a:buSzTx/>
-              <a:buFontTx/>
-              <a:buNone/>
-              <a:tabLst/>
-              <a:defRPr/>
-            </a:pPr>
-            <a:endParaRPr kumimoji="0" lang="en-US" sz="1800" b="0" i="0" u="none" strike="noStrike" kern="1200" cap="none" spc="0" normalizeH="0" baseline="0" noProof="0">
-              <a:ln>
-                <a:noFill/>
-              </a:ln>
-              <a:solidFill>
-                <a:prstClr val="white"/>
-              </a:solidFill>
-              <a:effectLst/>
-              <a:uLnTx/>
-              <a:uFillTx/>
-              <a:latin typeface="Calibri" panose="020F0502020204030204"/>
-              <a:ea typeface="+mn-ea"/>
-              <a:cs typeface="+mn-cs"/>
-            </a:endParaRPr>
-          </a:p>
-        </p:txBody>
-      </p:sp>
-      <p:sp>
-        <p:nvSpPr>
-          <p:cNvPr id="2" name="Titre 1">
-            <a:extLst>
-              <a:ext uri="{FF2B5EF4-FFF2-40B4-BE49-F238E27FC236}">
-                <a16:creationId xmlns:a16="http://schemas.microsoft.com/office/drawing/2014/main" id="{4978126B-22DE-BED9-170E-68D595ACA798}"/>
-              </a:ext>
-            </a:extLst>
-          </p:cNvPr>
-          <p:cNvSpPr>
-            <a:spLocks noGrp="1"/>
-          </p:cNvSpPr>
-          <p:nvPr>
-            <p:ph type="title"/>
-          </p:nvPr>
-        </p:nvSpPr>
-        <p:spPr>
-          <a:xfrm>
-            <a:off x="868680" y="405575"/>
-            <a:ext cx="5001768" cy="1371600"/>
-          </a:xfrm>
-        </p:spPr>
-        <p:txBody>
-          <a:bodyPr vert="horz" lIns="91440" tIns="45720" rIns="91440" bIns="45720" rtlCol="0" anchor="ctr">
-            <a:normAutofit/>
-          </a:bodyPr>
-          <a:lstStyle/>
-          <a:p>
-            <a:r>
-              <a:rPr lang="en-US" sz="3600"/>
-              <a:t>Maquettage</a:t>
-            </a:r>
-          </a:p>
-        </p:txBody>
-      </p:sp>
-      <p:sp>
-        <p:nvSpPr>
-          <p:cNvPr id="18" name="Rectangle 17">
-            <a:extLst>
-              <a:ext uri="{FF2B5EF4-FFF2-40B4-BE49-F238E27FC236}">
-                <a16:creationId xmlns:a16="http://schemas.microsoft.com/office/drawing/2014/main" id="{2568BC19-F052-4108-93E1-6A3D1DEC072F}"/>
-              </a:ext>
-              <a:ext uri="{C183D7F6-B498-43B3-948B-1728B52AA6E4}">
-                <adec:decorative xmlns:adec="http://schemas.microsoft.com/office/drawing/2017/decorative" val="1"/>
-              </a:ext>
-            </a:extLst>
-          </p:cNvPr>
-          <p:cNvSpPr>
-            <a:spLocks noGrp="1" noRot="1" noChangeAspect="1" noMove="1" noResize="1" noEditPoints="1" noAdjustHandles="1" noChangeArrowheads="1" noChangeShapeType="1" noTextEdit="1"/>
-          </p:cNvSpPr>
-          <p:nvPr>
-            <p:extLst>
-              <p:ext uri="{386F3935-93C4-4BCD-93E2-E3B085C9AB24}">
-                <p16:designElem xmlns:p16="http://schemas.microsoft.com/office/powerpoint/2015/main" val="1"/>
-              </p:ext>
-            </p:extLst>
-          </p:nvPr>
-        </p:nvSpPr>
-        <p:spPr>
-          <a:xfrm>
-            <a:off x="494784" y="764424"/>
-            <a:ext cx="128016" cy="653903"/>
-          </a:xfrm>
-          <a:prstGeom prst="rect">
-            <a:avLst/>
-          </a:prstGeom>
-          <a:solidFill>
-            <a:schemeClr val="accent2"/>
-          </a:solidFill>
-          <a:ln>
-            <a:noFill/>
-          </a:ln>
-        </p:spPr>
-        <p:style>
-          <a:lnRef idx="2">
-            <a:schemeClr val="accent1">
-              <a:shade val="50000"/>
-            </a:schemeClr>
-          </a:lnRef>
-          <a:fillRef idx="1">
-            <a:schemeClr val="accent1"/>
-          </a:fillRef>
-          <a:effectRef idx="0">
-            <a:schemeClr val="accent1"/>
-          </a:effectRef>
-          <a:fontRef idx="minor">
-            <a:schemeClr val="lt1"/>
-          </a:fontRef>
-        </p:style>
-        <p:txBody>
-          <a:bodyPr rtlCol="0" anchor="ctr"/>
-          <a:lstStyle/>
-          <a:p>
-            <a:pPr marL="0" marR="0" lvl="0" indent="0" algn="ctr" defTabSz="914400" rtl="0" eaLnBrk="1" fontAlgn="auto" latinLnBrk="0" hangingPunct="1">
-              <a:lnSpc>
-                <a:spcPct val="100000"/>
-              </a:lnSpc>
-              <a:spcBef>
-                <a:spcPts val="0"/>
-              </a:spcBef>
-              <a:spcAft>
-                <a:spcPts val="0"/>
-              </a:spcAft>
-              <a:buClrTx/>
-              <a:buSzTx/>
-              <a:buFontTx/>
-              <a:buNone/>
-              <a:tabLst/>
-              <a:defRPr/>
-            </a:pPr>
-            <a:endParaRPr kumimoji="0" lang="en-US" sz="1800" b="0" i="0" u="none" strike="noStrike" kern="1200" cap="none" spc="0" normalizeH="0" baseline="0" noProof="0">
-              <a:ln>
-                <a:noFill/>
-              </a:ln>
-              <a:solidFill>
-                <a:prstClr val="white"/>
-              </a:solidFill>
-              <a:effectLst/>
-              <a:uLnTx/>
-              <a:uFillTx/>
-              <a:latin typeface="Calibri" panose="020F0502020204030204"/>
-              <a:ea typeface="+mn-ea"/>
-              <a:cs typeface="+mn-cs"/>
-            </a:endParaRPr>
-          </a:p>
-        </p:txBody>
-      </p:sp>
-      <p:sp>
-        <p:nvSpPr>
-          <p:cNvPr id="20" name="Rectangle 19">
-            <a:extLst>
-              <a:ext uri="{FF2B5EF4-FFF2-40B4-BE49-F238E27FC236}">
-                <a16:creationId xmlns:a16="http://schemas.microsoft.com/office/drawing/2014/main" id="{D5FD337D-4D6B-4C8B-B6F5-121097E09881}"/>
-              </a:ext>
-              <a:ext uri="{C183D7F6-B498-43B3-948B-1728B52AA6E4}">
-                <adec:decorative xmlns:adec="http://schemas.microsoft.com/office/drawing/2017/decorative" val="1"/>
-              </a:ext>
-            </a:extLst>
-          </p:cNvPr>
-          <p:cNvSpPr>
-            <a:spLocks noGrp="1" noRot="1" noChangeAspect="1" noMove="1" noResize="1" noEditPoints="1" noAdjustHandles="1" noChangeArrowheads="1" noChangeShapeType="1" noTextEdit="1"/>
-          </p:cNvSpPr>
-          <p:nvPr>
-            <p:extLst>
-              <p:ext uri="{386F3935-93C4-4BCD-93E2-E3B085C9AB24}">
-                <p16:designElem xmlns:p16="http://schemas.microsoft.com/office/powerpoint/2015/main" val="1"/>
-              </p:ext>
-            </p:extLst>
-          </p:nvPr>
-        </p:nvSpPr>
-        <p:spPr>
-          <a:xfrm rot="5400000">
-            <a:off x="5586984" y="1071836"/>
-            <a:ext cx="1021458" cy="9144"/>
-          </a:xfrm>
-          <a:prstGeom prst="rect">
-            <a:avLst/>
-          </a:prstGeom>
-          <a:solidFill>
-            <a:srgbClr val="D5D5D5"/>
-          </a:solidFill>
-          <a:ln w="3175">
-            <a:noFill/>
-          </a:ln>
-          <a:effectLst/>
-        </p:spPr>
-        <p:style>
-          <a:lnRef idx="2">
-            <a:schemeClr val="accent1">
-              <a:shade val="50000"/>
-            </a:schemeClr>
-          </a:lnRef>
-          <a:fillRef idx="1">
-            <a:schemeClr val="accent1"/>
-          </a:fillRef>
-          <a:effectRef idx="0">
-            <a:schemeClr val="accent1"/>
-          </a:effectRef>
-          <a:fontRef idx="minor">
-            <a:schemeClr val="lt1"/>
-          </a:fontRef>
-        </p:style>
-        <p:txBody>
-          <a:bodyPr rtlCol="0" anchor="ctr"/>
-          <a:lstStyle/>
-          <a:p>
-            <a:pPr marL="0" marR="0" lvl="0" indent="0" algn="ctr" defTabSz="914400" rtl="0" eaLnBrk="1" fontAlgn="auto" latinLnBrk="0" hangingPunct="1">
-              <a:lnSpc>
-                <a:spcPct val="100000"/>
-              </a:lnSpc>
-              <a:spcBef>
-                <a:spcPts val="0"/>
-              </a:spcBef>
-              <a:spcAft>
-                <a:spcPts val="0"/>
-              </a:spcAft>
-              <a:buClrTx/>
-              <a:buSzTx/>
-              <a:buFontTx/>
-              <a:buNone/>
-              <a:tabLst/>
-              <a:defRPr/>
-            </a:pPr>
-            <a:endParaRPr kumimoji="0" lang="en-US" sz="1800" b="0" i="0" u="none" strike="noStrike" kern="1200" cap="none" spc="0" normalizeH="0" baseline="0" noProof="0">
-              <a:ln>
-                <a:noFill/>
-              </a:ln>
-              <a:solidFill>
-                <a:prstClr val="white"/>
-              </a:solidFill>
-              <a:effectLst/>
-              <a:uLnTx/>
-              <a:uFillTx/>
-              <a:latin typeface="Calibri" panose="020F0502020204030204"/>
-              <a:ea typeface="+mn-ea"/>
-              <a:cs typeface="+mn-cs"/>
-            </a:endParaRPr>
-          </a:p>
-        </p:txBody>
-      </p:sp>
-      <p:pic>
-        <p:nvPicPr>
-          <p:cNvPr id="9" name="Image 8">
-            <a:extLst>
-              <a:ext uri="{FF2B5EF4-FFF2-40B4-BE49-F238E27FC236}">
-                <a16:creationId xmlns:a16="http://schemas.microsoft.com/office/drawing/2014/main" id="{29911FA0-D31E-FEBE-7EC2-B92933A883A0}"/>
-              </a:ext>
-            </a:extLst>
-          </p:cNvPr>
-          <p:cNvPicPr>
-            <a:picLocks noChangeAspect="1"/>
-          </p:cNvPicPr>
-          <p:nvPr/>
-        </p:nvPicPr>
-        <p:blipFill>
-          <a:blip r:embed="rId2"/>
-          <a:stretch>
-            <a:fillRect/>
-          </a:stretch>
-        </p:blipFill>
-        <p:spPr>
-          <a:xfrm>
-            <a:off x="1022492" y="2091095"/>
-            <a:ext cx="4484668" cy="4206240"/>
-          </a:xfrm>
-          <a:prstGeom prst="rect">
-            <a:avLst/>
-          </a:prstGeom>
-        </p:spPr>
-      </p:pic>
-      <p:pic>
-        <p:nvPicPr>
-          <p:cNvPr id="5" name="Image 4">
-            <a:extLst>
-              <a:ext uri="{FF2B5EF4-FFF2-40B4-BE49-F238E27FC236}">
-                <a16:creationId xmlns:a16="http://schemas.microsoft.com/office/drawing/2014/main" id="{58B79614-CB7F-00D7-A8AE-71C7A7A274D4}"/>
-              </a:ext>
-            </a:extLst>
-          </p:cNvPr>
-          <p:cNvPicPr>
-            <a:picLocks noChangeAspect="1"/>
-          </p:cNvPicPr>
-          <p:nvPr/>
-        </p:nvPicPr>
-        <p:blipFill>
-          <a:blip r:embed="rId3"/>
-          <a:stretch>
-            <a:fillRect/>
-          </a:stretch>
-        </p:blipFill>
-        <p:spPr>
-          <a:xfrm>
-            <a:off x="6211408" y="2089099"/>
-            <a:ext cx="5431536" cy="4200204"/>
-          </a:xfrm>
-          <a:prstGeom prst="rect">
-            <a:avLst/>
-          </a:prstGeom>
-        </p:spPr>
-      </p:pic>
-    </p:spTree>
-    <p:extLst>
-      <p:ext uri="{BB962C8B-B14F-4D97-AF65-F5344CB8AC3E}">
-        <p14:creationId xmlns:p14="http://schemas.microsoft.com/office/powerpoint/2010/main" val="3714856750"/>
       </p:ext>
     </p:extLst>
   </p:cSld>
@@ -31042,6 +27607,3145 @@
           <a:chExt cx="0" cy="0"/>
         </a:xfrm>
       </p:grpSpPr>
+      <p:sp useBgFill="1">
+        <p:nvSpPr>
+          <p:cNvPr id="12" name="Rectangle 11">
+            <a:extLst>
+              <a:ext uri="{FF2B5EF4-FFF2-40B4-BE49-F238E27FC236}">
+                <a16:creationId xmlns:a16="http://schemas.microsoft.com/office/drawing/2014/main" id="{53F29798-D584-4792-9B62-3F5F5C36D619}"/>
+              </a:ext>
+              <a:ext uri="{C183D7F6-B498-43B3-948B-1728B52AA6E4}">
+                <adec:decorative xmlns:adec="http://schemas.microsoft.com/office/drawing/2017/decorative" val="1"/>
+              </a:ext>
+            </a:extLst>
+          </p:cNvPr>
+          <p:cNvSpPr>
+            <a:spLocks noGrp="1" noRot="1" noChangeAspect="1" noMove="1" noResize="1" noEditPoints="1" noAdjustHandles="1" noChangeArrowheads="1" noChangeShapeType="1" noTextEdit="1"/>
+          </p:cNvSpPr>
+          <p:nvPr>
+            <p:extLst>
+              <p:ext uri="{386F3935-93C4-4BCD-93E2-E3B085C9AB24}">
+                <p16:designElem xmlns:p16="http://schemas.microsoft.com/office/powerpoint/2015/main" val="1"/>
+              </p:ext>
+            </p:extLst>
+          </p:nvPr>
+        </p:nvSpPr>
+        <p:spPr>
+          <a:xfrm>
+            <a:off x="0" y="0"/>
+            <a:ext cx="12188952" cy="6858000"/>
+          </a:xfrm>
+          <a:prstGeom prst="rect">
+            <a:avLst/>
+          </a:prstGeom>
+          <a:ln>
+            <a:noFill/>
+          </a:ln>
+        </p:spPr>
+        <p:style>
+          <a:lnRef idx="2">
+            <a:schemeClr val="accent1">
+              <a:shade val="50000"/>
+            </a:schemeClr>
+          </a:lnRef>
+          <a:fillRef idx="1">
+            <a:schemeClr val="accent1"/>
+          </a:fillRef>
+          <a:effectRef idx="0">
+            <a:schemeClr val="accent1"/>
+          </a:effectRef>
+          <a:fontRef idx="minor">
+            <a:schemeClr val="lt1"/>
+          </a:fontRef>
+        </p:style>
+        <p:txBody>
+          <a:bodyPr rtlCol="0" anchor="ctr"/>
+          <a:lstStyle/>
+          <a:p>
+            <a:pPr algn="ctr"/>
+            <a:endParaRPr lang="en-US"/>
+          </a:p>
+        </p:txBody>
+      </p:sp>
+      <p:sp>
+        <p:nvSpPr>
+          <p:cNvPr id="2" name="Titre 1">
+            <a:extLst>
+              <a:ext uri="{FF2B5EF4-FFF2-40B4-BE49-F238E27FC236}">
+                <a16:creationId xmlns:a16="http://schemas.microsoft.com/office/drawing/2014/main" id="{CE3AA862-41FF-6C9A-4694-0882A302F983}"/>
+              </a:ext>
+            </a:extLst>
+          </p:cNvPr>
+          <p:cNvSpPr>
+            <a:spLocks noGrp="1"/>
+          </p:cNvSpPr>
+          <p:nvPr>
+            <p:ph type="title"/>
+          </p:nvPr>
+        </p:nvSpPr>
+        <p:spPr>
+          <a:xfrm>
+            <a:off x="838200" y="184805"/>
+            <a:ext cx="10515600" cy="1505883"/>
+          </a:xfrm>
+        </p:spPr>
+        <p:txBody>
+          <a:bodyPr vert="horz" lIns="91440" tIns="45720" rIns="91440" bIns="45720" rtlCol="0" anchor="ctr">
+            <a:normAutofit/>
+          </a:bodyPr>
+          <a:lstStyle/>
+          <a:p>
+            <a:r>
+              <a:rPr lang="en-US" sz="5200" kern="1200">
+                <a:solidFill>
+                  <a:schemeClr val="tx1"/>
+                </a:solidFill>
+                <a:latin typeface="+mj-lt"/>
+                <a:ea typeface="+mj-ea"/>
+                <a:cs typeface="+mj-cs"/>
+              </a:rPr>
+              <a:t>MVP</a:t>
+            </a:r>
+          </a:p>
+        </p:txBody>
+      </p:sp>
+      <p:pic>
+        <p:nvPicPr>
+          <p:cNvPr id="7" name="Image 6">
+            <a:extLst>
+              <a:ext uri="{FF2B5EF4-FFF2-40B4-BE49-F238E27FC236}">
+                <a16:creationId xmlns:a16="http://schemas.microsoft.com/office/drawing/2014/main" id="{7F9B2AED-B8F9-964F-0040-F1913AF48016}"/>
+              </a:ext>
+            </a:extLst>
+          </p:cNvPr>
+          <p:cNvPicPr>
+            <a:picLocks noChangeAspect="1"/>
+          </p:cNvPicPr>
+          <p:nvPr/>
+        </p:nvPicPr>
+        <p:blipFill>
+          <a:blip r:embed="rId2"/>
+          <a:stretch>
+            <a:fillRect/>
+          </a:stretch>
+        </p:blipFill>
+        <p:spPr>
+          <a:xfrm>
+            <a:off x="838200" y="2007490"/>
+            <a:ext cx="10512547" cy="4126175"/>
+          </a:xfrm>
+          <a:prstGeom prst="rect">
+            <a:avLst/>
+          </a:prstGeom>
+        </p:spPr>
+      </p:pic>
+    </p:spTree>
+    <p:extLst>
+      <p:ext uri="{BB962C8B-B14F-4D97-AF65-F5344CB8AC3E}">
+        <p14:creationId xmlns:p14="http://schemas.microsoft.com/office/powerpoint/2010/main" val="3367905340"/>
+      </p:ext>
+    </p:extLst>
+  </p:cSld>
+  <p:clrMapOvr>
+    <a:masterClrMapping/>
+  </p:clrMapOvr>
+</p:sld>
+</file>
+
+<file path=ppt/slides/slide21.xml><?xml version="1.0" encoding="utf-8"?>
+<p:sld xmlns:a="http://schemas.openxmlformats.org/drawingml/2006/main" xmlns:r="http://schemas.openxmlformats.org/officeDocument/2006/relationships" xmlns:p="http://schemas.openxmlformats.org/presentationml/2006/main">
+  <p:cSld>
+    <p:bg>
+      <p:bgPr>
+        <a:solidFill>
+          <a:schemeClr val="bg1"/>
+        </a:solidFill>
+        <a:effectLst/>
+      </p:bgPr>
+    </p:bg>
+    <p:spTree>
+      <p:nvGrpSpPr>
+        <p:cNvPr id="1" name=""/>
+        <p:cNvGrpSpPr/>
+        <p:nvPr/>
+      </p:nvGrpSpPr>
+      <p:grpSpPr>
+        <a:xfrm>
+          <a:off x="0" y="0"/>
+          <a:ext cx="0" cy="0"/>
+          <a:chOff x="0" y="0"/>
+          <a:chExt cx="0" cy="0"/>
+        </a:xfrm>
+      </p:grpSpPr>
+      <p:sp useBgFill="1">
+        <p:nvSpPr>
+          <p:cNvPr id="30" name="Rectangle 29">
+            <a:extLst>
+              <a:ext uri="{FF2B5EF4-FFF2-40B4-BE49-F238E27FC236}">
+                <a16:creationId xmlns:a16="http://schemas.microsoft.com/office/drawing/2014/main" id="{A8384FB5-9ADC-4DDC-881B-597D56F5B15D}"/>
+              </a:ext>
+              <a:ext uri="{C183D7F6-B498-43B3-948B-1728B52AA6E4}">
+                <adec:decorative xmlns:adec="http://schemas.microsoft.com/office/drawing/2017/decorative" val="1"/>
+              </a:ext>
+            </a:extLst>
+          </p:cNvPr>
+          <p:cNvSpPr>
+            <a:spLocks noGrp="1" noRot="1" noChangeAspect="1" noMove="1" noResize="1" noEditPoints="1" noAdjustHandles="1" noChangeArrowheads="1" noChangeShapeType="1" noTextEdit="1"/>
+          </p:cNvSpPr>
+          <p:nvPr>
+            <p:extLst>
+              <p:ext uri="{386F3935-93C4-4BCD-93E2-E3B085C9AB24}">
+                <p16:designElem xmlns:p16="http://schemas.microsoft.com/office/powerpoint/2015/main" val="1"/>
+              </p:ext>
+            </p:extLst>
+          </p:nvPr>
+        </p:nvSpPr>
+        <p:spPr>
+          <a:xfrm>
+            <a:off x="0" y="0"/>
+            <a:ext cx="12192000" cy="6858000"/>
+          </a:xfrm>
+          <a:prstGeom prst="rect">
+            <a:avLst/>
+          </a:prstGeom>
+          <a:ln w="12700" cap="flat" cmpd="sng" algn="ctr">
+            <a:noFill/>
+            <a:prstDash val="solid"/>
+            <a:miter lim="800000"/>
+          </a:ln>
+          <a:effectLst/>
+          <a:extLst>
+            <a:ext uri="{91240B29-F687-4F45-9708-019B960494DF}">
+              <a14:hiddenLine xmlns:a14="http://schemas.microsoft.com/office/drawing/2010/main" w="12700" cap="flat" cmpd="sng" algn="ctr">
+                <a:solidFill>
+                  <a:schemeClr val="accent1">
+                    <a:shade val="50000"/>
+                  </a:schemeClr>
+                </a:solidFill>
+                <a:prstDash val="solid"/>
+                <a:miter lim="800000"/>
+              </a14:hiddenLine>
+            </a:ext>
+          </a:extLst>
+        </p:spPr>
+        <p:style>
+          <a:lnRef idx="2">
+            <a:schemeClr val="accent1">
+              <a:shade val="50000"/>
+            </a:schemeClr>
+          </a:lnRef>
+          <a:fillRef idx="1">
+            <a:schemeClr val="accent1"/>
+          </a:fillRef>
+          <a:effectRef idx="0">
+            <a:schemeClr val="accent1"/>
+          </a:effectRef>
+          <a:fontRef idx="minor">
+            <a:schemeClr val="lt1"/>
+          </a:fontRef>
+        </p:style>
+        <p:txBody>
+          <a:bodyPr rtlCol="0" anchor="ctr"/>
+          <a:lstStyle/>
+          <a:p>
+            <a:pPr algn="ctr"/>
+            <a:endParaRPr lang="en-US"/>
+          </a:p>
+        </p:txBody>
+      </p:sp>
+      <p:sp>
+        <p:nvSpPr>
+          <p:cNvPr id="32" name="Rectangle 31">
+            <a:extLst>
+              <a:ext uri="{FF2B5EF4-FFF2-40B4-BE49-F238E27FC236}">
+                <a16:creationId xmlns:a16="http://schemas.microsoft.com/office/drawing/2014/main" id="{91E5A9A7-95C6-4F4F-B00E-C82E07FE62EF}"/>
+              </a:ext>
+              <a:ext uri="{C183D7F6-B498-43B3-948B-1728B52AA6E4}">
+                <adec:decorative xmlns:adec="http://schemas.microsoft.com/office/drawing/2017/decorative" val="1"/>
+              </a:ext>
+            </a:extLst>
+          </p:cNvPr>
+          <p:cNvSpPr>
+            <a:spLocks noGrp="1" noRot="1" noChangeAspect="1" noMove="1" noResize="1" noEditPoints="1" noAdjustHandles="1" noChangeArrowheads="1" noChangeShapeType="1" noTextEdit="1"/>
+          </p:cNvSpPr>
+          <p:nvPr>
+            <p:extLst>
+              <p:ext uri="{386F3935-93C4-4BCD-93E2-E3B085C9AB24}">
+                <p16:designElem xmlns:p16="http://schemas.microsoft.com/office/powerpoint/2015/main" val="1"/>
+              </p:ext>
+            </p:extLst>
+          </p:nvPr>
+        </p:nvSpPr>
+        <p:spPr>
+          <a:xfrm rot="5400000" flipH="1">
+            <a:off x="-1417539" y="1417538"/>
+            <a:ext cx="6875818" cy="4040744"/>
+          </a:xfrm>
+          <a:prstGeom prst="rect">
+            <a:avLst/>
+          </a:prstGeom>
+          <a:gradFill>
+            <a:gsLst>
+              <a:gs pos="0">
+                <a:srgbClr val="000000"/>
+              </a:gs>
+              <a:gs pos="100000">
+                <a:schemeClr val="accent1">
+                  <a:lumMod val="75000"/>
+                </a:schemeClr>
+              </a:gs>
+            </a:gsLst>
+            <a:lin ang="18600000" scaled="0"/>
+          </a:gradFill>
+          <a:ln>
+            <a:noFill/>
+          </a:ln>
+        </p:spPr>
+        <p:style>
+          <a:lnRef idx="2">
+            <a:schemeClr val="accent1">
+              <a:shade val="50000"/>
+            </a:schemeClr>
+          </a:lnRef>
+          <a:fillRef idx="1">
+            <a:schemeClr val="accent1"/>
+          </a:fillRef>
+          <a:effectRef idx="0">
+            <a:schemeClr val="accent1"/>
+          </a:effectRef>
+          <a:fontRef idx="minor">
+            <a:schemeClr val="lt1"/>
+          </a:fontRef>
+        </p:style>
+        <p:txBody>
+          <a:bodyPr rtlCol="0" anchor="ctr"/>
+          <a:lstStyle/>
+          <a:p>
+            <a:pPr algn="ctr"/>
+            <a:endParaRPr lang="en-US" dirty="0"/>
+          </a:p>
+        </p:txBody>
+      </p:sp>
+      <p:sp>
+        <p:nvSpPr>
+          <p:cNvPr id="34" name="Rectangle 33">
+            <a:extLst>
+              <a:ext uri="{FF2B5EF4-FFF2-40B4-BE49-F238E27FC236}">
+                <a16:creationId xmlns:a16="http://schemas.microsoft.com/office/drawing/2014/main" id="{D07DD2DE-F619-49DD-B5E7-03A290FF4ED1}"/>
+              </a:ext>
+              <a:ext uri="{C183D7F6-B498-43B3-948B-1728B52AA6E4}">
+                <adec:decorative xmlns:adec="http://schemas.microsoft.com/office/drawing/2017/decorative" val="1"/>
+              </a:ext>
+            </a:extLst>
+          </p:cNvPr>
+          <p:cNvSpPr>
+            <a:spLocks noGrp="1" noRot="1" noChangeAspect="1" noMove="1" noResize="1" noEditPoints="1" noAdjustHandles="1" noChangeArrowheads="1" noChangeShapeType="1" noTextEdit="1"/>
+          </p:cNvSpPr>
+          <p:nvPr>
+            <p:extLst>
+              <p:ext uri="{386F3935-93C4-4BCD-93E2-E3B085C9AB24}">
+                <p16:designElem xmlns:p16="http://schemas.microsoft.com/office/powerpoint/2015/main" val="1"/>
+              </p:ext>
+            </p:extLst>
+          </p:nvPr>
+        </p:nvSpPr>
+        <p:spPr>
+          <a:xfrm rot="16200000">
+            <a:off x="-158495" y="2660473"/>
+            <a:ext cx="4355594" cy="4038603"/>
+          </a:xfrm>
+          <a:prstGeom prst="rect">
+            <a:avLst/>
+          </a:prstGeom>
+          <a:gradFill>
+            <a:gsLst>
+              <a:gs pos="0">
+                <a:schemeClr val="accent1">
+                  <a:alpha val="50000"/>
+                </a:schemeClr>
+              </a:gs>
+              <a:gs pos="100000">
+                <a:schemeClr val="accent1">
+                  <a:lumMod val="50000"/>
+                  <a:alpha val="0"/>
+                </a:schemeClr>
+              </a:gs>
+            </a:gsLst>
+            <a:lin ang="11400000" scaled="0"/>
+          </a:gradFill>
+          <a:ln>
+            <a:noFill/>
+          </a:ln>
+        </p:spPr>
+        <p:style>
+          <a:lnRef idx="2">
+            <a:schemeClr val="accent1">
+              <a:shade val="50000"/>
+            </a:schemeClr>
+          </a:lnRef>
+          <a:fillRef idx="1">
+            <a:schemeClr val="accent1"/>
+          </a:fillRef>
+          <a:effectRef idx="0">
+            <a:schemeClr val="accent1"/>
+          </a:effectRef>
+          <a:fontRef idx="minor">
+            <a:schemeClr val="lt1"/>
+          </a:fontRef>
+        </p:style>
+        <p:txBody>
+          <a:bodyPr rtlCol="0" anchor="ctr"/>
+          <a:lstStyle/>
+          <a:p>
+            <a:pPr algn="ctr"/>
+            <a:endParaRPr lang="en-US"/>
+          </a:p>
+        </p:txBody>
+      </p:sp>
+      <p:sp>
+        <p:nvSpPr>
+          <p:cNvPr id="36" name="Rectangle 35">
+            <a:extLst>
+              <a:ext uri="{FF2B5EF4-FFF2-40B4-BE49-F238E27FC236}">
+                <a16:creationId xmlns:a16="http://schemas.microsoft.com/office/drawing/2014/main" id="{85149191-5F60-4A28-AAFF-039F96B0F3EC}"/>
+              </a:ext>
+              <a:ext uri="{C183D7F6-B498-43B3-948B-1728B52AA6E4}">
+                <adec:decorative xmlns:adec="http://schemas.microsoft.com/office/drawing/2017/decorative" val="1"/>
+              </a:ext>
+            </a:extLst>
+          </p:cNvPr>
+          <p:cNvSpPr>
+            <a:spLocks noGrp="1" noRot="1" noChangeAspect="1" noMove="1" noResize="1" noEditPoints="1" noAdjustHandles="1" noChangeArrowheads="1" noChangeShapeType="1" noTextEdit="1"/>
+          </p:cNvSpPr>
+          <p:nvPr>
+            <p:extLst>
+              <p:ext uri="{386F3935-93C4-4BCD-93E2-E3B085C9AB24}">
+                <p16:designElem xmlns:p16="http://schemas.microsoft.com/office/powerpoint/2015/main" val="1"/>
+              </p:ext>
+            </p:extLst>
+          </p:nvPr>
+        </p:nvSpPr>
+        <p:spPr>
+          <a:xfrm rot="16200000" flipH="1">
+            <a:off x="-1180882" y="1638085"/>
+            <a:ext cx="6857572" cy="3581401"/>
+          </a:xfrm>
+          <a:prstGeom prst="rect">
+            <a:avLst/>
+          </a:prstGeom>
+          <a:gradFill>
+            <a:gsLst>
+              <a:gs pos="0">
+                <a:srgbClr val="000000">
+                  <a:alpha val="59000"/>
+                </a:srgbClr>
+              </a:gs>
+              <a:gs pos="69000">
+                <a:schemeClr val="accent1">
+                  <a:alpha val="0"/>
+                </a:schemeClr>
+              </a:gs>
+            </a:gsLst>
+            <a:lin ang="13200000" scaled="0"/>
+          </a:gradFill>
+          <a:ln>
+            <a:noFill/>
+          </a:ln>
+        </p:spPr>
+        <p:style>
+          <a:lnRef idx="2">
+            <a:schemeClr val="accent1">
+              <a:shade val="50000"/>
+            </a:schemeClr>
+          </a:lnRef>
+          <a:fillRef idx="1">
+            <a:schemeClr val="accent1"/>
+          </a:fillRef>
+          <a:effectRef idx="0">
+            <a:schemeClr val="accent1"/>
+          </a:effectRef>
+          <a:fontRef idx="minor">
+            <a:schemeClr val="lt1"/>
+          </a:fontRef>
+        </p:style>
+        <p:txBody>
+          <a:bodyPr rtlCol="0" anchor="ctr"/>
+          <a:lstStyle/>
+          <a:p>
+            <a:pPr algn="ctr"/>
+            <a:endParaRPr lang="en-US" dirty="0"/>
+          </a:p>
+        </p:txBody>
+      </p:sp>
+      <p:sp>
+        <p:nvSpPr>
+          <p:cNvPr id="38" name="Freeform: Shape 37">
+            <a:extLst>
+              <a:ext uri="{FF2B5EF4-FFF2-40B4-BE49-F238E27FC236}">
+                <a16:creationId xmlns:a16="http://schemas.microsoft.com/office/drawing/2014/main" id="{F8260ED5-17F7-4158-B241-D51DD4CF1B7E}"/>
+              </a:ext>
+              <a:ext uri="{C183D7F6-B498-43B3-948B-1728B52AA6E4}">
+                <adec:decorative xmlns:adec="http://schemas.microsoft.com/office/drawing/2017/decorative" val="1"/>
+              </a:ext>
+            </a:extLst>
+          </p:cNvPr>
+          <p:cNvSpPr>
+            <a:spLocks noGrp="1" noRot="1" noChangeAspect="1" noMove="1" noResize="1" noEditPoints="1" noAdjustHandles="1" noChangeArrowheads="1" noChangeShapeType="1" noTextEdit="1"/>
+          </p:cNvSpPr>
+          <p:nvPr>
+            <p:extLst>
+              <p:ext uri="{386F3935-93C4-4BCD-93E2-E3B085C9AB24}">
+                <p16:designElem xmlns:p16="http://schemas.microsoft.com/office/powerpoint/2015/main" val="1"/>
+              </p:ext>
+            </p:extLst>
+          </p:nvPr>
+        </p:nvSpPr>
+        <p:spPr>
+          <a:xfrm rot="6097846">
+            <a:off x="-747355" y="1201312"/>
+            <a:ext cx="4808302" cy="4088666"/>
+          </a:xfrm>
+          <a:custGeom>
+            <a:avLst/>
+            <a:gdLst>
+              <a:gd name="connsiteX0" fmla="*/ 48844 w 4808302"/>
+              <a:gd name="connsiteY0" fmla="*/ 2888671 h 4088666"/>
+              <a:gd name="connsiteX1" fmla="*/ 0 w 4808302"/>
+              <a:gd name="connsiteY1" fmla="*/ 2404151 h 4088666"/>
+              <a:gd name="connsiteX2" fmla="*/ 2404151 w 4808302"/>
+              <a:gd name="connsiteY2" fmla="*/ 0 h 4088666"/>
+              <a:gd name="connsiteX3" fmla="*/ 4808302 w 4808302"/>
+              <a:gd name="connsiteY3" fmla="*/ 2404151 h 4088666"/>
+              <a:gd name="connsiteX4" fmla="*/ 4700216 w 4808302"/>
+              <a:gd name="connsiteY4" fmla="*/ 3119072 h 4088666"/>
+              <a:gd name="connsiteX5" fmla="*/ 4643143 w 4808302"/>
+              <a:gd name="connsiteY5" fmla="*/ 3275009 h 4088666"/>
+              <a:gd name="connsiteX6" fmla="*/ 690093 w 4808302"/>
+              <a:gd name="connsiteY6" fmla="*/ 4088666 h 4088666"/>
+              <a:gd name="connsiteX7" fmla="*/ 548991 w 4808302"/>
+              <a:gd name="connsiteY7" fmla="*/ 3933414 h 4088666"/>
+              <a:gd name="connsiteX8" fmla="*/ 48844 w 4808302"/>
+              <a:gd name="connsiteY8" fmla="*/ 2888671 h 4088666"/>
+            </a:gdLst>
+            <a:ahLst/>
+            <a:cxnLst>
+              <a:cxn ang="0">
+                <a:pos x="connsiteX0" y="connsiteY0"/>
+              </a:cxn>
+              <a:cxn ang="0">
+                <a:pos x="connsiteX1" y="connsiteY1"/>
+              </a:cxn>
+              <a:cxn ang="0">
+                <a:pos x="connsiteX2" y="connsiteY2"/>
+              </a:cxn>
+              <a:cxn ang="0">
+                <a:pos x="connsiteX3" y="connsiteY3"/>
+              </a:cxn>
+              <a:cxn ang="0">
+                <a:pos x="connsiteX4" y="connsiteY4"/>
+              </a:cxn>
+              <a:cxn ang="0">
+                <a:pos x="connsiteX5" y="connsiteY5"/>
+              </a:cxn>
+              <a:cxn ang="0">
+                <a:pos x="connsiteX6" y="connsiteY6"/>
+              </a:cxn>
+              <a:cxn ang="0">
+                <a:pos x="connsiteX7" y="connsiteY7"/>
+              </a:cxn>
+              <a:cxn ang="0">
+                <a:pos x="connsiteX8" y="connsiteY8"/>
+              </a:cxn>
+            </a:cxnLst>
+            <a:rect l="l" t="t" r="r" b="b"/>
+            <a:pathLst>
+              <a:path w="4808302" h="4088666">
+                <a:moveTo>
+                  <a:pt x="48844" y="2888671"/>
+                </a:moveTo>
+                <a:cubicBezTo>
+                  <a:pt x="16818" y="2732167"/>
+                  <a:pt x="0" y="2570123"/>
+                  <a:pt x="0" y="2404151"/>
+                </a:cubicBezTo>
+                <a:cubicBezTo>
+                  <a:pt x="0" y="1076375"/>
+                  <a:pt x="1076375" y="0"/>
+                  <a:pt x="2404151" y="0"/>
+                </a:cubicBezTo>
+                <a:cubicBezTo>
+                  <a:pt x="3731927" y="0"/>
+                  <a:pt x="4808302" y="1076375"/>
+                  <a:pt x="4808302" y="2404151"/>
+                </a:cubicBezTo>
+                <a:cubicBezTo>
+                  <a:pt x="4808302" y="2653109"/>
+                  <a:pt x="4770461" y="2893229"/>
+                  <a:pt x="4700216" y="3119072"/>
+                </a:cubicBezTo>
+                <a:lnTo>
+                  <a:pt x="4643143" y="3275009"/>
+                </a:lnTo>
+                <a:lnTo>
+                  <a:pt x="690093" y="4088666"/>
+                </a:lnTo>
+                <a:lnTo>
+                  <a:pt x="548991" y="3933414"/>
+                </a:lnTo>
+                <a:cubicBezTo>
+                  <a:pt x="304015" y="3636572"/>
+                  <a:pt x="128908" y="3279932"/>
+                  <a:pt x="48844" y="2888671"/>
+                </a:cubicBezTo>
+                <a:close/>
+              </a:path>
+            </a:pathLst>
+          </a:custGeom>
+          <a:gradFill>
+            <a:gsLst>
+              <a:gs pos="39000">
+                <a:schemeClr val="accent1">
+                  <a:lumMod val="60000"/>
+                  <a:lumOff val="40000"/>
+                  <a:alpha val="0"/>
+                </a:schemeClr>
+              </a:gs>
+              <a:gs pos="100000">
+                <a:schemeClr val="accent1">
+                  <a:lumMod val="75000"/>
+                  <a:alpha val="26000"/>
+                </a:schemeClr>
+              </a:gs>
+            </a:gsLst>
+            <a:lin ang="18600000" scaled="0"/>
+          </a:gradFill>
+          <a:ln>
+            <a:noFill/>
+          </a:ln>
+        </p:spPr>
+        <p:style>
+          <a:lnRef idx="2">
+            <a:schemeClr val="accent1">
+              <a:shade val="50000"/>
+            </a:schemeClr>
+          </a:lnRef>
+          <a:fillRef idx="1">
+            <a:schemeClr val="accent1"/>
+          </a:fillRef>
+          <a:effectRef idx="0">
+            <a:schemeClr val="accent1"/>
+          </a:effectRef>
+          <a:fontRef idx="minor">
+            <a:schemeClr val="lt1"/>
+          </a:fontRef>
+        </p:style>
+        <p:txBody>
+          <a:bodyPr wrap="square" rtlCol="0" anchor="ctr">
+            <a:noAutofit/>
+          </a:bodyPr>
+          <a:lstStyle/>
+          <a:p>
+            <a:pPr algn="ctr"/>
+            <a:endParaRPr lang="en-US" dirty="0"/>
+          </a:p>
+        </p:txBody>
+      </p:sp>
+      <p:sp>
+        <p:nvSpPr>
+          <p:cNvPr id="2" name="Titre 1">
+            <a:extLst>
+              <a:ext uri="{FF2B5EF4-FFF2-40B4-BE49-F238E27FC236}">
+                <a16:creationId xmlns:a16="http://schemas.microsoft.com/office/drawing/2014/main" id="{CE3AA862-41FF-6C9A-4694-0882A302F983}"/>
+              </a:ext>
+            </a:extLst>
+          </p:cNvPr>
+          <p:cNvSpPr>
+            <a:spLocks noGrp="1"/>
+          </p:cNvSpPr>
+          <p:nvPr>
+            <p:ph type="title"/>
+          </p:nvPr>
+        </p:nvSpPr>
+        <p:spPr>
+          <a:xfrm>
+            <a:off x="660041" y="2767106"/>
+            <a:ext cx="2880828" cy="3071906"/>
+          </a:xfrm>
+        </p:spPr>
+        <p:txBody>
+          <a:bodyPr vert="horz" lIns="91440" tIns="45720" rIns="91440" bIns="45720" rtlCol="0" anchor="t">
+            <a:normAutofit/>
+          </a:bodyPr>
+          <a:lstStyle/>
+          <a:p>
+            <a:r>
+              <a:rPr lang="en-US" sz="4000" kern="1200" dirty="0">
+                <a:solidFill>
+                  <a:srgbClr val="FFFFFF"/>
+                </a:solidFill>
+                <a:latin typeface="+mj-lt"/>
+                <a:ea typeface="+mj-ea"/>
+                <a:cs typeface="+mj-cs"/>
+              </a:rPr>
+              <a:t>Client</a:t>
+            </a:r>
+          </a:p>
+        </p:txBody>
+      </p:sp>
+      <p:pic>
+        <p:nvPicPr>
+          <p:cNvPr id="6" name="Image 5">
+            <a:extLst>
+              <a:ext uri="{FF2B5EF4-FFF2-40B4-BE49-F238E27FC236}">
+                <a16:creationId xmlns:a16="http://schemas.microsoft.com/office/drawing/2014/main" id="{80452FFF-FBD2-1378-F468-92B556E2E656}"/>
+              </a:ext>
+            </a:extLst>
+          </p:cNvPr>
+          <p:cNvPicPr>
+            <a:picLocks noChangeAspect="1"/>
+          </p:cNvPicPr>
+          <p:nvPr/>
+        </p:nvPicPr>
+        <p:blipFill>
+          <a:blip r:embed="rId2"/>
+          <a:stretch>
+            <a:fillRect/>
+          </a:stretch>
+        </p:blipFill>
+        <p:spPr>
+          <a:xfrm>
+            <a:off x="5449689" y="467208"/>
+            <a:ext cx="5331225" cy="5923584"/>
+          </a:xfrm>
+          <a:prstGeom prst="rect">
+            <a:avLst/>
+          </a:prstGeom>
+        </p:spPr>
+      </p:pic>
+    </p:spTree>
+    <p:extLst>
+      <p:ext uri="{BB962C8B-B14F-4D97-AF65-F5344CB8AC3E}">
+        <p14:creationId xmlns:p14="http://schemas.microsoft.com/office/powerpoint/2010/main" val="1663596219"/>
+      </p:ext>
+    </p:extLst>
+  </p:cSld>
+  <p:clrMapOvr>
+    <a:masterClrMapping/>
+  </p:clrMapOvr>
+</p:sld>
+</file>
+
+<file path=ppt/slides/slide22.xml><?xml version="1.0" encoding="utf-8"?>
+<p:sld xmlns:a="http://schemas.openxmlformats.org/drawingml/2006/main" xmlns:r="http://schemas.openxmlformats.org/officeDocument/2006/relationships" xmlns:p="http://schemas.openxmlformats.org/presentationml/2006/main">
+  <p:cSld>
+    <p:bg>
+      <p:bgPr>
+        <a:solidFill>
+          <a:schemeClr val="bg1"/>
+        </a:solidFill>
+        <a:effectLst/>
+      </p:bgPr>
+    </p:bg>
+    <p:spTree>
+      <p:nvGrpSpPr>
+        <p:cNvPr id="1" name=""/>
+        <p:cNvGrpSpPr/>
+        <p:nvPr/>
+      </p:nvGrpSpPr>
+      <p:grpSpPr>
+        <a:xfrm>
+          <a:off x="0" y="0"/>
+          <a:ext cx="0" cy="0"/>
+          <a:chOff x="0" y="0"/>
+          <a:chExt cx="0" cy="0"/>
+        </a:xfrm>
+      </p:grpSpPr>
+      <p:sp useBgFill="1">
+        <p:nvSpPr>
+          <p:cNvPr id="17" name="Rectangle 16">
+            <a:extLst>
+              <a:ext uri="{FF2B5EF4-FFF2-40B4-BE49-F238E27FC236}">
+                <a16:creationId xmlns:a16="http://schemas.microsoft.com/office/drawing/2014/main" id="{A8384FB5-9ADC-4DDC-881B-597D56F5B15D}"/>
+              </a:ext>
+              <a:ext uri="{C183D7F6-B498-43B3-948B-1728B52AA6E4}">
+                <adec:decorative xmlns:adec="http://schemas.microsoft.com/office/drawing/2017/decorative" val="1"/>
+              </a:ext>
+            </a:extLst>
+          </p:cNvPr>
+          <p:cNvSpPr>
+            <a:spLocks noGrp="1" noRot="1" noChangeAspect="1" noMove="1" noResize="1" noEditPoints="1" noAdjustHandles="1" noChangeArrowheads="1" noChangeShapeType="1" noTextEdit="1"/>
+          </p:cNvSpPr>
+          <p:nvPr>
+            <p:extLst>
+              <p:ext uri="{386F3935-93C4-4BCD-93E2-E3B085C9AB24}">
+                <p16:designElem xmlns:p16="http://schemas.microsoft.com/office/powerpoint/2015/main" val="1"/>
+              </p:ext>
+            </p:extLst>
+          </p:nvPr>
+        </p:nvSpPr>
+        <p:spPr>
+          <a:xfrm>
+            <a:off x="0" y="0"/>
+            <a:ext cx="12192000" cy="6858000"/>
+          </a:xfrm>
+          <a:prstGeom prst="rect">
+            <a:avLst/>
+          </a:prstGeom>
+          <a:ln w="12700" cap="flat" cmpd="sng" algn="ctr">
+            <a:noFill/>
+            <a:prstDash val="solid"/>
+            <a:miter lim="800000"/>
+          </a:ln>
+          <a:effectLst/>
+          <a:extLst>
+            <a:ext uri="{91240B29-F687-4F45-9708-019B960494DF}">
+              <a14:hiddenLine xmlns:a14="http://schemas.microsoft.com/office/drawing/2010/main" w="12700" cap="flat" cmpd="sng" algn="ctr">
+                <a:solidFill>
+                  <a:schemeClr val="accent1">
+                    <a:shade val="50000"/>
+                  </a:schemeClr>
+                </a:solidFill>
+                <a:prstDash val="solid"/>
+                <a:miter lim="800000"/>
+              </a14:hiddenLine>
+            </a:ext>
+          </a:extLst>
+        </p:spPr>
+        <p:style>
+          <a:lnRef idx="2">
+            <a:schemeClr val="accent1">
+              <a:shade val="50000"/>
+            </a:schemeClr>
+          </a:lnRef>
+          <a:fillRef idx="1">
+            <a:schemeClr val="accent1"/>
+          </a:fillRef>
+          <a:effectRef idx="0">
+            <a:schemeClr val="accent1"/>
+          </a:effectRef>
+          <a:fontRef idx="minor">
+            <a:schemeClr val="lt1"/>
+          </a:fontRef>
+        </p:style>
+        <p:txBody>
+          <a:bodyPr rtlCol="0" anchor="ctr"/>
+          <a:lstStyle/>
+          <a:p>
+            <a:pPr algn="ctr"/>
+            <a:endParaRPr lang="en-US"/>
+          </a:p>
+        </p:txBody>
+      </p:sp>
+      <p:sp>
+        <p:nvSpPr>
+          <p:cNvPr id="19" name="Rectangle 18">
+            <a:extLst>
+              <a:ext uri="{FF2B5EF4-FFF2-40B4-BE49-F238E27FC236}">
+                <a16:creationId xmlns:a16="http://schemas.microsoft.com/office/drawing/2014/main" id="{91E5A9A7-95C6-4F4F-B00E-C82E07FE62EF}"/>
+              </a:ext>
+              <a:ext uri="{C183D7F6-B498-43B3-948B-1728B52AA6E4}">
+                <adec:decorative xmlns:adec="http://schemas.microsoft.com/office/drawing/2017/decorative" val="1"/>
+              </a:ext>
+            </a:extLst>
+          </p:cNvPr>
+          <p:cNvSpPr>
+            <a:spLocks noGrp="1" noRot="1" noChangeAspect="1" noMove="1" noResize="1" noEditPoints="1" noAdjustHandles="1" noChangeArrowheads="1" noChangeShapeType="1" noTextEdit="1"/>
+          </p:cNvSpPr>
+          <p:nvPr>
+            <p:extLst>
+              <p:ext uri="{386F3935-93C4-4BCD-93E2-E3B085C9AB24}">
+                <p16:designElem xmlns:p16="http://schemas.microsoft.com/office/powerpoint/2015/main" val="1"/>
+              </p:ext>
+            </p:extLst>
+          </p:nvPr>
+        </p:nvSpPr>
+        <p:spPr>
+          <a:xfrm rot="5400000" flipH="1">
+            <a:off x="-1417539" y="1417538"/>
+            <a:ext cx="6875818" cy="4040744"/>
+          </a:xfrm>
+          <a:prstGeom prst="rect">
+            <a:avLst/>
+          </a:prstGeom>
+          <a:gradFill>
+            <a:gsLst>
+              <a:gs pos="0">
+                <a:srgbClr val="000000"/>
+              </a:gs>
+              <a:gs pos="100000">
+                <a:schemeClr val="accent1">
+                  <a:lumMod val="75000"/>
+                </a:schemeClr>
+              </a:gs>
+            </a:gsLst>
+            <a:lin ang="18600000" scaled="0"/>
+          </a:gradFill>
+          <a:ln>
+            <a:noFill/>
+          </a:ln>
+        </p:spPr>
+        <p:style>
+          <a:lnRef idx="2">
+            <a:schemeClr val="accent1">
+              <a:shade val="50000"/>
+            </a:schemeClr>
+          </a:lnRef>
+          <a:fillRef idx="1">
+            <a:schemeClr val="accent1"/>
+          </a:fillRef>
+          <a:effectRef idx="0">
+            <a:schemeClr val="accent1"/>
+          </a:effectRef>
+          <a:fontRef idx="minor">
+            <a:schemeClr val="lt1"/>
+          </a:fontRef>
+        </p:style>
+        <p:txBody>
+          <a:bodyPr rtlCol="0" anchor="ctr"/>
+          <a:lstStyle/>
+          <a:p>
+            <a:pPr algn="ctr"/>
+            <a:endParaRPr lang="en-US" dirty="0"/>
+          </a:p>
+        </p:txBody>
+      </p:sp>
+      <p:sp>
+        <p:nvSpPr>
+          <p:cNvPr id="21" name="Rectangle 20">
+            <a:extLst>
+              <a:ext uri="{FF2B5EF4-FFF2-40B4-BE49-F238E27FC236}">
+                <a16:creationId xmlns:a16="http://schemas.microsoft.com/office/drawing/2014/main" id="{D07DD2DE-F619-49DD-B5E7-03A290FF4ED1}"/>
+              </a:ext>
+              <a:ext uri="{C183D7F6-B498-43B3-948B-1728B52AA6E4}">
+                <adec:decorative xmlns:adec="http://schemas.microsoft.com/office/drawing/2017/decorative" val="1"/>
+              </a:ext>
+            </a:extLst>
+          </p:cNvPr>
+          <p:cNvSpPr>
+            <a:spLocks noGrp="1" noRot="1" noChangeAspect="1" noMove="1" noResize="1" noEditPoints="1" noAdjustHandles="1" noChangeArrowheads="1" noChangeShapeType="1" noTextEdit="1"/>
+          </p:cNvSpPr>
+          <p:nvPr>
+            <p:extLst>
+              <p:ext uri="{386F3935-93C4-4BCD-93E2-E3B085C9AB24}">
+                <p16:designElem xmlns:p16="http://schemas.microsoft.com/office/powerpoint/2015/main" val="1"/>
+              </p:ext>
+            </p:extLst>
+          </p:nvPr>
+        </p:nvSpPr>
+        <p:spPr>
+          <a:xfrm rot="16200000">
+            <a:off x="-158495" y="2660473"/>
+            <a:ext cx="4355594" cy="4038603"/>
+          </a:xfrm>
+          <a:prstGeom prst="rect">
+            <a:avLst/>
+          </a:prstGeom>
+          <a:gradFill>
+            <a:gsLst>
+              <a:gs pos="0">
+                <a:schemeClr val="accent1">
+                  <a:alpha val="50000"/>
+                </a:schemeClr>
+              </a:gs>
+              <a:gs pos="100000">
+                <a:schemeClr val="accent1">
+                  <a:lumMod val="50000"/>
+                  <a:alpha val="0"/>
+                </a:schemeClr>
+              </a:gs>
+            </a:gsLst>
+            <a:lin ang="11400000" scaled="0"/>
+          </a:gradFill>
+          <a:ln>
+            <a:noFill/>
+          </a:ln>
+        </p:spPr>
+        <p:style>
+          <a:lnRef idx="2">
+            <a:schemeClr val="accent1">
+              <a:shade val="50000"/>
+            </a:schemeClr>
+          </a:lnRef>
+          <a:fillRef idx="1">
+            <a:schemeClr val="accent1"/>
+          </a:fillRef>
+          <a:effectRef idx="0">
+            <a:schemeClr val="accent1"/>
+          </a:effectRef>
+          <a:fontRef idx="minor">
+            <a:schemeClr val="lt1"/>
+          </a:fontRef>
+        </p:style>
+        <p:txBody>
+          <a:bodyPr rtlCol="0" anchor="ctr"/>
+          <a:lstStyle/>
+          <a:p>
+            <a:pPr algn="ctr"/>
+            <a:endParaRPr lang="en-US"/>
+          </a:p>
+        </p:txBody>
+      </p:sp>
+      <p:sp>
+        <p:nvSpPr>
+          <p:cNvPr id="23" name="Rectangle 22">
+            <a:extLst>
+              <a:ext uri="{FF2B5EF4-FFF2-40B4-BE49-F238E27FC236}">
+                <a16:creationId xmlns:a16="http://schemas.microsoft.com/office/drawing/2014/main" id="{85149191-5F60-4A28-AAFF-039F96B0F3EC}"/>
+              </a:ext>
+              <a:ext uri="{C183D7F6-B498-43B3-948B-1728B52AA6E4}">
+                <adec:decorative xmlns:adec="http://schemas.microsoft.com/office/drawing/2017/decorative" val="1"/>
+              </a:ext>
+            </a:extLst>
+          </p:cNvPr>
+          <p:cNvSpPr>
+            <a:spLocks noGrp="1" noRot="1" noChangeAspect="1" noMove="1" noResize="1" noEditPoints="1" noAdjustHandles="1" noChangeArrowheads="1" noChangeShapeType="1" noTextEdit="1"/>
+          </p:cNvSpPr>
+          <p:nvPr>
+            <p:extLst>
+              <p:ext uri="{386F3935-93C4-4BCD-93E2-E3B085C9AB24}">
+                <p16:designElem xmlns:p16="http://schemas.microsoft.com/office/powerpoint/2015/main" val="1"/>
+              </p:ext>
+            </p:extLst>
+          </p:nvPr>
+        </p:nvSpPr>
+        <p:spPr>
+          <a:xfrm rot="16200000" flipH="1">
+            <a:off x="-1180882" y="1638085"/>
+            <a:ext cx="6857572" cy="3581401"/>
+          </a:xfrm>
+          <a:prstGeom prst="rect">
+            <a:avLst/>
+          </a:prstGeom>
+          <a:gradFill>
+            <a:gsLst>
+              <a:gs pos="0">
+                <a:srgbClr val="000000">
+                  <a:alpha val="59000"/>
+                </a:srgbClr>
+              </a:gs>
+              <a:gs pos="69000">
+                <a:schemeClr val="accent1">
+                  <a:alpha val="0"/>
+                </a:schemeClr>
+              </a:gs>
+            </a:gsLst>
+            <a:lin ang="13200000" scaled="0"/>
+          </a:gradFill>
+          <a:ln>
+            <a:noFill/>
+          </a:ln>
+        </p:spPr>
+        <p:style>
+          <a:lnRef idx="2">
+            <a:schemeClr val="accent1">
+              <a:shade val="50000"/>
+            </a:schemeClr>
+          </a:lnRef>
+          <a:fillRef idx="1">
+            <a:schemeClr val="accent1"/>
+          </a:fillRef>
+          <a:effectRef idx="0">
+            <a:schemeClr val="accent1"/>
+          </a:effectRef>
+          <a:fontRef idx="minor">
+            <a:schemeClr val="lt1"/>
+          </a:fontRef>
+        </p:style>
+        <p:txBody>
+          <a:bodyPr rtlCol="0" anchor="ctr"/>
+          <a:lstStyle/>
+          <a:p>
+            <a:pPr algn="ctr"/>
+            <a:endParaRPr lang="en-US" dirty="0"/>
+          </a:p>
+        </p:txBody>
+      </p:sp>
+      <p:sp>
+        <p:nvSpPr>
+          <p:cNvPr id="25" name="Freeform: Shape 24">
+            <a:extLst>
+              <a:ext uri="{FF2B5EF4-FFF2-40B4-BE49-F238E27FC236}">
+                <a16:creationId xmlns:a16="http://schemas.microsoft.com/office/drawing/2014/main" id="{F8260ED5-17F7-4158-B241-D51DD4CF1B7E}"/>
+              </a:ext>
+              <a:ext uri="{C183D7F6-B498-43B3-948B-1728B52AA6E4}">
+                <adec:decorative xmlns:adec="http://schemas.microsoft.com/office/drawing/2017/decorative" val="1"/>
+              </a:ext>
+            </a:extLst>
+          </p:cNvPr>
+          <p:cNvSpPr>
+            <a:spLocks noGrp="1" noRot="1" noChangeAspect="1" noMove="1" noResize="1" noEditPoints="1" noAdjustHandles="1" noChangeArrowheads="1" noChangeShapeType="1" noTextEdit="1"/>
+          </p:cNvSpPr>
+          <p:nvPr>
+            <p:extLst>
+              <p:ext uri="{386F3935-93C4-4BCD-93E2-E3B085C9AB24}">
+                <p16:designElem xmlns:p16="http://schemas.microsoft.com/office/powerpoint/2015/main" val="1"/>
+              </p:ext>
+            </p:extLst>
+          </p:nvPr>
+        </p:nvSpPr>
+        <p:spPr>
+          <a:xfrm rot="6097846">
+            <a:off x="-747355" y="1201312"/>
+            <a:ext cx="4808302" cy="4088666"/>
+          </a:xfrm>
+          <a:custGeom>
+            <a:avLst/>
+            <a:gdLst>
+              <a:gd name="connsiteX0" fmla="*/ 48844 w 4808302"/>
+              <a:gd name="connsiteY0" fmla="*/ 2888671 h 4088666"/>
+              <a:gd name="connsiteX1" fmla="*/ 0 w 4808302"/>
+              <a:gd name="connsiteY1" fmla="*/ 2404151 h 4088666"/>
+              <a:gd name="connsiteX2" fmla="*/ 2404151 w 4808302"/>
+              <a:gd name="connsiteY2" fmla="*/ 0 h 4088666"/>
+              <a:gd name="connsiteX3" fmla="*/ 4808302 w 4808302"/>
+              <a:gd name="connsiteY3" fmla="*/ 2404151 h 4088666"/>
+              <a:gd name="connsiteX4" fmla="*/ 4700216 w 4808302"/>
+              <a:gd name="connsiteY4" fmla="*/ 3119072 h 4088666"/>
+              <a:gd name="connsiteX5" fmla="*/ 4643143 w 4808302"/>
+              <a:gd name="connsiteY5" fmla="*/ 3275009 h 4088666"/>
+              <a:gd name="connsiteX6" fmla="*/ 690093 w 4808302"/>
+              <a:gd name="connsiteY6" fmla="*/ 4088666 h 4088666"/>
+              <a:gd name="connsiteX7" fmla="*/ 548991 w 4808302"/>
+              <a:gd name="connsiteY7" fmla="*/ 3933414 h 4088666"/>
+              <a:gd name="connsiteX8" fmla="*/ 48844 w 4808302"/>
+              <a:gd name="connsiteY8" fmla="*/ 2888671 h 4088666"/>
+            </a:gdLst>
+            <a:ahLst/>
+            <a:cxnLst>
+              <a:cxn ang="0">
+                <a:pos x="connsiteX0" y="connsiteY0"/>
+              </a:cxn>
+              <a:cxn ang="0">
+                <a:pos x="connsiteX1" y="connsiteY1"/>
+              </a:cxn>
+              <a:cxn ang="0">
+                <a:pos x="connsiteX2" y="connsiteY2"/>
+              </a:cxn>
+              <a:cxn ang="0">
+                <a:pos x="connsiteX3" y="connsiteY3"/>
+              </a:cxn>
+              <a:cxn ang="0">
+                <a:pos x="connsiteX4" y="connsiteY4"/>
+              </a:cxn>
+              <a:cxn ang="0">
+                <a:pos x="connsiteX5" y="connsiteY5"/>
+              </a:cxn>
+              <a:cxn ang="0">
+                <a:pos x="connsiteX6" y="connsiteY6"/>
+              </a:cxn>
+              <a:cxn ang="0">
+                <a:pos x="connsiteX7" y="connsiteY7"/>
+              </a:cxn>
+              <a:cxn ang="0">
+                <a:pos x="connsiteX8" y="connsiteY8"/>
+              </a:cxn>
+            </a:cxnLst>
+            <a:rect l="l" t="t" r="r" b="b"/>
+            <a:pathLst>
+              <a:path w="4808302" h="4088666">
+                <a:moveTo>
+                  <a:pt x="48844" y="2888671"/>
+                </a:moveTo>
+                <a:cubicBezTo>
+                  <a:pt x="16818" y="2732167"/>
+                  <a:pt x="0" y="2570123"/>
+                  <a:pt x="0" y="2404151"/>
+                </a:cubicBezTo>
+                <a:cubicBezTo>
+                  <a:pt x="0" y="1076375"/>
+                  <a:pt x="1076375" y="0"/>
+                  <a:pt x="2404151" y="0"/>
+                </a:cubicBezTo>
+                <a:cubicBezTo>
+                  <a:pt x="3731927" y="0"/>
+                  <a:pt x="4808302" y="1076375"/>
+                  <a:pt x="4808302" y="2404151"/>
+                </a:cubicBezTo>
+                <a:cubicBezTo>
+                  <a:pt x="4808302" y="2653109"/>
+                  <a:pt x="4770461" y="2893229"/>
+                  <a:pt x="4700216" y="3119072"/>
+                </a:cubicBezTo>
+                <a:lnTo>
+                  <a:pt x="4643143" y="3275009"/>
+                </a:lnTo>
+                <a:lnTo>
+                  <a:pt x="690093" y="4088666"/>
+                </a:lnTo>
+                <a:lnTo>
+                  <a:pt x="548991" y="3933414"/>
+                </a:lnTo>
+                <a:cubicBezTo>
+                  <a:pt x="304015" y="3636572"/>
+                  <a:pt x="128908" y="3279932"/>
+                  <a:pt x="48844" y="2888671"/>
+                </a:cubicBezTo>
+                <a:close/>
+              </a:path>
+            </a:pathLst>
+          </a:custGeom>
+          <a:gradFill>
+            <a:gsLst>
+              <a:gs pos="39000">
+                <a:schemeClr val="accent1">
+                  <a:lumMod val="60000"/>
+                  <a:lumOff val="40000"/>
+                  <a:alpha val="0"/>
+                </a:schemeClr>
+              </a:gs>
+              <a:gs pos="100000">
+                <a:schemeClr val="accent1">
+                  <a:lumMod val="75000"/>
+                  <a:alpha val="26000"/>
+                </a:schemeClr>
+              </a:gs>
+            </a:gsLst>
+            <a:lin ang="18600000" scaled="0"/>
+          </a:gradFill>
+          <a:ln>
+            <a:noFill/>
+          </a:ln>
+        </p:spPr>
+        <p:style>
+          <a:lnRef idx="2">
+            <a:schemeClr val="accent1">
+              <a:shade val="50000"/>
+            </a:schemeClr>
+          </a:lnRef>
+          <a:fillRef idx="1">
+            <a:schemeClr val="accent1"/>
+          </a:fillRef>
+          <a:effectRef idx="0">
+            <a:schemeClr val="accent1"/>
+          </a:effectRef>
+          <a:fontRef idx="minor">
+            <a:schemeClr val="lt1"/>
+          </a:fontRef>
+        </p:style>
+        <p:txBody>
+          <a:bodyPr wrap="square" rtlCol="0" anchor="ctr">
+            <a:noAutofit/>
+          </a:bodyPr>
+          <a:lstStyle/>
+          <a:p>
+            <a:pPr algn="ctr"/>
+            <a:endParaRPr lang="en-US" dirty="0"/>
+          </a:p>
+        </p:txBody>
+      </p:sp>
+      <p:sp>
+        <p:nvSpPr>
+          <p:cNvPr id="2" name="Titre 1">
+            <a:extLst>
+              <a:ext uri="{FF2B5EF4-FFF2-40B4-BE49-F238E27FC236}">
+                <a16:creationId xmlns:a16="http://schemas.microsoft.com/office/drawing/2014/main" id="{CE3AA862-41FF-6C9A-4694-0882A302F983}"/>
+              </a:ext>
+            </a:extLst>
+          </p:cNvPr>
+          <p:cNvSpPr>
+            <a:spLocks noGrp="1"/>
+          </p:cNvSpPr>
+          <p:nvPr>
+            <p:ph type="title"/>
+          </p:nvPr>
+        </p:nvSpPr>
+        <p:spPr>
+          <a:xfrm>
+            <a:off x="660041" y="2767106"/>
+            <a:ext cx="2880828" cy="3071906"/>
+          </a:xfrm>
+        </p:spPr>
+        <p:txBody>
+          <a:bodyPr vert="horz" lIns="91440" tIns="45720" rIns="91440" bIns="45720" rtlCol="0" anchor="t">
+            <a:normAutofit/>
+          </a:bodyPr>
+          <a:lstStyle/>
+          <a:p>
+            <a:r>
+              <a:rPr lang="en-US" sz="4000" kern="1200">
+                <a:solidFill>
+                  <a:srgbClr val="FFFFFF"/>
+                </a:solidFill>
+                <a:latin typeface="+mj-lt"/>
+                <a:ea typeface="+mj-ea"/>
+                <a:cs typeface="+mj-cs"/>
+              </a:rPr>
+              <a:t>Vue</a:t>
+            </a:r>
+          </a:p>
+        </p:txBody>
+      </p:sp>
+      <p:pic>
+        <p:nvPicPr>
+          <p:cNvPr id="4" name="Image 3">
+            <a:extLst>
+              <a:ext uri="{FF2B5EF4-FFF2-40B4-BE49-F238E27FC236}">
+                <a16:creationId xmlns:a16="http://schemas.microsoft.com/office/drawing/2014/main" id="{5BCC9347-41EC-B3BF-1122-E219D4E585B9}"/>
+              </a:ext>
+            </a:extLst>
+          </p:cNvPr>
+          <p:cNvPicPr>
+            <a:picLocks noChangeAspect="1"/>
+          </p:cNvPicPr>
+          <p:nvPr/>
+        </p:nvPicPr>
+        <p:blipFill>
+          <a:blip r:embed="rId2"/>
+          <a:stretch>
+            <a:fillRect/>
+          </a:stretch>
+        </p:blipFill>
+        <p:spPr>
+          <a:xfrm>
+            <a:off x="4502428" y="927085"/>
+            <a:ext cx="7225748" cy="5003829"/>
+          </a:xfrm>
+          <a:prstGeom prst="rect">
+            <a:avLst/>
+          </a:prstGeom>
+        </p:spPr>
+      </p:pic>
+    </p:spTree>
+    <p:extLst>
+      <p:ext uri="{BB962C8B-B14F-4D97-AF65-F5344CB8AC3E}">
+        <p14:creationId xmlns:p14="http://schemas.microsoft.com/office/powerpoint/2010/main" val="2018519082"/>
+      </p:ext>
+    </p:extLst>
+  </p:cSld>
+  <p:clrMapOvr>
+    <a:masterClrMapping/>
+  </p:clrMapOvr>
+</p:sld>
+</file>
+
+<file path=ppt/slides/slide23.xml><?xml version="1.0" encoding="utf-8"?>
+<p:sld xmlns:a="http://schemas.openxmlformats.org/drawingml/2006/main" xmlns:r="http://schemas.openxmlformats.org/officeDocument/2006/relationships" xmlns:p="http://schemas.openxmlformats.org/presentationml/2006/main">
+  <p:cSld>
+    <p:bg>
+      <p:bgPr>
+        <a:solidFill>
+          <a:schemeClr val="bg1"/>
+        </a:solidFill>
+        <a:effectLst/>
+      </p:bgPr>
+    </p:bg>
+    <p:spTree>
+      <p:nvGrpSpPr>
+        <p:cNvPr id="1" name=""/>
+        <p:cNvGrpSpPr/>
+        <p:nvPr/>
+      </p:nvGrpSpPr>
+      <p:grpSpPr>
+        <a:xfrm>
+          <a:off x="0" y="0"/>
+          <a:ext cx="0" cy="0"/>
+          <a:chOff x="0" y="0"/>
+          <a:chExt cx="0" cy="0"/>
+        </a:xfrm>
+      </p:grpSpPr>
+      <p:sp useBgFill="1">
+        <p:nvSpPr>
+          <p:cNvPr id="30" name="Rectangle 29">
+            <a:extLst>
+              <a:ext uri="{FF2B5EF4-FFF2-40B4-BE49-F238E27FC236}">
+                <a16:creationId xmlns:a16="http://schemas.microsoft.com/office/drawing/2014/main" id="{A8384FB5-9ADC-4DDC-881B-597D56F5B15D}"/>
+              </a:ext>
+              <a:ext uri="{C183D7F6-B498-43B3-948B-1728B52AA6E4}">
+                <adec:decorative xmlns:adec="http://schemas.microsoft.com/office/drawing/2017/decorative" val="1"/>
+              </a:ext>
+            </a:extLst>
+          </p:cNvPr>
+          <p:cNvSpPr>
+            <a:spLocks noGrp="1" noRot="1" noChangeAspect="1" noMove="1" noResize="1" noEditPoints="1" noAdjustHandles="1" noChangeArrowheads="1" noChangeShapeType="1" noTextEdit="1"/>
+          </p:cNvSpPr>
+          <p:nvPr>
+            <p:extLst>
+              <p:ext uri="{386F3935-93C4-4BCD-93E2-E3B085C9AB24}">
+                <p16:designElem xmlns:p16="http://schemas.microsoft.com/office/powerpoint/2015/main" val="1"/>
+              </p:ext>
+            </p:extLst>
+          </p:nvPr>
+        </p:nvSpPr>
+        <p:spPr>
+          <a:xfrm>
+            <a:off x="0" y="0"/>
+            <a:ext cx="12192000" cy="6858000"/>
+          </a:xfrm>
+          <a:prstGeom prst="rect">
+            <a:avLst/>
+          </a:prstGeom>
+          <a:ln w="12700" cap="flat" cmpd="sng" algn="ctr">
+            <a:noFill/>
+            <a:prstDash val="solid"/>
+            <a:miter lim="800000"/>
+          </a:ln>
+          <a:effectLst/>
+          <a:extLst>
+            <a:ext uri="{91240B29-F687-4F45-9708-019B960494DF}">
+              <a14:hiddenLine xmlns:a14="http://schemas.microsoft.com/office/drawing/2010/main" w="12700" cap="flat" cmpd="sng" algn="ctr">
+                <a:solidFill>
+                  <a:schemeClr val="accent1">
+                    <a:shade val="50000"/>
+                  </a:schemeClr>
+                </a:solidFill>
+                <a:prstDash val="solid"/>
+                <a:miter lim="800000"/>
+              </a14:hiddenLine>
+            </a:ext>
+          </a:extLst>
+        </p:spPr>
+        <p:style>
+          <a:lnRef idx="2">
+            <a:schemeClr val="accent1">
+              <a:shade val="50000"/>
+            </a:schemeClr>
+          </a:lnRef>
+          <a:fillRef idx="1">
+            <a:schemeClr val="accent1"/>
+          </a:fillRef>
+          <a:effectRef idx="0">
+            <a:schemeClr val="accent1"/>
+          </a:effectRef>
+          <a:fontRef idx="minor">
+            <a:schemeClr val="lt1"/>
+          </a:fontRef>
+        </p:style>
+        <p:txBody>
+          <a:bodyPr rtlCol="0" anchor="ctr"/>
+          <a:lstStyle/>
+          <a:p>
+            <a:pPr algn="ctr"/>
+            <a:endParaRPr lang="en-US"/>
+          </a:p>
+        </p:txBody>
+      </p:sp>
+      <p:sp>
+        <p:nvSpPr>
+          <p:cNvPr id="32" name="Rectangle 31">
+            <a:extLst>
+              <a:ext uri="{FF2B5EF4-FFF2-40B4-BE49-F238E27FC236}">
+                <a16:creationId xmlns:a16="http://schemas.microsoft.com/office/drawing/2014/main" id="{91E5A9A7-95C6-4F4F-B00E-C82E07FE62EF}"/>
+              </a:ext>
+              <a:ext uri="{C183D7F6-B498-43B3-948B-1728B52AA6E4}">
+                <adec:decorative xmlns:adec="http://schemas.microsoft.com/office/drawing/2017/decorative" val="1"/>
+              </a:ext>
+            </a:extLst>
+          </p:cNvPr>
+          <p:cNvSpPr>
+            <a:spLocks noGrp="1" noRot="1" noChangeAspect="1" noMove="1" noResize="1" noEditPoints="1" noAdjustHandles="1" noChangeArrowheads="1" noChangeShapeType="1" noTextEdit="1"/>
+          </p:cNvSpPr>
+          <p:nvPr>
+            <p:extLst>
+              <p:ext uri="{386F3935-93C4-4BCD-93E2-E3B085C9AB24}">
+                <p16:designElem xmlns:p16="http://schemas.microsoft.com/office/powerpoint/2015/main" val="1"/>
+              </p:ext>
+            </p:extLst>
+          </p:nvPr>
+        </p:nvSpPr>
+        <p:spPr>
+          <a:xfrm rot="5400000" flipH="1">
+            <a:off x="-1417539" y="1417538"/>
+            <a:ext cx="6875818" cy="4040744"/>
+          </a:xfrm>
+          <a:prstGeom prst="rect">
+            <a:avLst/>
+          </a:prstGeom>
+          <a:gradFill>
+            <a:gsLst>
+              <a:gs pos="0">
+                <a:srgbClr val="000000"/>
+              </a:gs>
+              <a:gs pos="100000">
+                <a:schemeClr val="accent1">
+                  <a:lumMod val="75000"/>
+                </a:schemeClr>
+              </a:gs>
+            </a:gsLst>
+            <a:lin ang="18600000" scaled="0"/>
+          </a:gradFill>
+          <a:ln>
+            <a:noFill/>
+          </a:ln>
+        </p:spPr>
+        <p:style>
+          <a:lnRef idx="2">
+            <a:schemeClr val="accent1">
+              <a:shade val="50000"/>
+            </a:schemeClr>
+          </a:lnRef>
+          <a:fillRef idx="1">
+            <a:schemeClr val="accent1"/>
+          </a:fillRef>
+          <a:effectRef idx="0">
+            <a:schemeClr val="accent1"/>
+          </a:effectRef>
+          <a:fontRef idx="minor">
+            <a:schemeClr val="lt1"/>
+          </a:fontRef>
+        </p:style>
+        <p:txBody>
+          <a:bodyPr rtlCol="0" anchor="ctr"/>
+          <a:lstStyle/>
+          <a:p>
+            <a:pPr algn="ctr"/>
+            <a:endParaRPr lang="en-US" dirty="0"/>
+          </a:p>
+        </p:txBody>
+      </p:sp>
+      <p:sp>
+        <p:nvSpPr>
+          <p:cNvPr id="34" name="Rectangle 33">
+            <a:extLst>
+              <a:ext uri="{FF2B5EF4-FFF2-40B4-BE49-F238E27FC236}">
+                <a16:creationId xmlns:a16="http://schemas.microsoft.com/office/drawing/2014/main" id="{D07DD2DE-F619-49DD-B5E7-03A290FF4ED1}"/>
+              </a:ext>
+              <a:ext uri="{C183D7F6-B498-43B3-948B-1728B52AA6E4}">
+                <adec:decorative xmlns:adec="http://schemas.microsoft.com/office/drawing/2017/decorative" val="1"/>
+              </a:ext>
+            </a:extLst>
+          </p:cNvPr>
+          <p:cNvSpPr>
+            <a:spLocks noGrp="1" noRot="1" noChangeAspect="1" noMove="1" noResize="1" noEditPoints="1" noAdjustHandles="1" noChangeArrowheads="1" noChangeShapeType="1" noTextEdit="1"/>
+          </p:cNvSpPr>
+          <p:nvPr>
+            <p:extLst>
+              <p:ext uri="{386F3935-93C4-4BCD-93E2-E3B085C9AB24}">
+                <p16:designElem xmlns:p16="http://schemas.microsoft.com/office/powerpoint/2015/main" val="1"/>
+              </p:ext>
+            </p:extLst>
+          </p:nvPr>
+        </p:nvSpPr>
+        <p:spPr>
+          <a:xfrm rot="16200000">
+            <a:off x="-158495" y="2660473"/>
+            <a:ext cx="4355594" cy="4038603"/>
+          </a:xfrm>
+          <a:prstGeom prst="rect">
+            <a:avLst/>
+          </a:prstGeom>
+          <a:gradFill>
+            <a:gsLst>
+              <a:gs pos="0">
+                <a:schemeClr val="accent1">
+                  <a:alpha val="50000"/>
+                </a:schemeClr>
+              </a:gs>
+              <a:gs pos="100000">
+                <a:schemeClr val="accent1">
+                  <a:lumMod val="50000"/>
+                  <a:alpha val="0"/>
+                </a:schemeClr>
+              </a:gs>
+            </a:gsLst>
+            <a:lin ang="11400000" scaled="0"/>
+          </a:gradFill>
+          <a:ln>
+            <a:noFill/>
+          </a:ln>
+        </p:spPr>
+        <p:style>
+          <a:lnRef idx="2">
+            <a:schemeClr val="accent1">
+              <a:shade val="50000"/>
+            </a:schemeClr>
+          </a:lnRef>
+          <a:fillRef idx="1">
+            <a:schemeClr val="accent1"/>
+          </a:fillRef>
+          <a:effectRef idx="0">
+            <a:schemeClr val="accent1"/>
+          </a:effectRef>
+          <a:fontRef idx="minor">
+            <a:schemeClr val="lt1"/>
+          </a:fontRef>
+        </p:style>
+        <p:txBody>
+          <a:bodyPr rtlCol="0" anchor="ctr"/>
+          <a:lstStyle/>
+          <a:p>
+            <a:pPr algn="ctr"/>
+            <a:endParaRPr lang="en-US"/>
+          </a:p>
+        </p:txBody>
+      </p:sp>
+      <p:sp>
+        <p:nvSpPr>
+          <p:cNvPr id="36" name="Rectangle 35">
+            <a:extLst>
+              <a:ext uri="{FF2B5EF4-FFF2-40B4-BE49-F238E27FC236}">
+                <a16:creationId xmlns:a16="http://schemas.microsoft.com/office/drawing/2014/main" id="{85149191-5F60-4A28-AAFF-039F96B0F3EC}"/>
+              </a:ext>
+              <a:ext uri="{C183D7F6-B498-43B3-948B-1728B52AA6E4}">
+                <adec:decorative xmlns:adec="http://schemas.microsoft.com/office/drawing/2017/decorative" val="1"/>
+              </a:ext>
+            </a:extLst>
+          </p:cNvPr>
+          <p:cNvSpPr>
+            <a:spLocks noGrp="1" noRot="1" noChangeAspect="1" noMove="1" noResize="1" noEditPoints="1" noAdjustHandles="1" noChangeArrowheads="1" noChangeShapeType="1" noTextEdit="1"/>
+          </p:cNvSpPr>
+          <p:nvPr>
+            <p:extLst>
+              <p:ext uri="{386F3935-93C4-4BCD-93E2-E3B085C9AB24}">
+                <p16:designElem xmlns:p16="http://schemas.microsoft.com/office/powerpoint/2015/main" val="1"/>
+              </p:ext>
+            </p:extLst>
+          </p:nvPr>
+        </p:nvSpPr>
+        <p:spPr>
+          <a:xfrm rot="16200000" flipH="1">
+            <a:off x="-1180882" y="1638085"/>
+            <a:ext cx="6857572" cy="3581401"/>
+          </a:xfrm>
+          <a:prstGeom prst="rect">
+            <a:avLst/>
+          </a:prstGeom>
+          <a:gradFill>
+            <a:gsLst>
+              <a:gs pos="0">
+                <a:srgbClr val="000000">
+                  <a:alpha val="59000"/>
+                </a:srgbClr>
+              </a:gs>
+              <a:gs pos="69000">
+                <a:schemeClr val="accent1">
+                  <a:alpha val="0"/>
+                </a:schemeClr>
+              </a:gs>
+            </a:gsLst>
+            <a:lin ang="13200000" scaled="0"/>
+          </a:gradFill>
+          <a:ln>
+            <a:noFill/>
+          </a:ln>
+        </p:spPr>
+        <p:style>
+          <a:lnRef idx="2">
+            <a:schemeClr val="accent1">
+              <a:shade val="50000"/>
+            </a:schemeClr>
+          </a:lnRef>
+          <a:fillRef idx="1">
+            <a:schemeClr val="accent1"/>
+          </a:fillRef>
+          <a:effectRef idx="0">
+            <a:schemeClr val="accent1"/>
+          </a:effectRef>
+          <a:fontRef idx="minor">
+            <a:schemeClr val="lt1"/>
+          </a:fontRef>
+        </p:style>
+        <p:txBody>
+          <a:bodyPr rtlCol="0" anchor="ctr"/>
+          <a:lstStyle/>
+          <a:p>
+            <a:pPr algn="ctr"/>
+            <a:endParaRPr lang="en-US" dirty="0"/>
+          </a:p>
+        </p:txBody>
+      </p:sp>
+      <p:sp>
+        <p:nvSpPr>
+          <p:cNvPr id="38" name="Freeform: Shape 37">
+            <a:extLst>
+              <a:ext uri="{FF2B5EF4-FFF2-40B4-BE49-F238E27FC236}">
+                <a16:creationId xmlns:a16="http://schemas.microsoft.com/office/drawing/2014/main" id="{F8260ED5-17F7-4158-B241-D51DD4CF1B7E}"/>
+              </a:ext>
+              <a:ext uri="{C183D7F6-B498-43B3-948B-1728B52AA6E4}">
+                <adec:decorative xmlns:adec="http://schemas.microsoft.com/office/drawing/2017/decorative" val="1"/>
+              </a:ext>
+            </a:extLst>
+          </p:cNvPr>
+          <p:cNvSpPr>
+            <a:spLocks noGrp="1" noRot="1" noChangeAspect="1" noMove="1" noResize="1" noEditPoints="1" noAdjustHandles="1" noChangeArrowheads="1" noChangeShapeType="1" noTextEdit="1"/>
+          </p:cNvSpPr>
+          <p:nvPr>
+            <p:extLst>
+              <p:ext uri="{386F3935-93C4-4BCD-93E2-E3B085C9AB24}">
+                <p16:designElem xmlns:p16="http://schemas.microsoft.com/office/powerpoint/2015/main" val="1"/>
+              </p:ext>
+            </p:extLst>
+          </p:nvPr>
+        </p:nvSpPr>
+        <p:spPr>
+          <a:xfrm rot="6097846">
+            <a:off x="-747355" y="1201312"/>
+            <a:ext cx="4808302" cy="4088666"/>
+          </a:xfrm>
+          <a:custGeom>
+            <a:avLst/>
+            <a:gdLst>
+              <a:gd name="connsiteX0" fmla="*/ 48844 w 4808302"/>
+              <a:gd name="connsiteY0" fmla="*/ 2888671 h 4088666"/>
+              <a:gd name="connsiteX1" fmla="*/ 0 w 4808302"/>
+              <a:gd name="connsiteY1" fmla="*/ 2404151 h 4088666"/>
+              <a:gd name="connsiteX2" fmla="*/ 2404151 w 4808302"/>
+              <a:gd name="connsiteY2" fmla="*/ 0 h 4088666"/>
+              <a:gd name="connsiteX3" fmla="*/ 4808302 w 4808302"/>
+              <a:gd name="connsiteY3" fmla="*/ 2404151 h 4088666"/>
+              <a:gd name="connsiteX4" fmla="*/ 4700216 w 4808302"/>
+              <a:gd name="connsiteY4" fmla="*/ 3119072 h 4088666"/>
+              <a:gd name="connsiteX5" fmla="*/ 4643143 w 4808302"/>
+              <a:gd name="connsiteY5" fmla="*/ 3275009 h 4088666"/>
+              <a:gd name="connsiteX6" fmla="*/ 690093 w 4808302"/>
+              <a:gd name="connsiteY6" fmla="*/ 4088666 h 4088666"/>
+              <a:gd name="connsiteX7" fmla="*/ 548991 w 4808302"/>
+              <a:gd name="connsiteY7" fmla="*/ 3933414 h 4088666"/>
+              <a:gd name="connsiteX8" fmla="*/ 48844 w 4808302"/>
+              <a:gd name="connsiteY8" fmla="*/ 2888671 h 4088666"/>
+            </a:gdLst>
+            <a:ahLst/>
+            <a:cxnLst>
+              <a:cxn ang="0">
+                <a:pos x="connsiteX0" y="connsiteY0"/>
+              </a:cxn>
+              <a:cxn ang="0">
+                <a:pos x="connsiteX1" y="connsiteY1"/>
+              </a:cxn>
+              <a:cxn ang="0">
+                <a:pos x="connsiteX2" y="connsiteY2"/>
+              </a:cxn>
+              <a:cxn ang="0">
+                <a:pos x="connsiteX3" y="connsiteY3"/>
+              </a:cxn>
+              <a:cxn ang="0">
+                <a:pos x="connsiteX4" y="connsiteY4"/>
+              </a:cxn>
+              <a:cxn ang="0">
+                <a:pos x="connsiteX5" y="connsiteY5"/>
+              </a:cxn>
+              <a:cxn ang="0">
+                <a:pos x="connsiteX6" y="connsiteY6"/>
+              </a:cxn>
+              <a:cxn ang="0">
+                <a:pos x="connsiteX7" y="connsiteY7"/>
+              </a:cxn>
+              <a:cxn ang="0">
+                <a:pos x="connsiteX8" y="connsiteY8"/>
+              </a:cxn>
+            </a:cxnLst>
+            <a:rect l="l" t="t" r="r" b="b"/>
+            <a:pathLst>
+              <a:path w="4808302" h="4088666">
+                <a:moveTo>
+                  <a:pt x="48844" y="2888671"/>
+                </a:moveTo>
+                <a:cubicBezTo>
+                  <a:pt x="16818" y="2732167"/>
+                  <a:pt x="0" y="2570123"/>
+                  <a:pt x="0" y="2404151"/>
+                </a:cubicBezTo>
+                <a:cubicBezTo>
+                  <a:pt x="0" y="1076375"/>
+                  <a:pt x="1076375" y="0"/>
+                  <a:pt x="2404151" y="0"/>
+                </a:cubicBezTo>
+                <a:cubicBezTo>
+                  <a:pt x="3731927" y="0"/>
+                  <a:pt x="4808302" y="1076375"/>
+                  <a:pt x="4808302" y="2404151"/>
+                </a:cubicBezTo>
+                <a:cubicBezTo>
+                  <a:pt x="4808302" y="2653109"/>
+                  <a:pt x="4770461" y="2893229"/>
+                  <a:pt x="4700216" y="3119072"/>
+                </a:cubicBezTo>
+                <a:lnTo>
+                  <a:pt x="4643143" y="3275009"/>
+                </a:lnTo>
+                <a:lnTo>
+                  <a:pt x="690093" y="4088666"/>
+                </a:lnTo>
+                <a:lnTo>
+                  <a:pt x="548991" y="3933414"/>
+                </a:lnTo>
+                <a:cubicBezTo>
+                  <a:pt x="304015" y="3636572"/>
+                  <a:pt x="128908" y="3279932"/>
+                  <a:pt x="48844" y="2888671"/>
+                </a:cubicBezTo>
+                <a:close/>
+              </a:path>
+            </a:pathLst>
+          </a:custGeom>
+          <a:gradFill>
+            <a:gsLst>
+              <a:gs pos="39000">
+                <a:schemeClr val="accent1">
+                  <a:lumMod val="60000"/>
+                  <a:lumOff val="40000"/>
+                  <a:alpha val="0"/>
+                </a:schemeClr>
+              </a:gs>
+              <a:gs pos="100000">
+                <a:schemeClr val="accent1">
+                  <a:lumMod val="75000"/>
+                  <a:alpha val="26000"/>
+                </a:schemeClr>
+              </a:gs>
+            </a:gsLst>
+            <a:lin ang="18600000" scaled="0"/>
+          </a:gradFill>
+          <a:ln>
+            <a:noFill/>
+          </a:ln>
+        </p:spPr>
+        <p:style>
+          <a:lnRef idx="2">
+            <a:schemeClr val="accent1">
+              <a:shade val="50000"/>
+            </a:schemeClr>
+          </a:lnRef>
+          <a:fillRef idx="1">
+            <a:schemeClr val="accent1"/>
+          </a:fillRef>
+          <a:effectRef idx="0">
+            <a:schemeClr val="accent1"/>
+          </a:effectRef>
+          <a:fontRef idx="minor">
+            <a:schemeClr val="lt1"/>
+          </a:fontRef>
+        </p:style>
+        <p:txBody>
+          <a:bodyPr wrap="square" rtlCol="0" anchor="ctr">
+            <a:noAutofit/>
+          </a:bodyPr>
+          <a:lstStyle/>
+          <a:p>
+            <a:pPr algn="ctr"/>
+            <a:endParaRPr lang="en-US" dirty="0"/>
+          </a:p>
+        </p:txBody>
+      </p:sp>
+      <p:sp>
+        <p:nvSpPr>
+          <p:cNvPr id="2" name="Titre 1">
+            <a:extLst>
+              <a:ext uri="{FF2B5EF4-FFF2-40B4-BE49-F238E27FC236}">
+                <a16:creationId xmlns:a16="http://schemas.microsoft.com/office/drawing/2014/main" id="{CE3AA862-41FF-6C9A-4694-0882A302F983}"/>
+              </a:ext>
+            </a:extLst>
+          </p:cNvPr>
+          <p:cNvSpPr>
+            <a:spLocks noGrp="1"/>
+          </p:cNvSpPr>
+          <p:nvPr>
+            <p:ph type="title"/>
+          </p:nvPr>
+        </p:nvSpPr>
+        <p:spPr>
+          <a:xfrm>
+            <a:off x="660041" y="2767106"/>
+            <a:ext cx="2880828" cy="3071906"/>
+          </a:xfrm>
+        </p:spPr>
+        <p:txBody>
+          <a:bodyPr vert="horz" lIns="91440" tIns="45720" rIns="91440" bIns="45720" rtlCol="0" anchor="t">
+            <a:normAutofit/>
+          </a:bodyPr>
+          <a:lstStyle/>
+          <a:p>
+            <a:r>
+              <a:rPr lang="en-US" sz="4000" kern="1200" dirty="0">
+                <a:solidFill>
+                  <a:srgbClr val="FFFFFF"/>
+                </a:solidFill>
+                <a:latin typeface="+mj-lt"/>
+                <a:ea typeface="+mj-ea"/>
+                <a:cs typeface="+mj-cs"/>
+              </a:rPr>
+              <a:t>Presenter</a:t>
+            </a:r>
+          </a:p>
+        </p:txBody>
+      </p:sp>
+      <p:pic>
+        <p:nvPicPr>
+          <p:cNvPr id="5" name="Image 4">
+            <a:extLst>
+              <a:ext uri="{FF2B5EF4-FFF2-40B4-BE49-F238E27FC236}">
+                <a16:creationId xmlns:a16="http://schemas.microsoft.com/office/drawing/2014/main" id="{71FFC470-6FB4-B880-79C4-ADC0EA85EEE2}"/>
+              </a:ext>
+            </a:extLst>
+          </p:cNvPr>
+          <p:cNvPicPr>
+            <a:picLocks noChangeAspect="1"/>
+          </p:cNvPicPr>
+          <p:nvPr/>
+        </p:nvPicPr>
+        <p:blipFill>
+          <a:blip r:embed="rId2"/>
+          <a:stretch>
+            <a:fillRect/>
+          </a:stretch>
+        </p:blipFill>
+        <p:spPr>
+          <a:xfrm>
+            <a:off x="4502428" y="972245"/>
+            <a:ext cx="7225748" cy="4913509"/>
+          </a:xfrm>
+          <a:prstGeom prst="rect">
+            <a:avLst/>
+          </a:prstGeom>
+        </p:spPr>
+      </p:pic>
+    </p:spTree>
+    <p:extLst>
+      <p:ext uri="{BB962C8B-B14F-4D97-AF65-F5344CB8AC3E}">
+        <p14:creationId xmlns:p14="http://schemas.microsoft.com/office/powerpoint/2010/main" val="1613725529"/>
+      </p:ext>
+    </p:extLst>
+  </p:cSld>
+  <p:clrMapOvr>
+    <a:masterClrMapping/>
+  </p:clrMapOvr>
+</p:sld>
+</file>
+
+<file path=ppt/slides/slide24.xml><?xml version="1.0" encoding="utf-8"?>
+<p:sld xmlns:a="http://schemas.openxmlformats.org/drawingml/2006/main" xmlns:r="http://schemas.openxmlformats.org/officeDocument/2006/relationships" xmlns:p="http://schemas.openxmlformats.org/presentationml/2006/main">
+  <p:cSld>
+    <p:bg>
+      <p:bgPr>
+        <a:solidFill>
+          <a:schemeClr val="bg1"/>
+        </a:solidFill>
+        <a:effectLst/>
+      </p:bgPr>
+    </p:bg>
+    <p:spTree>
+      <p:nvGrpSpPr>
+        <p:cNvPr id="1" name=""/>
+        <p:cNvGrpSpPr/>
+        <p:nvPr/>
+      </p:nvGrpSpPr>
+      <p:grpSpPr>
+        <a:xfrm>
+          <a:off x="0" y="0"/>
+          <a:ext cx="0" cy="0"/>
+          <a:chOff x="0" y="0"/>
+          <a:chExt cx="0" cy="0"/>
+        </a:xfrm>
+      </p:grpSpPr>
+      <p:sp useBgFill="1">
+        <p:nvSpPr>
+          <p:cNvPr id="43" name="Rectangle 42">
+            <a:extLst>
+              <a:ext uri="{FF2B5EF4-FFF2-40B4-BE49-F238E27FC236}">
+                <a16:creationId xmlns:a16="http://schemas.microsoft.com/office/drawing/2014/main" id="{A8384FB5-9ADC-4DDC-881B-597D56F5B15D}"/>
+              </a:ext>
+              <a:ext uri="{C183D7F6-B498-43B3-948B-1728B52AA6E4}">
+                <adec:decorative xmlns:adec="http://schemas.microsoft.com/office/drawing/2017/decorative" val="1"/>
+              </a:ext>
+            </a:extLst>
+          </p:cNvPr>
+          <p:cNvSpPr>
+            <a:spLocks noGrp="1" noRot="1" noChangeAspect="1" noMove="1" noResize="1" noEditPoints="1" noAdjustHandles="1" noChangeArrowheads="1" noChangeShapeType="1" noTextEdit="1"/>
+          </p:cNvSpPr>
+          <p:nvPr>
+            <p:extLst>
+              <p:ext uri="{386F3935-93C4-4BCD-93E2-E3B085C9AB24}">
+                <p16:designElem xmlns:p16="http://schemas.microsoft.com/office/powerpoint/2015/main" val="1"/>
+              </p:ext>
+            </p:extLst>
+          </p:nvPr>
+        </p:nvSpPr>
+        <p:spPr>
+          <a:xfrm>
+            <a:off x="0" y="0"/>
+            <a:ext cx="12192000" cy="6858000"/>
+          </a:xfrm>
+          <a:prstGeom prst="rect">
+            <a:avLst/>
+          </a:prstGeom>
+          <a:ln w="12700" cap="flat" cmpd="sng" algn="ctr">
+            <a:noFill/>
+            <a:prstDash val="solid"/>
+            <a:miter lim="800000"/>
+          </a:ln>
+          <a:effectLst/>
+          <a:extLst>
+            <a:ext uri="{91240B29-F687-4F45-9708-019B960494DF}">
+              <a14:hiddenLine xmlns:a14="http://schemas.microsoft.com/office/drawing/2010/main" w="12700" cap="flat" cmpd="sng" algn="ctr">
+                <a:solidFill>
+                  <a:schemeClr val="accent1">
+                    <a:shade val="50000"/>
+                  </a:schemeClr>
+                </a:solidFill>
+                <a:prstDash val="solid"/>
+                <a:miter lim="800000"/>
+              </a14:hiddenLine>
+            </a:ext>
+          </a:extLst>
+        </p:spPr>
+        <p:style>
+          <a:lnRef idx="2">
+            <a:schemeClr val="accent1">
+              <a:shade val="50000"/>
+            </a:schemeClr>
+          </a:lnRef>
+          <a:fillRef idx="1">
+            <a:schemeClr val="accent1"/>
+          </a:fillRef>
+          <a:effectRef idx="0">
+            <a:schemeClr val="accent1"/>
+          </a:effectRef>
+          <a:fontRef idx="minor">
+            <a:schemeClr val="lt1"/>
+          </a:fontRef>
+        </p:style>
+        <p:txBody>
+          <a:bodyPr rtlCol="0" anchor="ctr"/>
+          <a:lstStyle/>
+          <a:p>
+            <a:pPr algn="ctr"/>
+            <a:endParaRPr lang="en-US"/>
+          </a:p>
+        </p:txBody>
+      </p:sp>
+      <p:sp>
+        <p:nvSpPr>
+          <p:cNvPr id="45" name="Rectangle 44">
+            <a:extLst>
+              <a:ext uri="{FF2B5EF4-FFF2-40B4-BE49-F238E27FC236}">
+                <a16:creationId xmlns:a16="http://schemas.microsoft.com/office/drawing/2014/main" id="{91E5A9A7-95C6-4F4F-B00E-C82E07FE62EF}"/>
+              </a:ext>
+              <a:ext uri="{C183D7F6-B498-43B3-948B-1728B52AA6E4}">
+                <adec:decorative xmlns:adec="http://schemas.microsoft.com/office/drawing/2017/decorative" val="1"/>
+              </a:ext>
+            </a:extLst>
+          </p:cNvPr>
+          <p:cNvSpPr>
+            <a:spLocks noGrp="1" noRot="1" noChangeAspect="1" noMove="1" noResize="1" noEditPoints="1" noAdjustHandles="1" noChangeArrowheads="1" noChangeShapeType="1" noTextEdit="1"/>
+          </p:cNvSpPr>
+          <p:nvPr>
+            <p:extLst>
+              <p:ext uri="{386F3935-93C4-4BCD-93E2-E3B085C9AB24}">
+                <p16:designElem xmlns:p16="http://schemas.microsoft.com/office/powerpoint/2015/main" val="1"/>
+              </p:ext>
+            </p:extLst>
+          </p:nvPr>
+        </p:nvSpPr>
+        <p:spPr>
+          <a:xfrm rot="5400000" flipH="1">
+            <a:off x="-1417539" y="1417538"/>
+            <a:ext cx="6875818" cy="4040744"/>
+          </a:xfrm>
+          <a:prstGeom prst="rect">
+            <a:avLst/>
+          </a:prstGeom>
+          <a:gradFill>
+            <a:gsLst>
+              <a:gs pos="0">
+                <a:srgbClr val="000000"/>
+              </a:gs>
+              <a:gs pos="100000">
+                <a:schemeClr val="accent1">
+                  <a:lumMod val="75000"/>
+                </a:schemeClr>
+              </a:gs>
+            </a:gsLst>
+            <a:lin ang="18600000" scaled="0"/>
+          </a:gradFill>
+          <a:ln>
+            <a:noFill/>
+          </a:ln>
+        </p:spPr>
+        <p:style>
+          <a:lnRef idx="2">
+            <a:schemeClr val="accent1">
+              <a:shade val="50000"/>
+            </a:schemeClr>
+          </a:lnRef>
+          <a:fillRef idx="1">
+            <a:schemeClr val="accent1"/>
+          </a:fillRef>
+          <a:effectRef idx="0">
+            <a:schemeClr val="accent1"/>
+          </a:effectRef>
+          <a:fontRef idx="minor">
+            <a:schemeClr val="lt1"/>
+          </a:fontRef>
+        </p:style>
+        <p:txBody>
+          <a:bodyPr rtlCol="0" anchor="ctr"/>
+          <a:lstStyle/>
+          <a:p>
+            <a:pPr algn="ctr"/>
+            <a:endParaRPr lang="en-US" dirty="0"/>
+          </a:p>
+        </p:txBody>
+      </p:sp>
+      <p:sp>
+        <p:nvSpPr>
+          <p:cNvPr id="47" name="Rectangle 46">
+            <a:extLst>
+              <a:ext uri="{FF2B5EF4-FFF2-40B4-BE49-F238E27FC236}">
+                <a16:creationId xmlns:a16="http://schemas.microsoft.com/office/drawing/2014/main" id="{D07DD2DE-F619-49DD-B5E7-03A290FF4ED1}"/>
+              </a:ext>
+              <a:ext uri="{C183D7F6-B498-43B3-948B-1728B52AA6E4}">
+                <adec:decorative xmlns:adec="http://schemas.microsoft.com/office/drawing/2017/decorative" val="1"/>
+              </a:ext>
+            </a:extLst>
+          </p:cNvPr>
+          <p:cNvSpPr>
+            <a:spLocks noGrp="1" noRot="1" noChangeAspect="1" noMove="1" noResize="1" noEditPoints="1" noAdjustHandles="1" noChangeArrowheads="1" noChangeShapeType="1" noTextEdit="1"/>
+          </p:cNvSpPr>
+          <p:nvPr>
+            <p:extLst>
+              <p:ext uri="{386F3935-93C4-4BCD-93E2-E3B085C9AB24}">
+                <p16:designElem xmlns:p16="http://schemas.microsoft.com/office/powerpoint/2015/main" val="1"/>
+              </p:ext>
+            </p:extLst>
+          </p:nvPr>
+        </p:nvSpPr>
+        <p:spPr>
+          <a:xfrm rot="16200000">
+            <a:off x="-158495" y="2660473"/>
+            <a:ext cx="4355594" cy="4038603"/>
+          </a:xfrm>
+          <a:prstGeom prst="rect">
+            <a:avLst/>
+          </a:prstGeom>
+          <a:gradFill>
+            <a:gsLst>
+              <a:gs pos="0">
+                <a:schemeClr val="accent1">
+                  <a:alpha val="50000"/>
+                </a:schemeClr>
+              </a:gs>
+              <a:gs pos="100000">
+                <a:schemeClr val="accent1">
+                  <a:lumMod val="50000"/>
+                  <a:alpha val="0"/>
+                </a:schemeClr>
+              </a:gs>
+            </a:gsLst>
+            <a:lin ang="11400000" scaled="0"/>
+          </a:gradFill>
+          <a:ln>
+            <a:noFill/>
+          </a:ln>
+        </p:spPr>
+        <p:style>
+          <a:lnRef idx="2">
+            <a:schemeClr val="accent1">
+              <a:shade val="50000"/>
+            </a:schemeClr>
+          </a:lnRef>
+          <a:fillRef idx="1">
+            <a:schemeClr val="accent1"/>
+          </a:fillRef>
+          <a:effectRef idx="0">
+            <a:schemeClr val="accent1"/>
+          </a:effectRef>
+          <a:fontRef idx="minor">
+            <a:schemeClr val="lt1"/>
+          </a:fontRef>
+        </p:style>
+        <p:txBody>
+          <a:bodyPr rtlCol="0" anchor="ctr"/>
+          <a:lstStyle/>
+          <a:p>
+            <a:pPr algn="ctr"/>
+            <a:endParaRPr lang="en-US"/>
+          </a:p>
+        </p:txBody>
+      </p:sp>
+      <p:sp>
+        <p:nvSpPr>
+          <p:cNvPr id="49" name="Rectangle 48">
+            <a:extLst>
+              <a:ext uri="{FF2B5EF4-FFF2-40B4-BE49-F238E27FC236}">
+                <a16:creationId xmlns:a16="http://schemas.microsoft.com/office/drawing/2014/main" id="{85149191-5F60-4A28-AAFF-039F96B0F3EC}"/>
+              </a:ext>
+              <a:ext uri="{C183D7F6-B498-43B3-948B-1728B52AA6E4}">
+                <adec:decorative xmlns:adec="http://schemas.microsoft.com/office/drawing/2017/decorative" val="1"/>
+              </a:ext>
+            </a:extLst>
+          </p:cNvPr>
+          <p:cNvSpPr>
+            <a:spLocks noGrp="1" noRot="1" noChangeAspect="1" noMove="1" noResize="1" noEditPoints="1" noAdjustHandles="1" noChangeArrowheads="1" noChangeShapeType="1" noTextEdit="1"/>
+          </p:cNvSpPr>
+          <p:nvPr>
+            <p:extLst>
+              <p:ext uri="{386F3935-93C4-4BCD-93E2-E3B085C9AB24}">
+                <p16:designElem xmlns:p16="http://schemas.microsoft.com/office/powerpoint/2015/main" val="1"/>
+              </p:ext>
+            </p:extLst>
+          </p:nvPr>
+        </p:nvSpPr>
+        <p:spPr>
+          <a:xfrm rot="16200000" flipH="1">
+            <a:off x="-1180882" y="1638085"/>
+            <a:ext cx="6857572" cy="3581401"/>
+          </a:xfrm>
+          <a:prstGeom prst="rect">
+            <a:avLst/>
+          </a:prstGeom>
+          <a:gradFill>
+            <a:gsLst>
+              <a:gs pos="0">
+                <a:srgbClr val="000000">
+                  <a:alpha val="59000"/>
+                </a:srgbClr>
+              </a:gs>
+              <a:gs pos="69000">
+                <a:schemeClr val="accent1">
+                  <a:alpha val="0"/>
+                </a:schemeClr>
+              </a:gs>
+            </a:gsLst>
+            <a:lin ang="13200000" scaled="0"/>
+          </a:gradFill>
+          <a:ln>
+            <a:noFill/>
+          </a:ln>
+        </p:spPr>
+        <p:style>
+          <a:lnRef idx="2">
+            <a:schemeClr val="accent1">
+              <a:shade val="50000"/>
+            </a:schemeClr>
+          </a:lnRef>
+          <a:fillRef idx="1">
+            <a:schemeClr val="accent1"/>
+          </a:fillRef>
+          <a:effectRef idx="0">
+            <a:schemeClr val="accent1"/>
+          </a:effectRef>
+          <a:fontRef idx="minor">
+            <a:schemeClr val="lt1"/>
+          </a:fontRef>
+        </p:style>
+        <p:txBody>
+          <a:bodyPr rtlCol="0" anchor="ctr"/>
+          <a:lstStyle/>
+          <a:p>
+            <a:pPr algn="ctr"/>
+            <a:endParaRPr lang="en-US" dirty="0"/>
+          </a:p>
+        </p:txBody>
+      </p:sp>
+      <p:sp>
+        <p:nvSpPr>
+          <p:cNvPr id="51" name="Freeform: Shape 50">
+            <a:extLst>
+              <a:ext uri="{FF2B5EF4-FFF2-40B4-BE49-F238E27FC236}">
+                <a16:creationId xmlns:a16="http://schemas.microsoft.com/office/drawing/2014/main" id="{F8260ED5-17F7-4158-B241-D51DD4CF1B7E}"/>
+              </a:ext>
+              <a:ext uri="{C183D7F6-B498-43B3-948B-1728B52AA6E4}">
+                <adec:decorative xmlns:adec="http://schemas.microsoft.com/office/drawing/2017/decorative" val="1"/>
+              </a:ext>
+            </a:extLst>
+          </p:cNvPr>
+          <p:cNvSpPr>
+            <a:spLocks noGrp="1" noRot="1" noChangeAspect="1" noMove="1" noResize="1" noEditPoints="1" noAdjustHandles="1" noChangeArrowheads="1" noChangeShapeType="1" noTextEdit="1"/>
+          </p:cNvSpPr>
+          <p:nvPr>
+            <p:extLst>
+              <p:ext uri="{386F3935-93C4-4BCD-93E2-E3B085C9AB24}">
+                <p16:designElem xmlns:p16="http://schemas.microsoft.com/office/powerpoint/2015/main" val="1"/>
+              </p:ext>
+            </p:extLst>
+          </p:nvPr>
+        </p:nvSpPr>
+        <p:spPr>
+          <a:xfrm rot="6097846">
+            <a:off x="-747355" y="1201312"/>
+            <a:ext cx="4808302" cy="4088666"/>
+          </a:xfrm>
+          <a:custGeom>
+            <a:avLst/>
+            <a:gdLst>
+              <a:gd name="connsiteX0" fmla="*/ 48844 w 4808302"/>
+              <a:gd name="connsiteY0" fmla="*/ 2888671 h 4088666"/>
+              <a:gd name="connsiteX1" fmla="*/ 0 w 4808302"/>
+              <a:gd name="connsiteY1" fmla="*/ 2404151 h 4088666"/>
+              <a:gd name="connsiteX2" fmla="*/ 2404151 w 4808302"/>
+              <a:gd name="connsiteY2" fmla="*/ 0 h 4088666"/>
+              <a:gd name="connsiteX3" fmla="*/ 4808302 w 4808302"/>
+              <a:gd name="connsiteY3" fmla="*/ 2404151 h 4088666"/>
+              <a:gd name="connsiteX4" fmla="*/ 4700216 w 4808302"/>
+              <a:gd name="connsiteY4" fmla="*/ 3119072 h 4088666"/>
+              <a:gd name="connsiteX5" fmla="*/ 4643143 w 4808302"/>
+              <a:gd name="connsiteY5" fmla="*/ 3275009 h 4088666"/>
+              <a:gd name="connsiteX6" fmla="*/ 690093 w 4808302"/>
+              <a:gd name="connsiteY6" fmla="*/ 4088666 h 4088666"/>
+              <a:gd name="connsiteX7" fmla="*/ 548991 w 4808302"/>
+              <a:gd name="connsiteY7" fmla="*/ 3933414 h 4088666"/>
+              <a:gd name="connsiteX8" fmla="*/ 48844 w 4808302"/>
+              <a:gd name="connsiteY8" fmla="*/ 2888671 h 4088666"/>
+            </a:gdLst>
+            <a:ahLst/>
+            <a:cxnLst>
+              <a:cxn ang="0">
+                <a:pos x="connsiteX0" y="connsiteY0"/>
+              </a:cxn>
+              <a:cxn ang="0">
+                <a:pos x="connsiteX1" y="connsiteY1"/>
+              </a:cxn>
+              <a:cxn ang="0">
+                <a:pos x="connsiteX2" y="connsiteY2"/>
+              </a:cxn>
+              <a:cxn ang="0">
+                <a:pos x="connsiteX3" y="connsiteY3"/>
+              </a:cxn>
+              <a:cxn ang="0">
+                <a:pos x="connsiteX4" y="connsiteY4"/>
+              </a:cxn>
+              <a:cxn ang="0">
+                <a:pos x="connsiteX5" y="connsiteY5"/>
+              </a:cxn>
+              <a:cxn ang="0">
+                <a:pos x="connsiteX6" y="connsiteY6"/>
+              </a:cxn>
+              <a:cxn ang="0">
+                <a:pos x="connsiteX7" y="connsiteY7"/>
+              </a:cxn>
+              <a:cxn ang="0">
+                <a:pos x="connsiteX8" y="connsiteY8"/>
+              </a:cxn>
+            </a:cxnLst>
+            <a:rect l="l" t="t" r="r" b="b"/>
+            <a:pathLst>
+              <a:path w="4808302" h="4088666">
+                <a:moveTo>
+                  <a:pt x="48844" y="2888671"/>
+                </a:moveTo>
+                <a:cubicBezTo>
+                  <a:pt x="16818" y="2732167"/>
+                  <a:pt x="0" y="2570123"/>
+                  <a:pt x="0" y="2404151"/>
+                </a:cubicBezTo>
+                <a:cubicBezTo>
+                  <a:pt x="0" y="1076375"/>
+                  <a:pt x="1076375" y="0"/>
+                  <a:pt x="2404151" y="0"/>
+                </a:cubicBezTo>
+                <a:cubicBezTo>
+                  <a:pt x="3731927" y="0"/>
+                  <a:pt x="4808302" y="1076375"/>
+                  <a:pt x="4808302" y="2404151"/>
+                </a:cubicBezTo>
+                <a:cubicBezTo>
+                  <a:pt x="4808302" y="2653109"/>
+                  <a:pt x="4770461" y="2893229"/>
+                  <a:pt x="4700216" y="3119072"/>
+                </a:cubicBezTo>
+                <a:lnTo>
+                  <a:pt x="4643143" y="3275009"/>
+                </a:lnTo>
+                <a:lnTo>
+                  <a:pt x="690093" y="4088666"/>
+                </a:lnTo>
+                <a:lnTo>
+                  <a:pt x="548991" y="3933414"/>
+                </a:lnTo>
+                <a:cubicBezTo>
+                  <a:pt x="304015" y="3636572"/>
+                  <a:pt x="128908" y="3279932"/>
+                  <a:pt x="48844" y="2888671"/>
+                </a:cubicBezTo>
+                <a:close/>
+              </a:path>
+            </a:pathLst>
+          </a:custGeom>
+          <a:gradFill>
+            <a:gsLst>
+              <a:gs pos="39000">
+                <a:schemeClr val="accent1">
+                  <a:lumMod val="60000"/>
+                  <a:lumOff val="40000"/>
+                  <a:alpha val="0"/>
+                </a:schemeClr>
+              </a:gs>
+              <a:gs pos="100000">
+                <a:schemeClr val="accent1">
+                  <a:lumMod val="75000"/>
+                  <a:alpha val="26000"/>
+                </a:schemeClr>
+              </a:gs>
+            </a:gsLst>
+            <a:lin ang="18600000" scaled="0"/>
+          </a:gradFill>
+          <a:ln>
+            <a:noFill/>
+          </a:ln>
+        </p:spPr>
+        <p:style>
+          <a:lnRef idx="2">
+            <a:schemeClr val="accent1">
+              <a:shade val="50000"/>
+            </a:schemeClr>
+          </a:lnRef>
+          <a:fillRef idx="1">
+            <a:schemeClr val="accent1"/>
+          </a:fillRef>
+          <a:effectRef idx="0">
+            <a:schemeClr val="accent1"/>
+          </a:effectRef>
+          <a:fontRef idx="minor">
+            <a:schemeClr val="lt1"/>
+          </a:fontRef>
+        </p:style>
+        <p:txBody>
+          <a:bodyPr wrap="square" rtlCol="0" anchor="ctr">
+            <a:noAutofit/>
+          </a:bodyPr>
+          <a:lstStyle/>
+          <a:p>
+            <a:pPr algn="ctr"/>
+            <a:endParaRPr lang="en-US" dirty="0"/>
+          </a:p>
+        </p:txBody>
+      </p:sp>
+      <p:sp>
+        <p:nvSpPr>
+          <p:cNvPr id="2" name="Titre 1">
+            <a:extLst>
+              <a:ext uri="{FF2B5EF4-FFF2-40B4-BE49-F238E27FC236}">
+                <a16:creationId xmlns:a16="http://schemas.microsoft.com/office/drawing/2014/main" id="{CE3AA862-41FF-6C9A-4694-0882A302F983}"/>
+              </a:ext>
+            </a:extLst>
+          </p:cNvPr>
+          <p:cNvSpPr>
+            <a:spLocks noGrp="1"/>
+          </p:cNvSpPr>
+          <p:nvPr>
+            <p:ph type="title"/>
+          </p:nvPr>
+        </p:nvSpPr>
+        <p:spPr>
+          <a:xfrm>
+            <a:off x="660041" y="2767106"/>
+            <a:ext cx="2880828" cy="3071906"/>
+          </a:xfrm>
+        </p:spPr>
+        <p:txBody>
+          <a:bodyPr vert="horz" lIns="91440" tIns="45720" rIns="91440" bIns="45720" rtlCol="0" anchor="t">
+            <a:normAutofit/>
+          </a:bodyPr>
+          <a:lstStyle/>
+          <a:p>
+            <a:r>
+              <a:rPr lang="en-US" sz="4000" kern="1200" dirty="0">
+                <a:solidFill>
+                  <a:srgbClr val="FFFFFF"/>
+                </a:solidFill>
+                <a:latin typeface="+mj-lt"/>
+                <a:ea typeface="+mj-ea"/>
+                <a:cs typeface="+mj-cs"/>
+              </a:rPr>
+              <a:t>Model</a:t>
+            </a:r>
+          </a:p>
+        </p:txBody>
+      </p:sp>
+      <p:pic>
+        <p:nvPicPr>
+          <p:cNvPr id="4" name="Image 3">
+            <a:extLst>
+              <a:ext uri="{FF2B5EF4-FFF2-40B4-BE49-F238E27FC236}">
+                <a16:creationId xmlns:a16="http://schemas.microsoft.com/office/drawing/2014/main" id="{1CFDA375-01CD-F8A2-EC85-7F1C873ECB92}"/>
+              </a:ext>
+            </a:extLst>
+          </p:cNvPr>
+          <p:cNvPicPr>
+            <a:picLocks noChangeAspect="1"/>
+          </p:cNvPicPr>
+          <p:nvPr/>
+        </p:nvPicPr>
+        <p:blipFill>
+          <a:blip r:embed="rId2"/>
+          <a:stretch>
+            <a:fillRect/>
+          </a:stretch>
+        </p:blipFill>
+        <p:spPr>
+          <a:xfrm>
+            <a:off x="4502428" y="511605"/>
+            <a:ext cx="7225748" cy="5834790"/>
+          </a:xfrm>
+          <a:prstGeom prst="rect">
+            <a:avLst/>
+          </a:prstGeom>
+        </p:spPr>
+      </p:pic>
+    </p:spTree>
+    <p:extLst>
+      <p:ext uri="{BB962C8B-B14F-4D97-AF65-F5344CB8AC3E}">
+        <p14:creationId xmlns:p14="http://schemas.microsoft.com/office/powerpoint/2010/main" val="3021412593"/>
+      </p:ext>
+    </p:extLst>
+  </p:cSld>
+  <p:clrMapOvr>
+    <a:masterClrMapping/>
+  </p:clrMapOvr>
+</p:sld>
+</file>
+
+<file path=ppt/slides/slide25.xml><?xml version="1.0" encoding="utf-8"?>
+<p:sld xmlns:a="http://schemas.openxmlformats.org/drawingml/2006/main" xmlns:r="http://schemas.openxmlformats.org/officeDocument/2006/relationships" xmlns:p="http://schemas.openxmlformats.org/presentationml/2006/main">
+  <p:cSld>
+    <p:bg>
+      <p:bgPr>
+        <a:solidFill>
+          <a:schemeClr val="bg1"/>
+        </a:solidFill>
+        <a:effectLst/>
+      </p:bgPr>
+    </p:bg>
+    <p:spTree>
+      <p:nvGrpSpPr>
+        <p:cNvPr id="1" name=""/>
+        <p:cNvGrpSpPr/>
+        <p:nvPr/>
+      </p:nvGrpSpPr>
+      <p:grpSpPr>
+        <a:xfrm>
+          <a:off x="0" y="0"/>
+          <a:ext cx="0" cy="0"/>
+          <a:chOff x="0" y="0"/>
+          <a:chExt cx="0" cy="0"/>
+        </a:xfrm>
+      </p:grpSpPr>
+      <p:sp useBgFill="1">
+        <p:nvSpPr>
+          <p:cNvPr id="56" name="Rectangle 55">
+            <a:extLst>
+              <a:ext uri="{FF2B5EF4-FFF2-40B4-BE49-F238E27FC236}">
+                <a16:creationId xmlns:a16="http://schemas.microsoft.com/office/drawing/2014/main" id="{2151139A-886F-4B97-8815-729AD3831BBD}"/>
+              </a:ext>
+              <a:ext uri="{C183D7F6-B498-43B3-948B-1728B52AA6E4}">
+                <adec:decorative xmlns:adec="http://schemas.microsoft.com/office/drawing/2017/decorative" val="1"/>
+              </a:ext>
+            </a:extLst>
+          </p:cNvPr>
+          <p:cNvSpPr>
+            <a:spLocks noGrp="1" noRot="1" noChangeAspect="1" noMove="1" noResize="1" noEditPoints="1" noAdjustHandles="1" noChangeArrowheads="1" noChangeShapeType="1" noTextEdit="1"/>
+          </p:cNvSpPr>
+          <p:nvPr>
+            <p:extLst>
+              <p:ext uri="{386F3935-93C4-4BCD-93E2-E3B085C9AB24}">
+                <p16:designElem xmlns:p16="http://schemas.microsoft.com/office/powerpoint/2015/main" val="1"/>
+              </p:ext>
+            </p:extLst>
+          </p:nvPr>
+        </p:nvSpPr>
+        <p:spPr>
+          <a:xfrm>
+            <a:off x="0" y="0"/>
+            <a:ext cx="12192000" cy="6858000"/>
+          </a:xfrm>
+          <a:prstGeom prst="rect">
+            <a:avLst/>
+          </a:prstGeom>
+          <a:ln w="12700" cap="flat" cmpd="sng" algn="ctr">
+            <a:noFill/>
+            <a:prstDash val="solid"/>
+            <a:miter lim="800000"/>
+          </a:ln>
+          <a:effectLst/>
+          <a:extLst>
+            <a:ext uri="{91240B29-F687-4F45-9708-019B960494DF}">
+              <a14:hiddenLine xmlns:a14="http://schemas.microsoft.com/office/drawing/2010/main" w="12700" cap="flat" cmpd="sng" algn="ctr">
+                <a:solidFill>
+                  <a:schemeClr val="accent1">
+                    <a:shade val="50000"/>
+                  </a:schemeClr>
+                </a:solidFill>
+                <a:prstDash val="solid"/>
+                <a:miter lim="800000"/>
+              </a14:hiddenLine>
+            </a:ext>
+          </a:extLst>
+        </p:spPr>
+        <p:style>
+          <a:lnRef idx="2">
+            <a:schemeClr val="accent1">
+              <a:shade val="50000"/>
+            </a:schemeClr>
+          </a:lnRef>
+          <a:fillRef idx="1">
+            <a:schemeClr val="accent1"/>
+          </a:fillRef>
+          <a:effectRef idx="0">
+            <a:schemeClr val="accent1"/>
+          </a:effectRef>
+          <a:fontRef idx="minor">
+            <a:schemeClr val="lt1"/>
+          </a:fontRef>
+        </p:style>
+        <p:txBody>
+          <a:bodyPr rtlCol="0" anchor="ctr"/>
+          <a:lstStyle/>
+          <a:p>
+            <a:pPr algn="ctr"/>
+            <a:endParaRPr lang="en-US" sz="2000"/>
+          </a:p>
+        </p:txBody>
+      </p:sp>
+      <p:sp>
+        <p:nvSpPr>
+          <p:cNvPr id="58" name="Rectangle 57">
+            <a:extLst>
+              <a:ext uri="{FF2B5EF4-FFF2-40B4-BE49-F238E27FC236}">
+                <a16:creationId xmlns:a16="http://schemas.microsoft.com/office/drawing/2014/main" id="{5428AC11-BFDF-42EF-80FF-717BBF909067}"/>
+              </a:ext>
+              <a:ext uri="{C183D7F6-B498-43B3-948B-1728B52AA6E4}">
+                <adec:decorative xmlns:adec="http://schemas.microsoft.com/office/drawing/2017/decorative" val="1"/>
+              </a:ext>
+            </a:extLst>
+          </p:cNvPr>
+          <p:cNvSpPr>
+            <a:spLocks noGrp="1" noRot="1" noChangeAspect="1" noMove="1" noResize="1" noEditPoints="1" noAdjustHandles="1" noChangeArrowheads="1" noChangeShapeType="1" noTextEdit="1"/>
+          </p:cNvSpPr>
+          <p:nvPr>
+            <p:extLst>
+              <p:ext uri="{386F3935-93C4-4BCD-93E2-E3B085C9AB24}">
+                <p16:designElem xmlns:p16="http://schemas.microsoft.com/office/powerpoint/2015/main" val="1"/>
+              </p:ext>
+            </p:extLst>
+          </p:nvPr>
+        </p:nvSpPr>
+        <p:spPr>
+          <a:xfrm rot="5400000" flipH="1">
+            <a:off x="-1417539" y="1417538"/>
+            <a:ext cx="6875818" cy="4040744"/>
+          </a:xfrm>
+          <a:prstGeom prst="rect">
+            <a:avLst/>
+          </a:prstGeom>
+          <a:gradFill>
+            <a:gsLst>
+              <a:gs pos="11000">
+                <a:srgbClr val="000000"/>
+              </a:gs>
+              <a:gs pos="100000">
+                <a:schemeClr val="accent1">
+                  <a:lumMod val="75000"/>
+                </a:schemeClr>
+              </a:gs>
+            </a:gsLst>
+            <a:lin ang="18600000" scaled="0"/>
+          </a:gradFill>
+          <a:ln>
+            <a:noFill/>
+          </a:ln>
+        </p:spPr>
+        <p:style>
+          <a:lnRef idx="2">
+            <a:schemeClr val="accent1">
+              <a:shade val="50000"/>
+            </a:schemeClr>
+          </a:lnRef>
+          <a:fillRef idx="1">
+            <a:schemeClr val="accent1"/>
+          </a:fillRef>
+          <a:effectRef idx="0">
+            <a:schemeClr val="accent1"/>
+          </a:effectRef>
+          <a:fontRef idx="minor">
+            <a:schemeClr val="lt1"/>
+          </a:fontRef>
+        </p:style>
+        <p:txBody>
+          <a:bodyPr rtlCol="0" anchor="ctr"/>
+          <a:lstStyle/>
+          <a:p>
+            <a:pPr algn="ctr"/>
+            <a:endParaRPr lang="en-US" dirty="0"/>
+          </a:p>
+        </p:txBody>
+      </p:sp>
+      <p:sp>
+        <p:nvSpPr>
+          <p:cNvPr id="60" name="Rectangle 59">
+            <a:extLst>
+              <a:ext uri="{FF2B5EF4-FFF2-40B4-BE49-F238E27FC236}">
+                <a16:creationId xmlns:a16="http://schemas.microsoft.com/office/drawing/2014/main" id="{2CC56AF6-38E4-490B-8E2B-1A1037B4EDD4}"/>
+              </a:ext>
+              <a:ext uri="{C183D7F6-B498-43B3-948B-1728B52AA6E4}">
+                <adec:decorative xmlns:adec="http://schemas.microsoft.com/office/drawing/2017/decorative" val="1"/>
+              </a:ext>
+            </a:extLst>
+          </p:cNvPr>
+          <p:cNvSpPr>
+            <a:spLocks noGrp="1" noRot="1" noChangeAspect="1" noMove="1" noResize="1" noEditPoints="1" noAdjustHandles="1" noChangeArrowheads="1" noChangeShapeType="1" noTextEdit="1"/>
+          </p:cNvSpPr>
+          <p:nvPr>
+            <p:extLst>
+              <p:ext uri="{386F3935-93C4-4BCD-93E2-E3B085C9AB24}">
+                <p16:designElem xmlns:p16="http://schemas.microsoft.com/office/powerpoint/2015/main" val="1"/>
+              </p:ext>
+            </p:extLst>
+          </p:nvPr>
+        </p:nvSpPr>
+        <p:spPr>
+          <a:xfrm rot="16200000">
+            <a:off x="-159565" y="2659404"/>
+            <a:ext cx="4355594" cy="4040742"/>
+          </a:xfrm>
+          <a:prstGeom prst="rect">
+            <a:avLst/>
+          </a:prstGeom>
+          <a:gradFill>
+            <a:gsLst>
+              <a:gs pos="0">
+                <a:schemeClr val="accent1">
+                  <a:alpha val="50000"/>
+                </a:schemeClr>
+              </a:gs>
+              <a:gs pos="100000">
+                <a:schemeClr val="accent1">
+                  <a:lumMod val="50000"/>
+                  <a:alpha val="0"/>
+                </a:schemeClr>
+              </a:gs>
+            </a:gsLst>
+            <a:lin ang="11400000" scaled="0"/>
+          </a:gradFill>
+          <a:ln>
+            <a:noFill/>
+          </a:ln>
+        </p:spPr>
+        <p:style>
+          <a:lnRef idx="2">
+            <a:schemeClr val="accent1">
+              <a:shade val="50000"/>
+            </a:schemeClr>
+          </a:lnRef>
+          <a:fillRef idx="1">
+            <a:schemeClr val="accent1"/>
+          </a:fillRef>
+          <a:effectRef idx="0">
+            <a:schemeClr val="accent1"/>
+          </a:effectRef>
+          <a:fontRef idx="minor">
+            <a:schemeClr val="lt1"/>
+          </a:fontRef>
+        </p:style>
+        <p:txBody>
+          <a:bodyPr rtlCol="0" anchor="ctr"/>
+          <a:lstStyle/>
+          <a:p>
+            <a:pPr algn="ctr"/>
+            <a:endParaRPr lang="en-US"/>
+          </a:p>
+        </p:txBody>
+      </p:sp>
+      <p:pic>
+        <p:nvPicPr>
+          <p:cNvPr id="7" name="Image 6">
+            <a:extLst>
+              <a:ext uri="{FF2B5EF4-FFF2-40B4-BE49-F238E27FC236}">
+                <a16:creationId xmlns:a16="http://schemas.microsoft.com/office/drawing/2014/main" id="{46EBA2BC-D6DC-15BE-91B6-2A34054E2291}"/>
+              </a:ext>
+            </a:extLst>
+          </p:cNvPr>
+          <p:cNvPicPr>
+            <a:picLocks noChangeAspect="1"/>
+          </p:cNvPicPr>
+          <p:nvPr/>
+        </p:nvPicPr>
+        <p:blipFill rotWithShape="1">
+          <a:blip r:embed="rId2"/>
+          <a:srcRect r="1" b="27663"/>
+          <a:stretch/>
+        </p:blipFill>
+        <p:spPr>
+          <a:xfrm>
+            <a:off x="4038610" y="7"/>
+            <a:ext cx="4039673" cy="6875812"/>
+          </a:xfrm>
+          <a:prstGeom prst="rect">
+            <a:avLst/>
+          </a:prstGeom>
+        </p:spPr>
+      </p:pic>
+      <p:sp>
+        <p:nvSpPr>
+          <p:cNvPr id="62" name="Freeform: Shape 61">
+            <a:extLst>
+              <a:ext uri="{FF2B5EF4-FFF2-40B4-BE49-F238E27FC236}">
+                <a16:creationId xmlns:a16="http://schemas.microsoft.com/office/drawing/2014/main" id="{32FD26B0-16CE-4AD4-9CE4-A63EBF330831}"/>
+              </a:ext>
+              <a:ext uri="{C183D7F6-B498-43B3-948B-1728B52AA6E4}">
+                <adec:decorative xmlns:adec="http://schemas.microsoft.com/office/drawing/2017/decorative" val="1"/>
+              </a:ext>
+            </a:extLst>
+          </p:cNvPr>
+          <p:cNvSpPr>
+            <a:spLocks noGrp="1" noRot="1" noChangeAspect="1" noMove="1" noResize="1" noEditPoints="1" noAdjustHandles="1" noChangeArrowheads="1" noChangeShapeType="1" noTextEdit="1"/>
+          </p:cNvSpPr>
+          <p:nvPr>
+            <p:extLst>
+              <p:ext uri="{386F3935-93C4-4BCD-93E2-E3B085C9AB24}">
+                <p16:designElem xmlns:p16="http://schemas.microsoft.com/office/powerpoint/2015/main" val="1"/>
+              </p:ext>
+            </p:extLst>
+          </p:nvPr>
+        </p:nvSpPr>
+        <p:spPr>
+          <a:xfrm rot="6097846">
+            <a:off x="-747355" y="1201312"/>
+            <a:ext cx="4808302" cy="4088666"/>
+          </a:xfrm>
+          <a:custGeom>
+            <a:avLst/>
+            <a:gdLst>
+              <a:gd name="connsiteX0" fmla="*/ 48844 w 4808302"/>
+              <a:gd name="connsiteY0" fmla="*/ 2888671 h 4088666"/>
+              <a:gd name="connsiteX1" fmla="*/ 0 w 4808302"/>
+              <a:gd name="connsiteY1" fmla="*/ 2404151 h 4088666"/>
+              <a:gd name="connsiteX2" fmla="*/ 2404151 w 4808302"/>
+              <a:gd name="connsiteY2" fmla="*/ 0 h 4088666"/>
+              <a:gd name="connsiteX3" fmla="*/ 4808302 w 4808302"/>
+              <a:gd name="connsiteY3" fmla="*/ 2404151 h 4088666"/>
+              <a:gd name="connsiteX4" fmla="*/ 4700216 w 4808302"/>
+              <a:gd name="connsiteY4" fmla="*/ 3119072 h 4088666"/>
+              <a:gd name="connsiteX5" fmla="*/ 4643143 w 4808302"/>
+              <a:gd name="connsiteY5" fmla="*/ 3275009 h 4088666"/>
+              <a:gd name="connsiteX6" fmla="*/ 690093 w 4808302"/>
+              <a:gd name="connsiteY6" fmla="*/ 4088666 h 4088666"/>
+              <a:gd name="connsiteX7" fmla="*/ 548991 w 4808302"/>
+              <a:gd name="connsiteY7" fmla="*/ 3933414 h 4088666"/>
+              <a:gd name="connsiteX8" fmla="*/ 48844 w 4808302"/>
+              <a:gd name="connsiteY8" fmla="*/ 2888671 h 4088666"/>
+            </a:gdLst>
+            <a:ahLst/>
+            <a:cxnLst>
+              <a:cxn ang="0">
+                <a:pos x="connsiteX0" y="connsiteY0"/>
+              </a:cxn>
+              <a:cxn ang="0">
+                <a:pos x="connsiteX1" y="connsiteY1"/>
+              </a:cxn>
+              <a:cxn ang="0">
+                <a:pos x="connsiteX2" y="connsiteY2"/>
+              </a:cxn>
+              <a:cxn ang="0">
+                <a:pos x="connsiteX3" y="connsiteY3"/>
+              </a:cxn>
+              <a:cxn ang="0">
+                <a:pos x="connsiteX4" y="connsiteY4"/>
+              </a:cxn>
+              <a:cxn ang="0">
+                <a:pos x="connsiteX5" y="connsiteY5"/>
+              </a:cxn>
+              <a:cxn ang="0">
+                <a:pos x="connsiteX6" y="connsiteY6"/>
+              </a:cxn>
+              <a:cxn ang="0">
+                <a:pos x="connsiteX7" y="connsiteY7"/>
+              </a:cxn>
+              <a:cxn ang="0">
+                <a:pos x="connsiteX8" y="connsiteY8"/>
+              </a:cxn>
+            </a:cxnLst>
+            <a:rect l="l" t="t" r="r" b="b"/>
+            <a:pathLst>
+              <a:path w="4808302" h="4088666">
+                <a:moveTo>
+                  <a:pt x="48844" y="2888671"/>
+                </a:moveTo>
+                <a:cubicBezTo>
+                  <a:pt x="16818" y="2732167"/>
+                  <a:pt x="0" y="2570123"/>
+                  <a:pt x="0" y="2404151"/>
+                </a:cubicBezTo>
+                <a:cubicBezTo>
+                  <a:pt x="0" y="1076375"/>
+                  <a:pt x="1076375" y="0"/>
+                  <a:pt x="2404151" y="0"/>
+                </a:cubicBezTo>
+                <a:cubicBezTo>
+                  <a:pt x="3731927" y="0"/>
+                  <a:pt x="4808302" y="1076375"/>
+                  <a:pt x="4808302" y="2404151"/>
+                </a:cubicBezTo>
+                <a:cubicBezTo>
+                  <a:pt x="4808302" y="2653109"/>
+                  <a:pt x="4770461" y="2893229"/>
+                  <a:pt x="4700216" y="3119072"/>
+                </a:cubicBezTo>
+                <a:lnTo>
+                  <a:pt x="4643143" y="3275009"/>
+                </a:lnTo>
+                <a:lnTo>
+                  <a:pt x="690093" y="4088666"/>
+                </a:lnTo>
+                <a:lnTo>
+                  <a:pt x="548991" y="3933414"/>
+                </a:lnTo>
+                <a:cubicBezTo>
+                  <a:pt x="304015" y="3636572"/>
+                  <a:pt x="128908" y="3279932"/>
+                  <a:pt x="48844" y="2888671"/>
+                </a:cubicBezTo>
+                <a:close/>
+              </a:path>
+            </a:pathLst>
+          </a:custGeom>
+          <a:gradFill>
+            <a:gsLst>
+              <a:gs pos="39000">
+                <a:schemeClr val="accent1">
+                  <a:lumMod val="60000"/>
+                  <a:lumOff val="40000"/>
+                  <a:alpha val="0"/>
+                </a:schemeClr>
+              </a:gs>
+              <a:gs pos="100000">
+                <a:schemeClr val="accent1">
+                  <a:lumMod val="75000"/>
+                  <a:alpha val="26000"/>
+                </a:schemeClr>
+              </a:gs>
+            </a:gsLst>
+            <a:lin ang="16800000" scaled="0"/>
+          </a:gradFill>
+          <a:ln>
+            <a:noFill/>
+          </a:ln>
+        </p:spPr>
+        <p:style>
+          <a:lnRef idx="2">
+            <a:schemeClr val="accent1">
+              <a:shade val="50000"/>
+            </a:schemeClr>
+          </a:lnRef>
+          <a:fillRef idx="1">
+            <a:schemeClr val="accent1"/>
+          </a:fillRef>
+          <a:effectRef idx="0">
+            <a:schemeClr val="accent1"/>
+          </a:effectRef>
+          <a:fontRef idx="minor">
+            <a:schemeClr val="lt1"/>
+          </a:fontRef>
+        </p:style>
+        <p:txBody>
+          <a:bodyPr wrap="square" rtlCol="0" anchor="ctr">
+            <a:noAutofit/>
+          </a:bodyPr>
+          <a:lstStyle/>
+          <a:p>
+            <a:pPr algn="ctr"/>
+            <a:endParaRPr lang="en-US" dirty="0"/>
+          </a:p>
+        </p:txBody>
+      </p:sp>
+      <p:sp>
+        <p:nvSpPr>
+          <p:cNvPr id="2" name="Titre 1">
+            <a:extLst>
+              <a:ext uri="{FF2B5EF4-FFF2-40B4-BE49-F238E27FC236}">
+                <a16:creationId xmlns:a16="http://schemas.microsoft.com/office/drawing/2014/main" id="{CE3AA862-41FF-6C9A-4694-0882A302F983}"/>
+              </a:ext>
+            </a:extLst>
+          </p:cNvPr>
+          <p:cNvSpPr>
+            <a:spLocks noGrp="1"/>
+          </p:cNvSpPr>
+          <p:nvPr>
+            <p:ph type="title"/>
+          </p:nvPr>
+        </p:nvSpPr>
+        <p:spPr>
+          <a:xfrm>
+            <a:off x="553792" y="2945176"/>
+            <a:ext cx="2984937" cy="2757975"/>
+          </a:xfrm>
+        </p:spPr>
+        <p:txBody>
+          <a:bodyPr vert="horz" lIns="91440" tIns="45720" rIns="91440" bIns="45720" rtlCol="0" anchor="t">
+            <a:normAutofit/>
+          </a:bodyPr>
+          <a:lstStyle/>
+          <a:p>
+            <a:pPr algn="r"/>
+            <a:r>
+              <a:rPr lang="en-US" sz="4000" kern="1200" dirty="0">
+                <a:solidFill>
+                  <a:srgbClr val="FFFFFF"/>
+                </a:solidFill>
+                <a:latin typeface="+mj-lt"/>
+                <a:ea typeface="+mj-ea"/>
+                <a:cs typeface="+mj-cs"/>
+              </a:rPr>
+              <a:t>Base de données</a:t>
+            </a:r>
+            <a:endParaRPr lang="en-US" sz="4000" kern="1200">
+              <a:solidFill>
+                <a:srgbClr val="FFFFFF"/>
+              </a:solidFill>
+              <a:latin typeface="+mj-lt"/>
+              <a:ea typeface="+mj-ea"/>
+              <a:cs typeface="+mj-cs"/>
+            </a:endParaRPr>
+          </a:p>
+        </p:txBody>
+      </p:sp>
+      <p:pic>
+        <p:nvPicPr>
+          <p:cNvPr id="5" name="Image 4">
+            <a:extLst>
+              <a:ext uri="{FF2B5EF4-FFF2-40B4-BE49-F238E27FC236}">
+                <a16:creationId xmlns:a16="http://schemas.microsoft.com/office/drawing/2014/main" id="{DDBFFF9B-9D51-4A70-A3E1-BF8FB15C571D}"/>
+              </a:ext>
+            </a:extLst>
+          </p:cNvPr>
+          <p:cNvPicPr>
+            <a:picLocks noChangeAspect="1"/>
+          </p:cNvPicPr>
+          <p:nvPr/>
+        </p:nvPicPr>
+        <p:blipFill rotWithShape="1">
+          <a:blip r:embed="rId3"/>
+          <a:srcRect r="4623" b="-2"/>
+          <a:stretch/>
+        </p:blipFill>
+        <p:spPr>
+          <a:xfrm>
+            <a:off x="8068007" y="-7"/>
+            <a:ext cx="4123986" cy="6876146"/>
+          </a:xfrm>
+          <a:prstGeom prst="rect">
+            <a:avLst/>
+          </a:prstGeom>
+        </p:spPr>
+      </p:pic>
+    </p:spTree>
+    <p:extLst>
+      <p:ext uri="{BB962C8B-B14F-4D97-AF65-F5344CB8AC3E}">
+        <p14:creationId xmlns:p14="http://schemas.microsoft.com/office/powerpoint/2010/main" val="955653940"/>
+      </p:ext>
+    </p:extLst>
+  </p:cSld>
+  <p:clrMapOvr>
+    <a:masterClrMapping/>
+  </p:clrMapOvr>
+  <p:timing>
+    <p:tnLst>
+      <p:par>
+        <p:cTn id="1" dur="indefinite" restart="never" nodeType="tmRoot">
+          <p:childTnLst>
+            <p:seq concurrent="1" nextAc="seek">
+              <p:cTn id="2" dur="indefinite" nodeType="mainSeq">
+                <p:childTnLst>
+                  <p:par>
+                    <p:cTn id="3" fill="hold">
+                      <p:stCondLst>
+                        <p:cond delay="indefinite"/>
+                        <p:cond evt="onBegin" delay="0">
+                          <p:tn val="2"/>
+                        </p:cond>
+                      </p:stCondLst>
+                      <p:childTnLst>
+                        <p:par>
+                          <p:cTn id="4" fill="hold">
+                            <p:stCondLst>
+                              <p:cond delay="0"/>
+                            </p:stCondLst>
+                            <p:childTnLst>
+                              <p:par>
+                                <p:cTn id="5" presetID="10" presetClass="entr" presetSubtype="0" fill="hold" grpId="0" nodeType="withEffect">
+                                  <p:stCondLst>
+                                    <p:cond delay="1000"/>
+                                  </p:stCondLst>
+                                  <p:iterate>
+                                    <p:tmPct val="10000"/>
+                                  </p:iterate>
+                                  <p:childTnLst>
+                                    <p:set>
+                                      <p:cBhvr>
+                                        <p:cTn id="6" dur="1" fill="hold">
+                                          <p:stCondLst>
+                                            <p:cond delay="0"/>
+                                          </p:stCondLst>
+                                        </p:cTn>
+                                        <p:tgtEl>
+                                          <p:spTgt spid="2"/>
+                                        </p:tgtEl>
+                                        <p:attrNameLst>
+                                          <p:attrName>style.visibility</p:attrName>
+                                        </p:attrNameLst>
+                                      </p:cBhvr>
+                                      <p:to>
+                                        <p:strVal val="visible"/>
+                                      </p:to>
+                                    </p:set>
+                                    <p:animEffect transition="in" filter="fade">
+                                      <p:cBhvr>
+                                        <p:cTn id="7" dur="700"/>
+                                        <p:tgtEl>
+                                          <p:spTgt spid="2"/>
+                                        </p:tgtEl>
+                                      </p:cBhvr>
+                                    </p:animEffect>
+                                  </p:childTnLst>
+                                </p:cTn>
+                              </p:par>
+                            </p:childTnLst>
+                          </p:cTn>
+                        </p:par>
+                      </p:childTnLst>
+                    </p:cTn>
+                  </p:par>
+                </p:childTnLst>
+              </p:cTn>
+              <p:prevCondLst>
+                <p:cond evt="onPrev" delay="0">
+                  <p:tgtEl>
+                    <p:sldTgt/>
+                  </p:tgtEl>
+                </p:cond>
+              </p:prevCondLst>
+              <p:nextCondLst>
+                <p:cond evt="onNext" delay="0">
+                  <p:tgtEl>
+                    <p:sldTgt/>
+                  </p:tgtEl>
+                </p:cond>
+              </p:nextCondLst>
+            </p:seq>
+          </p:childTnLst>
+        </p:cTn>
+      </p:par>
+    </p:tnLst>
+    <p:bldLst>
+      <p:bldP spid="2" grpId="0"/>
+    </p:bldLst>
+  </p:timing>
+</p:sld>
+</file>
+
+<file path=ppt/slides/slide26.xml><?xml version="1.0" encoding="utf-8"?>
+<p:sld xmlns:a="http://schemas.openxmlformats.org/drawingml/2006/main" xmlns:r="http://schemas.openxmlformats.org/officeDocument/2006/relationships" xmlns:p="http://schemas.openxmlformats.org/presentationml/2006/main">
+  <p:cSld>
+    <p:bg>
+      <p:bgPr>
+        <a:solidFill>
+          <a:schemeClr val="bg1"/>
+        </a:solidFill>
+        <a:effectLst/>
+      </p:bgPr>
+    </p:bg>
+    <p:spTree>
+      <p:nvGrpSpPr>
+        <p:cNvPr id="1" name=""/>
+        <p:cNvGrpSpPr/>
+        <p:nvPr/>
+      </p:nvGrpSpPr>
+      <p:grpSpPr>
+        <a:xfrm>
+          <a:off x="0" y="0"/>
+          <a:ext cx="0" cy="0"/>
+          <a:chOff x="0" y="0"/>
+          <a:chExt cx="0" cy="0"/>
+        </a:xfrm>
+      </p:grpSpPr>
       <p:sp>
         <p:nvSpPr>
           <p:cNvPr id="2" name="Titre 1">
@@ -31230,7 +30934,7 @@
 </p:sld>
 </file>
 
-<file path=ppt/slides/slide21.xml><?xml version="1.0" encoding="utf-8"?>
+<file path=ppt/slides/slide27.xml><?xml version="1.0" encoding="utf-8"?>
 <p:sld xmlns:a="http://schemas.openxmlformats.org/drawingml/2006/main" xmlns:r="http://schemas.openxmlformats.org/officeDocument/2006/relationships" xmlns:p="http://schemas.openxmlformats.org/presentationml/2006/main">
   <p:cSld>
     <p:bg>
@@ -31404,7 +31108,7 @@
 </p:sld>
 </file>
 
-<file path=ppt/slides/slide22.xml><?xml version="1.0" encoding="utf-8"?>
+<file path=ppt/slides/slide28.xml><?xml version="1.0" encoding="utf-8"?>
 <p:sld xmlns:a="http://schemas.openxmlformats.org/drawingml/2006/main" xmlns:r="http://schemas.openxmlformats.org/officeDocument/2006/relationships" xmlns:p="http://schemas.openxmlformats.org/presentationml/2006/main">
   <p:cSld>
     <p:bg>
@@ -31607,7 +31311,7 @@
 </p:sld>
 </file>
 
-<file path=ppt/slides/slide23.xml><?xml version="1.0" encoding="utf-8"?>
+<file path=ppt/slides/slide29.xml><?xml version="1.0" encoding="utf-8"?>
 <p:sld xmlns:a="http://schemas.openxmlformats.org/drawingml/2006/main" xmlns:r="http://schemas.openxmlformats.org/officeDocument/2006/relationships" xmlns:p="http://schemas.openxmlformats.org/presentationml/2006/main">
   <p:cSld>
     <p:bg>
@@ -31829,7 +31533,91 @@
 </p:sld>
 </file>
 
-<file path=ppt/slides/slide24.xml><?xml version="1.0" encoding="utf-8"?>
+<file path=ppt/slides/slide3.xml><?xml version="1.0" encoding="utf-8"?>
+<p:sld xmlns:a="http://schemas.openxmlformats.org/drawingml/2006/main" xmlns:r="http://schemas.openxmlformats.org/officeDocument/2006/relationships" xmlns:p="http://schemas.openxmlformats.org/presentationml/2006/main">
+  <p:cSld>
+    <p:spTree>
+      <p:nvGrpSpPr>
+        <p:cNvPr id="1" name=""/>
+        <p:cNvGrpSpPr/>
+        <p:nvPr/>
+      </p:nvGrpSpPr>
+      <p:grpSpPr>
+        <a:xfrm>
+          <a:off x="0" y="0"/>
+          <a:ext cx="0" cy="0"/>
+          <a:chOff x="0" y="0"/>
+          <a:chExt cx="0" cy="0"/>
+        </a:xfrm>
+      </p:grpSpPr>
+      <p:sp>
+        <p:nvSpPr>
+          <p:cNvPr id="2" name="Titre 1">
+            <a:extLst>
+              <a:ext uri="{FF2B5EF4-FFF2-40B4-BE49-F238E27FC236}">
+                <a16:creationId xmlns:a16="http://schemas.microsoft.com/office/drawing/2014/main" id="{C491675E-471B-99F2-5571-6128176964DA}"/>
+              </a:ext>
+            </a:extLst>
+          </p:cNvPr>
+          <p:cNvSpPr>
+            <a:spLocks noGrp="1"/>
+          </p:cNvSpPr>
+          <p:nvPr>
+            <p:ph type="title"/>
+          </p:nvPr>
+        </p:nvSpPr>
+        <p:spPr/>
+        <p:txBody>
+          <a:bodyPr/>
+          <a:lstStyle/>
+          <a:p>
+            <a:r>
+              <a:rPr lang="fr-FR" dirty="0"/>
+              <a:t>Cahier des charges</a:t>
+            </a:r>
+          </a:p>
+        </p:txBody>
+      </p:sp>
+      <p:graphicFrame>
+        <p:nvGraphicFramePr>
+          <p:cNvPr id="5" name="Espace réservé du contenu 2">
+            <a:extLst>
+              <a:ext uri="{FF2B5EF4-FFF2-40B4-BE49-F238E27FC236}">
+                <a16:creationId xmlns:a16="http://schemas.microsoft.com/office/drawing/2014/main" id="{DB562BCD-4CDE-347C-84C9-DE9106A8024C}"/>
+              </a:ext>
+            </a:extLst>
+          </p:cNvPr>
+          <p:cNvGraphicFramePr>
+            <a:graphicFrameLocks noGrp="1"/>
+          </p:cNvGraphicFramePr>
+          <p:nvPr>
+            <p:ph idx="1"/>
+          </p:nvPr>
+        </p:nvGraphicFramePr>
+        <p:xfrm>
+          <a:off x="838200" y="1825625"/>
+          <a:ext cx="10515600" cy="4351338"/>
+        </p:xfrm>
+        <a:graphic>
+          <a:graphicData uri="http://schemas.openxmlformats.org/drawingml/2006/diagram">
+            <dgm:relIds xmlns:dgm="http://schemas.openxmlformats.org/drawingml/2006/diagram" xmlns:r="http://schemas.openxmlformats.org/officeDocument/2006/relationships" r:dm="rId2" r:lo="rId3" r:qs="rId4" r:cs="rId5"/>
+          </a:graphicData>
+        </a:graphic>
+      </p:graphicFrame>
+    </p:spTree>
+    <p:extLst>
+      <p:ext uri="{BB962C8B-B14F-4D97-AF65-F5344CB8AC3E}">
+        <p14:creationId xmlns:p14="http://schemas.microsoft.com/office/powerpoint/2010/main" val="1193168792"/>
+      </p:ext>
+    </p:extLst>
+  </p:cSld>
+  <p:clrMapOvr>
+    <a:masterClrMapping/>
+  </p:clrMapOvr>
+</p:sld>
+</file>
+
+<file path=ppt/slides/slide30.xml><?xml version="1.0" encoding="utf-8"?>
 <p:sld xmlns:a="http://schemas.openxmlformats.org/drawingml/2006/main" xmlns:r="http://schemas.openxmlformats.org/officeDocument/2006/relationships" xmlns:p="http://schemas.openxmlformats.org/presentationml/2006/main">
   <p:cSld>
     <p:bg>
@@ -32128,7 +31916,7 @@
 </p:sld>
 </file>
 
-<file path=ppt/slides/slide25.xml><?xml version="1.0" encoding="utf-8"?>
+<file path=ppt/slides/slide31.xml><?xml version="1.0" encoding="utf-8"?>
 <p:sld xmlns:a="http://schemas.openxmlformats.org/drawingml/2006/main" xmlns:r="http://schemas.openxmlformats.org/officeDocument/2006/relationships" xmlns:p="http://schemas.openxmlformats.org/presentationml/2006/main">
   <p:cSld>
     <p:bg>
@@ -32344,7 +32132,7 @@
 </p:sld>
 </file>
 
-<file path=ppt/slides/slide26.xml><?xml version="1.0" encoding="utf-8"?>
+<file path=ppt/slides/slide32.xml><?xml version="1.0" encoding="utf-8"?>
 <p:sld xmlns:a="http://schemas.openxmlformats.org/drawingml/2006/main" xmlns:r="http://schemas.openxmlformats.org/officeDocument/2006/relationships" xmlns:p="http://schemas.openxmlformats.org/presentationml/2006/main">
   <p:cSld>
     <p:bg>
@@ -32881,7 +32669,7 @@
 </p:sld>
 </file>
 
-<file path=ppt/slides/slide27.xml><?xml version="1.0" encoding="utf-8"?>
+<file path=ppt/slides/slide33.xml><?xml version="1.0" encoding="utf-8"?>
 <p:sld xmlns:a="http://schemas.openxmlformats.org/drawingml/2006/main" xmlns:r="http://schemas.openxmlformats.org/officeDocument/2006/relationships" xmlns:p="http://schemas.openxmlformats.org/presentationml/2006/main">
   <p:cSld>
     <p:bg>
@@ -33390,7 +33178,7 @@
             <p:ph idx="1"/>
             <p:extLst>
               <p:ext uri="{D42A27DB-BD31-4B8C-83A1-F6EECF244321}">
-                <p14:modId xmlns:p14="http://schemas.microsoft.com/office/powerpoint/2010/main" val="146734469"/>
+                <p14:modId xmlns:p14="http://schemas.microsoft.com/office/powerpoint/2010/main" val="3516785951"/>
               </p:ext>
             </p:extLst>
           </p:nvPr>
@@ -33418,649 +33206,7 @@
 </p:sld>
 </file>
 
-<file path=ppt/slides/slide3.xml><?xml version="1.0" encoding="utf-8"?>
-<p:sld xmlns:a="http://schemas.openxmlformats.org/drawingml/2006/main" xmlns:r="http://schemas.openxmlformats.org/officeDocument/2006/relationships" xmlns:p="http://schemas.openxmlformats.org/presentationml/2006/main">
-  <p:cSld>
-    <p:spTree>
-      <p:nvGrpSpPr>
-        <p:cNvPr id="1" name=""/>
-        <p:cNvGrpSpPr/>
-        <p:nvPr/>
-      </p:nvGrpSpPr>
-      <p:grpSpPr>
-        <a:xfrm>
-          <a:off x="0" y="0"/>
-          <a:ext cx="0" cy="0"/>
-          <a:chOff x="0" y="0"/>
-          <a:chExt cx="0" cy="0"/>
-        </a:xfrm>
-      </p:grpSpPr>
-      <p:sp>
-        <p:nvSpPr>
-          <p:cNvPr id="2" name="Titre 1">
-            <a:extLst>
-              <a:ext uri="{FF2B5EF4-FFF2-40B4-BE49-F238E27FC236}">
-                <a16:creationId xmlns:a16="http://schemas.microsoft.com/office/drawing/2014/main" id="{C491675E-471B-99F2-5571-6128176964DA}"/>
-              </a:ext>
-            </a:extLst>
-          </p:cNvPr>
-          <p:cNvSpPr>
-            <a:spLocks noGrp="1"/>
-          </p:cNvSpPr>
-          <p:nvPr>
-            <p:ph type="title"/>
-          </p:nvPr>
-        </p:nvSpPr>
-        <p:spPr/>
-        <p:txBody>
-          <a:bodyPr/>
-          <a:lstStyle/>
-          <a:p>
-            <a:r>
-              <a:rPr lang="fr-FR" dirty="0"/>
-              <a:t>Cahier des charges</a:t>
-            </a:r>
-          </a:p>
-        </p:txBody>
-      </p:sp>
-      <p:graphicFrame>
-        <p:nvGraphicFramePr>
-          <p:cNvPr id="5" name="Espace réservé du contenu 2">
-            <a:extLst>
-              <a:ext uri="{FF2B5EF4-FFF2-40B4-BE49-F238E27FC236}">
-                <a16:creationId xmlns:a16="http://schemas.microsoft.com/office/drawing/2014/main" id="{DB562BCD-4CDE-347C-84C9-DE9106A8024C}"/>
-              </a:ext>
-            </a:extLst>
-          </p:cNvPr>
-          <p:cNvGraphicFramePr>
-            <a:graphicFrameLocks noGrp="1"/>
-          </p:cNvGraphicFramePr>
-          <p:nvPr>
-            <p:ph idx="1"/>
-          </p:nvPr>
-        </p:nvGraphicFramePr>
-        <p:xfrm>
-          <a:off x="838200" y="1825625"/>
-          <a:ext cx="10515600" cy="4351338"/>
-        </p:xfrm>
-        <a:graphic>
-          <a:graphicData uri="http://schemas.openxmlformats.org/drawingml/2006/diagram">
-            <dgm:relIds xmlns:dgm="http://schemas.openxmlformats.org/drawingml/2006/diagram" xmlns:r="http://schemas.openxmlformats.org/officeDocument/2006/relationships" r:dm="rId2" r:lo="rId3" r:qs="rId4" r:cs="rId5"/>
-          </a:graphicData>
-        </a:graphic>
-      </p:graphicFrame>
-    </p:spTree>
-    <p:extLst>
-      <p:ext uri="{BB962C8B-B14F-4D97-AF65-F5344CB8AC3E}">
-        <p14:creationId xmlns:p14="http://schemas.microsoft.com/office/powerpoint/2010/main" val="1193168792"/>
-      </p:ext>
-    </p:extLst>
-  </p:cSld>
-  <p:clrMapOvr>
-    <a:masterClrMapping/>
-  </p:clrMapOvr>
-</p:sld>
-</file>
-
 <file path=ppt/slides/slide4.xml><?xml version="1.0" encoding="utf-8"?>
-<p:sld xmlns:a="http://schemas.openxmlformats.org/drawingml/2006/main" xmlns:r="http://schemas.openxmlformats.org/officeDocument/2006/relationships" xmlns:p="http://schemas.openxmlformats.org/presentationml/2006/main">
-  <p:cSld>
-    <p:bg>
-      <p:bgPr>
-        <a:solidFill>
-          <a:schemeClr val="bg1"/>
-        </a:solidFill>
-        <a:effectLst/>
-      </p:bgPr>
-    </p:bg>
-    <p:spTree>
-      <p:nvGrpSpPr>
-        <p:cNvPr id="1" name=""/>
-        <p:cNvGrpSpPr/>
-        <p:nvPr/>
-      </p:nvGrpSpPr>
-      <p:grpSpPr>
-        <a:xfrm>
-          <a:off x="0" y="0"/>
-          <a:ext cx="0" cy="0"/>
-          <a:chOff x="0" y="0"/>
-          <a:chExt cx="0" cy="0"/>
-        </a:xfrm>
-      </p:grpSpPr>
-      <p:sp useBgFill="1">
-        <p:nvSpPr>
-          <p:cNvPr id="8" name="Rectangle 7">
-            <a:extLst>
-              <a:ext uri="{FF2B5EF4-FFF2-40B4-BE49-F238E27FC236}">
-                <a16:creationId xmlns:a16="http://schemas.microsoft.com/office/drawing/2014/main" id="{081EA652-8C6A-4E69-BEB9-170809474553}"/>
-              </a:ext>
-              <a:ext uri="{C183D7F6-B498-43B3-948B-1728B52AA6E4}">
-                <adec:decorative xmlns:adec="http://schemas.microsoft.com/office/drawing/2017/decorative" val="1"/>
-              </a:ext>
-            </a:extLst>
-          </p:cNvPr>
-          <p:cNvSpPr>
-            <a:spLocks noGrp="1" noRot="1" noChangeAspect="1" noMove="1" noResize="1" noEditPoints="1" noAdjustHandles="1" noChangeArrowheads="1" noChangeShapeType="1" noTextEdit="1"/>
-          </p:cNvSpPr>
-          <p:nvPr>
-            <p:extLst>
-              <p:ext uri="{386F3935-93C4-4BCD-93E2-E3B085C9AB24}">
-                <p16:designElem xmlns:p16="http://schemas.microsoft.com/office/powerpoint/2015/main" val="1"/>
-              </p:ext>
-            </p:extLst>
-          </p:nvPr>
-        </p:nvSpPr>
-        <p:spPr>
-          <a:xfrm>
-            <a:off x="0" y="0"/>
-            <a:ext cx="12192000" cy="6858000"/>
-          </a:xfrm>
-          <a:prstGeom prst="rect">
-            <a:avLst/>
-          </a:prstGeom>
-          <a:ln>
-            <a:noFill/>
-          </a:ln>
-        </p:spPr>
-        <p:style>
-          <a:lnRef idx="2">
-            <a:schemeClr val="accent1">
-              <a:shade val="50000"/>
-            </a:schemeClr>
-          </a:lnRef>
-          <a:fillRef idx="1">
-            <a:schemeClr val="accent1"/>
-          </a:fillRef>
-          <a:effectRef idx="0">
-            <a:schemeClr val="accent1"/>
-          </a:effectRef>
-          <a:fontRef idx="minor">
-            <a:schemeClr val="lt1"/>
-          </a:fontRef>
-        </p:style>
-        <p:txBody>
-          <a:bodyPr rtlCol="0" anchor="ctr"/>
-          <a:lstStyle/>
-          <a:p>
-            <a:pPr algn="ctr"/>
-            <a:endParaRPr lang="en-US"/>
-          </a:p>
-        </p:txBody>
-      </p:sp>
-      <p:sp>
-        <p:nvSpPr>
-          <p:cNvPr id="10" name="Freeform: Shape 9">
-            <a:extLst>
-              <a:ext uri="{FF2B5EF4-FFF2-40B4-BE49-F238E27FC236}">
-                <a16:creationId xmlns:a16="http://schemas.microsoft.com/office/drawing/2014/main" id="{A4026A73-1F7F-49F2-B319-8CA3B3D53269}"/>
-              </a:ext>
-              <a:ext uri="{C183D7F6-B498-43B3-948B-1728B52AA6E4}">
-                <adec:decorative xmlns:adec="http://schemas.microsoft.com/office/drawing/2017/decorative" val="1"/>
-              </a:ext>
-            </a:extLst>
-          </p:cNvPr>
-          <p:cNvSpPr>
-            <a:spLocks noGrp="1" noRot="1" noChangeAspect="1" noMove="1" noResize="1" noEditPoints="1" noAdjustHandles="1" noChangeArrowheads="1" noChangeShapeType="1" noTextEdit="1"/>
-          </p:cNvSpPr>
-          <p:nvPr>
-            <p:extLst>
-              <p:ext uri="{386F3935-93C4-4BCD-93E2-E3B085C9AB24}">
-                <p16:designElem xmlns:p16="http://schemas.microsoft.com/office/powerpoint/2015/main" val="1"/>
-              </p:ext>
-            </p:extLst>
-          </p:nvPr>
-        </p:nvSpPr>
-        <p:spPr>
-          <a:xfrm>
-            <a:off x="321732" y="321733"/>
-            <a:ext cx="11546828" cy="6214534"/>
-          </a:xfrm>
-          <a:custGeom>
-            <a:avLst/>
-            <a:gdLst>
-              <a:gd name="connsiteX0" fmla="*/ 0 w 11546828"/>
-              <a:gd name="connsiteY0" fmla="*/ 0 h 6214534"/>
-              <a:gd name="connsiteX1" fmla="*/ 7965430 w 11546828"/>
-              <a:gd name="connsiteY1" fmla="*/ 0 h 6214534"/>
-              <a:gd name="connsiteX2" fmla="*/ 7965430 w 11546828"/>
-              <a:gd name="connsiteY2" fmla="*/ 1786 h 6214534"/>
-              <a:gd name="connsiteX3" fmla="*/ 11546828 w 11546828"/>
-              <a:gd name="connsiteY3" fmla="*/ 1786 h 6214534"/>
-              <a:gd name="connsiteX4" fmla="*/ 11546828 w 11546828"/>
-              <a:gd name="connsiteY4" fmla="*/ 2866740 h 6214534"/>
-              <a:gd name="connsiteX5" fmla="*/ 11225095 w 11546828"/>
-              <a:gd name="connsiteY5" fmla="*/ 3179536 h 6214534"/>
-              <a:gd name="connsiteX6" fmla="*/ 11225095 w 11546828"/>
-              <a:gd name="connsiteY6" fmla="*/ 301542 h 6214534"/>
-              <a:gd name="connsiteX7" fmla="*/ 320042 w 11546828"/>
-              <a:gd name="connsiteY7" fmla="*/ 301542 h 6214534"/>
-              <a:gd name="connsiteX8" fmla="*/ 320042 w 11546828"/>
-              <a:gd name="connsiteY8" fmla="*/ 5909424 h 6214534"/>
-              <a:gd name="connsiteX9" fmla="*/ 8417210 w 11546828"/>
-              <a:gd name="connsiteY9" fmla="*/ 5909424 h 6214534"/>
-              <a:gd name="connsiteX10" fmla="*/ 8103383 w 11546828"/>
-              <a:gd name="connsiteY10" fmla="*/ 6214534 h 6214534"/>
-              <a:gd name="connsiteX11" fmla="*/ 7222929 w 11546828"/>
-              <a:gd name="connsiteY11" fmla="*/ 6214534 h 6214534"/>
-              <a:gd name="connsiteX12" fmla="*/ 7222929 w 11546828"/>
-              <a:gd name="connsiteY12" fmla="*/ 6212748 h 6214534"/>
-              <a:gd name="connsiteX13" fmla="*/ 0 w 11546828"/>
-              <a:gd name="connsiteY13" fmla="*/ 6212748 h 6214534"/>
-            </a:gdLst>
-            <a:ahLst/>
-            <a:cxnLst>
-              <a:cxn ang="0">
-                <a:pos x="connsiteX0" y="connsiteY0"/>
-              </a:cxn>
-              <a:cxn ang="0">
-                <a:pos x="connsiteX1" y="connsiteY1"/>
-              </a:cxn>
-              <a:cxn ang="0">
-                <a:pos x="connsiteX2" y="connsiteY2"/>
-              </a:cxn>
-              <a:cxn ang="0">
-                <a:pos x="connsiteX3" y="connsiteY3"/>
-              </a:cxn>
-              <a:cxn ang="0">
-                <a:pos x="connsiteX4" y="connsiteY4"/>
-              </a:cxn>
-              <a:cxn ang="0">
-                <a:pos x="connsiteX5" y="connsiteY5"/>
-              </a:cxn>
-              <a:cxn ang="0">
-                <a:pos x="connsiteX6" y="connsiteY6"/>
-              </a:cxn>
-              <a:cxn ang="0">
-                <a:pos x="connsiteX7" y="connsiteY7"/>
-              </a:cxn>
-              <a:cxn ang="0">
-                <a:pos x="connsiteX8" y="connsiteY8"/>
-              </a:cxn>
-              <a:cxn ang="0">
-                <a:pos x="connsiteX9" y="connsiteY9"/>
-              </a:cxn>
-              <a:cxn ang="0">
-                <a:pos x="connsiteX10" y="connsiteY10"/>
-              </a:cxn>
-              <a:cxn ang="0">
-                <a:pos x="connsiteX11" y="connsiteY11"/>
-              </a:cxn>
-              <a:cxn ang="0">
-                <a:pos x="connsiteX12" y="connsiteY12"/>
-              </a:cxn>
-              <a:cxn ang="0">
-                <a:pos x="connsiteX13" y="connsiteY13"/>
-              </a:cxn>
-            </a:cxnLst>
-            <a:rect l="l" t="t" r="r" b="b"/>
-            <a:pathLst>
-              <a:path w="11546828" h="6214534">
-                <a:moveTo>
-                  <a:pt x="0" y="0"/>
-                </a:moveTo>
-                <a:lnTo>
-                  <a:pt x="7965430" y="0"/>
-                </a:lnTo>
-                <a:lnTo>
-                  <a:pt x="7965430" y="1786"/>
-                </a:lnTo>
-                <a:lnTo>
-                  <a:pt x="11546828" y="1786"/>
-                </a:lnTo>
-                <a:lnTo>
-                  <a:pt x="11546828" y="2866740"/>
-                </a:lnTo>
-                <a:lnTo>
-                  <a:pt x="11225095" y="3179536"/>
-                </a:lnTo>
-                <a:lnTo>
-                  <a:pt x="11225095" y="301542"/>
-                </a:lnTo>
-                <a:lnTo>
-                  <a:pt x="320042" y="301542"/>
-                </a:lnTo>
-                <a:lnTo>
-                  <a:pt x="320042" y="5909424"/>
-                </a:lnTo>
-                <a:lnTo>
-                  <a:pt x="8417210" y="5909424"/>
-                </a:lnTo>
-                <a:lnTo>
-                  <a:pt x="8103383" y="6214534"/>
-                </a:lnTo>
-                <a:lnTo>
-                  <a:pt x="7222929" y="6214534"/>
-                </a:lnTo>
-                <a:lnTo>
-                  <a:pt x="7222929" y="6212748"/>
-                </a:lnTo>
-                <a:lnTo>
-                  <a:pt x="0" y="6212748"/>
-                </a:lnTo>
-                <a:close/>
-              </a:path>
-            </a:pathLst>
-          </a:custGeom>
-          <a:solidFill>
-            <a:schemeClr val="tx1">
-              <a:lumMod val="50000"/>
-              <a:lumOff val="50000"/>
-              <a:alpha val="25000"/>
-            </a:schemeClr>
-          </a:solidFill>
-          <a:ln>
-            <a:noFill/>
-          </a:ln>
-        </p:spPr>
-        <p:style>
-          <a:lnRef idx="2">
-            <a:schemeClr val="accent1">
-              <a:shade val="50000"/>
-            </a:schemeClr>
-          </a:lnRef>
-          <a:fillRef idx="1">
-            <a:schemeClr val="accent1"/>
-          </a:fillRef>
-          <a:effectRef idx="0">
-            <a:schemeClr val="accent1"/>
-          </a:effectRef>
-          <a:fontRef idx="minor">
-            <a:schemeClr val="lt1"/>
-          </a:fontRef>
-        </p:style>
-        <p:txBody>
-          <a:bodyPr wrap="square" rtlCol="0" anchor="ctr">
-            <a:noAutofit/>
-          </a:bodyPr>
-          <a:lstStyle/>
-          <a:p>
-            <a:pPr algn="ctr"/>
-            <a:endParaRPr lang="en-US"/>
-          </a:p>
-        </p:txBody>
-      </p:sp>
-      <p:sp>
-        <p:nvSpPr>
-          <p:cNvPr id="12" name="Right Triangle 11">
-            <a:extLst>
-              <a:ext uri="{FF2B5EF4-FFF2-40B4-BE49-F238E27FC236}">
-                <a16:creationId xmlns:a16="http://schemas.microsoft.com/office/drawing/2014/main" id="{5298780A-33B9-4EA2-8F67-DE68AD62841B}"/>
-              </a:ext>
-              <a:ext uri="{C183D7F6-B498-43B3-948B-1728B52AA6E4}">
-                <adec:decorative xmlns:adec="http://schemas.microsoft.com/office/drawing/2017/decorative" val="1"/>
-              </a:ext>
-            </a:extLst>
-          </p:cNvPr>
-          <p:cNvSpPr>
-            <a:spLocks noGrp="1" noRot="1" noChangeAspect="1" noMove="1" noResize="1" noEditPoints="1" noAdjustHandles="1" noChangeArrowheads="1" noChangeShapeType="1" noTextEdit="1"/>
-          </p:cNvSpPr>
-          <p:nvPr>
-            <p:extLst>
-              <p:ext uri="{386F3935-93C4-4BCD-93E2-E3B085C9AB24}">
-                <p16:designElem xmlns:p16="http://schemas.microsoft.com/office/powerpoint/2015/main" val="1"/>
-              </p:ext>
-            </p:extLst>
-          </p:nvPr>
-        </p:nvSpPr>
-        <p:spPr>
-          <a:xfrm flipH="1">
-            <a:off x="8576720" y="3335867"/>
-            <a:ext cx="3291840" cy="3200400"/>
-          </a:xfrm>
-          <a:prstGeom prst="rtTriangle">
-            <a:avLst/>
-          </a:prstGeom>
-          <a:solidFill>
-            <a:schemeClr val="accent4"/>
-          </a:solidFill>
-          <a:ln>
-            <a:noFill/>
-          </a:ln>
-        </p:spPr>
-        <p:style>
-          <a:lnRef idx="2">
-            <a:schemeClr val="accent1">
-              <a:shade val="50000"/>
-            </a:schemeClr>
-          </a:lnRef>
-          <a:fillRef idx="1">
-            <a:schemeClr val="accent1"/>
-          </a:fillRef>
-          <a:effectRef idx="0">
-            <a:schemeClr val="accent1"/>
-          </a:effectRef>
-          <a:fontRef idx="minor">
-            <a:schemeClr val="lt1"/>
-          </a:fontRef>
-        </p:style>
-        <p:txBody>
-          <a:bodyPr rtlCol="0" anchor="ctr"/>
-          <a:lstStyle/>
-          <a:p>
-            <a:pPr algn="ctr"/>
-            <a:endParaRPr lang="en-US" dirty="0"/>
-          </a:p>
-        </p:txBody>
-      </p:sp>
-      <p:sp>
-        <p:nvSpPr>
-          <p:cNvPr id="14" name="Rectangle 13">
-            <a:extLst>
-              <a:ext uri="{FF2B5EF4-FFF2-40B4-BE49-F238E27FC236}">
-                <a16:creationId xmlns:a16="http://schemas.microsoft.com/office/drawing/2014/main" id="{7F488E8B-4E1E-4402-8935-D4E6C02615C7}"/>
-              </a:ext>
-              <a:ext uri="{C183D7F6-B498-43B3-948B-1728B52AA6E4}">
-                <adec:decorative xmlns:adec="http://schemas.microsoft.com/office/drawing/2017/decorative" val="1"/>
-              </a:ext>
-            </a:extLst>
-          </p:cNvPr>
-          <p:cNvSpPr>
-            <a:spLocks noGrp="1" noRot="1" noChangeAspect="1" noMove="1" noResize="1" noEditPoints="1" noAdjustHandles="1" noChangeArrowheads="1" noChangeShapeType="1" noTextEdit="1"/>
-          </p:cNvSpPr>
-          <p:nvPr>
-            <p:extLst>
-              <p:ext uri="{386F3935-93C4-4BCD-93E2-E3B085C9AB24}">
-                <p16:designElem xmlns:p16="http://schemas.microsoft.com/office/powerpoint/2015/main" val="1"/>
-              </p:ext>
-            </p:extLst>
-          </p:nvPr>
-        </p:nvSpPr>
-        <p:spPr>
-          <a:xfrm>
-            <a:off x="641774" y="623275"/>
-            <a:ext cx="10905053" cy="5607882"/>
-          </a:xfrm>
-          <a:prstGeom prst="rect">
-            <a:avLst/>
-          </a:prstGeom>
-          <a:noFill/>
-          <a:ln w="19050">
-            <a:noFill/>
-          </a:ln>
-        </p:spPr>
-        <p:style>
-          <a:lnRef idx="2">
-            <a:schemeClr val="accent1">
-              <a:shade val="50000"/>
-            </a:schemeClr>
-          </a:lnRef>
-          <a:fillRef idx="1">
-            <a:schemeClr val="accent1"/>
-          </a:fillRef>
-          <a:effectRef idx="0">
-            <a:schemeClr val="accent1"/>
-          </a:effectRef>
-          <a:fontRef idx="minor">
-            <a:schemeClr val="lt1"/>
-          </a:fontRef>
-        </p:style>
-        <p:txBody>
-          <a:bodyPr rtlCol="0" anchor="ctr"/>
-          <a:lstStyle/>
-          <a:p>
-            <a:pPr algn="ctr"/>
-            <a:endParaRPr lang="en-US"/>
-          </a:p>
-        </p:txBody>
-      </p:sp>
-      <p:sp>
-        <p:nvSpPr>
-          <p:cNvPr id="2" name="Titre 1">
-            <a:extLst>
-              <a:ext uri="{FF2B5EF4-FFF2-40B4-BE49-F238E27FC236}">
-                <a16:creationId xmlns:a16="http://schemas.microsoft.com/office/drawing/2014/main" id="{A0314464-3D97-0F38-9DEE-9701DCAF4C02}"/>
-              </a:ext>
-            </a:extLst>
-          </p:cNvPr>
-          <p:cNvSpPr>
-            <a:spLocks noGrp="1"/>
-          </p:cNvSpPr>
-          <p:nvPr>
-            <p:ph type="title"/>
-          </p:nvPr>
-        </p:nvSpPr>
-        <p:spPr>
-          <a:xfrm>
-            <a:off x="1006900" y="1188637"/>
-            <a:ext cx="3141430" cy="4480726"/>
-          </a:xfrm>
-        </p:spPr>
-        <p:txBody>
-          <a:bodyPr>
-            <a:normAutofit/>
-          </a:bodyPr>
-          <a:lstStyle/>
-          <a:p>
-            <a:pPr algn="r"/>
-            <a:r>
-              <a:rPr lang="fr-FR" sz="4600" dirty="0"/>
-              <a:t>Outils</a:t>
-            </a:r>
-          </a:p>
-        </p:txBody>
-      </p:sp>
-      <p:cxnSp>
-        <p:nvCxnSpPr>
-          <p:cNvPr id="16" name="Straight Connector 15">
-            <a:extLst>
-              <a:ext uri="{FF2B5EF4-FFF2-40B4-BE49-F238E27FC236}">
-                <a16:creationId xmlns:a16="http://schemas.microsoft.com/office/drawing/2014/main" id="{23AAC9B5-8015-485C-ACF9-A750390E9A56}"/>
-              </a:ext>
-              <a:ext uri="{C183D7F6-B498-43B3-948B-1728B52AA6E4}">
-                <adec:decorative xmlns:adec="http://schemas.microsoft.com/office/drawing/2017/decorative" val="1"/>
-              </a:ext>
-            </a:extLst>
-          </p:cNvPr>
-          <p:cNvCxnSpPr>
-            <a:cxnSpLocks noGrp="1" noRot="1" noChangeAspect="1" noMove="1" noResize="1" noEditPoints="1" noAdjustHandles="1" noChangeArrowheads="1" noChangeShapeType="1"/>
-          </p:cNvCxnSpPr>
-          <p:nvPr>
-            <p:extLst>
-              <p:ext uri="{386F3935-93C4-4BCD-93E2-E3B085C9AB24}">
-                <p16:designElem xmlns:p16="http://schemas.microsoft.com/office/powerpoint/2015/main" val="1"/>
-              </p:ext>
-            </p:extLst>
-          </p:nvPr>
-        </p:nvCxnSpPr>
-        <p:spPr>
-          <a:xfrm>
-            <a:off x="4654296" y="1852863"/>
-            <a:ext cx="0" cy="3236495"/>
-          </a:xfrm>
-          <a:prstGeom prst="line">
-            <a:avLst/>
-          </a:prstGeom>
-          <a:ln w="19050" cap="sq">
-            <a:solidFill>
-              <a:schemeClr val="tx1">
-                <a:lumMod val="75000"/>
-                <a:lumOff val="25000"/>
-              </a:schemeClr>
-            </a:solidFill>
-          </a:ln>
-        </p:spPr>
-        <p:style>
-          <a:lnRef idx="1">
-            <a:schemeClr val="accent1"/>
-          </a:lnRef>
-          <a:fillRef idx="0">
-            <a:schemeClr val="accent1"/>
-          </a:fillRef>
-          <a:effectRef idx="0">
-            <a:schemeClr val="accent1"/>
-          </a:effectRef>
-          <a:fontRef idx="minor">
-            <a:schemeClr val="tx1"/>
-          </a:fontRef>
-        </p:style>
-      </p:cxnSp>
-      <p:sp>
-        <p:nvSpPr>
-          <p:cNvPr id="3" name="Espace réservé du contenu 2">
-            <a:extLst>
-              <a:ext uri="{FF2B5EF4-FFF2-40B4-BE49-F238E27FC236}">
-                <a16:creationId xmlns:a16="http://schemas.microsoft.com/office/drawing/2014/main" id="{7D5413B2-D9D8-7BE3-1F60-7577658FEC5E}"/>
-              </a:ext>
-            </a:extLst>
-          </p:cNvPr>
-          <p:cNvSpPr>
-            <a:spLocks noGrp="1"/>
-          </p:cNvSpPr>
-          <p:nvPr>
-            <p:ph idx="1"/>
-          </p:nvPr>
-        </p:nvSpPr>
-        <p:spPr>
-          <a:xfrm>
-            <a:off x="5138928" y="1338729"/>
-            <a:ext cx="4795584" cy="4180542"/>
-          </a:xfrm>
-        </p:spPr>
-        <p:txBody>
-          <a:bodyPr anchor="ctr">
-            <a:normAutofit/>
-          </a:bodyPr>
-          <a:lstStyle/>
-          <a:p>
-            <a:r>
-              <a:rPr lang="fr-FR" sz="2400"/>
-              <a:t>Github</a:t>
-            </a:r>
-          </a:p>
-          <a:p>
-            <a:r>
-              <a:rPr lang="fr-FR" sz="2400"/>
-              <a:t>Trello</a:t>
-            </a:r>
-          </a:p>
-          <a:p>
-            <a:r>
-              <a:rPr lang="fr-FR" sz="2400"/>
-              <a:t>Figma</a:t>
-            </a:r>
-          </a:p>
-          <a:p>
-            <a:r>
-              <a:rPr lang="fr-FR" sz="2400"/>
-              <a:t>Looping</a:t>
-            </a:r>
-          </a:p>
-        </p:txBody>
-      </p:sp>
-    </p:spTree>
-    <p:extLst>
-      <p:ext uri="{BB962C8B-B14F-4D97-AF65-F5344CB8AC3E}">
-        <p14:creationId xmlns:p14="http://schemas.microsoft.com/office/powerpoint/2010/main" val="2437549220"/>
-      </p:ext>
-    </p:extLst>
-  </p:cSld>
-  <p:clrMapOvr>
-    <a:masterClrMapping/>
-  </p:clrMapOvr>
-</p:sld>
-</file>
-
-<file path=ppt/slides/slide5.xml><?xml version="1.0" encoding="utf-8"?>
 <p:sld xmlns:a="http://schemas.openxmlformats.org/drawingml/2006/main" xmlns:r="http://schemas.openxmlformats.org/officeDocument/2006/relationships" xmlns:p="http://schemas.openxmlformats.org/presentationml/2006/main">
   <p:cSld>
     <p:bg>
@@ -34624,7 +33770,7 @@
 </p:sld>
 </file>
 
-<file path=ppt/slides/slide6.xml><?xml version="1.0" encoding="utf-8"?>
+<file path=ppt/slides/slide5.xml><?xml version="1.0" encoding="utf-8"?>
 <p:sld xmlns:a="http://schemas.openxmlformats.org/drawingml/2006/main" xmlns:r="http://schemas.openxmlformats.org/officeDocument/2006/relationships" xmlns:p="http://schemas.openxmlformats.org/presentationml/2006/main">
   <p:cSld>
     <p:bg>
@@ -35179,7 +34325,7 @@
 </p:sld>
 </file>
 
-<file path=ppt/slides/slide7.xml><?xml version="1.0" encoding="utf-8"?>
+<file path=ppt/slides/slide6.xml><?xml version="1.0" encoding="utf-8"?>
 <p:sld xmlns:a="http://schemas.openxmlformats.org/drawingml/2006/main" xmlns:r="http://schemas.openxmlformats.org/officeDocument/2006/relationships" xmlns:p="http://schemas.openxmlformats.org/presentationml/2006/main">
   <p:cSld>
     <p:bg>
@@ -35544,7 +34690,7 @@
 </p:sld>
 </file>
 
-<file path=ppt/slides/slide8.xml><?xml version="1.0" encoding="utf-8"?>
+<file path=ppt/slides/slide7.xml><?xml version="1.0" encoding="utf-8"?>
 <p:sld xmlns:a="http://schemas.openxmlformats.org/drawingml/2006/main" xmlns:r="http://schemas.openxmlformats.org/officeDocument/2006/relationships" xmlns:p="http://schemas.openxmlformats.org/presentationml/2006/main">
   <p:cSld>
     <p:bg>
@@ -35775,7 +34921,7 @@
 </p:sld>
 </file>
 
-<file path=ppt/slides/slide9.xml><?xml version="1.0" encoding="utf-8"?>
+<file path=ppt/slides/slide8.xml><?xml version="1.0" encoding="utf-8"?>
 <p:sld xmlns:a="http://schemas.openxmlformats.org/drawingml/2006/main" xmlns:r="http://schemas.openxmlformats.org/officeDocument/2006/relationships" xmlns:p="http://schemas.openxmlformats.org/presentationml/2006/main">
   <p:cSld>
     <p:bg>
@@ -36933,6 +36079,520 @@
 </p:sld>
 </file>
 
+<file path=ppt/slides/slide9.xml><?xml version="1.0" encoding="utf-8"?>
+<p:sld xmlns:a="http://schemas.openxmlformats.org/drawingml/2006/main" xmlns:r="http://schemas.openxmlformats.org/officeDocument/2006/relationships" xmlns:p="http://schemas.openxmlformats.org/presentationml/2006/main">
+  <p:cSld>
+    <p:bg>
+      <p:bgPr>
+        <a:solidFill>
+          <a:schemeClr val="bg1"/>
+        </a:solidFill>
+        <a:effectLst/>
+      </p:bgPr>
+    </p:bg>
+    <p:spTree>
+      <p:nvGrpSpPr>
+        <p:cNvPr id="1" name=""/>
+        <p:cNvGrpSpPr/>
+        <p:nvPr/>
+      </p:nvGrpSpPr>
+      <p:grpSpPr>
+        <a:xfrm>
+          <a:off x="0" y="0"/>
+          <a:ext cx="0" cy="0"/>
+          <a:chOff x="0" y="0"/>
+          <a:chExt cx="0" cy="0"/>
+        </a:xfrm>
+      </p:grpSpPr>
+      <p:sp useBgFill="1">
+        <p:nvSpPr>
+          <p:cNvPr id="11" name="Rectangle 10">
+            <a:extLst>
+              <a:ext uri="{FF2B5EF4-FFF2-40B4-BE49-F238E27FC236}">
+                <a16:creationId xmlns:a16="http://schemas.microsoft.com/office/drawing/2014/main" id="{C59AB4C8-9178-4F7A-8404-6890510B5917}"/>
+              </a:ext>
+              <a:ext uri="{C183D7F6-B498-43B3-948B-1728B52AA6E4}">
+                <adec:decorative xmlns:adec="http://schemas.microsoft.com/office/drawing/2017/decorative" val="1"/>
+              </a:ext>
+            </a:extLst>
+          </p:cNvPr>
+          <p:cNvSpPr>
+            <a:spLocks noGrp="1" noRot="1" noChangeAspect="1" noMove="1" noResize="1" noEditPoints="1" noAdjustHandles="1" noChangeArrowheads="1" noChangeShapeType="1" noTextEdit="1"/>
+          </p:cNvSpPr>
+          <p:nvPr>
+            <p:extLst>
+              <p:ext uri="{386F3935-93C4-4BCD-93E2-E3B085C9AB24}">
+                <p16:designElem xmlns:p16="http://schemas.microsoft.com/office/powerpoint/2015/main" val="1"/>
+              </p:ext>
+            </p:extLst>
+          </p:nvPr>
+        </p:nvSpPr>
+        <p:spPr>
+          <a:xfrm>
+            <a:off x="0" y="0"/>
+            <a:ext cx="12192000" cy="6858000"/>
+          </a:xfrm>
+          <a:prstGeom prst="rect">
+            <a:avLst/>
+          </a:prstGeom>
+          <a:ln>
+            <a:noFill/>
+          </a:ln>
+        </p:spPr>
+        <p:style>
+          <a:lnRef idx="2">
+            <a:schemeClr val="accent1">
+              <a:shade val="50000"/>
+            </a:schemeClr>
+          </a:lnRef>
+          <a:fillRef idx="1">
+            <a:schemeClr val="accent1"/>
+          </a:fillRef>
+          <a:effectRef idx="0">
+            <a:schemeClr val="accent1"/>
+          </a:effectRef>
+          <a:fontRef idx="minor">
+            <a:schemeClr val="lt1"/>
+          </a:fontRef>
+        </p:style>
+        <p:txBody>
+          <a:bodyPr rtlCol="0" anchor="ctr"/>
+          <a:lstStyle/>
+          <a:p>
+            <a:pPr algn="ctr"/>
+            <a:endParaRPr lang="en-US" dirty="0"/>
+          </a:p>
+        </p:txBody>
+      </p:sp>
+      <p:sp>
+        <p:nvSpPr>
+          <p:cNvPr id="2" name="Titre 1">
+            <a:extLst>
+              <a:ext uri="{FF2B5EF4-FFF2-40B4-BE49-F238E27FC236}">
+                <a16:creationId xmlns:a16="http://schemas.microsoft.com/office/drawing/2014/main" id="{B562D7E7-C1A9-D630-C8E2-2F3CA8213045}"/>
+              </a:ext>
+            </a:extLst>
+          </p:cNvPr>
+          <p:cNvSpPr>
+            <a:spLocks noGrp="1"/>
+          </p:cNvSpPr>
+          <p:nvPr>
+            <p:ph type="title"/>
+          </p:nvPr>
+        </p:nvSpPr>
+        <p:spPr>
+          <a:xfrm>
+            <a:off x="638881" y="457201"/>
+            <a:ext cx="10909640" cy="1832654"/>
+          </a:xfrm>
+        </p:spPr>
+        <p:txBody>
+          <a:bodyPr vert="horz" lIns="91440" tIns="45720" rIns="91440" bIns="45720" rtlCol="0" anchor="b">
+            <a:normAutofit/>
+          </a:bodyPr>
+          <a:lstStyle/>
+          <a:p>
+            <a:pPr algn="ctr"/>
+            <a:r>
+              <a:rPr lang="en-US" sz="6600" kern="1200">
+                <a:solidFill>
+                  <a:schemeClr val="tx1"/>
+                </a:solidFill>
+                <a:latin typeface="+mj-lt"/>
+                <a:ea typeface="+mj-ea"/>
+                <a:cs typeface="+mj-cs"/>
+              </a:rPr>
+              <a:t>Trello</a:t>
+            </a:r>
+          </a:p>
+        </p:txBody>
+      </p:sp>
+      <p:sp>
+        <p:nvSpPr>
+          <p:cNvPr id="13" name="sketch line">
+            <a:extLst>
+              <a:ext uri="{FF2B5EF4-FFF2-40B4-BE49-F238E27FC236}">
+                <a16:creationId xmlns:a16="http://schemas.microsoft.com/office/drawing/2014/main" id="{4CFDFB37-4BC7-42C6-915D-A6609139BFE7}"/>
+              </a:ext>
+              <a:ext uri="{C183D7F6-B498-43B3-948B-1728B52AA6E4}">
+                <adec:decorative xmlns:adec="http://schemas.microsoft.com/office/drawing/2017/decorative" val="1"/>
+              </a:ext>
+            </a:extLst>
+          </p:cNvPr>
+          <p:cNvSpPr>
+            <a:spLocks noGrp="1" noRot="1" noChangeAspect="1" noMove="1" noResize="1" noEditPoints="1" noAdjustHandles="1" noChangeArrowheads="1" noChangeShapeType="1" noTextEdit="1"/>
+          </p:cNvSpPr>
+          <p:nvPr>
+            <p:extLst>
+              <p:ext uri="{386F3935-93C4-4BCD-93E2-E3B085C9AB24}">
+                <p16:designElem xmlns:p16="http://schemas.microsoft.com/office/powerpoint/2015/main" val="1"/>
+              </p:ext>
+            </p:extLst>
+          </p:nvPr>
+        </p:nvSpPr>
+        <p:spPr>
+          <a:xfrm>
+            <a:off x="3807702" y="2343912"/>
+            <a:ext cx="4572000" cy="18288"/>
+          </a:xfrm>
+          <a:custGeom>
+            <a:avLst/>
+            <a:gdLst>
+              <a:gd name="connsiteX0" fmla="*/ 0 w 4572000"/>
+              <a:gd name="connsiteY0" fmla="*/ 0 h 18288"/>
+              <a:gd name="connsiteX1" fmla="*/ 515983 w 4572000"/>
+              <a:gd name="connsiteY1" fmla="*/ 0 h 18288"/>
+              <a:gd name="connsiteX2" fmla="*/ 1031966 w 4572000"/>
+              <a:gd name="connsiteY2" fmla="*/ 0 h 18288"/>
+              <a:gd name="connsiteX3" fmla="*/ 1639389 w 4572000"/>
+              <a:gd name="connsiteY3" fmla="*/ 0 h 18288"/>
+              <a:gd name="connsiteX4" fmla="*/ 2383971 w 4572000"/>
+              <a:gd name="connsiteY4" fmla="*/ 0 h 18288"/>
+              <a:gd name="connsiteX5" fmla="*/ 2945674 w 4572000"/>
+              <a:gd name="connsiteY5" fmla="*/ 0 h 18288"/>
+              <a:gd name="connsiteX6" fmla="*/ 3507377 w 4572000"/>
+              <a:gd name="connsiteY6" fmla="*/ 0 h 18288"/>
+              <a:gd name="connsiteX7" fmla="*/ 4572000 w 4572000"/>
+              <a:gd name="connsiteY7" fmla="*/ 0 h 18288"/>
+              <a:gd name="connsiteX8" fmla="*/ 4572000 w 4572000"/>
+              <a:gd name="connsiteY8" fmla="*/ 18288 h 18288"/>
+              <a:gd name="connsiteX9" fmla="*/ 3873137 w 4572000"/>
+              <a:gd name="connsiteY9" fmla="*/ 18288 h 18288"/>
+              <a:gd name="connsiteX10" fmla="*/ 3311434 w 4572000"/>
+              <a:gd name="connsiteY10" fmla="*/ 18288 h 18288"/>
+              <a:gd name="connsiteX11" fmla="*/ 2749731 w 4572000"/>
+              <a:gd name="connsiteY11" fmla="*/ 18288 h 18288"/>
+              <a:gd name="connsiteX12" fmla="*/ 2050869 w 4572000"/>
+              <a:gd name="connsiteY12" fmla="*/ 18288 h 18288"/>
+              <a:gd name="connsiteX13" fmla="*/ 1306286 w 4572000"/>
+              <a:gd name="connsiteY13" fmla="*/ 18288 h 18288"/>
+              <a:gd name="connsiteX14" fmla="*/ 790303 w 4572000"/>
+              <a:gd name="connsiteY14" fmla="*/ 18288 h 18288"/>
+              <a:gd name="connsiteX15" fmla="*/ 0 w 4572000"/>
+              <a:gd name="connsiteY15" fmla="*/ 18288 h 18288"/>
+              <a:gd name="connsiteX16" fmla="*/ 0 w 4572000"/>
+              <a:gd name="connsiteY16" fmla="*/ 0 h 18288"/>
+            </a:gdLst>
+            <a:ahLst/>
+            <a:cxnLst>
+              <a:cxn ang="0">
+                <a:pos x="connsiteX0" y="connsiteY0"/>
+              </a:cxn>
+              <a:cxn ang="0">
+                <a:pos x="connsiteX1" y="connsiteY1"/>
+              </a:cxn>
+              <a:cxn ang="0">
+                <a:pos x="connsiteX2" y="connsiteY2"/>
+              </a:cxn>
+              <a:cxn ang="0">
+                <a:pos x="connsiteX3" y="connsiteY3"/>
+              </a:cxn>
+              <a:cxn ang="0">
+                <a:pos x="connsiteX4" y="connsiteY4"/>
+              </a:cxn>
+              <a:cxn ang="0">
+                <a:pos x="connsiteX5" y="connsiteY5"/>
+              </a:cxn>
+              <a:cxn ang="0">
+                <a:pos x="connsiteX6" y="connsiteY6"/>
+              </a:cxn>
+              <a:cxn ang="0">
+                <a:pos x="connsiteX7" y="connsiteY7"/>
+              </a:cxn>
+              <a:cxn ang="0">
+                <a:pos x="connsiteX8" y="connsiteY8"/>
+              </a:cxn>
+              <a:cxn ang="0">
+                <a:pos x="connsiteX9" y="connsiteY9"/>
+              </a:cxn>
+              <a:cxn ang="0">
+                <a:pos x="connsiteX10" y="connsiteY10"/>
+              </a:cxn>
+              <a:cxn ang="0">
+                <a:pos x="connsiteX11" y="connsiteY11"/>
+              </a:cxn>
+              <a:cxn ang="0">
+                <a:pos x="connsiteX12" y="connsiteY12"/>
+              </a:cxn>
+              <a:cxn ang="0">
+                <a:pos x="connsiteX13" y="connsiteY13"/>
+              </a:cxn>
+              <a:cxn ang="0">
+                <a:pos x="connsiteX14" y="connsiteY14"/>
+              </a:cxn>
+              <a:cxn ang="0">
+                <a:pos x="connsiteX15" y="connsiteY15"/>
+              </a:cxn>
+              <a:cxn ang="0">
+                <a:pos x="connsiteX16" y="connsiteY16"/>
+              </a:cxn>
+            </a:cxnLst>
+            <a:rect l="l" t="t" r="r" b="b"/>
+            <a:pathLst>
+              <a:path w="4572000" h="18288" fill="none" extrusionOk="0">
+                <a:moveTo>
+                  <a:pt x="0" y="0"/>
+                </a:moveTo>
+                <a:cubicBezTo>
+                  <a:pt x="105156" y="-20963"/>
+                  <a:pt x="340432" y="822"/>
+                  <a:pt x="515983" y="0"/>
+                </a:cubicBezTo>
+                <a:cubicBezTo>
+                  <a:pt x="691534" y="-822"/>
+                  <a:pt x="850679" y="16479"/>
+                  <a:pt x="1031966" y="0"/>
+                </a:cubicBezTo>
+                <a:cubicBezTo>
+                  <a:pt x="1213253" y="-16479"/>
+                  <a:pt x="1443646" y="-18730"/>
+                  <a:pt x="1639389" y="0"/>
+                </a:cubicBezTo>
+                <a:cubicBezTo>
+                  <a:pt x="1835132" y="18730"/>
+                  <a:pt x="2159975" y="18531"/>
+                  <a:pt x="2383971" y="0"/>
+                </a:cubicBezTo>
+                <a:cubicBezTo>
+                  <a:pt x="2607967" y="-18531"/>
+                  <a:pt x="2719096" y="-12030"/>
+                  <a:pt x="2945674" y="0"/>
+                </a:cubicBezTo>
+                <a:cubicBezTo>
+                  <a:pt x="3172252" y="12030"/>
+                  <a:pt x="3269167" y="27666"/>
+                  <a:pt x="3507377" y="0"/>
+                </a:cubicBezTo>
+                <a:cubicBezTo>
+                  <a:pt x="3745587" y="-27666"/>
+                  <a:pt x="4116741" y="18705"/>
+                  <a:pt x="4572000" y="0"/>
+                </a:cubicBezTo>
+                <a:cubicBezTo>
+                  <a:pt x="4572895" y="8974"/>
+                  <a:pt x="4571454" y="9359"/>
+                  <a:pt x="4572000" y="18288"/>
+                </a:cubicBezTo>
+                <a:cubicBezTo>
+                  <a:pt x="4374698" y="3942"/>
+                  <a:pt x="4098874" y="-11042"/>
+                  <a:pt x="3873137" y="18288"/>
+                </a:cubicBezTo>
+                <a:cubicBezTo>
+                  <a:pt x="3647400" y="47618"/>
+                  <a:pt x="3517055" y="5421"/>
+                  <a:pt x="3311434" y="18288"/>
+                </a:cubicBezTo>
+                <a:cubicBezTo>
+                  <a:pt x="3105813" y="31155"/>
+                  <a:pt x="3025168" y="17856"/>
+                  <a:pt x="2749731" y="18288"/>
+                </a:cubicBezTo>
+                <a:cubicBezTo>
+                  <a:pt x="2474294" y="18720"/>
+                  <a:pt x="2291766" y="-14168"/>
+                  <a:pt x="2050869" y="18288"/>
+                </a:cubicBezTo>
+                <a:cubicBezTo>
+                  <a:pt x="1809972" y="50744"/>
+                  <a:pt x="1540276" y="46798"/>
+                  <a:pt x="1306286" y="18288"/>
+                </a:cubicBezTo>
+                <a:cubicBezTo>
+                  <a:pt x="1072296" y="-10222"/>
+                  <a:pt x="972445" y="19645"/>
+                  <a:pt x="790303" y="18288"/>
+                </a:cubicBezTo>
+                <a:cubicBezTo>
+                  <a:pt x="608161" y="16931"/>
+                  <a:pt x="200981" y="8241"/>
+                  <a:pt x="0" y="18288"/>
+                </a:cubicBezTo>
+                <a:cubicBezTo>
+                  <a:pt x="-229" y="14222"/>
+                  <a:pt x="509" y="5816"/>
+                  <a:pt x="0" y="0"/>
+                </a:cubicBezTo>
+                <a:close/>
+              </a:path>
+              <a:path w="4572000" h="18288" stroke="0" extrusionOk="0">
+                <a:moveTo>
+                  <a:pt x="0" y="0"/>
+                </a:moveTo>
+                <a:cubicBezTo>
+                  <a:pt x="143285" y="-9565"/>
+                  <a:pt x="327959" y="-11498"/>
+                  <a:pt x="561703" y="0"/>
+                </a:cubicBezTo>
+                <a:cubicBezTo>
+                  <a:pt x="795447" y="11498"/>
+                  <a:pt x="838260" y="18255"/>
+                  <a:pt x="1077686" y="0"/>
+                </a:cubicBezTo>
+                <a:cubicBezTo>
+                  <a:pt x="1317112" y="-18255"/>
+                  <a:pt x="1437472" y="23514"/>
+                  <a:pt x="1639389" y="0"/>
+                </a:cubicBezTo>
+                <a:cubicBezTo>
+                  <a:pt x="1841306" y="-23514"/>
+                  <a:pt x="2037142" y="-12551"/>
+                  <a:pt x="2292531" y="0"/>
+                </a:cubicBezTo>
+                <a:cubicBezTo>
+                  <a:pt x="2547920" y="12551"/>
+                  <a:pt x="2810436" y="-20352"/>
+                  <a:pt x="2991394" y="0"/>
+                </a:cubicBezTo>
+                <a:cubicBezTo>
+                  <a:pt x="3172352" y="20352"/>
+                  <a:pt x="3530025" y="-13347"/>
+                  <a:pt x="3735977" y="0"/>
+                </a:cubicBezTo>
+                <a:cubicBezTo>
+                  <a:pt x="3941929" y="13347"/>
+                  <a:pt x="4161497" y="34086"/>
+                  <a:pt x="4572000" y="0"/>
+                </a:cubicBezTo>
+                <a:cubicBezTo>
+                  <a:pt x="4571545" y="6162"/>
+                  <a:pt x="4571903" y="11775"/>
+                  <a:pt x="4572000" y="18288"/>
+                </a:cubicBezTo>
+                <a:cubicBezTo>
+                  <a:pt x="4228040" y="36490"/>
+                  <a:pt x="4199736" y="42557"/>
+                  <a:pt x="3873137" y="18288"/>
+                </a:cubicBezTo>
+                <a:cubicBezTo>
+                  <a:pt x="3546538" y="-5981"/>
+                  <a:pt x="3472124" y="16809"/>
+                  <a:pt x="3128554" y="18288"/>
+                </a:cubicBezTo>
+                <a:cubicBezTo>
+                  <a:pt x="2784984" y="19767"/>
+                  <a:pt x="2735896" y="-17781"/>
+                  <a:pt x="2383971" y="18288"/>
+                </a:cubicBezTo>
+                <a:cubicBezTo>
+                  <a:pt x="2032046" y="54357"/>
+                  <a:pt x="2019324" y="2920"/>
+                  <a:pt x="1867989" y="18288"/>
+                </a:cubicBezTo>
+                <a:cubicBezTo>
+                  <a:pt x="1716654" y="33656"/>
+                  <a:pt x="1418675" y="32575"/>
+                  <a:pt x="1169126" y="18288"/>
+                </a:cubicBezTo>
+                <a:cubicBezTo>
+                  <a:pt x="919577" y="4001"/>
+                  <a:pt x="798537" y="16165"/>
+                  <a:pt x="561703" y="18288"/>
+                </a:cubicBezTo>
+                <a:cubicBezTo>
+                  <a:pt x="324869" y="20411"/>
+                  <a:pt x="221395" y="-912"/>
+                  <a:pt x="0" y="18288"/>
+                </a:cubicBezTo>
+                <a:cubicBezTo>
+                  <a:pt x="766" y="10800"/>
+                  <a:pt x="-457" y="8180"/>
+                  <a:pt x="0" y="0"/>
+                </a:cubicBezTo>
+                <a:close/>
+              </a:path>
+            </a:pathLst>
+          </a:custGeom>
+          <a:solidFill>
+            <a:schemeClr val="accent2"/>
+          </a:solidFill>
+          <a:ln w="41275" cap="rnd">
+            <a:solidFill>
+              <a:schemeClr val="accent2"/>
+            </a:solidFill>
+            <a:round/>
+            <a:extLst>
+              <a:ext uri="{C807C97D-BFC1-408E-A445-0C87EB9F89A2}">
+                <ask:lineSketchStyleProps xmlns:ask="http://schemas.microsoft.com/office/drawing/2018/sketchyshapes" sd="2727557108">
+                  <a:prstGeom prst="rect">
+                    <a:avLst/>
+                  </a:prstGeom>
+                  <ask:type>
+                    <ask:lineSketchFreehand/>
+                  </ask:type>
+                </ask:lineSketchStyleProps>
+              </a:ext>
+            </a:extLst>
+          </a:ln>
+        </p:spPr>
+        <p:style>
+          <a:lnRef idx="2">
+            <a:schemeClr val="accent1">
+              <a:shade val="50000"/>
+            </a:schemeClr>
+          </a:lnRef>
+          <a:fillRef idx="1">
+            <a:schemeClr val="accent1"/>
+          </a:fillRef>
+          <a:effectRef idx="0">
+            <a:schemeClr val="accent1"/>
+          </a:effectRef>
+          <a:fontRef idx="minor">
+            <a:schemeClr val="lt1"/>
+          </a:fontRef>
+        </p:style>
+        <p:txBody>
+          <a:bodyPr rtlCol="0" anchor="ctr"/>
+          <a:lstStyle/>
+          <a:p>
+            <a:pPr algn="ctr"/>
+            <a:endParaRPr lang="en-US"/>
+          </a:p>
+        </p:txBody>
+      </p:sp>
+      <p:pic>
+        <p:nvPicPr>
+          <p:cNvPr id="6" name="Image 5">
+            <a:extLst>
+              <a:ext uri="{FF2B5EF4-FFF2-40B4-BE49-F238E27FC236}">
+                <a16:creationId xmlns:a16="http://schemas.microsoft.com/office/drawing/2014/main" id="{C3B6DE3E-34C9-B8FA-2207-A1FD966AECC8}"/>
+              </a:ext>
+            </a:extLst>
+          </p:cNvPr>
+          <p:cNvPicPr>
+            <a:picLocks noChangeAspect="1"/>
+          </p:cNvPicPr>
+          <p:nvPr/>
+        </p:nvPicPr>
+        <p:blipFill>
+          <a:blip r:embed="rId2"/>
+          <a:stretch>
+            <a:fillRect/>
+          </a:stretch>
+        </p:blipFill>
+        <p:spPr>
+          <a:xfrm>
+            <a:off x="2166800" y="3124200"/>
+            <a:ext cx="7855352" cy="3102864"/>
+          </a:xfrm>
+          <a:prstGeom prst="rect">
+            <a:avLst/>
+          </a:prstGeom>
+        </p:spPr>
+      </p:pic>
+    </p:spTree>
+    <p:extLst>
+      <p:ext uri="{BB962C8B-B14F-4D97-AF65-F5344CB8AC3E}">
+        <p14:creationId xmlns:p14="http://schemas.microsoft.com/office/powerpoint/2010/main" val="3128204202"/>
+      </p:ext>
+    </p:extLst>
+  </p:cSld>
+  <p:clrMapOvr>
+    <a:masterClrMapping/>
+  </p:clrMapOvr>
+</p:sld>
+</file>
+
 <file path=ppt/theme/theme1.xml><?xml version="1.0" encoding="utf-8"?>
 <a:theme xmlns:a="http://schemas.openxmlformats.org/drawingml/2006/main" name="Thème Office">
   <a:themeElements>
